--- a/组会报告/组会20180110中文版.pptx
+++ b/组会报告/组会20180110中文版.pptx
@@ -1,36 +1,36 @@
 
 <file path=ppt/presentation.xml><?xml version="1.0" encoding="utf-8"?>
-<p:presentation xmlns:a="http://schemas.openxmlformats.org/drawingml/2006/main" xmlns:r="http://schemas.openxmlformats.org/officeDocument/2006/relationships" xmlns:p="http://schemas.openxmlformats.org/presentationml/2006/main" bookmarkIdSeed="7" showSpecialPlsOnTitleSld="0">
+<p:presentation xmlns:a="http://schemas.openxmlformats.org/drawingml/2006/main" xmlns:r="http://schemas.openxmlformats.org/officeDocument/2006/relationships" xmlns:p="http://schemas.openxmlformats.org/presentationml/2006/main" showSpecialPlsOnTitleSld="0" bookmarkIdSeed="7">
   <p:sldMasterIdLst>
     <p:sldMasterId id="2147483648" r:id="rId1"/>
   </p:sldMasterIdLst>
   <p:notesMasterIdLst>
-    <p:notesMasterId r:id="rId4"/>
+    <p:notesMasterId r:id="rId22"/>
   </p:notesMasterIdLst>
   <p:handoutMasterIdLst>
-    <p:handoutMasterId r:id="rId24"/>
+    <p:handoutMasterId r:id="rId23"/>
   </p:handoutMasterIdLst>
   <p:sldIdLst>
-    <p:sldId id="483" r:id="rId3"/>
-    <p:sldId id="482" r:id="rId5"/>
-    <p:sldId id="474" r:id="rId6"/>
-    <p:sldId id="503" r:id="rId7"/>
-    <p:sldId id="498" r:id="rId8"/>
-    <p:sldId id="504" r:id="rId9"/>
-    <p:sldId id="499" r:id="rId10"/>
-    <p:sldId id="497" r:id="rId11"/>
-    <p:sldId id="502" r:id="rId12"/>
-    <p:sldId id="501" r:id="rId13"/>
-    <p:sldId id="486" r:id="rId14"/>
-    <p:sldId id="496" r:id="rId15"/>
-    <p:sldId id="489" r:id="rId16"/>
-    <p:sldId id="488" r:id="rId17"/>
-    <p:sldId id="470" r:id="rId18"/>
-    <p:sldId id="456" r:id="rId19"/>
-    <p:sldId id="471" r:id="rId20"/>
-    <p:sldId id="472" r:id="rId21"/>
-    <p:sldId id="473" r:id="rId22"/>
-    <p:sldId id="500" r:id="rId23"/>
+    <p:sldId id="483" r:id="rId2"/>
+    <p:sldId id="482" r:id="rId3"/>
+    <p:sldId id="474" r:id="rId4"/>
+    <p:sldId id="503" r:id="rId5"/>
+    <p:sldId id="498" r:id="rId6"/>
+    <p:sldId id="504" r:id="rId7"/>
+    <p:sldId id="499" r:id="rId8"/>
+    <p:sldId id="497" r:id="rId9"/>
+    <p:sldId id="502" r:id="rId10"/>
+    <p:sldId id="501" r:id="rId11"/>
+    <p:sldId id="486" r:id="rId12"/>
+    <p:sldId id="496" r:id="rId13"/>
+    <p:sldId id="489" r:id="rId14"/>
+    <p:sldId id="488" r:id="rId15"/>
+    <p:sldId id="470" r:id="rId16"/>
+    <p:sldId id="456" r:id="rId17"/>
+    <p:sldId id="471" r:id="rId18"/>
+    <p:sldId id="472" r:id="rId19"/>
+    <p:sldId id="473" r:id="rId20"/>
+    <p:sldId id="500" r:id="rId21"/>
   </p:sldIdLst>
   <p:sldSz cx="9144000" cy="6858000" type="screen4x3"/>
   <p:notesSz cx="6858000" cy="9144000"/>
@@ -159,11 +159,27 @@
       </a:defRPr>
     </a:lvl9pPr>
   </p:defaultTextStyle>
+  <p:extLst>
+    <p:ext uri="{EFAFB233-063F-42B5-8137-9DF3F51BA10A}">
+      <p15:sldGuideLst xmlns:p15="http://schemas.microsoft.com/office/powerpoint/2012/main">
+        <p15:guide id="1" orient="horz" pos="2421">
+          <p15:clr>
+            <a:srgbClr val="A4A3A4"/>
+          </p15:clr>
+        </p15:guide>
+        <p15:guide id="2" pos="3170">
+          <p15:clr>
+            <a:srgbClr val="A4A3A4"/>
+          </p15:clr>
+        </p15:guide>
+      </p15:sldGuideLst>
+    </p:ext>
+  </p:extLst>
 </p:presentation>
 </file>
 
 <file path=ppt/diagrams/colors1.xml><?xml version="1.0" encoding="utf-8"?>
-<dgm:colorsDef xmlns:dgm="http://schemas.openxmlformats.org/drawingml/2006/diagram" xmlns:a="http://schemas.openxmlformats.org/drawingml/2006/main" uniqueId="urn:microsoft.com/office/officeart/2005/8/colors/accent1_2">
+<dgm:colorsDef xmlns:dgm="http://schemas.openxmlformats.org/drawingml/2006/diagram" xmlns:a="http://schemas.openxmlformats.org/drawingml/2006/main" uniqueId="urn:microsoft.com/office/officeart/2005/8/colors/accent1_2#1">
   <dgm:title val=""/>
   <dgm:desc val=""/>
   <dgm:catLst>
@@ -913,10 +929,11 @@
 <dgm:dataModel xmlns:dgm="http://schemas.openxmlformats.org/drawingml/2006/diagram" xmlns:a="http://schemas.openxmlformats.org/drawingml/2006/main">
   <dgm:ptLst>
     <dgm:pt modelId="{2E15931E-1654-4B73-89B2-8E333D9C42E0}" type="doc">
-      <dgm:prSet loTypeId="list" loCatId="list" qsTypeId="urn:microsoft.com/office/officeart/2005/8/quickstyle/simple1" qsCatId="simple" csTypeId="urn:microsoft.com/office/officeart/2005/8/colors/accent1_2" csCatId="accent1" phldr="0"/>
+      <dgm:prSet loTypeId="urn:microsoft.com/office/officeart/2005/8/layout/vList5" loCatId="list" qsTypeId="urn:microsoft.com/office/officeart/2005/8/quickstyle/simple1#1" qsCatId="simple" csTypeId="urn:microsoft.com/office/officeart/2005/8/colors/accent1_2#1" csCatId="accent1" phldr="0"/>
       <dgm:spPr/>
       <dgm:t>
         <a:bodyPr/>
+        <a:lstStyle/>
         <a:p>
           <a:endParaRPr lang="zh-CN" altLang="en-US"/>
         </a:p>
@@ -970,35 +987,28 @@
           </a:pPr>
           <a:r>
             <a:rPr lang="en-US" altLang="zh-CN" sz="2400"/>
-            <a:t>Numerical</a:t>
+            <a:t>Numerical model</a:t>
           </a:r>
-          <a:r>
-            <a:rPr lang="en-US" altLang="zh-CN" sz="2400"/>
-            <a:t> model</a:t>
-          </a:r>
-          <a:r>
-            <a:rPr lang="en-US" altLang="zh-CN" sz="2400"/>
-            <a:t/>
-          </a:r>
-          <a:endParaRPr lang="en-US" altLang="zh-CN" sz="2400"/>
         </a:p>
       </dgm:t>
     </dgm:pt>
-    <dgm:pt modelId="{C8BB0B8A-C63A-4F83-B8DD-3A7CE259E4EE}" cxnId="{F42AF8FF-1599-42FD-93E5-47A977B397E1}" type="parTrans">
+    <dgm:pt modelId="{C8BB0B8A-C63A-4F83-B8DD-3A7CE259E4EE}" type="parTrans" cxnId="{F42AF8FF-1599-42FD-93E5-47A977B397E1}">
       <dgm:prSet/>
       <dgm:spPr/>
       <dgm:t>
         <a:bodyPr/>
+        <a:lstStyle/>
         <a:p>
           <a:endParaRPr lang="zh-CN" altLang="en-US"/>
         </a:p>
       </dgm:t>
     </dgm:pt>
-    <dgm:pt modelId="{35E5E878-0907-4014-9CFA-56AEFE6C22E5}" cxnId="{F42AF8FF-1599-42FD-93E5-47A977B397E1}" type="sibTrans">
+    <dgm:pt modelId="{35E5E878-0907-4014-9CFA-56AEFE6C22E5}" type="sibTrans" cxnId="{F42AF8FF-1599-42FD-93E5-47A977B397E1}">
       <dgm:prSet/>
       <dgm:spPr/>
       <dgm:t>
         <a:bodyPr/>
+        <a:lstStyle/>
         <a:p>
           <a:endParaRPr lang="zh-CN" altLang="en-US"/>
         </a:p>
@@ -1056,33 +1066,29 @@
             </a:rPr>
             <a:t>Hashin Criteria &amp; Continumm Damage Model(CDM)</a:t>
           </a:r>
-          <a:r>
-            <a:rPr lang="zh-CN" altLang="en-US">
-              <a:sym typeface="+mn-ea"/>
-            </a:rPr>
-            <a:t/>
-          </a:r>
           <a:endParaRPr lang="zh-CN" altLang="en-US">
             <a:sym typeface="+mn-ea"/>
           </a:endParaRPr>
         </a:p>
       </dgm:t>
     </dgm:pt>
-    <dgm:pt modelId="{FB4BCC77-44E9-4065-8A2F-90CD32DE34E3}" cxnId="{78359818-5AB2-4193-8A2A-28936535EC2C}" type="parTrans">
+    <dgm:pt modelId="{FB4BCC77-44E9-4065-8A2F-90CD32DE34E3}" type="parTrans" cxnId="{78359818-5AB2-4193-8A2A-28936535EC2C}">
       <dgm:prSet/>
       <dgm:spPr/>
       <dgm:t>
         <a:bodyPr/>
+        <a:lstStyle/>
         <a:p>
           <a:endParaRPr lang="zh-CN" altLang="en-US"/>
         </a:p>
       </dgm:t>
     </dgm:pt>
-    <dgm:pt modelId="{41FED480-3E2E-47A2-B997-02D527BC8082}" cxnId="{78359818-5AB2-4193-8A2A-28936535EC2C}" type="sibTrans">
+    <dgm:pt modelId="{41FED480-3E2E-47A2-B997-02D527BC8082}" type="sibTrans" cxnId="{78359818-5AB2-4193-8A2A-28936535EC2C}">
       <dgm:prSet/>
       <dgm:spPr/>
       <dgm:t>
         <a:bodyPr/>
+        <a:lstStyle/>
         <a:p>
           <a:endParaRPr lang="zh-CN" altLang="en-US"/>
         </a:p>
@@ -1140,19 +1146,15 @@
             </a:rPr>
             <a:t>Degeneration Model(linear vs exponential)</a:t>
           </a:r>
-          <a:r>
-            <a:rPr lang="zh-CN" altLang="en-US"/>
-            <a:t/>
-          </a:r>
           <a:endParaRPr lang="zh-CN" altLang="en-US"/>
         </a:p>
       </dgm:t>
     </dgm:pt>
-    <dgm:pt modelId="{5DAD5960-7F3B-41C6-A56F-04E4A0E24F63}" cxnId="{43FAA045-57F0-4C0F-80EA-92FA28256BCF}" type="parTrans">
+    <dgm:pt modelId="{5DAD5960-7F3B-41C6-A56F-04E4A0E24F63}" type="parTrans" cxnId="{43FAA045-57F0-4C0F-80EA-92FA28256BCF}">
       <dgm:prSet/>
       <dgm:spPr/>
     </dgm:pt>
-    <dgm:pt modelId="{F6C76A4A-0A69-4B10-803D-21CEF1486538}" cxnId="{43FAA045-57F0-4C0F-80EA-92FA28256BCF}" type="sibTrans">
+    <dgm:pt modelId="{F6C76A4A-0A69-4B10-803D-21CEF1486538}" type="sibTrans" cxnId="{43FAA045-57F0-4C0F-80EA-92FA28256BCF}">
       <dgm:prSet/>
       <dgm:spPr/>
     </dgm:pt>
@@ -1208,17 +1210,14 @@
             </a:rPr>
             <a:t>Shear Nonlinearity</a:t>
           </a:r>
-          <a:endParaRPr lang="en-US" altLang="zh-CN">
-            <a:sym typeface="+mn-ea"/>
-          </a:endParaRPr>
         </a:p>
       </dgm:t>
     </dgm:pt>
-    <dgm:pt modelId="{6B2F3570-CAAF-4EE4-BF40-26C458D743A3}" cxnId="{FF56786C-B1CA-4769-AE05-B6324C13A8EC}" type="parTrans">
+    <dgm:pt modelId="{6B2F3570-CAAF-4EE4-BF40-26C458D743A3}" type="parTrans" cxnId="{FF56786C-B1CA-4769-AE05-B6324C13A8EC}">
       <dgm:prSet/>
       <dgm:spPr/>
     </dgm:pt>
-    <dgm:pt modelId="{7CCFFC8F-E3C3-4018-BCB6-DB6B5F8B9CBC}" cxnId="{FF56786C-B1CA-4769-AE05-B6324C13A8EC}" type="sibTrans">
+    <dgm:pt modelId="{7CCFFC8F-E3C3-4018-BCB6-DB6B5F8B9CBC}" type="sibTrans" cxnId="{FF56786C-B1CA-4769-AE05-B6324C13A8EC}">
       <dgm:prSet/>
       <dgm:spPr/>
     </dgm:pt>
@@ -1272,19 +1271,14 @@
             <a:rPr lang="zh-CN" altLang="en-US"/>
             <a:t>就地强度准测？？</a:t>
           </a:r>
-          <a:r>
-            <a:rPr lang="zh-CN" altLang="en-US"/>
-            <a:t/>
-          </a:r>
-          <a:endParaRPr lang="zh-CN" altLang="en-US"/>
         </a:p>
       </dgm:t>
     </dgm:pt>
-    <dgm:pt modelId="{6940C0AB-B2F1-458A-9938-3847AC2D06E2}" cxnId="{505D6130-A3F5-431F-925D-A7F88E5964FA}" type="parTrans">
+    <dgm:pt modelId="{6940C0AB-B2F1-458A-9938-3847AC2D06E2}" type="parTrans" cxnId="{505D6130-A3F5-431F-925D-A7F88E5964FA}">
       <dgm:prSet/>
       <dgm:spPr/>
     </dgm:pt>
-    <dgm:pt modelId="{DA68C49D-76F6-4DCB-B324-636FE00BB914}" cxnId="{505D6130-A3F5-431F-925D-A7F88E5964FA}" type="sibTrans">
+    <dgm:pt modelId="{DA68C49D-76F6-4DCB-B324-636FE00BB914}" type="sibTrans" cxnId="{505D6130-A3F5-431F-925D-A7F88E5964FA}">
       <dgm:prSet/>
       <dgm:spPr/>
     </dgm:pt>
@@ -1340,33 +1334,26 @@
             </a:rPr>
             <a:t>Abaqus simulation</a:t>
           </a:r>
-          <a:r>
-            <a:rPr lang="en-US" altLang="zh-CN" sz="2400" dirty="0" smtClean="0">
-              <a:sym typeface="+mn-ea"/>
-            </a:rPr>
-            <a:t/>
-          </a:r>
-          <a:endParaRPr lang="en-US" altLang="zh-CN" sz="2400" dirty="0" smtClean="0">
-            <a:sym typeface="+mn-ea"/>
-          </a:endParaRPr>
         </a:p>
       </dgm:t>
     </dgm:pt>
-    <dgm:pt modelId="{FECC43A3-D59E-4EE1-9557-8FBB90D5B362}" cxnId="{37611173-E858-49A2-8756-8281AF0B4C6A}" type="parTrans">
+    <dgm:pt modelId="{FECC43A3-D59E-4EE1-9557-8FBB90D5B362}" type="parTrans" cxnId="{37611173-E858-49A2-8756-8281AF0B4C6A}">
       <dgm:prSet/>
       <dgm:spPr/>
       <dgm:t>
         <a:bodyPr/>
+        <a:lstStyle/>
         <a:p>
           <a:endParaRPr lang="zh-CN" altLang="en-US"/>
         </a:p>
       </dgm:t>
     </dgm:pt>
-    <dgm:pt modelId="{68BB6C9A-B7F0-43A0-955B-FC8C4D4009BF}" cxnId="{37611173-E858-49A2-8756-8281AF0B4C6A}" type="sibTrans">
+    <dgm:pt modelId="{68BB6C9A-B7F0-43A0-955B-FC8C4D4009BF}" type="sibTrans" cxnId="{37611173-E858-49A2-8756-8281AF0B4C6A}">
       <dgm:prSet/>
       <dgm:spPr/>
       <dgm:t>
         <a:bodyPr/>
+        <a:lstStyle/>
         <a:p>
           <a:endParaRPr lang="zh-CN" altLang="en-US"/>
         </a:p>
@@ -1420,35 +1407,28 @@
           </a:pPr>
           <a:r>
             <a:rPr lang="en-US" altLang="zh-CN"/>
-            <a:t>UMAT </a:t>
+            <a:t>UMAT subroutine</a:t>
           </a:r>
-          <a:r>
-            <a:rPr lang="en-US" altLang="zh-CN"/>
-            <a:t>subroutine</a:t>
-          </a:r>
-          <a:r>
-            <a:rPr lang="en-US" altLang="zh-CN"/>
-            <a:t/>
-          </a:r>
-          <a:endParaRPr lang="en-US" altLang="zh-CN"/>
         </a:p>
       </dgm:t>
     </dgm:pt>
-    <dgm:pt modelId="{73E2772F-165D-4B56-ACC2-969CBF53B0A8}" cxnId="{812595CF-5014-4D95-AA93-4439FC923BB4}" type="parTrans">
+    <dgm:pt modelId="{73E2772F-165D-4B56-ACC2-969CBF53B0A8}" type="parTrans" cxnId="{812595CF-5014-4D95-AA93-4439FC923BB4}">
       <dgm:prSet/>
       <dgm:spPr/>
       <dgm:t>
         <a:bodyPr/>
+        <a:lstStyle/>
         <a:p>
           <a:endParaRPr lang="zh-CN" altLang="en-US"/>
         </a:p>
       </dgm:t>
     </dgm:pt>
-    <dgm:pt modelId="{7BFD1607-7356-4D3D-A829-75D002A3A4B0}" cxnId="{812595CF-5014-4D95-AA93-4439FC923BB4}" type="sibTrans">
+    <dgm:pt modelId="{7BFD1607-7356-4D3D-A829-75D002A3A4B0}" type="sibTrans" cxnId="{812595CF-5014-4D95-AA93-4439FC923BB4}">
       <dgm:prSet/>
       <dgm:spPr/>
       <dgm:t>
         <a:bodyPr/>
+        <a:lstStyle/>
         <a:p>
           <a:endParaRPr lang="zh-CN" altLang="en-US"/>
         </a:p>
@@ -1504,15 +1484,14 @@
             <a:rPr lang="en-US" altLang="zh-CN"/>
             <a:t>Characteristic Length</a:t>
           </a:r>
-          <a:endParaRPr lang="en-US" altLang="zh-CN"/>
         </a:p>
       </dgm:t>
     </dgm:pt>
-    <dgm:pt modelId="{24B6B48C-1296-4DB3-862F-E64E31B02E2B}" cxnId="{3C08E6EF-41E3-46E2-84AD-25185F727D21}" type="parTrans">
+    <dgm:pt modelId="{24B6B48C-1296-4DB3-862F-E64E31B02E2B}" type="parTrans" cxnId="{3C08E6EF-41E3-46E2-84AD-25185F727D21}">
       <dgm:prSet/>
       <dgm:spPr/>
     </dgm:pt>
-    <dgm:pt modelId="{85498363-EFAE-4884-BB48-2CC60F0D20C2}" cxnId="{3C08E6EF-41E3-46E2-84AD-25185F727D21}" type="sibTrans">
+    <dgm:pt modelId="{85498363-EFAE-4884-BB48-2CC60F0D20C2}" type="sibTrans" cxnId="{3C08E6EF-41E3-46E2-84AD-25185F727D21}">
       <dgm:prSet/>
       <dgm:spPr/>
     </dgm:pt>
@@ -1566,15 +1545,14 @@
             <a:rPr lang="en-US" altLang="zh-CN"/>
             <a:t>coefficient of viscosity</a:t>
           </a:r>
-          <a:endParaRPr lang="en-US" altLang="zh-CN"/>
         </a:p>
       </dgm:t>
     </dgm:pt>
-    <dgm:pt modelId="{F4918C90-BD18-4493-BFD4-431EFEC35BFD}" cxnId="{4AF5C3F5-D92F-42EF-BA5F-86EA6AE1E454}" type="parTrans">
+    <dgm:pt modelId="{F4918C90-BD18-4493-BFD4-431EFEC35BFD}" type="parTrans" cxnId="{4AF5C3F5-D92F-42EF-BA5F-86EA6AE1E454}">
       <dgm:prSet/>
       <dgm:spPr/>
     </dgm:pt>
-    <dgm:pt modelId="{0EE33D94-CBE8-4925-B1C5-EFE8B3EFBDFD}" cxnId="{4AF5C3F5-D92F-42EF-BA5F-86EA6AE1E454}" type="sibTrans">
+    <dgm:pt modelId="{0EE33D94-CBE8-4925-B1C5-EFE8B3EFBDFD}" type="sibTrans" cxnId="{4AF5C3F5-D92F-42EF-BA5F-86EA6AE1E454}">
       <dgm:prSet/>
       <dgm:spPr/>
     </dgm:pt>
@@ -1628,15 +1606,14 @@
             <a:rPr lang="en-US" altLang="zh-CN"/>
             <a:t>implicit dynamic </a:t>
           </a:r>
-          <a:endParaRPr lang="en-US" altLang="zh-CN"/>
         </a:p>
       </dgm:t>
     </dgm:pt>
-    <dgm:pt modelId="{E5CB79FD-B4E3-4F25-9A5A-40FEAE415663}" cxnId="{9A0A3B14-C90B-4B73-81EF-CEBD897B4FE4}" type="parTrans">
+    <dgm:pt modelId="{E5CB79FD-B4E3-4F25-9A5A-40FEAE415663}" type="parTrans" cxnId="{9A0A3B14-C90B-4B73-81EF-CEBD897B4FE4}">
       <dgm:prSet/>
       <dgm:spPr/>
     </dgm:pt>
-    <dgm:pt modelId="{B04FF3F6-37F4-4878-B64A-C7A776EACC76}" cxnId="{9A0A3B14-C90B-4B73-81EF-CEBD897B4FE4}" type="sibTrans">
+    <dgm:pt modelId="{B04FF3F6-37F4-4878-B64A-C7A776EACC76}" type="sibTrans" cxnId="{9A0A3B14-C90B-4B73-81EF-CEBD897B4FE4}">
       <dgm:prSet/>
       <dgm:spPr/>
     </dgm:pt>
@@ -1698,29 +1675,27 @@
             </a:rPr>
             <a:t> </a:t>
           </a:r>
-          <a:r>
-            <a:rPr lang="zh-CN" altLang="en-US" sz="5900"/>
-            <a:t/>
-          </a:r>
           <a:endParaRPr lang="zh-CN" altLang="en-US" sz="5900"/>
         </a:p>
       </dgm:t>
     </dgm:pt>
-    <dgm:pt modelId="{26EA520A-5891-4EBA-B2AD-1840663D8C07}" cxnId="{EB3038D1-48AA-4660-881B-9FC564E2E6C2}" type="parTrans">
+    <dgm:pt modelId="{26EA520A-5891-4EBA-B2AD-1840663D8C07}" type="parTrans" cxnId="{EB3038D1-48AA-4660-881B-9FC564E2E6C2}">
       <dgm:prSet/>
       <dgm:spPr/>
       <dgm:t>
         <a:bodyPr/>
+        <a:lstStyle/>
         <a:p>
           <a:endParaRPr lang="zh-CN" altLang="en-US"/>
         </a:p>
       </dgm:t>
     </dgm:pt>
-    <dgm:pt modelId="{CE2287C8-6424-4771-88FD-4DADE15C5A04}" cxnId="{EB3038D1-48AA-4660-881B-9FC564E2E6C2}" type="sibTrans">
+    <dgm:pt modelId="{CE2287C8-6424-4771-88FD-4DADE15C5A04}" type="sibTrans" cxnId="{EB3038D1-48AA-4660-881B-9FC564E2E6C2}">
       <dgm:prSet/>
       <dgm:spPr/>
       <dgm:t>
         <a:bodyPr/>
+        <a:lstStyle/>
         <a:p>
           <a:endParaRPr lang="zh-CN" altLang="en-US"/>
         </a:p>
@@ -1772,29 +1747,27 @@
               <a:spcPct val="15000"/>
             </a:spcAft>
           </a:pPr>
-          <a:r>
-            <a:rPr lang="zh-CN" altLang="en-US"/>
-            <a:t/>
-          </a:r>
           <a:endParaRPr lang="zh-CN" altLang="en-US"/>
         </a:p>
       </dgm:t>
     </dgm:pt>
-    <dgm:pt modelId="{D0D77647-95BE-4607-B2F0-006D9CAB8F0E}" cxnId="{598D5947-D369-4EA4-B63E-93A72F3C0DE6}" type="parTrans">
+    <dgm:pt modelId="{D0D77647-95BE-4607-B2F0-006D9CAB8F0E}" type="parTrans" cxnId="{598D5947-D369-4EA4-B63E-93A72F3C0DE6}">
       <dgm:prSet/>
       <dgm:spPr/>
       <dgm:t>
         <a:bodyPr/>
+        <a:lstStyle/>
         <a:p>
           <a:endParaRPr lang="zh-CN" altLang="en-US"/>
         </a:p>
       </dgm:t>
     </dgm:pt>
-    <dgm:pt modelId="{3DBF6B9F-A188-4D67-ABE8-0633561FA9E5}" cxnId="{598D5947-D369-4EA4-B63E-93A72F3C0DE6}" type="sibTrans">
+    <dgm:pt modelId="{3DBF6B9F-A188-4D67-ABE8-0633561FA9E5}" type="sibTrans" cxnId="{598D5947-D369-4EA4-B63E-93A72F3C0DE6}">
       <dgm:prSet/>
       <dgm:spPr/>
       <dgm:t>
         <a:bodyPr/>
+        <a:lstStyle/>
         <a:p>
           <a:endParaRPr lang="zh-CN" altLang="en-US"/>
         </a:p>
@@ -1809,6 +1782,13 @@
         </dgm:presLayoutVars>
       </dgm:prSet>
       <dgm:spPr/>
+      <dgm:t>
+        <a:bodyPr/>
+        <a:lstStyle/>
+        <a:p>
+          <a:endParaRPr lang="zh-CN" altLang="en-US"/>
+        </a:p>
+      </dgm:t>
     </dgm:pt>
     <dgm:pt modelId="{E61486FD-113E-4C87-8ADF-B1A8E2A84801}" type="pres">
       <dgm:prSet presAssocID="{90DDC401-903F-495B-A387-FFA8A45891F6}" presName="linNode" presStyleCnt="0"/>
@@ -1822,6 +1802,13 @@
         </dgm:presLayoutVars>
       </dgm:prSet>
       <dgm:spPr/>
+      <dgm:t>
+        <a:bodyPr/>
+        <a:lstStyle/>
+        <a:p>
+          <a:endParaRPr lang="zh-CN" altLang="en-US"/>
+        </a:p>
+      </dgm:t>
     </dgm:pt>
     <dgm:pt modelId="{DD9406C3-FC80-4468-A55B-122D744D43F0}" type="pres">
       <dgm:prSet presAssocID="{90DDC401-903F-495B-A387-FFA8A45891F6}" presName="descendantText" presStyleLbl="alignAccFollowNode1" presStyleIdx="0" presStyleCnt="3">
@@ -1830,6 +1817,13 @@
         </dgm:presLayoutVars>
       </dgm:prSet>
       <dgm:spPr/>
+      <dgm:t>
+        <a:bodyPr/>
+        <a:lstStyle/>
+        <a:p>
+          <a:endParaRPr lang="zh-CN" altLang="en-US"/>
+        </a:p>
+      </dgm:t>
     </dgm:pt>
     <dgm:pt modelId="{F1941F29-E51C-4282-956D-50CFAFAEB9B8}" type="pres">
       <dgm:prSet presAssocID="{35E5E878-0907-4014-9CFA-56AEFE6C22E5}" presName="sp" presStyleCnt="0"/>
@@ -1847,6 +1841,13 @@
         </dgm:presLayoutVars>
       </dgm:prSet>
       <dgm:spPr/>
+      <dgm:t>
+        <a:bodyPr/>
+        <a:lstStyle/>
+        <a:p>
+          <a:endParaRPr lang="zh-CN" altLang="en-US"/>
+        </a:p>
+      </dgm:t>
     </dgm:pt>
     <dgm:pt modelId="{6EB2A58E-CA03-4F76-94B6-D8FE50231963}" type="pres">
       <dgm:prSet presAssocID="{A6685E83-BEEC-49B3-B40A-539E2C0D7A1A}" presName="descendantText" presStyleLbl="alignAccFollowNode1" presStyleIdx="1" presStyleCnt="3">
@@ -1855,6 +1856,13 @@
         </dgm:presLayoutVars>
       </dgm:prSet>
       <dgm:spPr/>
+      <dgm:t>
+        <a:bodyPr/>
+        <a:lstStyle/>
+        <a:p>
+          <a:endParaRPr lang="zh-CN" altLang="en-US"/>
+        </a:p>
+      </dgm:t>
     </dgm:pt>
     <dgm:pt modelId="{A76EE5BB-CBA4-4DD9-BFB7-3F3F246C9BF0}" type="pres">
       <dgm:prSet presAssocID="{68BB6C9A-B7F0-43A0-955B-FC8C4D4009BF}" presName="sp" presStyleCnt="0"/>
@@ -1872,6 +1880,13 @@
         </dgm:presLayoutVars>
       </dgm:prSet>
       <dgm:spPr/>
+      <dgm:t>
+        <a:bodyPr/>
+        <a:lstStyle/>
+        <a:p>
+          <a:endParaRPr lang="zh-CN" altLang="en-US"/>
+        </a:p>
+      </dgm:t>
     </dgm:pt>
     <dgm:pt modelId="{64028F0D-BE57-4642-92F7-303D4E45C524}" type="pres">
       <dgm:prSet presAssocID="{C8DDDFA1-AF37-4444-AAEB-D51CEE212719}" presName="descendantText" presStyleLbl="alignAccFollowNode1" presStyleIdx="2" presStyleCnt="3">
@@ -1880,97 +1895,115 @@
         </dgm:presLayoutVars>
       </dgm:prSet>
       <dgm:spPr/>
+      <dgm:t>
+        <a:bodyPr/>
+        <a:lstStyle/>
+        <a:p>
+          <a:endParaRPr lang="zh-CN" altLang="en-US"/>
+        </a:p>
+      </dgm:t>
     </dgm:pt>
   </dgm:ptLst>
   <dgm:cxnLst>
+    <dgm:cxn modelId="{EB3038D1-48AA-4660-881B-9FC564E2E6C2}" srcId="{2E15931E-1654-4B73-89B2-8E333D9C42E0}" destId="{C8DDDFA1-AF37-4444-AAEB-D51CEE212719}" srcOrd="2" destOrd="0" parTransId="{26EA520A-5891-4EBA-B2AD-1840663D8C07}" sibTransId="{CE2287C8-6424-4771-88FD-4DADE15C5A04}"/>
+    <dgm:cxn modelId="{EB385E51-859B-47D6-8D6C-8C6A73E540AC}" type="presOf" srcId="{2E15931E-1654-4B73-89B2-8E333D9C42E0}" destId="{D5935282-3C7C-4F88-A1AE-C27DB8591514}" srcOrd="0" destOrd="0" presId="urn:microsoft.com/office/officeart/2005/8/layout/vList5"/>
+    <dgm:cxn modelId="{9A0A3B14-C90B-4B73-81EF-CEBD897B4FE4}" srcId="{A6685E83-BEEC-49B3-B40A-539E2C0D7A1A}" destId="{44A344AB-0013-4BAC-9B78-A7303112F987}" srcOrd="3" destOrd="0" parTransId="{E5CB79FD-B4E3-4F25-9A5A-40FEAE415663}" sibTransId="{B04FF3F6-37F4-4878-B64A-C7A776EACC76}"/>
+    <dgm:cxn modelId="{598D5947-D369-4EA4-B63E-93A72F3C0DE6}" srcId="{C8DDDFA1-AF37-4444-AAEB-D51CEE212719}" destId="{5AA02751-379E-46DB-884A-F23ACBC498EE}" srcOrd="0" destOrd="0" parTransId="{D0D77647-95BE-4607-B2F0-006D9CAB8F0E}" sibTransId="{3DBF6B9F-A188-4D67-ABE8-0633561FA9E5}"/>
+    <dgm:cxn modelId="{78359818-5AB2-4193-8A2A-28936535EC2C}" srcId="{90DDC401-903F-495B-A387-FFA8A45891F6}" destId="{E08CEB0C-E37F-4DCA-A8EA-4B2CD3AD7754}" srcOrd="0" destOrd="0" parTransId="{FB4BCC77-44E9-4065-8A2F-90CD32DE34E3}" sibTransId="{41FED480-3E2E-47A2-B997-02D527BC8082}"/>
+    <dgm:cxn modelId="{E8E0EB12-0E0F-46C6-A349-E59123D9E399}" type="presOf" srcId="{CBA50553-63FA-4B5A-9888-EDDBA06CA593}" destId="{6EB2A58E-CA03-4F76-94B6-D8FE50231963}" srcOrd="0" destOrd="0" presId="urn:microsoft.com/office/officeart/2005/8/layout/vList5"/>
+    <dgm:cxn modelId="{3BA156B3-54DB-48A0-9F1C-9F13BBE15918}" type="presOf" srcId="{90D64721-AE35-4DAB-8A5A-2E4658E296FB}" destId="{6EB2A58E-CA03-4F76-94B6-D8FE50231963}" srcOrd="0" destOrd="2" presId="urn:microsoft.com/office/officeart/2005/8/layout/vList5"/>
+    <dgm:cxn modelId="{6E2DD28D-A06D-4ABE-A457-3E2F15990679}" type="presOf" srcId="{90DDC401-903F-495B-A387-FFA8A45891F6}" destId="{96BE2B31-D87C-43E1-BE64-4C27B13F4AA4}" srcOrd="0" destOrd="0" presId="urn:microsoft.com/office/officeart/2005/8/layout/vList5"/>
+    <dgm:cxn modelId="{812595CF-5014-4D95-AA93-4439FC923BB4}" srcId="{A6685E83-BEEC-49B3-B40A-539E2C0D7A1A}" destId="{CBA50553-63FA-4B5A-9888-EDDBA06CA593}" srcOrd="0" destOrd="0" parTransId="{73E2772F-165D-4B56-ACC2-969CBF53B0A8}" sibTransId="{7BFD1607-7356-4D3D-A829-75D002A3A4B0}"/>
+    <dgm:cxn modelId="{AA72925C-F5A4-4CAA-ACAE-4A1D453C5694}" type="presOf" srcId="{44A344AB-0013-4BAC-9B78-A7303112F987}" destId="{6EB2A58E-CA03-4F76-94B6-D8FE50231963}" srcOrd="0" destOrd="3" presId="urn:microsoft.com/office/officeart/2005/8/layout/vList5"/>
+    <dgm:cxn modelId="{505D6130-A3F5-431F-925D-A7F88E5964FA}" srcId="{90DDC401-903F-495B-A387-FFA8A45891F6}" destId="{8206D0A4-320D-4451-9E51-5052B8351A03}" srcOrd="3" destOrd="0" parTransId="{6940C0AB-B2F1-458A-9938-3847AC2D06E2}" sibTransId="{DA68C49D-76F6-4DCB-B324-636FE00BB914}"/>
+    <dgm:cxn modelId="{DE1C221C-B470-46B8-9F19-6DA9BEF91B36}" type="presOf" srcId="{8206D0A4-320D-4451-9E51-5052B8351A03}" destId="{DD9406C3-FC80-4468-A55B-122D744D43F0}" srcOrd="0" destOrd="3" presId="urn:microsoft.com/office/officeart/2005/8/layout/vList5"/>
+    <dgm:cxn modelId="{CFDAD6F1-6940-431D-ADFA-796EE2B99DB7}" type="presOf" srcId="{E8FCD158-3341-4AE9-8B1F-219246C2F9AF}" destId="{DD9406C3-FC80-4468-A55B-122D744D43F0}" srcOrd="0" destOrd="1" presId="urn:microsoft.com/office/officeart/2005/8/layout/vList5"/>
+    <dgm:cxn modelId="{3C08E6EF-41E3-46E2-84AD-25185F727D21}" srcId="{A6685E83-BEEC-49B3-B40A-539E2C0D7A1A}" destId="{27FC429B-E5F7-4921-910F-8C2AE2116031}" srcOrd="1" destOrd="0" parTransId="{24B6B48C-1296-4DB3-862F-E64E31B02E2B}" sibTransId="{85498363-EFAE-4884-BB48-2CC60F0D20C2}"/>
+    <dgm:cxn modelId="{FF56786C-B1CA-4769-AE05-B6324C13A8EC}" srcId="{90DDC401-903F-495B-A387-FFA8A45891F6}" destId="{7DA5A652-D660-46D6-92EF-D18BA988C1A3}" srcOrd="2" destOrd="0" parTransId="{6B2F3570-CAAF-4EE4-BF40-26C458D743A3}" sibTransId="{7CCFFC8F-E3C3-4018-BCB6-DB6B5F8B9CBC}"/>
+    <dgm:cxn modelId="{C119B9A0-75C9-4D9B-A521-75D6239BE78B}" type="presOf" srcId="{C8DDDFA1-AF37-4444-AAEB-D51CEE212719}" destId="{B093CE78-670B-40EB-95CF-315E334D550F}" srcOrd="0" destOrd="0" presId="urn:microsoft.com/office/officeart/2005/8/layout/vList5"/>
+    <dgm:cxn modelId="{28D66651-67E0-474B-8DA8-F1BB04139FD7}" type="presOf" srcId="{27FC429B-E5F7-4921-910F-8C2AE2116031}" destId="{6EB2A58E-CA03-4F76-94B6-D8FE50231963}" srcOrd="0" destOrd="1" presId="urn:microsoft.com/office/officeart/2005/8/layout/vList5"/>
+    <dgm:cxn modelId="{4AF5C3F5-D92F-42EF-BA5F-86EA6AE1E454}" srcId="{A6685E83-BEEC-49B3-B40A-539E2C0D7A1A}" destId="{90D64721-AE35-4DAB-8A5A-2E4658E296FB}" srcOrd="2" destOrd="0" parTransId="{F4918C90-BD18-4493-BFD4-431EFEC35BFD}" sibTransId="{0EE33D94-CBE8-4925-B1C5-EFE8B3EFBDFD}"/>
+    <dgm:cxn modelId="{37611173-E858-49A2-8756-8281AF0B4C6A}" srcId="{2E15931E-1654-4B73-89B2-8E333D9C42E0}" destId="{A6685E83-BEEC-49B3-B40A-539E2C0D7A1A}" srcOrd="1" destOrd="0" parTransId="{FECC43A3-D59E-4EE1-9557-8FBB90D5B362}" sibTransId="{68BB6C9A-B7F0-43A0-955B-FC8C4D4009BF}"/>
+    <dgm:cxn modelId="{0E78D631-B1C1-4C51-A552-497940313F4D}" type="presOf" srcId="{E08CEB0C-E37F-4DCA-A8EA-4B2CD3AD7754}" destId="{DD9406C3-FC80-4468-A55B-122D744D43F0}" srcOrd="0" destOrd="0" presId="urn:microsoft.com/office/officeart/2005/8/layout/vList5"/>
     <dgm:cxn modelId="{F42AF8FF-1599-42FD-93E5-47A977B397E1}" srcId="{2E15931E-1654-4B73-89B2-8E333D9C42E0}" destId="{90DDC401-903F-495B-A387-FFA8A45891F6}" srcOrd="0" destOrd="0" parTransId="{C8BB0B8A-C63A-4F83-B8DD-3A7CE259E4EE}" sibTransId="{35E5E878-0907-4014-9CFA-56AEFE6C22E5}"/>
-    <dgm:cxn modelId="{78359818-5AB2-4193-8A2A-28936535EC2C}" srcId="{90DDC401-903F-495B-A387-FFA8A45891F6}" destId="{E08CEB0C-E37F-4DCA-A8EA-4B2CD3AD7754}" srcOrd="0" destOrd="0" parTransId="{FB4BCC77-44E9-4065-8A2F-90CD32DE34E3}" sibTransId="{41FED480-3E2E-47A2-B997-02D527BC8082}"/>
+    <dgm:cxn modelId="{C185BF65-4F35-47F8-A68B-9AE519D85A89}" type="presOf" srcId="{A6685E83-BEEC-49B3-B40A-539E2C0D7A1A}" destId="{EBD335B5-8308-49CB-9630-99D852747B1F}" srcOrd="0" destOrd="0" presId="urn:microsoft.com/office/officeart/2005/8/layout/vList5"/>
     <dgm:cxn modelId="{43FAA045-57F0-4C0F-80EA-92FA28256BCF}" srcId="{90DDC401-903F-495B-A387-FFA8A45891F6}" destId="{E8FCD158-3341-4AE9-8B1F-219246C2F9AF}" srcOrd="1" destOrd="0" parTransId="{5DAD5960-7F3B-41C6-A56F-04E4A0E24F63}" sibTransId="{F6C76A4A-0A69-4B10-803D-21CEF1486538}"/>
-    <dgm:cxn modelId="{FF56786C-B1CA-4769-AE05-B6324C13A8EC}" srcId="{90DDC401-903F-495B-A387-FFA8A45891F6}" destId="{7DA5A652-D660-46D6-92EF-D18BA988C1A3}" srcOrd="2" destOrd="0" parTransId="{6B2F3570-CAAF-4EE4-BF40-26C458D743A3}" sibTransId="{7CCFFC8F-E3C3-4018-BCB6-DB6B5F8B9CBC}"/>
-    <dgm:cxn modelId="{505D6130-A3F5-431F-925D-A7F88E5964FA}" srcId="{90DDC401-903F-495B-A387-FFA8A45891F6}" destId="{8206D0A4-320D-4451-9E51-5052B8351A03}" srcOrd="3" destOrd="0" parTransId="{6940C0AB-B2F1-458A-9938-3847AC2D06E2}" sibTransId="{DA68C49D-76F6-4DCB-B324-636FE00BB914}"/>
-    <dgm:cxn modelId="{37611173-E858-49A2-8756-8281AF0B4C6A}" srcId="{2E15931E-1654-4B73-89B2-8E333D9C42E0}" destId="{A6685E83-BEEC-49B3-B40A-539E2C0D7A1A}" srcOrd="1" destOrd="0" parTransId="{FECC43A3-D59E-4EE1-9557-8FBB90D5B362}" sibTransId="{68BB6C9A-B7F0-43A0-955B-FC8C4D4009BF}"/>
-    <dgm:cxn modelId="{812595CF-5014-4D95-AA93-4439FC923BB4}" srcId="{A6685E83-BEEC-49B3-B40A-539E2C0D7A1A}" destId="{CBA50553-63FA-4B5A-9888-EDDBA06CA593}" srcOrd="0" destOrd="1" parTransId="{73E2772F-165D-4B56-ACC2-969CBF53B0A8}" sibTransId="{7BFD1607-7356-4D3D-A829-75D002A3A4B0}"/>
-    <dgm:cxn modelId="{3C08E6EF-41E3-46E2-84AD-25185F727D21}" srcId="{A6685E83-BEEC-49B3-B40A-539E2C0D7A1A}" destId="{27FC429B-E5F7-4921-910F-8C2AE2116031}" srcOrd="1" destOrd="1" parTransId="{24B6B48C-1296-4DB3-862F-E64E31B02E2B}" sibTransId="{85498363-EFAE-4884-BB48-2CC60F0D20C2}"/>
-    <dgm:cxn modelId="{4AF5C3F5-D92F-42EF-BA5F-86EA6AE1E454}" srcId="{A6685E83-BEEC-49B3-B40A-539E2C0D7A1A}" destId="{90D64721-AE35-4DAB-8A5A-2E4658E296FB}" srcOrd="2" destOrd="1" parTransId="{F4918C90-BD18-4493-BFD4-431EFEC35BFD}" sibTransId="{0EE33D94-CBE8-4925-B1C5-EFE8B3EFBDFD}"/>
-    <dgm:cxn modelId="{9A0A3B14-C90B-4B73-81EF-CEBD897B4FE4}" srcId="{A6685E83-BEEC-49B3-B40A-539E2C0D7A1A}" destId="{44A344AB-0013-4BAC-9B78-A7303112F987}" srcOrd="3" destOrd="1" parTransId="{E5CB79FD-B4E3-4F25-9A5A-40FEAE415663}" sibTransId="{B04FF3F6-37F4-4878-B64A-C7A776EACC76}"/>
-    <dgm:cxn modelId="{EB3038D1-48AA-4660-881B-9FC564E2E6C2}" srcId="{2E15931E-1654-4B73-89B2-8E333D9C42E0}" destId="{C8DDDFA1-AF37-4444-AAEB-D51CEE212719}" srcOrd="2" destOrd="0" parTransId="{26EA520A-5891-4EBA-B2AD-1840663D8C07}" sibTransId="{CE2287C8-6424-4771-88FD-4DADE15C5A04}"/>
-    <dgm:cxn modelId="{598D5947-D369-4EA4-B63E-93A72F3C0DE6}" srcId="{C8DDDFA1-AF37-4444-AAEB-D51CEE212719}" destId="{5AA02751-379E-46DB-884A-F23ACBC498EE}" srcOrd="0" destOrd="2" parTransId="{D0D77647-95BE-4607-B2F0-006D9CAB8F0E}" sibTransId="{3DBF6B9F-A188-4D67-ABE8-0633561FA9E5}"/>
-    <dgm:cxn modelId="{EB385E51-859B-47D6-8D6C-8C6A73E540AC}" type="presOf" srcId="{2E15931E-1654-4B73-89B2-8E333D9C42E0}" destId="{D5935282-3C7C-4F88-A1AE-C27DB8591514}" srcOrd="0" destOrd="0" presId="urn:microsoft.com/office/officeart/2005/8/layout/vList5"/>
+    <dgm:cxn modelId="{E6941931-DEE3-4F0E-9A8A-E35652E21AF3}" type="presOf" srcId="{7DA5A652-D660-46D6-92EF-D18BA988C1A3}" destId="{DD9406C3-FC80-4468-A55B-122D744D43F0}" srcOrd="0" destOrd="2" presId="urn:microsoft.com/office/officeart/2005/8/layout/vList5"/>
+    <dgm:cxn modelId="{882ACD7D-6F7E-46C7-A2B2-F37E04559FD3}" type="presOf" srcId="{5AA02751-379E-46DB-884A-F23ACBC498EE}" destId="{64028F0D-BE57-4642-92F7-303D4E45C524}" srcOrd="0" destOrd="0" presId="urn:microsoft.com/office/officeart/2005/8/layout/vList5"/>
     <dgm:cxn modelId="{1F188C6E-CD0D-4B98-BA63-D02902996E97}" type="presParOf" srcId="{D5935282-3C7C-4F88-A1AE-C27DB8591514}" destId="{E61486FD-113E-4C87-8ADF-B1A8E2A84801}" srcOrd="0" destOrd="0" presId="urn:microsoft.com/office/officeart/2005/8/layout/vList5"/>
     <dgm:cxn modelId="{DE9F56B6-B930-4AF0-B3A3-746750E578EA}" type="presParOf" srcId="{E61486FD-113E-4C87-8ADF-B1A8E2A84801}" destId="{96BE2B31-D87C-43E1-BE64-4C27B13F4AA4}" srcOrd="0" destOrd="0" presId="urn:microsoft.com/office/officeart/2005/8/layout/vList5"/>
-    <dgm:cxn modelId="{6E2DD28D-A06D-4ABE-A457-3E2F15990679}" type="presOf" srcId="{90DDC401-903F-495B-A387-FFA8A45891F6}" destId="{96BE2B31-D87C-43E1-BE64-4C27B13F4AA4}" srcOrd="0" destOrd="0" presId="urn:microsoft.com/office/officeart/2005/8/layout/vList5"/>
     <dgm:cxn modelId="{8CCAF2DA-AFA8-49EF-8211-F641EFF812CE}" type="presParOf" srcId="{E61486FD-113E-4C87-8ADF-B1A8E2A84801}" destId="{DD9406C3-FC80-4468-A55B-122D744D43F0}" srcOrd="1" destOrd="0" presId="urn:microsoft.com/office/officeart/2005/8/layout/vList5"/>
-    <dgm:cxn modelId="{0E78D631-B1C1-4C51-A552-497940313F4D}" type="presOf" srcId="{E08CEB0C-E37F-4DCA-A8EA-4B2CD3AD7754}" destId="{DD9406C3-FC80-4468-A55B-122D744D43F0}" srcOrd="0" destOrd="0" presId="urn:microsoft.com/office/officeart/2005/8/layout/vList5"/>
-    <dgm:cxn modelId="{CFDAD6F1-6940-431D-ADFA-796EE2B99DB7}" type="presOf" srcId="{E8FCD158-3341-4AE9-8B1F-219246C2F9AF}" destId="{DD9406C3-FC80-4468-A55B-122D744D43F0}" srcOrd="0" destOrd="1" presId="urn:microsoft.com/office/officeart/2005/8/layout/vList5"/>
-    <dgm:cxn modelId="{E6941931-DEE3-4F0E-9A8A-E35652E21AF3}" type="presOf" srcId="{7DA5A652-D660-46D6-92EF-D18BA988C1A3}" destId="{DD9406C3-FC80-4468-A55B-122D744D43F0}" srcOrd="0" destOrd="2" presId="urn:microsoft.com/office/officeart/2005/8/layout/vList5"/>
-    <dgm:cxn modelId="{DE1C221C-B470-46B8-9F19-6DA9BEF91B36}" type="presOf" srcId="{8206D0A4-320D-4451-9E51-5052B8351A03}" destId="{DD9406C3-FC80-4468-A55B-122D744D43F0}" srcOrd="0" destOrd="3" presId="urn:microsoft.com/office/officeart/2005/8/layout/vList5"/>
     <dgm:cxn modelId="{3A0B6623-05B5-4400-A30B-7FCFBCA12ED0}" type="presParOf" srcId="{D5935282-3C7C-4F88-A1AE-C27DB8591514}" destId="{F1941F29-E51C-4282-956D-50CFAFAEB9B8}" srcOrd="1" destOrd="0" presId="urn:microsoft.com/office/officeart/2005/8/layout/vList5"/>
     <dgm:cxn modelId="{DFB6CFC8-CD04-4C4A-AD7B-AAA0676509ED}" type="presParOf" srcId="{D5935282-3C7C-4F88-A1AE-C27DB8591514}" destId="{B589D1EC-5156-4FB2-BB1C-8E1290A868B9}" srcOrd="2" destOrd="0" presId="urn:microsoft.com/office/officeart/2005/8/layout/vList5"/>
-    <dgm:cxn modelId="{6493F57E-8F0D-4CDE-BA06-D9EC1F6DDF8D}" type="presParOf" srcId="{B589D1EC-5156-4FB2-BB1C-8E1290A868B9}" destId="{EBD335B5-8308-49CB-9630-99D852747B1F}" srcOrd="0" destOrd="2" presId="urn:microsoft.com/office/officeart/2005/8/layout/vList5"/>
-    <dgm:cxn modelId="{C185BF65-4F35-47F8-A68B-9AE519D85A89}" type="presOf" srcId="{A6685E83-BEEC-49B3-B40A-539E2C0D7A1A}" destId="{EBD335B5-8308-49CB-9630-99D852747B1F}" srcOrd="0" destOrd="0" presId="urn:microsoft.com/office/officeart/2005/8/layout/vList5"/>
-    <dgm:cxn modelId="{685F30FA-F24B-4467-9E2B-697E899BC937}" type="presParOf" srcId="{B589D1EC-5156-4FB2-BB1C-8E1290A868B9}" destId="{6EB2A58E-CA03-4F76-94B6-D8FE50231963}" srcOrd="1" destOrd="2" presId="urn:microsoft.com/office/officeart/2005/8/layout/vList5"/>
-    <dgm:cxn modelId="{E8E0EB12-0E0F-46C6-A349-E59123D9E399}" type="presOf" srcId="{CBA50553-63FA-4B5A-9888-EDDBA06CA593}" destId="{6EB2A58E-CA03-4F76-94B6-D8FE50231963}" srcOrd="0" destOrd="0" presId="urn:microsoft.com/office/officeart/2005/8/layout/vList5"/>
-    <dgm:cxn modelId="{28D66651-67E0-474B-8DA8-F1BB04139FD7}" type="presOf" srcId="{27FC429B-E5F7-4921-910F-8C2AE2116031}" destId="{6EB2A58E-CA03-4F76-94B6-D8FE50231963}" srcOrd="0" destOrd="1" presId="urn:microsoft.com/office/officeart/2005/8/layout/vList5"/>
-    <dgm:cxn modelId="{3BA156B3-54DB-48A0-9F1C-9F13BBE15918}" type="presOf" srcId="{90D64721-AE35-4DAB-8A5A-2E4658E296FB}" destId="{6EB2A58E-CA03-4F76-94B6-D8FE50231963}" srcOrd="0" destOrd="2" presId="urn:microsoft.com/office/officeart/2005/8/layout/vList5"/>
-    <dgm:cxn modelId="{AA72925C-F5A4-4CAA-ACAE-4A1D453C5694}" type="presOf" srcId="{44A344AB-0013-4BAC-9B78-A7303112F987}" destId="{6EB2A58E-CA03-4F76-94B6-D8FE50231963}" srcOrd="0" destOrd="3" presId="urn:microsoft.com/office/officeart/2005/8/layout/vList5"/>
+    <dgm:cxn modelId="{6493F57E-8F0D-4CDE-BA06-D9EC1F6DDF8D}" type="presParOf" srcId="{B589D1EC-5156-4FB2-BB1C-8E1290A868B9}" destId="{EBD335B5-8308-49CB-9630-99D852747B1F}" srcOrd="0" destOrd="0" presId="urn:microsoft.com/office/officeart/2005/8/layout/vList5"/>
+    <dgm:cxn modelId="{685F30FA-F24B-4467-9E2B-697E899BC937}" type="presParOf" srcId="{B589D1EC-5156-4FB2-BB1C-8E1290A868B9}" destId="{6EB2A58E-CA03-4F76-94B6-D8FE50231963}" srcOrd="1" destOrd="0" presId="urn:microsoft.com/office/officeart/2005/8/layout/vList5"/>
     <dgm:cxn modelId="{54FC8D14-B71C-420F-A132-47D501184C3D}" type="presParOf" srcId="{D5935282-3C7C-4F88-A1AE-C27DB8591514}" destId="{A76EE5BB-CBA4-4DD9-BFB7-3F3F246C9BF0}" srcOrd="3" destOrd="0" presId="urn:microsoft.com/office/officeart/2005/8/layout/vList5"/>
     <dgm:cxn modelId="{B66668AD-A70B-41F6-BAC3-213C1ACF0310}" type="presParOf" srcId="{D5935282-3C7C-4F88-A1AE-C27DB8591514}" destId="{2BB2A428-FB05-47E5-AC5F-C6A7936A9AC0}" srcOrd="4" destOrd="0" presId="urn:microsoft.com/office/officeart/2005/8/layout/vList5"/>
-    <dgm:cxn modelId="{5E4E8FED-FE9A-4E1A-9F7D-F3A0E8F4FB40}" type="presParOf" srcId="{2BB2A428-FB05-47E5-AC5F-C6A7936A9AC0}" destId="{B093CE78-670B-40EB-95CF-315E334D550F}" srcOrd="0" destOrd="4" presId="urn:microsoft.com/office/officeart/2005/8/layout/vList5"/>
-    <dgm:cxn modelId="{C119B9A0-75C9-4D9B-A521-75D6239BE78B}" type="presOf" srcId="{C8DDDFA1-AF37-4444-AAEB-D51CEE212719}" destId="{B093CE78-670B-40EB-95CF-315E334D550F}" srcOrd="0" destOrd="0" presId="urn:microsoft.com/office/officeart/2005/8/layout/vList5"/>
-    <dgm:cxn modelId="{8A07B805-8E0C-4147-B4CE-3174F1DB5793}" type="presParOf" srcId="{2BB2A428-FB05-47E5-AC5F-C6A7936A9AC0}" destId="{64028F0D-BE57-4642-92F7-303D4E45C524}" srcOrd="1" destOrd="4" presId="urn:microsoft.com/office/officeart/2005/8/layout/vList5"/>
-    <dgm:cxn modelId="{882ACD7D-6F7E-46C7-A2B2-F37E04559FD3}" type="presOf" srcId="{5AA02751-379E-46DB-884A-F23ACBC498EE}" destId="{64028F0D-BE57-4642-92F7-303D4E45C524}" srcOrd="0" destOrd="0" presId="urn:microsoft.com/office/officeart/2005/8/layout/vList5"/>
+    <dgm:cxn modelId="{5E4E8FED-FE9A-4E1A-9F7D-F3A0E8F4FB40}" type="presParOf" srcId="{2BB2A428-FB05-47E5-AC5F-C6A7936A9AC0}" destId="{B093CE78-670B-40EB-95CF-315E334D550F}" srcOrd="0" destOrd="0" presId="urn:microsoft.com/office/officeart/2005/8/layout/vList5"/>
+    <dgm:cxn modelId="{8A07B805-8E0C-4147-B4CE-3174F1DB5793}" type="presParOf" srcId="{2BB2A428-FB05-47E5-AC5F-C6A7936A9AC0}" destId="{64028F0D-BE57-4642-92F7-303D4E45C524}" srcOrd="1" destOrd="0" presId="urn:microsoft.com/office/officeart/2005/8/layout/vList5"/>
   </dgm:cxnLst>
   <dgm:bg/>
   <dgm:whole/>
   <dgm:extLst>
     <a:ext uri="http://schemas.microsoft.com/office/drawing/2008/diagram">
-      <dsp:dataModelExt xmlns:dsp="http://schemas.microsoft.com/office/drawing/2008/diagram" relId="rId5" minVer="http://schemas.openxmlformats.org/drawingml/2006/diagram"/>
+      <dsp:dataModelExt xmlns:dsp="http://schemas.microsoft.com/office/drawing/2008/diagram" relId="rId8" minVer="http://schemas.openxmlformats.org/drawingml/2006/diagram"/>
     </a:ext>
   </dgm:extLst>
 </dgm:dataModel>
 </file>
 
 <file path=ppt/diagrams/drawing1.xml><?xml version="1.0" encoding="utf-8"?>
-<dsp:drawing xmlns:dgm="http://schemas.openxmlformats.org/drawingml/2006/diagram" xmlns:dsp="http://schemas.microsoft.com/office/drawing/2008/diagram" xmlns:a="http://schemas.openxmlformats.org/drawingml/2006/main" xmlns:r="http://schemas.openxmlformats.org/officeDocument/2006/relationships">
+<dsp:drawing xmlns:dgm="http://schemas.openxmlformats.org/drawingml/2006/diagram" xmlns:dsp="http://schemas.microsoft.com/office/drawing/2008/diagram" xmlns:a="http://schemas.openxmlformats.org/drawingml/2006/main">
   <dsp:spTree>
     <dsp:nvGrpSpPr>
-      <dsp:cNvPr id="2" name="组合 1"/>
+      <dsp:cNvPr id="0" name=""/>
       <dsp:cNvGrpSpPr/>
     </dsp:nvGrpSpPr>
-    <dsp:grpSpPr>
-      <a:xfrm>
-        <a:off x="0" y="0"/>
-        <a:ext cx="8621395" cy="4791710"/>
-        <a:chOff x="0" y="0"/>
-        <a:chExt cx="8621395" cy="4791710"/>
-      </a:xfrm>
-    </dsp:grpSpPr>
+    <dsp:grpSpPr/>
     <dsp:sp modelId="{DD9406C3-FC80-4468-A55B-122D744D43F0}">
       <dsp:nvSpPr>
-        <dsp:cNvPr id="4" name="同侧圆角矩形 3"/>
+        <dsp:cNvPr id="0" name=""/>
         <dsp:cNvSpPr/>
       </dsp:nvSpPr>
-      <dsp:spPr bwMode="white">
+      <dsp:spPr>
         <a:xfrm rot="5400000">
-          <a:off x="5244263" y="-1985990"/>
-          <a:ext cx="1236570" cy="5517693"/>
+          <a:off x="5401178" y="-2057963"/>
+          <a:ext cx="1235362" cy="5664809"/>
         </a:xfrm>
         <a:prstGeom prst="round2SameRect">
           <a:avLst/>
         </a:prstGeom>
+        <a:solidFill>
+          <a:schemeClr val="accent1">
+            <a:alpha val="90000"/>
+            <a:tint val="40000"/>
+            <a:hueOff val="0"/>
+            <a:satOff val="0"/>
+            <a:lumOff val="0"/>
+            <a:alphaOff val="0"/>
+          </a:schemeClr>
+        </a:solidFill>
+        <a:ln w="25400" cap="flat" cmpd="sng" algn="ctr">
+          <a:solidFill>
+            <a:schemeClr val="accent1">
+              <a:alpha val="90000"/>
+              <a:tint val="40000"/>
+              <a:hueOff val="0"/>
+              <a:satOff val="0"/>
+              <a:lumOff val="0"/>
+              <a:alphaOff val="0"/>
+            </a:schemeClr>
+          </a:solidFill>
+          <a:prstDash val="solid"/>
+        </a:ln>
+        <a:effectLst/>
       </dsp:spPr>
       <dsp:style>
         <a:lnRef idx="2">
-          <a:schemeClr val="accent1">
-            <a:alpha val="90000"/>
-            <a:tint val="40000"/>
-          </a:schemeClr>
+          <a:scrgbClr r="0" g="0" b="0"/>
         </a:lnRef>
         <a:fillRef idx="1">
-          <a:schemeClr val="accent1">
-            <a:alpha val="90000"/>
-            <a:tint val="40000"/>
-          </a:schemeClr>
+          <a:scrgbClr r="0" g="0" b="0"/>
         </a:fillRef>
         <a:effectRef idx="0">
           <a:scrgbClr r="0" g="0" b="0"/>
@@ -1978,38 +2011,12 @@
         <a:fontRef idx="minor"/>
       </dsp:style>
       <dsp:txBody>
-        <a:bodyPr rot="-5400000" vert="horz" wrap="square" lIns="76200" tIns="38100" rIns="76200" bIns="38100" anchor="ctr"/>
-        <a:lstStyle>
-          <a:lvl1pPr algn="l">
-            <a:defRPr sz="2000"/>
-          </a:lvl1pPr>
-          <a:lvl2pPr marL="228600" indent="-228600" algn="l">
-            <a:defRPr sz="2000"/>
-          </a:lvl2pPr>
-          <a:lvl3pPr marL="457200" indent="-228600" algn="l">
-            <a:defRPr sz="2000"/>
-          </a:lvl3pPr>
-          <a:lvl4pPr marL="685800" indent="-228600" algn="l">
-            <a:defRPr sz="2000"/>
-          </a:lvl4pPr>
-          <a:lvl5pPr marL="914400" indent="-228600" algn="l">
-            <a:defRPr sz="2000"/>
-          </a:lvl5pPr>
-          <a:lvl6pPr marL="1143000" indent="-228600" algn="l">
-            <a:defRPr sz="2000"/>
-          </a:lvl6pPr>
-          <a:lvl7pPr marL="1371600" indent="-228600" algn="l">
-            <a:defRPr sz="2000"/>
-          </a:lvl7pPr>
-          <a:lvl8pPr marL="1600200" indent="-228600" algn="l">
-            <a:defRPr sz="2000"/>
-          </a:lvl8pPr>
-          <a:lvl9pPr marL="1828800" indent="-228600" algn="l">
-            <a:defRPr sz="2000"/>
-          </a:lvl9pPr>
-        </a:lstStyle>
+        <a:bodyPr spcFirstLastPara="0" vert="horz" wrap="square" lIns="57150" tIns="28575" rIns="57150" bIns="28575" numCol="1" spcCol="1270" anchor="ctr" anchorCtr="0">
+          <a:noAutofit/>
+        </a:bodyPr>
+        <a:lstStyle/>
         <a:p>
-          <a:pPr lvl="1">
+          <a:pPr marL="114300" lvl="1" indent="-114300" algn="l" defTabSz="666750">
             <a:lnSpc>
               <a:spcPct val="100000"/>
             </a:lnSpc>
@@ -2019,25 +2026,20 @@
             <a:spcAft>
               <a:spcPct val="15000"/>
             </a:spcAft>
-            <a:buChar char="•"/>
+            <a:buChar char="••"/>
           </a:pPr>
           <a:r>
-            <a:rPr lang="en-US" altLang="zh-CN">
-              <a:solidFill>
-                <a:schemeClr val="dk1"/>
-              </a:solidFill>
+            <a:rPr lang="en-US" altLang="zh-CN" sz="1500" kern="1200">
               <a:sym typeface="+mn-ea"/>
             </a:rPr>
-            <a:t>Degeneration Model(linear vs exponential)</a:t>
+            <a:t>Hashin Criteria &amp; Continumm Damage Model(CDM)</a:t>
           </a:r>
-          <a:endParaRPr lang="zh-CN" altLang="en-US">
-            <a:solidFill>
-              <a:schemeClr val="dk1"/>
-            </a:solidFill>
+          <a:endParaRPr lang="zh-CN" altLang="en-US" sz="1500" kern="1200">
+            <a:sym typeface="+mn-ea"/>
           </a:endParaRPr>
         </a:p>
         <a:p>
-          <a:pPr lvl="1">
+          <a:pPr marL="114300" lvl="1" indent="-114300" algn="l" defTabSz="666750">
             <a:lnSpc>
               <a:spcPct val="100000"/>
             </a:lnSpc>
@@ -2047,49 +2049,100 @@
             <a:spcAft>
               <a:spcPct val="15000"/>
             </a:spcAft>
-            <a:buChar char="•"/>
+            <a:buChar char="••"/>
           </a:pPr>
           <a:r>
-            <a:rPr lang="en-US" altLang="zh-CN">
-              <a:solidFill>
-                <a:schemeClr val="dk1"/>
-              </a:solidFill>
+            <a:rPr lang="en-US" altLang="zh-CN" sz="1500" kern="1200">
+              <a:sym typeface="+mn-ea"/>
+            </a:rPr>
+            <a:t>Degeneration Model(linear vs exponential)</a:t>
+          </a:r>
+          <a:endParaRPr lang="zh-CN" altLang="en-US" sz="1500" kern="1200"/>
+        </a:p>
+        <a:p>
+          <a:pPr marL="114300" lvl="1" indent="-114300" algn="l" defTabSz="666750">
+            <a:lnSpc>
+              <a:spcPct val="100000"/>
+            </a:lnSpc>
+            <a:spcBef>
+              <a:spcPct val="0"/>
+            </a:spcBef>
+            <a:spcAft>
+              <a:spcPct val="15000"/>
+            </a:spcAft>
+            <a:buChar char="••"/>
+          </a:pPr>
+          <a:r>
+            <a:rPr lang="en-US" altLang="zh-CN" sz="1500" kern="1200">
               <a:sym typeface="+mn-ea"/>
             </a:rPr>
             <a:t>Shear Nonlinearity</a:t>
           </a:r>
-          <a:endParaRPr lang="en-US" altLang="zh-CN">
-            <a:solidFill>
-              <a:schemeClr val="dk1"/>
-            </a:solidFill>
-          </a:endParaRPr>
+        </a:p>
+        <a:p>
+          <a:pPr marL="114300" lvl="1" indent="-114300" algn="l" defTabSz="666750">
+            <a:lnSpc>
+              <a:spcPct val="100000"/>
+            </a:lnSpc>
+            <a:spcBef>
+              <a:spcPct val="0"/>
+            </a:spcBef>
+            <a:spcAft>
+              <a:spcPct val="15000"/>
+            </a:spcAft>
+            <a:buChar char="••"/>
+          </a:pPr>
+          <a:r>
+            <a:rPr lang="zh-CN" altLang="en-US" sz="1500" kern="1200"/>
+            <a:t>就地强度准测？？</a:t>
+          </a:r>
         </a:p>
       </dsp:txBody>
-      <dsp:txXfrm rot="5400000">
-        <a:off x="5244263" y="-1985990"/>
-        <a:ext cx="1236570" cy="5517693"/>
+      <dsp:txXfrm rot="-5400000">
+        <a:off x="3186455" y="217065"/>
+        <a:ext cx="5604504" cy="1114752"/>
       </dsp:txXfrm>
     </dsp:sp>
     <dsp:sp modelId="{96BE2B31-D87C-43E1-BE64-4C27B13F4AA4}">
       <dsp:nvSpPr>
-        <dsp:cNvPr id="3" name="圆角矩形 2"/>
+        <dsp:cNvPr id="0" name=""/>
         <dsp:cNvSpPr/>
       </dsp:nvSpPr>
-      <dsp:spPr bwMode="white">
+      <dsp:spPr>
         <a:xfrm>
-          <a:off x="0" y="0"/>
-          <a:ext cx="3103702" cy="1545713"/>
+          <a:off x="0" y="2339"/>
+          <a:ext cx="3186455" cy="1544203"/>
         </a:xfrm>
         <a:prstGeom prst="roundRect">
           <a:avLst/>
         </a:prstGeom>
+        <a:solidFill>
+          <a:schemeClr val="accent1">
+            <a:hueOff val="0"/>
+            <a:satOff val="0"/>
+            <a:lumOff val="0"/>
+            <a:alphaOff val="0"/>
+          </a:schemeClr>
+        </a:solidFill>
+        <a:ln w="25400" cap="flat" cmpd="sng" algn="ctr">
+          <a:solidFill>
+            <a:schemeClr val="lt1">
+              <a:hueOff val="0"/>
+              <a:satOff val="0"/>
+              <a:lumOff val="0"/>
+              <a:alphaOff val="0"/>
+            </a:schemeClr>
+          </a:solidFill>
+          <a:prstDash val="solid"/>
+        </a:ln>
+        <a:effectLst/>
       </dsp:spPr>
       <dsp:style>
         <a:lnRef idx="2">
-          <a:schemeClr val="lt1"/>
+          <a:scrgbClr r="0" g="0" b="0"/>
         </a:lnRef>
         <a:fillRef idx="1">
-          <a:schemeClr val="accent1"/>
+          <a:scrgbClr r="0" g="0" b="0"/>
         </a:fillRef>
         <a:effectRef idx="0">
           <a:scrgbClr r="0" g="0" b="0"/>
@@ -2099,38 +2152,12 @@
         </a:fontRef>
       </dsp:style>
       <dsp:txBody>
-        <a:bodyPr vert="horz" wrap="square" lIns="121920" tIns="60960" rIns="121920" bIns="60960" anchor="ctr"/>
-        <a:lstStyle>
-          <a:lvl1pPr algn="ctr">
-            <a:defRPr sz="3200"/>
-          </a:lvl1pPr>
-          <a:lvl2pPr marL="228600" indent="-228600" algn="ctr">
-            <a:defRPr sz="2400"/>
-          </a:lvl2pPr>
-          <a:lvl3pPr marL="457200" indent="-228600" algn="ctr">
-            <a:defRPr sz="2400"/>
-          </a:lvl3pPr>
-          <a:lvl4pPr marL="685800" indent="-228600" algn="ctr">
-            <a:defRPr sz="2400"/>
-          </a:lvl4pPr>
-          <a:lvl5pPr marL="914400" indent="-228600" algn="ctr">
-            <a:defRPr sz="2400"/>
-          </a:lvl5pPr>
-          <a:lvl6pPr marL="1143000" indent="-228600" algn="ctr">
-            <a:defRPr sz="2400"/>
-          </a:lvl6pPr>
-          <a:lvl7pPr marL="1371600" indent="-228600" algn="ctr">
-            <a:defRPr sz="2400"/>
-          </a:lvl7pPr>
-          <a:lvl8pPr marL="1600200" indent="-228600" algn="ctr">
-            <a:defRPr sz="2400"/>
-          </a:lvl8pPr>
-          <a:lvl9pPr marL="1828800" indent="-228600" algn="ctr">
-            <a:defRPr sz="2400"/>
-          </a:lvl9pPr>
-        </a:lstStyle>
+        <a:bodyPr spcFirstLastPara="0" vert="horz" wrap="square" lIns="91440" tIns="45720" rIns="91440" bIns="45720" numCol="1" spcCol="1270" anchor="ctr" anchorCtr="0">
+          <a:noAutofit/>
+        </a:bodyPr>
+        <a:lstStyle/>
         <a:p>
-          <a:pPr lvl="0">
+          <a:pPr lvl="0" algn="ctr" defTabSz="1066800">
             <a:lnSpc>
               <a:spcPct val="100000"/>
             </a:lnSpc>
@@ -2142,43 +2169,60 @@
             </a:spcAft>
           </a:pPr>
           <a:r>
-            <a:rPr lang="en-US" altLang="zh-CN"/>
-            <a:t>Continumm damage model</a:t>
+            <a:rPr lang="en-US" altLang="zh-CN" sz="2400" kern="1200"/>
+            <a:t>Numerical model</a:t>
           </a:r>
-          <a:endParaRPr lang="en-US" altLang="zh-CN"/>
         </a:p>
       </dsp:txBody>
       <dsp:txXfrm>
-        <a:off x="0" y="0"/>
-        <a:ext cx="3103702" cy="1545713"/>
+        <a:off x="75382" y="77721"/>
+        <a:ext cx="3035691" cy="1393439"/>
       </dsp:txXfrm>
     </dsp:sp>
     <dsp:sp modelId="{6EB2A58E-CA03-4F76-94B6-D8FE50231963}">
       <dsp:nvSpPr>
-        <dsp:cNvPr id="6" name="同侧圆角矩形 5"/>
+        <dsp:cNvPr id="0" name=""/>
         <dsp:cNvSpPr/>
       </dsp:nvSpPr>
-      <dsp:spPr bwMode="white">
+      <dsp:spPr>
         <a:xfrm rot="5400000">
-          <a:off x="5244263" y="-362991"/>
-          <a:ext cx="1236570" cy="5517693"/>
+          <a:off x="5401178" y="-436549"/>
+          <a:ext cx="1235362" cy="5664809"/>
         </a:xfrm>
         <a:prstGeom prst="round2SameRect">
           <a:avLst/>
         </a:prstGeom>
+        <a:solidFill>
+          <a:schemeClr val="accent1">
+            <a:alpha val="90000"/>
+            <a:tint val="40000"/>
+            <a:hueOff val="0"/>
+            <a:satOff val="0"/>
+            <a:lumOff val="0"/>
+            <a:alphaOff val="0"/>
+          </a:schemeClr>
+        </a:solidFill>
+        <a:ln w="25400" cap="flat" cmpd="sng" algn="ctr">
+          <a:solidFill>
+            <a:schemeClr val="accent1">
+              <a:alpha val="90000"/>
+              <a:tint val="40000"/>
+              <a:hueOff val="0"/>
+              <a:satOff val="0"/>
+              <a:lumOff val="0"/>
+              <a:alphaOff val="0"/>
+            </a:schemeClr>
+          </a:solidFill>
+          <a:prstDash val="solid"/>
+        </a:ln>
+        <a:effectLst/>
       </dsp:spPr>
       <dsp:style>
         <a:lnRef idx="2">
-          <a:schemeClr val="accent1">
-            <a:alpha val="90000"/>
-            <a:tint val="40000"/>
-          </a:schemeClr>
+          <a:scrgbClr r="0" g="0" b="0"/>
         </a:lnRef>
         <a:fillRef idx="1">
-          <a:schemeClr val="accent1">
-            <a:alpha val="90000"/>
-            <a:tint val="40000"/>
-          </a:schemeClr>
+          <a:scrgbClr r="0" g="0" b="0"/>
         </a:fillRef>
         <a:effectRef idx="0">
           <a:scrgbClr r="0" g="0" b="0"/>
@@ -2186,38 +2230,12 @@
         <a:fontRef idx="minor"/>
       </dsp:style>
       <dsp:txBody>
-        <a:bodyPr rot="-5400000" vert="horz" wrap="square" lIns="76200" tIns="38100" rIns="76200" bIns="38100" anchor="ctr"/>
-        <a:lstStyle>
-          <a:lvl1pPr algn="l">
-            <a:defRPr sz="2000"/>
-          </a:lvl1pPr>
-          <a:lvl2pPr marL="228600" indent="-228600" algn="l">
-            <a:defRPr sz="2000"/>
-          </a:lvl2pPr>
-          <a:lvl3pPr marL="457200" indent="-228600" algn="l">
-            <a:defRPr sz="2000"/>
-          </a:lvl3pPr>
-          <a:lvl4pPr marL="685800" indent="-228600" algn="l">
-            <a:defRPr sz="2000"/>
-          </a:lvl4pPr>
-          <a:lvl5pPr marL="914400" indent="-228600" algn="l">
-            <a:defRPr sz="2000"/>
-          </a:lvl5pPr>
-          <a:lvl6pPr marL="1143000" indent="-228600" algn="l">
-            <a:defRPr sz="2000"/>
-          </a:lvl6pPr>
-          <a:lvl7pPr marL="1371600" indent="-228600" algn="l">
-            <a:defRPr sz="2000"/>
-          </a:lvl7pPr>
-          <a:lvl8pPr marL="1600200" indent="-228600" algn="l">
-            <a:defRPr sz="2000"/>
-          </a:lvl8pPr>
-          <a:lvl9pPr marL="1828800" indent="-228600" algn="l">
-            <a:defRPr sz="2000"/>
-          </a:lvl9pPr>
-        </a:lstStyle>
+        <a:bodyPr spcFirstLastPara="0" vert="horz" wrap="square" lIns="57150" tIns="28575" rIns="57150" bIns="28575" numCol="1" spcCol="1270" anchor="ctr" anchorCtr="0">
+          <a:noAutofit/>
+        </a:bodyPr>
+        <a:lstStyle/>
         <a:p>
-          <a:pPr lvl="1">
+          <a:pPr marL="114300" lvl="1" indent="-114300" algn="l" defTabSz="666750">
             <a:lnSpc>
               <a:spcPct val="100000"/>
             </a:lnSpc>
@@ -2227,24 +2245,15 @@
             <a:spcAft>
               <a:spcPct val="15000"/>
             </a:spcAft>
-            <a:buChar char="•"/>
+            <a:buChar char="••"/>
           </a:pPr>
           <a:r>
-            <a:rPr lang="en-US" altLang="zh-CN">
-              <a:solidFill>
-                <a:schemeClr val="dk1"/>
-              </a:solidFill>
-            </a:rPr>
-            <a:t>Characteristic Length</a:t>
+            <a:rPr lang="en-US" altLang="zh-CN" sz="1500" kern="1200"/>
+            <a:t>UMAT subroutine</a:t>
           </a:r>
-          <a:endParaRPr lang="en-US" altLang="zh-CN">
-            <a:solidFill>
-              <a:schemeClr val="dk1"/>
-            </a:solidFill>
-          </a:endParaRPr>
         </a:p>
         <a:p>
-          <a:pPr lvl="1">
+          <a:pPr marL="114300" lvl="1" indent="-114300" algn="l" defTabSz="666750">
             <a:lnSpc>
               <a:spcPct val="100000"/>
             </a:lnSpc>
@@ -2254,24 +2263,15 @@
             <a:spcAft>
               <a:spcPct val="15000"/>
             </a:spcAft>
-            <a:buChar char="•"/>
+            <a:buChar char="••"/>
           </a:pPr>
           <a:r>
-            <a:rPr lang="en-US" altLang="zh-CN">
-              <a:solidFill>
-                <a:schemeClr val="dk1"/>
-              </a:solidFill>
-            </a:rPr>
-            <a:t>coefficient of viscosity</a:t>
+            <a:rPr lang="en-US" altLang="zh-CN" sz="1500" kern="1200"/>
+            <a:t>Characteristic Length</a:t>
           </a:r>
-          <a:endParaRPr lang="en-US" altLang="zh-CN">
-            <a:solidFill>
-              <a:schemeClr val="dk1"/>
-            </a:solidFill>
-          </a:endParaRPr>
         </a:p>
         <a:p>
-          <a:pPr lvl="1">
+          <a:pPr marL="114300" lvl="1" indent="-114300" algn="l" defTabSz="666750">
             <a:lnSpc>
               <a:spcPct val="100000"/>
             </a:lnSpc>
@@ -2281,48 +2281,77 @@
             <a:spcAft>
               <a:spcPct val="15000"/>
             </a:spcAft>
-            <a:buChar char="•"/>
+            <a:buChar char="••"/>
           </a:pPr>
           <a:r>
-            <a:rPr lang="en-US" altLang="zh-CN">
-              <a:solidFill>
-                <a:schemeClr val="dk1"/>
-              </a:solidFill>
-            </a:rPr>
+            <a:rPr lang="en-US" altLang="zh-CN" sz="1500" kern="1200"/>
+            <a:t>coefficient of viscosity</a:t>
+          </a:r>
+        </a:p>
+        <a:p>
+          <a:pPr marL="114300" lvl="1" indent="-114300" algn="l" defTabSz="666750">
+            <a:lnSpc>
+              <a:spcPct val="100000"/>
+            </a:lnSpc>
+            <a:spcBef>
+              <a:spcPct val="0"/>
+            </a:spcBef>
+            <a:spcAft>
+              <a:spcPct val="15000"/>
+            </a:spcAft>
+            <a:buChar char="••"/>
+          </a:pPr>
+          <a:r>
+            <a:rPr lang="en-US" altLang="zh-CN" sz="1500" kern="1200"/>
             <a:t>implicit dynamic </a:t>
           </a:r>
-          <a:endParaRPr lang="en-US" altLang="zh-CN">
-            <a:solidFill>
-              <a:schemeClr val="dk1"/>
-            </a:solidFill>
-          </a:endParaRPr>
         </a:p>
       </dsp:txBody>
-      <dsp:txXfrm rot="5400000">
-        <a:off x="5244263" y="-362991"/>
-        <a:ext cx="1236570" cy="5517693"/>
+      <dsp:txXfrm rot="-5400000">
+        <a:off x="3186455" y="1838479"/>
+        <a:ext cx="5604504" cy="1114752"/>
       </dsp:txXfrm>
     </dsp:sp>
     <dsp:sp modelId="{EBD335B5-8308-49CB-9630-99D852747B1F}">
       <dsp:nvSpPr>
-        <dsp:cNvPr id="5" name="圆角矩形 4"/>
+        <dsp:cNvPr id="0" name=""/>
         <dsp:cNvSpPr/>
       </dsp:nvSpPr>
-      <dsp:spPr bwMode="white">
+      <dsp:spPr>
         <a:xfrm>
-          <a:off x="0" y="1622999"/>
-          <a:ext cx="3103702" cy="1545713"/>
+          <a:off x="0" y="1623753"/>
+          <a:ext cx="3186455" cy="1544203"/>
         </a:xfrm>
         <a:prstGeom prst="roundRect">
           <a:avLst/>
         </a:prstGeom>
+        <a:solidFill>
+          <a:schemeClr val="accent1">
+            <a:hueOff val="0"/>
+            <a:satOff val="0"/>
+            <a:lumOff val="0"/>
+            <a:alphaOff val="0"/>
+          </a:schemeClr>
+        </a:solidFill>
+        <a:ln w="25400" cap="flat" cmpd="sng" algn="ctr">
+          <a:solidFill>
+            <a:schemeClr val="lt1">
+              <a:hueOff val="0"/>
+              <a:satOff val="0"/>
+              <a:lumOff val="0"/>
+              <a:alphaOff val="0"/>
+            </a:schemeClr>
+          </a:solidFill>
+          <a:prstDash val="solid"/>
+        </a:ln>
+        <a:effectLst/>
       </dsp:spPr>
       <dsp:style>
         <a:lnRef idx="2">
-          <a:schemeClr val="lt1"/>
+          <a:scrgbClr r="0" g="0" b="0"/>
         </a:lnRef>
         <a:fillRef idx="1">
-          <a:schemeClr val="accent1"/>
+          <a:scrgbClr r="0" g="0" b="0"/>
         </a:fillRef>
         <a:effectRef idx="0">
           <a:scrgbClr r="0" g="0" b="0"/>
@@ -2332,38 +2361,12 @@
         </a:fontRef>
       </dsp:style>
       <dsp:txBody>
-        <a:bodyPr vert="horz" wrap="square" lIns="121920" tIns="60960" rIns="121920" bIns="60960" anchor="ctr"/>
-        <a:lstStyle>
-          <a:lvl1pPr algn="ctr">
-            <a:defRPr sz="3200"/>
-          </a:lvl1pPr>
-          <a:lvl2pPr marL="228600" indent="-228600" algn="ctr">
-            <a:defRPr sz="2400"/>
-          </a:lvl2pPr>
-          <a:lvl3pPr marL="457200" indent="-228600" algn="ctr">
-            <a:defRPr sz="2400"/>
-          </a:lvl3pPr>
-          <a:lvl4pPr marL="685800" indent="-228600" algn="ctr">
-            <a:defRPr sz="2400"/>
-          </a:lvl4pPr>
-          <a:lvl5pPr marL="914400" indent="-228600" algn="ctr">
-            <a:defRPr sz="2400"/>
-          </a:lvl5pPr>
-          <a:lvl6pPr marL="1143000" indent="-228600" algn="ctr">
-            <a:defRPr sz="2400"/>
-          </a:lvl6pPr>
-          <a:lvl7pPr marL="1371600" indent="-228600" algn="ctr">
-            <a:defRPr sz="2400"/>
-          </a:lvl7pPr>
-          <a:lvl8pPr marL="1600200" indent="-228600" algn="ctr">
-            <a:defRPr sz="2400"/>
-          </a:lvl8pPr>
-          <a:lvl9pPr marL="1828800" indent="-228600" algn="ctr">
-            <a:defRPr sz="2400"/>
-          </a:lvl9pPr>
-        </a:lstStyle>
+        <a:bodyPr spcFirstLastPara="0" vert="horz" wrap="square" lIns="91440" tIns="45720" rIns="91440" bIns="45720" numCol="1" spcCol="1270" anchor="ctr" anchorCtr="0">
+          <a:noAutofit/>
+        </a:bodyPr>
+        <a:lstStyle/>
         <a:p>
-          <a:pPr lvl="0">
+          <a:pPr lvl="0" algn="ctr" defTabSz="1066800">
             <a:lnSpc>
               <a:spcPct val="100000"/>
             </a:lnSpc>
@@ -2375,45 +2378,62 @@
             </a:spcAft>
           </a:pPr>
           <a:r>
-            <a:rPr lang="en-US" altLang="zh-CN" dirty="0" smtClean="0">
+            <a:rPr lang="en-US" altLang="zh-CN" sz="2400" kern="1200" dirty="0" smtClean="0">
               <a:sym typeface="+mn-ea"/>
             </a:rPr>
             <a:t>Abaqus simulation</a:t>
           </a:r>
-          <a:endParaRPr lang="zh-CN" altLang="en-US"/>
         </a:p>
       </dsp:txBody>
       <dsp:txXfrm>
-        <a:off x="0" y="1622999"/>
-        <a:ext cx="3103702" cy="1545713"/>
+        <a:off x="75382" y="1699135"/>
+        <a:ext cx="3035691" cy="1393439"/>
       </dsp:txXfrm>
     </dsp:sp>
     <dsp:sp modelId="{64028F0D-BE57-4642-92F7-303D4E45C524}">
       <dsp:nvSpPr>
-        <dsp:cNvPr id="8" name="同侧圆角矩形 7"/>
+        <dsp:cNvPr id="0" name=""/>
         <dsp:cNvSpPr/>
       </dsp:nvSpPr>
-      <dsp:spPr bwMode="white">
+      <dsp:spPr>
         <a:xfrm rot="5400000">
-          <a:off x="5244263" y="1260007"/>
-          <a:ext cx="1236570" cy="5517693"/>
+          <a:off x="5401178" y="1184863"/>
+          <a:ext cx="1235362" cy="5664809"/>
         </a:xfrm>
         <a:prstGeom prst="round2SameRect">
           <a:avLst/>
         </a:prstGeom>
+        <a:solidFill>
+          <a:schemeClr val="accent1">
+            <a:alpha val="90000"/>
+            <a:tint val="40000"/>
+            <a:hueOff val="0"/>
+            <a:satOff val="0"/>
+            <a:lumOff val="0"/>
+            <a:alphaOff val="0"/>
+          </a:schemeClr>
+        </a:solidFill>
+        <a:ln w="25400" cap="flat" cmpd="sng" algn="ctr">
+          <a:solidFill>
+            <a:schemeClr val="accent1">
+              <a:alpha val="90000"/>
+              <a:tint val="40000"/>
+              <a:hueOff val="0"/>
+              <a:satOff val="0"/>
+              <a:lumOff val="0"/>
+              <a:alphaOff val="0"/>
+            </a:schemeClr>
+          </a:solidFill>
+          <a:prstDash val="solid"/>
+        </a:ln>
+        <a:effectLst/>
       </dsp:spPr>
       <dsp:style>
         <a:lnRef idx="2">
-          <a:schemeClr val="accent1">
-            <a:alpha val="90000"/>
-            <a:tint val="40000"/>
-          </a:schemeClr>
+          <a:scrgbClr r="0" g="0" b="0"/>
         </a:lnRef>
         <a:fillRef idx="1">
-          <a:schemeClr val="accent1">
-            <a:alpha val="90000"/>
-            <a:tint val="40000"/>
-          </a:schemeClr>
+          <a:scrgbClr r="0" g="0" b="0"/>
         </a:fillRef>
         <a:effectRef idx="0">
           <a:scrgbClr r="0" g="0" b="0"/>
@@ -2421,38 +2441,12 @@
         <a:fontRef idx="minor"/>
       </dsp:style>
       <dsp:txBody>
-        <a:bodyPr rot="-5400000" vert="horz" wrap="square" lIns="76200" tIns="38100" rIns="76200" bIns="38100" anchor="ctr"/>
-        <a:lstStyle>
-          <a:lvl1pPr algn="l">
-            <a:defRPr sz="2000"/>
-          </a:lvl1pPr>
-          <a:lvl2pPr marL="228600" indent="-228600" algn="l">
-            <a:defRPr sz="2000"/>
-          </a:lvl2pPr>
-          <a:lvl3pPr marL="457200" indent="-228600" algn="l">
-            <a:defRPr sz="2000"/>
-          </a:lvl3pPr>
-          <a:lvl4pPr marL="685800" indent="-228600" algn="l">
-            <a:defRPr sz="2000"/>
-          </a:lvl4pPr>
-          <a:lvl5pPr marL="914400" indent="-228600" algn="l">
-            <a:defRPr sz="2000"/>
-          </a:lvl5pPr>
-          <a:lvl6pPr marL="1143000" indent="-228600" algn="l">
-            <a:defRPr sz="2000"/>
-          </a:lvl6pPr>
-          <a:lvl7pPr marL="1371600" indent="-228600" algn="l">
-            <a:defRPr sz="2000"/>
-          </a:lvl7pPr>
-          <a:lvl8pPr marL="1600200" indent="-228600" algn="l">
-            <a:defRPr sz="2000"/>
-          </a:lvl8pPr>
-          <a:lvl9pPr marL="1828800" indent="-228600" algn="l">
-            <a:defRPr sz="2000"/>
-          </a:lvl9pPr>
-        </a:lstStyle>
+        <a:bodyPr spcFirstLastPara="0" vert="horz" wrap="square" lIns="57150" tIns="28575" rIns="57150" bIns="28575" numCol="1" spcCol="1270" anchor="ctr" anchorCtr="0">
+          <a:noAutofit/>
+        </a:bodyPr>
+        <a:lstStyle/>
         <a:p>
-          <a:pPr lvl="1">
+          <a:pPr marL="114300" lvl="1" indent="-114300" algn="l" defTabSz="666750">
             <a:lnSpc>
               <a:spcPct val="100000"/>
             </a:lnSpc>
@@ -2462,40 +2456,56 @@
             <a:spcAft>
               <a:spcPct val="15000"/>
             </a:spcAft>
-            <a:buChar char="•"/>
+            <a:buChar char="••"/>
           </a:pPr>
-          <a:endParaRPr lang="zh-CN" altLang="en-US">
-            <a:solidFill>
-              <a:schemeClr val="dk1"/>
-            </a:solidFill>
-          </a:endParaRPr>
+          <a:endParaRPr lang="zh-CN" altLang="en-US" sz="1500" kern="1200"/>
         </a:p>
       </dsp:txBody>
-      <dsp:txXfrm rot="5400000">
-        <a:off x="5244263" y="1260007"/>
-        <a:ext cx="1236570" cy="5517693"/>
+      <dsp:txXfrm rot="-5400000">
+        <a:off x="3186455" y="3459892"/>
+        <a:ext cx="5604504" cy="1114752"/>
       </dsp:txXfrm>
     </dsp:sp>
     <dsp:sp modelId="{B093CE78-670B-40EB-95CF-315E334D550F}">
       <dsp:nvSpPr>
-        <dsp:cNvPr id="7" name="圆角矩形 6"/>
+        <dsp:cNvPr id="0" name=""/>
         <dsp:cNvSpPr/>
       </dsp:nvSpPr>
-      <dsp:spPr bwMode="white">
+      <dsp:spPr>
         <a:xfrm>
-          <a:off x="0" y="3245997"/>
-          <a:ext cx="3103702" cy="1545713"/>
+          <a:off x="0" y="3245166"/>
+          <a:ext cx="3186455" cy="1544203"/>
         </a:xfrm>
         <a:prstGeom prst="roundRect">
           <a:avLst/>
         </a:prstGeom>
+        <a:solidFill>
+          <a:schemeClr val="accent1">
+            <a:hueOff val="0"/>
+            <a:satOff val="0"/>
+            <a:lumOff val="0"/>
+            <a:alphaOff val="0"/>
+          </a:schemeClr>
+        </a:solidFill>
+        <a:ln w="25400" cap="flat" cmpd="sng" algn="ctr">
+          <a:solidFill>
+            <a:schemeClr val="lt1">
+              <a:hueOff val="0"/>
+              <a:satOff val="0"/>
+              <a:lumOff val="0"/>
+              <a:alphaOff val="0"/>
+            </a:schemeClr>
+          </a:solidFill>
+          <a:prstDash val="solid"/>
+        </a:ln>
+        <a:effectLst/>
       </dsp:spPr>
       <dsp:style>
         <a:lnRef idx="2">
-          <a:schemeClr val="lt1"/>
+          <a:scrgbClr r="0" g="0" b="0"/>
         </a:lnRef>
         <a:fillRef idx="1">
-          <a:schemeClr val="accent1"/>
+          <a:scrgbClr r="0" g="0" b="0"/>
         </a:fillRef>
         <a:effectRef idx="0">
           <a:scrgbClr r="0" g="0" b="0"/>
@@ -2505,38 +2515,12 @@
         </a:fontRef>
       </dsp:style>
       <dsp:txBody>
-        <a:bodyPr vert="horz" wrap="square" lIns="121920" tIns="60960" rIns="121920" bIns="60960" anchor="ctr"/>
-        <a:lstStyle>
-          <a:lvl1pPr algn="ctr">
-            <a:defRPr sz="3200"/>
-          </a:lvl1pPr>
-          <a:lvl2pPr marL="228600" indent="-228600" algn="ctr">
-            <a:defRPr sz="2400"/>
-          </a:lvl2pPr>
-          <a:lvl3pPr marL="457200" indent="-228600" algn="ctr">
-            <a:defRPr sz="2400"/>
-          </a:lvl3pPr>
-          <a:lvl4pPr marL="685800" indent="-228600" algn="ctr">
-            <a:defRPr sz="2400"/>
-          </a:lvl4pPr>
-          <a:lvl5pPr marL="914400" indent="-228600" algn="ctr">
-            <a:defRPr sz="2400"/>
-          </a:lvl5pPr>
-          <a:lvl6pPr marL="1143000" indent="-228600" algn="ctr">
-            <a:defRPr sz="2400"/>
-          </a:lvl6pPr>
-          <a:lvl7pPr marL="1371600" indent="-228600" algn="ctr">
-            <a:defRPr sz="2400"/>
-          </a:lvl7pPr>
-          <a:lvl8pPr marL="1600200" indent="-228600" algn="ctr">
-            <a:defRPr sz="2400"/>
-          </a:lvl8pPr>
-          <a:lvl9pPr marL="1828800" indent="-228600" algn="ctr">
-            <a:defRPr sz="2400"/>
-          </a:lvl9pPr>
-        </a:lstStyle>
+        <a:bodyPr spcFirstLastPara="0" vert="horz" wrap="square" lIns="91440" tIns="45720" rIns="91440" bIns="45720" numCol="1" spcCol="1270" anchor="ctr" anchorCtr="0">
+          <a:noAutofit/>
+        </a:bodyPr>
+        <a:lstStyle/>
         <a:p>
-          <a:pPr lvl="0">
+          <a:pPr lvl="0" algn="ctr" defTabSz="1066800">
             <a:lnSpc>
               <a:spcPct val="100000"/>
             </a:lnSpc>
@@ -2548,17 +2532,23 @@
             </a:spcAft>
           </a:pPr>
           <a:r>
-            <a:rPr lang="en-US" altLang="zh-CN" dirty="0" smtClean="0">
+            <a:rPr lang="en-US" altLang="zh-CN" sz="2400" kern="1200" dirty="0" smtClean="0">
               <a:sym typeface="+mn-ea"/>
             </a:rPr>
-            <a:t>Results </a:t>
+            <a:t>Results</a:t>
           </a:r>
-          <a:endParaRPr lang="zh-CN" altLang="en-US"/>
+          <a:r>
+            <a:rPr lang="en-US" altLang="zh-CN" sz="5900" kern="1200" dirty="0" smtClean="0">
+              <a:sym typeface="+mn-ea"/>
+            </a:rPr>
+            <a:t> </a:t>
+          </a:r>
+          <a:endParaRPr lang="zh-CN" altLang="en-US" sz="5900" kern="1200"/>
         </a:p>
       </dsp:txBody>
       <dsp:txXfrm>
-        <a:off x="0" y="3245997"/>
-        <a:ext cx="3103702" cy="1545713"/>
+        <a:off x="75382" y="3320548"/>
+        <a:ext cx="3035691" cy="1393439"/>
       </dsp:txXfrm>
     </dsp:sp>
   </dsp:spTree>
@@ -2623,9 +2613,7 @@
   <dgm:styleData>
     <dgm:dataModel>
       <dgm:ptLst>
-        <dgm:pt modelId="0" type="doc">
-          <dgm:prSet qsTypeId="urn:microsoft.com/office/officeart/2005/8/quickstyle/simple5"/>
-        </dgm:pt>
+        <dgm:pt modelId="0" type="doc"/>
         <dgm:pt modelId="1"/>
         <dgm:pt modelId="11"/>
         <dgm:pt modelId="2"/>
@@ -2757,12 +2745,12 @@
               </dgm:alg>
               <dgm:choose name="Name10">
                 <dgm:if name="Name11" func="var" arg="dir" op="equ" val="norm">
-                  <dgm:shape xmlns:r="http://schemas.openxmlformats.org/officeDocument/2006/relationships" type="round2SameRect" r:blip="" rot="90">
+                  <dgm:shape xmlns:r="http://schemas.openxmlformats.org/officeDocument/2006/relationships" rot="90" type="round2SameRect" r:blip="">
                     <dgm:adjLst/>
                   </dgm:shape>
                 </dgm:if>
                 <dgm:else name="Name12">
-                  <dgm:shape xmlns:r="http://schemas.openxmlformats.org/officeDocument/2006/relationships" type="round2SameRect" r:blip="" rot="-90">
+                  <dgm:shape xmlns:r="http://schemas.openxmlformats.org/officeDocument/2006/relationships" rot="-90" type="round2SameRect" r:blip="">
                     <dgm:adjLst/>
                   </dgm:shape>
                 </dgm:else>
@@ -2801,7 +2789,7 @@
 </file>
 
 <file path=ppt/diagrams/quickStyle1.xml><?xml version="1.0" encoding="utf-8"?>
-<dgm:styleDef xmlns:dgm="http://schemas.openxmlformats.org/drawingml/2006/diagram" xmlns:a="http://schemas.openxmlformats.org/drawingml/2006/main" uniqueId="urn:microsoft.com/office/officeart/2005/8/quickstyle/simple1">
+<dgm:styleDef xmlns:dgm="http://schemas.openxmlformats.org/drawingml/2006/diagram" xmlns:a="http://schemas.openxmlformats.org/drawingml/2006/main" uniqueId="urn:microsoft.com/office/officeart/2005/8/quickstyle/simple1#1">
   <dgm:title val=""/>
   <dgm:desc val=""/>
   <dgm:catLst>
@@ -2816,6 +2804,7 @@
       <a:camera prst="orthographicFront"/>
       <a:lightRig rig="threePt" dir="t"/>
     </dgm:scene3d>
+    <dgm:sp3d/>
     <dgm:txPr/>
     <dgm:style>
       <a:lnRef idx="2">
@@ -2835,6 +2824,7 @@
       <a:camera prst="orthographicFront"/>
       <a:lightRig rig="threePt" dir="t"/>
     </dgm:scene3d>
+    <dgm:sp3d/>
     <dgm:txPr/>
     <dgm:style>
       <a:lnRef idx="2">
@@ -2854,6 +2844,7 @@
       <a:camera prst="orthographicFront"/>
       <a:lightRig rig="threePt" dir="t"/>
     </dgm:scene3d>
+    <dgm:sp3d/>
     <dgm:txPr/>
     <dgm:style>
       <a:lnRef idx="2">
@@ -2873,6 +2864,7 @@
       <a:camera prst="orthographicFront"/>
       <a:lightRig rig="threePt" dir="t"/>
     </dgm:scene3d>
+    <dgm:sp3d/>
     <dgm:txPr/>
     <dgm:style>
       <a:lnRef idx="2">
@@ -2894,6 +2886,7 @@
       <a:camera prst="orthographicFront"/>
       <a:lightRig rig="threePt" dir="t"/>
     </dgm:scene3d>
+    <dgm:sp3d/>
     <dgm:txPr/>
     <dgm:style>
       <a:lnRef idx="2">
@@ -2915,6 +2908,7 @@
       <a:camera prst="orthographicFront"/>
       <a:lightRig rig="threePt" dir="t"/>
     </dgm:scene3d>
+    <dgm:sp3d/>
     <dgm:txPr/>
     <dgm:style>
       <a:lnRef idx="2">
@@ -2936,6 +2930,7 @@
       <a:camera prst="orthographicFront"/>
       <a:lightRig rig="threePt" dir="t"/>
     </dgm:scene3d>
+    <dgm:sp3d/>
     <dgm:txPr/>
     <dgm:style>
       <a:lnRef idx="2">
@@ -2957,6 +2952,7 @@
       <a:camera prst="orthographicFront"/>
       <a:lightRig rig="threePt" dir="t"/>
     </dgm:scene3d>
+    <dgm:sp3d/>
     <dgm:txPr/>
     <dgm:style>
       <a:lnRef idx="2">
@@ -2978,6 +2974,7 @@
       <a:camera prst="orthographicFront"/>
       <a:lightRig rig="threePt" dir="t"/>
     </dgm:scene3d>
+    <dgm:sp3d/>
     <dgm:txPr/>
     <dgm:style>
       <a:lnRef idx="2">
@@ -2999,6 +2996,7 @@
       <a:camera prst="orthographicFront"/>
       <a:lightRig rig="threePt" dir="t"/>
     </dgm:scene3d>
+    <dgm:sp3d/>
     <dgm:txPr/>
     <dgm:style>
       <a:lnRef idx="2">
@@ -3018,6 +3016,7 @@
       <a:camera prst="orthographicFront"/>
       <a:lightRig rig="threePt" dir="t"/>
     </dgm:scene3d>
+    <dgm:sp3d/>
     <dgm:txPr/>
     <dgm:style>
       <a:lnRef idx="2">
@@ -3037,6 +3036,7 @@
       <a:camera prst="orthographicFront"/>
       <a:lightRig rig="threePt" dir="t"/>
     </dgm:scene3d>
+    <dgm:sp3d/>
     <dgm:txPr/>
     <dgm:style>
       <a:lnRef idx="2">
@@ -3056,6 +3056,7 @@
       <a:camera prst="orthographicFront"/>
       <a:lightRig rig="threePt" dir="t"/>
     </dgm:scene3d>
+    <dgm:sp3d/>
     <dgm:txPr/>
     <dgm:style>
       <a:lnRef idx="0">
@@ -3075,6 +3076,7 @@
       <a:camera prst="orthographicFront"/>
       <a:lightRig rig="threePt" dir="t"/>
     </dgm:scene3d>
+    <dgm:sp3d/>
     <dgm:txPr/>
     <dgm:style>
       <a:lnRef idx="0">
@@ -3096,6 +3098,7 @@
       <a:camera prst="orthographicFront"/>
       <a:lightRig rig="threePt" dir="t"/>
     </dgm:scene3d>
+    <dgm:sp3d/>
     <dgm:txPr/>
     <dgm:style>
       <a:lnRef idx="2">
@@ -3115,6 +3118,7 @@
       <a:camera prst="orthographicFront"/>
       <a:lightRig rig="threePt" dir="t"/>
     </dgm:scene3d>
+    <dgm:sp3d/>
     <dgm:txPr/>
     <dgm:style>
       <a:lnRef idx="2">
@@ -3134,6 +3138,7 @@
       <a:camera prst="orthographicFront"/>
       <a:lightRig rig="threePt" dir="t"/>
     </dgm:scene3d>
+    <dgm:sp3d/>
     <dgm:txPr/>
     <dgm:style>
       <a:lnRef idx="0">
@@ -3153,6 +3158,7 @@
       <a:camera prst="orthographicFront"/>
       <a:lightRig rig="threePt" dir="t"/>
     </dgm:scene3d>
+    <dgm:sp3d/>
     <dgm:txPr/>
     <dgm:style>
       <a:lnRef idx="2">
@@ -3172,6 +3178,7 @@
       <a:camera prst="orthographicFront"/>
       <a:lightRig rig="threePt" dir="t"/>
     </dgm:scene3d>
+    <dgm:sp3d/>
     <dgm:txPr/>
     <dgm:style>
       <a:lnRef idx="2">
@@ -3191,6 +3198,7 @@
       <a:camera prst="orthographicFront"/>
       <a:lightRig rig="threePt" dir="t"/>
     </dgm:scene3d>
+    <dgm:sp3d/>
     <dgm:txPr/>
     <dgm:style>
       <a:lnRef idx="2">
@@ -3210,6 +3218,7 @@
       <a:camera prst="orthographicFront"/>
       <a:lightRig rig="threePt" dir="t"/>
     </dgm:scene3d>
+    <dgm:sp3d/>
     <dgm:txPr/>
     <dgm:style>
       <a:lnRef idx="2">
@@ -3229,6 +3238,7 @@
       <a:camera prst="orthographicFront"/>
       <a:lightRig rig="threePt" dir="t"/>
     </dgm:scene3d>
+    <dgm:sp3d/>
     <dgm:txPr/>
     <dgm:style>
       <a:lnRef idx="2">
@@ -3248,6 +3258,7 @@
       <a:camera prst="orthographicFront"/>
       <a:lightRig rig="threePt" dir="t"/>
     </dgm:scene3d>
+    <dgm:sp3d/>
     <dgm:txPr/>
     <dgm:style>
       <a:lnRef idx="2">
@@ -3267,6 +3278,7 @@
       <a:camera prst="orthographicFront"/>
       <a:lightRig rig="threePt" dir="t"/>
     </dgm:scene3d>
+    <dgm:sp3d/>
     <dgm:txPr/>
     <dgm:style>
       <a:lnRef idx="2">
@@ -3286,6 +3298,7 @@
       <a:camera prst="orthographicFront"/>
       <a:lightRig rig="threePt" dir="t"/>
     </dgm:scene3d>
+    <dgm:sp3d/>
     <dgm:txPr/>
     <dgm:style>
       <a:lnRef idx="2">
@@ -3305,6 +3318,7 @@
       <a:camera prst="orthographicFront"/>
       <a:lightRig rig="threePt" dir="t"/>
     </dgm:scene3d>
+    <dgm:sp3d/>
     <dgm:txPr/>
     <dgm:style>
       <a:lnRef idx="0">
@@ -3326,6 +3340,7 @@
       <a:camera prst="orthographicFront"/>
       <a:lightRig rig="threePt" dir="t"/>
     </dgm:scene3d>
+    <dgm:sp3d/>
     <dgm:txPr/>
     <dgm:style>
       <a:lnRef idx="2">
@@ -3347,6 +3362,7 @@
       <a:camera prst="orthographicFront"/>
       <a:lightRig rig="threePt" dir="t"/>
     </dgm:scene3d>
+    <dgm:sp3d/>
     <dgm:txPr/>
     <dgm:style>
       <a:lnRef idx="2">
@@ -3368,6 +3384,7 @@
       <a:camera prst="orthographicFront"/>
       <a:lightRig rig="threePt" dir="t"/>
     </dgm:scene3d>
+    <dgm:sp3d/>
     <dgm:txPr/>
     <dgm:style>
       <a:lnRef idx="2">
@@ -3389,6 +3406,7 @@
       <a:camera prst="orthographicFront"/>
       <a:lightRig rig="threePt" dir="t"/>
     </dgm:scene3d>
+    <dgm:sp3d/>
     <dgm:txPr/>
     <dgm:style>
       <a:lnRef idx="2">
@@ -3410,6 +3428,7 @@
       <a:camera prst="orthographicFront"/>
       <a:lightRig rig="threePt" dir="t"/>
     </dgm:scene3d>
+    <dgm:sp3d/>
     <dgm:txPr/>
     <dgm:style>
       <a:lnRef idx="2">
@@ -3431,6 +3450,7 @@
       <a:camera prst="orthographicFront"/>
       <a:lightRig rig="threePt" dir="t"/>
     </dgm:scene3d>
+    <dgm:sp3d/>
     <dgm:txPr/>
     <dgm:style>
       <a:lnRef idx="2">
@@ -3452,6 +3472,7 @@
       <a:camera prst="orthographicFront"/>
       <a:lightRig rig="threePt" dir="t"/>
     </dgm:scene3d>
+    <dgm:sp3d/>
     <dgm:txPr/>
     <dgm:style>
       <a:lnRef idx="2">
@@ -3471,6 +3492,7 @@
       <a:camera prst="orthographicFront"/>
       <a:lightRig rig="threePt" dir="t"/>
     </dgm:scene3d>
+    <dgm:sp3d/>
     <dgm:txPr/>
     <dgm:style>
       <a:lnRef idx="2">
@@ -3490,6 +3512,7 @@
       <a:camera prst="orthographicFront"/>
       <a:lightRig rig="threePt" dir="t"/>
     </dgm:scene3d>
+    <dgm:sp3d/>
     <dgm:txPr/>
     <dgm:style>
       <a:lnRef idx="2">
@@ -3509,6 +3532,7 @@
       <a:camera prst="orthographicFront"/>
       <a:lightRig rig="threePt" dir="t"/>
     </dgm:scene3d>
+    <dgm:sp3d/>
     <dgm:txPr/>
     <dgm:style>
       <a:lnRef idx="2">
@@ -3528,6 +3552,7 @@
       <a:camera prst="orthographicFront"/>
       <a:lightRig rig="threePt" dir="t"/>
     </dgm:scene3d>
+    <dgm:sp3d/>
     <dgm:txPr/>
     <dgm:style>
       <a:lnRef idx="2">
@@ -3549,6 +3574,7 @@
       <a:camera prst="orthographicFront"/>
       <a:lightRig rig="threePt" dir="t"/>
     </dgm:scene3d>
+    <dgm:sp3d/>
     <dgm:txPr/>
     <dgm:style>
       <a:lnRef idx="2">
@@ -3570,6 +3596,7 @@
       <a:camera prst="orthographicFront"/>
       <a:lightRig rig="threePt" dir="t"/>
     </dgm:scene3d>
+    <dgm:sp3d/>
     <dgm:txPr/>
     <dgm:style>
       <a:lnRef idx="2">
@@ -3591,6 +3618,7 @@
       <a:camera prst="orthographicFront"/>
       <a:lightRig rig="threePt" dir="t"/>
     </dgm:scene3d>
+    <dgm:sp3d/>
     <dgm:txPr/>
     <dgm:style>
       <a:lnRef idx="2">
@@ -3612,6 +3640,7 @@
       <a:camera prst="orthographicFront"/>
       <a:lightRig rig="threePt" dir="t"/>
     </dgm:scene3d>
+    <dgm:sp3d/>
     <dgm:txPr/>
     <dgm:style>
       <a:lnRef idx="0">
@@ -3631,6 +3660,7 @@
       <a:camera prst="orthographicFront"/>
       <a:lightRig rig="threePt" dir="t"/>
     </dgm:scene3d>
+    <dgm:sp3d/>
     <dgm:txPr/>
     <dgm:style>
       <a:lnRef idx="1">
@@ -3650,6 +3680,7 @@
       <a:camera prst="orthographicFront"/>
       <a:lightRig rig="threePt" dir="t"/>
     </dgm:scene3d>
+    <dgm:sp3d/>
     <dgm:txPr/>
     <dgm:style>
       <a:lnRef idx="0">
@@ -3671,6 +3702,7 @@
       <a:camera prst="orthographicFront"/>
       <a:lightRig rig="threePt" dir="t"/>
     </dgm:scene3d>
+    <dgm:sp3d/>
     <dgm:txPr/>
     <dgm:style>
       <a:lnRef idx="2">
@@ -3690,6 +3722,7 @@
       <a:camera prst="orthographicFront"/>
       <a:lightRig rig="threePt" dir="t"/>
     </dgm:scene3d>
+    <dgm:sp3d/>
     <dgm:txPr/>
     <dgm:style>
       <a:lnRef idx="2">
@@ -3709,6 +3742,7 @@
       <a:camera prst="orthographicFront"/>
       <a:lightRig rig="threePt" dir="t"/>
     </dgm:scene3d>
+    <dgm:sp3d/>
     <dgm:txPr/>
     <dgm:style>
       <a:lnRef idx="2">
@@ -3728,6 +3762,7 @@
       <a:camera prst="orthographicFront"/>
       <a:lightRig rig="threePt" dir="t"/>
     </dgm:scene3d>
+    <dgm:sp3d/>
     <dgm:txPr/>
     <dgm:style>
       <a:lnRef idx="1">
@@ -3747,6 +3782,7 @@
       <a:camera prst="orthographicFront"/>
       <a:lightRig rig="threePt" dir="t"/>
     </dgm:scene3d>
+    <dgm:sp3d/>
     <dgm:txPr/>
     <dgm:style>
       <a:lnRef idx="0">
@@ -3766,6 +3802,7 @@
       <a:camera prst="orthographicFront"/>
       <a:lightRig rig="threePt" dir="t"/>
     </dgm:scene3d>
+    <dgm:sp3d/>
     <dgm:txPr/>
     <dgm:style>
       <a:lnRef idx="2">
@@ -3867,6 +3904,7 @@
           <a:p>
             <a:fld id="{B52DF105-2BB0-474D-87AE-CC5127ABD03B}" type="datetimeFigureOut">
               <a:rPr lang="zh-CN" altLang="en-US" smtClean="0"/>
+              <a:t>2018/1/10</a:t>
             </a:fld>
             <a:endParaRPr lang="zh-CN" altLang="en-US"/>
           </a:p>
@@ -3932,12 +3970,18 @@
           <a:p>
             <a:fld id="{972F241A-2BF7-45B5-B0EA-5B3F3E158348}" type="slidenum">
               <a:rPr lang="zh-CN" altLang="en-US" smtClean="0"/>
+              <a:t>‹#›</a:t>
             </a:fld>
             <a:endParaRPr lang="zh-CN" altLang="en-US"/>
           </a:p>
         </p:txBody>
       </p:sp>
     </p:spTree>
+    <p:extLst>
+      <p:ext uri="{BB962C8B-B14F-4D97-AF65-F5344CB8AC3E}">
+        <p14:creationId xmlns:p14="http://schemas.microsoft.com/office/powerpoint/2010/main" val="3587533146"/>
+      </p:ext>
+    </p:extLst>
   </p:cSld>
   <p:clrMap bg1="lt1" tx1="dk1" bg2="lt2" tx2="dk2" accent1="accent1" accent2="accent2" accent3="accent3" accent4="accent4" accent5="accent5" accent6="accent6" hlink="hlink" folHlink="folHlink"/>
   <p:hf hdr="0" ftr="0" dt="0"/>
@@ -4038,6 +4082,7 @@
             </a:pPr>
             <a:fld id="{5ACC19A4-4FEE-4FAA-B781-2F0620F1DD9D}" type="datetimeFigureOut">
               <a:rPr lang="zh-CN" altLang="en-US"/>
+              <a:t>2018/1/10</a:t>
             </a:fld>
             <a:endParaRPr lang="zh-CN" altLang="en-US"/>
           </a:p>
@@ -4105,7 +4150,6 @@
               <a:rPr lang="zh-CN" altLang="en-US" noProof="0" smtClean="0"/>
               <a:t>单击此处编辑母版文本样式</a:t>
             </a:r>
-            <a:endParaRPr lang="zh-CN" altLang="en-US" noProof="0" smtClean="0"/>
           </a:p>
           <a:p>
             <a:pPr lvl="1"/>
@@ -4113,7 +4157,6 @@
               <a:rPr lang="zh-CN" altLang="en-US" noProof="0" smtClean="0"/>
               <a:t>第二级</a:t>
             </a:r>
-            <a:endParaRPr lang="zh-CN" altLang="en-US" noProof="0" smtClean="0"/>
           </a:p>
           <a:p>
             <a:pPr lvl="2"/>
@@ -4121,7 +4164,6 @@
               <a:rPr lang="zh-CN" altLang="en-US" noProof="0" smtClean="0"/>
               <a:t>第三级</a:t>
             </a:r>
-            <a:endParaRPr lang="zh-CN" altLang="en-US" noProof="0" smtClean="0"/>
           </a:p>
           <a:p>
             <a:pPr lvl="3"/>
@@ -4129,7 +4171,6 @@
               <a:rPr lang="zh-CN" altLang="en-US" noProof="0" smtClean="0"/>
               <a:t>第四级</a:t>
             </a:r>
-            <a:endParaRPr lang="zh-CN" altLang="en-US" noProof="0" smtClean="0"/>
           </a:p>
           <a:p>
             <a:pPr lvl="4"/>
@@ -4137,7 +4178,6 @@
               <a:rPr lang="zh-CN" altLang="en-US" noProof="0" smtClean="0"/>
               <a:t>第五级</a:t>
             </a:r>
-            <a:endParaRPr lang="zh-CN" altLang="en-US" noProof="0" smtClean="0"/>
           </a:p>
         </p:txBody>
       </p:sp>
@@ -4213,12 +4253,18 @@
             </a:pPr>
             <a:fld id="{25B90781-8F33-4817-9135-69A6D6E7B614}" type="slidenum">
               <a:rPr lang="zh-CN" altLang="en-US"/>
+              <a:t>‹#›</a:t>
             </a:fld>
             <a:endParaRPr lang="zh-CN" altLang="en-US"/>
           </a:p>
         </p:txBody>
       </p:sp>
     </p:spTree>
+    <p:extLst>
+      <p:ext uri="{BB962C8B-B14F-4D97-AF65-F5344CB8AC3E}">
+        <p14:creationId xmlns:p14="http://schemas.microsoft.com/office/powerpoint/2010/main" val="2941908399"/>
+      </p:ext>
+    </p:extLst>
   </p:cSld>
   <p:clrMap bg1="lt1" tx1="dk1" bg2="lt2" tx2="dk2" accent1="accent1" accent2="accent2" accent3="accent3" accent4="accent4" accent5="accent5" accent6="accent6" hlink="hlink" folHlink="folHlink"/>
   <p:hf hdr="0" ftr="0" dt="0"/>
@@ -4356,11 +4402,20 @@
         <p:cNvGrpSpPr/>
         <p:nvPr/>
       </p:nvGrpSpPr>
-      <p:grpSpPr/>
+      <p:grpSpPr>
+        <a:xfrm>
+          <a:off x="0" y="0"/>
+          <a:ext cx="0" cy="0"/>
+          <a:chOff x="0" y="0"/>
+          <a:chExt cx="0" cy="0"/>
+        </a:xfrm>
+      </p:grpSpPr>
       <p:sp>
         <p:nvSpPr>
           <p:cNvPr id="2" name="幻灯片图像占位符 1"/>
-          <p:cNvSpPr/>
+          <p:cNvSpPr>
+            <a:spLocks noGrp="1" noRot="1" noChangeAspect="1"/>
+          </p:cNvSpPr>
           <p:nvPr>
             <p:ph type="sldImg" idx="2"/>
           </p:nvPr>
@@ -4370,7 +4425,9 @@
       <p:sp>
         <p:nvSpPr>
           <p:cNvPr id="3" name="文本占位符 2"/>
-          <p:cNvSpPr/>
+          <p:cNvSpPr>
+            <a:spLocks noGrp="1"/>
+          </p:cNvSpPr>
           <p:nvPr>
             <p:ph type="body" idx="3"/>
           </p:nvPr>
@@ -4378,12 +4435,18 @@
         <p:spPr/>
         <p:txBody>
           <a:bodyPr/>
+          <a:lstStyle/>
           <a:p>
             <a:endParaRPr lang="zh-CN" altLang="en-US"/>
           </a:p>
         </p:txBody>
       </p:sp>
     </p:spTree>
+    <p:extLst>
+      <p:ext uri="{BB962C8B-B14F-4D97-AF65-F5344CB8AC3E}">
+        <p14:creationId xmlns:p14="http://schemas.microsoft.com/office/powerpoint/2010/main" val="3829955729"/>
+      </p:ext>
+    </p:extLst>
   </p:cSld>
   <p:clrMapOvr>
     <a:masterClrMapping/>
@@ -4478,6 +4541,7 @@
                 <a:latin typeface="Arial" panose="020B0604020202020204" pitchFamily="34" charset="0"/>
                 <a:ea typeface="宋体" panose="02010600030101010101" pitchFamily="2" charset="-122"/>
               </a:rPr>
+              <a:t>10</a:t>
             </a:fld>
             <a:endParaRPr lang="en-US" altLang="zh-CN" smtClean="0">
               <a:latin typeface="Arial" panose="020B0604020202020204" pitchFamily="34" charset="0"/>
@@ -4487,6 +4551,11 @@
         </p:txBody>
       </p:sp>
     </p:spTree>
+    <p:extLst>
+      <p:ext uri="{BB962C8B-B14F-4D97-AF65-F5344CB8AC3E}">
+        <p14:creationId xmlns:p14="http://schemas.microsoft.com/office/powerpoint/2010/main" val="3689678584"/>
+      </p:ext>
+    </p:extLst>
   </p:cSld>
   <p:clrMapOvr>
     <a:masterClrMapping/>
@@ -4581,6 +4650,7 @@
                 <a:latin typeface="Arial" panose="020B0604020202020204" pitchFamily="34" charset="0"/>
                 <a:ea typeface="宋体" panose="02010600030101010101" pitchFamily="2" charset="-122"/>
               </a:rPr>
+              <a:t>11</a:t>
             </a:fld>
             <a:endParaRPr lang="en-US" altLang="zh-CN" smtClean="0">
               <a:latin typeface="Arial" panose="020B0604020202020204" pitchFamily="34" charset="0"/>
@@ -4590,6 +4660,11 @@
         </p:txBody>
       </p:sp>
     </p:spTree>
+    <p:extLst>
+      <p:ext uri="{BB962C8B-B14F-4D97-AF65-F5344CB8AC3E}">
+        <p14:creationId xmlns:p14="http://schemas.microsoft.com/office/powerpoint/2010/main" val="1115521113"/>
+      </p:ext>
+    </p:extLst>
   </p:cSld>
   <p:clrMapOvr>
     <a:masterClrMapping/>
@@ -4684,6 +4759,7 @@
                 <a:latin typeface="Arial" panose="020B0604020202020204" pitchFamily="34" charset="0"/>
                 <a:ea typeface="宋体" panose="02010600030101010101" pitchFamily="2" charset="-122"/>
               </a:rPr>
+              <a:t>12</a:t>
             </a:fld>
             <a:endParaRPr lang="en-US" altLang="zh-CN" smtClean="0">
               <a:latin typeface="Arial" panose="020B0604020202020204" pitchFamily="34" charset="0"/>
@@ -4693,6 +4769,11 @@
         </p:txBody>
       </p:sp>
     </p:spTree>
+    <p:extLst>
+      <p:ext uri="{BB962C8B-B14F-4D97-AF65-F5344CB8AC3E}">
+        <p14:creationId xmlns:p14="http://schemas.microsoft.com/office/powerpoint/2010/main" val="2064963166"/>
+      </p:ext>
+    </p:extLst>
   </p:cSld>
   <p:clrMapOvr>
     <a:masterClrMapping/>
@@ -4787,6 +4868,7 @@
                 <a:latin typeface="Arial" panose="020B0604020202020204" pitchFamily="34" charset="0"/>
                 <a:ea typeface="宋体" panose="02010600030101010101" pitchFamily="2" charset="-122"/>
               </a:rPr>
+              <a:t>13</a:t>
             </a:fld>
             <a:endParaRPr lang="en-US" altLang="zh-CN" smtClean="0">
               <a:latin typeface="Arial" panose="020B0604020202020204" pitchFamily="34" charset="0"/>
@@ -4796,6 +4878,11 @@
         </p:txBody>
       </p:sp>
     </p:spTree>
+    <p:extLst>
+      <p:ext uri="{BB962C8B-B14F-4D97-AF65-F5344CB8AC3E}">
+        <p14:creationId xmlns:p14="http://schemas.microsoft.com/office/powerpoint/2010/main" val="887326545"/>
+      </p:ext>
+    </p:extLst>
   </p:cSld>
   <p:clrMapOvr>
     <a:masterClrMapping/>
@@ -4890,6 +4977,7 @@
                 <a:latin typeface="Arial" panose="020B0604020202020204" pitchFamily="34" charset="0"/>
                 <a:ea typeface="宋体" panose="02010600030101010101" pitchFamily="2" charset="-122"/>
               </a:rPr>
+              <a:t>14</a:t>
             </a:fld>
             <a:endParaRPr lang="en-US" altLang="zh-CN" smtClean="0">
               <a:latin typeface="Arial" panose="020B0604020202020204" pitchFamily="34" charset="0"/>
@@ -4899,6 +4987,11 @@
         </p:txBody>
       </p:sp>
     </p:spTree>
+    <p:extLst>
+      <p:ext uri="{BB962C8B-B14F-4D97-AF65-F5344CB8AC3E}">
+        <p14:creationId xmlns:p14="http://schemas.microsoft.com/office/powerpoint/2010/main" val="2438725942"/>
+      </p:ext>
+    </p:extLst>
   </p:cSld>
   <p:clrMapOvr>
     <a:masterClrMapping/>
@@ -5013,6 +5106,7 @@
                 <a:latin typeface="Arial" panose="020B0604020202020204" pitchFamily="34" charset="0"/>
                 <a:ea typeface="宋体" panose="02010600030101010101" pitchFamily="2" charset="-122"/>
               </a:rPr>
+              <a:t>15</a:t>
             </a:fld>
             <a:endParaRPr lang="en-US" altLang="zh-CN" smtClean="0">
               <a:latin typeface="Arial" panose="020B0604020202020204" pitchFamily="34" charset="0"/>
@@ -5022,6 +5116,11 @@
         </p:txBody>
       </p:sp>
     </p:spTree>
+    <p:extLst>
+      <p:ext uri="{BB962C8B-B14F-4D97-AF65-F5344CB8AC3E}">
+        <p14:creationId xmlns:p14="http://schemas.microsoft.com/office/powerpoint/2010/main" val="295571551"/>
+      </p:ext>
+    </p:extLst>
   </p:cSld>
   <p:clrMapOvr>
     <a:masterClrMapping/>
@@ -5116,6 +5215,7 @@
                 <a:latin typeface="Arial" panose="020B0604020202020204" pitchFamily="34" charset="0"/>
                 <a:ea typeface="宋体" panose="02010600030101010101" pitchFamily="2" charset="-122"/>
               </a:rPr>
+              <a:t>16</a:t>
             </a:fld>
             <a:endParaRPr lang="en-US" altLang="zh-CN" smtClean="0">
               <a:latin typeface="Arial" panose="020B0604020202020204" pitchFamily="34" charset="0"/>
@@ -5125,6 +5225,11 @@
         </p:txBody>
       </p:sp>
     </p:spTree>
+    <p:extLst>
+      <p:ext uri="{BB962C8B-B14F-4D97-AF65-F5344CB8AC3E}">
+        <p14:creationId xmlns:p14="http://schemas.microsoft.com/office/powerpoint/2010/main" val="2350765973"/>
+      </p:ext>
+    </p:extLst>
   </p:cSld>
   <p:clrMapOvr>
     <a:masterClrMapping/>
@@ -5239,6 +5344,7 @@
                 <a:latin typeface="Arial" panose="020B0604020202020204" pitchFamily="34" charset="0"/>
                 <a:ea typeface="宋体" panose="02010600030101010101" pitchFamily="2" charset="-122"/>
               </a:rPr>
+              <a:t>17</a:t>
             </a:fld>
             <a:endParaRPr lang="en-US" altLang="zh-CN" smtClean="0">
               <a:latin typeface="Arial" panose="020B0604020202020204" pitchFamily="34" charset="0"/>
@@ -5248,6 +5354,11 @@
         </p:txBody>
       </p:sp>
     </p:spTree>
+    <p:extLst>
+      <p:ext uri="{BB962C8B-B14F-4D97-AF65-F5344CB8AC3E}">
+        <p14:creationId xmlns:p14="http://schemas.microsoft.com/office/powerpoint/2010/main" val="1733695804"/>
+      </p:ext>
+    </p:extLst>
   </p:cSld>
   <p:clrMapOvr>
     <a:masterClrMapping/>
@@ -5362,6 +5473,7 @@
                 <a:latin typeface="Arial" panose="020B0604020202020204" pitchFamily="34" charset="0"/>
                 <a:ea typeface="宋体" panose="02010600030101010101" pitchFamily="2" charset="-122"/>
               </a:rPr>
+              <a:t>18</a:t>
             </a:fld>
             <a:endParaRPr lang="en-US" altLang="zh-CN" smtClean="0">
               <a:latin typeface="Arial" panose="020B0604020202020204" pitchFamily="34" charset="0"/>
@@ -5371,6 +5483,11 @@
         </p:txBody>
       </p:sp>
     </p:spTree>
+    <p:extLst>
+      <p:ext uri="{BB962C8B-B14F-4D97-AF65-F5344CB8AC3E}">
+        <p14:creationId xmlns:p14="http://schemas.microsoft.com/office/powerpoint/2010/main" val="2153196"/>
+      </p:ext>
+    </p:extLst>
   </p:cSld>
   <p:clrMapOvr>
     <a:masterClrMapping/>
@@ -5465,6 +5582,7 @@
                 <a:latin typeface="Arial" panose="020B0604020202020204" pitchFamily="34" charset="0"/>
                 <a:ea typeface="宋体" panose="02010600030101010101" pitchFamily="2" charset="-122"/>
               </a:rPr>
+              <a:t>19</a:t>
             </a:fld>
             <a:endParaRPr lang="en-US" altLang="zh-CN" smtClean="0">
               <a:latin typeface="Arial" panose="020B0604020202020204" pitchFamily="34" charset="0"/>
@@ -5474,6 +5592,11 @@
         </p:txBody>
       </p:sp>
     </p:spTree>
+    <p:extLst>
+      <p:ext uri="{BB962C8B-B14F-4D97-AF65-F5344CB8AC3E}">
+        <p14:creationId xmlns:p14="http://schemas.microsoft.com/office/powerpoint/2010/main" val="158331459"/>
+      </p:ext>
+    </p:extLst>
   </p:cSld>
   <p:clrMapOvr>
     <a:masterClrMapping/>
@@ -5568,6 +5691,7 @@
                 <a:latin typeface="Arial" panose="020B0604020202020204" pitchFamily="34" charset="0"/>
                 <a:ea typeface="宋体" panose="02010600030101010101" pitchFamily="2" charset="-122"/>
               </a:rPr>
+              <a:t>2</a:t>
             </a:fld>
             <a:endParaRPr lang="en-US" altLang="zh-CN" smtClean="0">
               <a:latin typeface="Arial" panose="020B0604020202020204" pitchFamily="34" charset="0"/>
@@ -5577,6 +5701,11 @@
         </p:txBody>
       </p:sp>
     </p:spTree>
+    <p:extLst>
+      <p:ext uri="{BB962C8B-B14F-4D97-AF65-F5344CB8AC3E}">
+        <p14:creationId xmlns:p14="http://schemas.microsoft.com/office/powerpoint/2010/main" val="3889891164"/>
+      </p:ext>
+    </p:extLst>
   </p:cSld>
   <p:clrMapOvr>
     <a:masterClrMapping/>
@@ -5671,6 +5800,7 @@
                 <a:latin typeface="Arial" panose="020B0604020202020204" pitchFamily="34" charset="0"/>
                 <a:ea typeface="宋体" panose="02010600030101010101" pitchFamily="2" charset="-122"/>
               </a:rPr>
+              <a:t>3</a:t>
             </a:fld>
             <a:endParaRPr lang="en-US" altLang="zh-CN" smtClean="0">
               <a:latin typeface="Arial" panose="020B0604020202020204" pitchFamily="34" charset="0"/>
@@ -5680,6 +5810,11 @@
         </p:txBody>
       </p:sp>
     </p:spTree>
+    <p:extLst>
+      <p:ext uri="{BB962C8B-B14F-4D97-AF65-F5344CB8AC3E}">
+        <p14:creationId xmlns:p14="http://schemas.microsoft.com/office/powerpoint/2010/main" val="2606743434"/>
+      </p:ext>
+    </p:extLst>
   </p:cSld>
   <p:clrMapOvr>
     <a:masterClrMapping/>
@@ -5774,6 +5909,7 @@
                 <a:latin typeface="Arial" panose="020B0604020202020204" pitchFamily="34" charset="0"/>
                 <a:ea typeface="宋体" panose="02010600030101010101" pitchFamily="2" charset="-122"/>
               </a:rPr>
+              <a:t>4</a:t>
             </a:fld>
             <a:endParaRPr lang="en-US" altLang="zh-CN" smtClean="0">
               <a:latin typeface="Arial" panose="020B0604020202020204" pitchFamily="34" charset="0"/>
@@ -5783,6 +5919,11 @@
         </p:txBody>
       </p:sp>
     </p:spTree>
+    <p:extLst>
+      <p:ext uri="{BB962C8B-B14F-4D97-AF65-F5344CB8AC3E}">
+        <p14:creationId xmlns:p14="http://schemas.microsoft.com/office/powerpoint/2010/main" val="3682452774"/>
+      </p:ext>
+    </p:extLst>
   </p:cSld>
   <p:clrMapOvr>
     <a:masterClrMapping/>
@@ -5877,6 +6018,7 @@
                 <a:latin typeface="Arial" panose="020B0604020202020204" pitchFamily="34" charset="0"/>
                 <a:ea typeface="宋体" panose="02010600030101010101" pitchFamily="2" charset="-122"/>
               </a:rPr>
+              <a:t>5</a:t>
             </a:fld>
             <a:endParaRPr lang="en-US" altLang="zh-CN" smtClean="0">
               <a:latin typeface="Arial" panose="020B0604020202020204" pitchFamily="34" charset="0"/>
@@ -5886,6 +6028,11 @@
         </p:txBody>
       </p:sp>
     </p:spTree>
+    <p:extLst>
+      <p:ext uri="{BB962C8B-B14F-4D97-AF65-F5344CB8AC3E}">
+        <p14:creationId xmlns:p14="http://schemas.microsoft.com/office/powerpoint/2010/main" val="1512279405"/>
+      </p:ext>
+    </p:extLst>
   </p:cSld>
   <p:clrMapOvr>
     <a:masterClrMapping/>
@@ -5980,6 +6127,7 @@
                 <a:latin typeface="Arial" panose="020B0604020202020204" pitchFamily="34" charset="0"/>
                 <a:ea typeface="宋体" panose="02010600030101010101" pitchFamily="2" charset="-122"/>
               </a:rPr>
+              <a:t>6</a:t>
             </a:fld>
             <a:endParaRPr lang="en-US" altLang="zh-CN" smtClean="0">
               <a:latin typeface="Arial" panose="020B0604020202020204" pitchFamily="34" charset="0"/>
@@ -5989,6 +6137,11 @@
         </p:txBody>
       </p:sp>
     </p:spTree>
+    <p:extLst>
+      <p:ext uri="{BB962C8B-B14F-4D97-AF65-F5344CB8AC3E}">
+        <p14:creationId xmlns:p14="http://schemas.microsoft.com/office/powerpoint/2010/main" val="3010783782"/>
+      </p:ext>
+    </p:extLst>
   </p:cSld>
   <p:clrMapOvr>
     <a:masterClrMapping/>
@@ -6083,6 +6236,7 @@
                 <a:latin typeface="Arial" panose="020B0604020202020204" pitchFamily="34" charset="0"/>
                 <a:ea typeface="宋体" panose="02010600030101010101" pitchFamily="2" charset="-122"/>
               </a:rPr>
+              <a:t>7</a:t>
             </a:fld>
             <a:endParaRPr lang="en-US" altLang="zh-CN" smtClean="0">
               <a:latin typeface="Arial" panose="020B0604020202020204" pitchFamily="34" charset="0"/>
@@ -6092,6 +6246,11 @@
         </p:txBody>
       </p:sp>
     </p:spTree>
+    <p:extLst>
+      <p:ext uri="{BB962C8B-B14F-4D97-AF65-F5344CB8AC3E}">
+        <p14:creationId xmlns:p14="http://schemas.microsoft.com/office/powerpoint/2010/main" val="4284827686"/>
+      </p:ext>
+    </p:extLst>
   </p:cSld>
   <p:clrMapOvr>
     <a:masterClrMapping/>
@@ -6186,6 +6345,7 @@
                 <a:latin typeface="Arial" panose="020B0604020202020204" pitchFamily="34" charset="0"/>
                 <a:ea typeface="宋体" panose="02010600030101010101" pitchFamily="2" charset="-122"/>
               </a:rPr>
+              <a:t>8</a:t>
             </a:fld>
             <a:endParaRPr lang="en-US" altLang="zh-CN" smtClean="0">
               <a:latin typeface="Arial" panose="020B0604020202020204" pitchFamily="34" charset="0"/>
@@ -6195,6 +6355,11 @@
         </p:txBody>
       </p:sp>
     </p:spTree>
+    <p:extLst>
+      <p:ext uri="{BB962C8B-B14F-4D97-AF65-F5344CB8AC3E}">
+        <p14:creationId xmlns:p14="http://schemas.microsoft.com/office/powerpoint/2010/main" val="2571954930"/>
+      </p:ext>
+    </p:extLst>
   </p:cSld>
   <p:clrMapOvr>
     <a:masterClrMapping/>
@@ -6289,6 +6454,7 @@
                 <a:latin typeface="Arial" panose="020B0604020202020204" pitchFamily="34" charset="0"/>
                 <a:ea typeface="宋体" panose="02010600030101010101" pitchFamily="2" charset="-122"/>
               </a:rPr>
+              <a:t>9</a:t>
             </a:fld>
             <a:endParaRPr lang="en-US" altLang="zh-CN" smtClean="0">
               <a:latin typeface="Arial" panose="020B0604020202020204" pitchFamily="34" charset="0"/>
@@ -6298,6 +6464,11 @@
         </p:txBody>
       </p:sp>
     </p:spTree>
+    <p:extLst>
+      <p:ext uri="{BB962C8B-B14F-4D97-AF65-F5344CB8AC3E}">
+        <p14:creationId xmlns:p14="http://schemas.microsoft.com/office/powerpoint/2010/main" val="2809553944"/>
+      </p:ext>
+    </p:extLst>
   </p:cSld>
   <p:clrMapOvr>
     <a:masterClrMapping/>
@@ -6306,7 +6477,7 @@
 </file>
 
 <file path=ppt/slideLayouts/slideLayout1.xml><?xml version="1.0" encoding="utf-8"?>
-<p:sldLayout xmlns:a="http://schemas.openxmlformats.org/drawingml/2006/main" xmlns:r="http://schemas.openxmlformats.org/officeDocument/2006/relationships" xmlns:p="http://schemas.openxmlformats.org/presentationml/2006/main" type="title" preserve="1" showMasterSp="0">
+<p:sldLayout xmlns:a="http://schemas.openxmlformats.org/drawingml/2006/main" xmlns:r="http://schemas.openxmlformats.org/officeDocument/2006/relationships" xmlns:p="http://schemas.openxmlformats.org/presentationml/2006/main" showMasterSp="0" type="title" preserve="1">
   <p:cSld name="标题幻灯片">
     <p:spTree>
       <p:nvGrpSpPr>
@@ -6490,7 +6661,6 @@
               <a:rPr lang="zh-CN" altLang="en-US" dirty="0"/>
               <a:t>单击此处编辑母版标题样式</a:t>
             </a:r>
-            <a:endParaRPr lang="zh-CN" altLang="en-US" dirty="0"/>
           </a:p>
         </p:txBody>
       </p:sp>
@@ -6528,7 +6698,6 @@
               <a:rPr lang="zh-CN" altLang="en-US" dirty="0"/>
               <a:t>单击此处编辑母版副标题样式</a:t>
             </a:r>
-            <a:endParaRPr lang="zh-CN" altLang="en-US" dirty="0"/>
           </a:p>
         </p:txBody>
       </p:sp>
@@ -6613,6 +6782,7 @@
             </a:pPr>
             <a:fld id="{E3768A4F-D8CB-47E3-A168-17F81E2318B7}" type="slidenum">
               <a:rPr lang="en-US" altLang="zh-CN"/>
+              <a:t>‹#›</a:t>
             </a:fld>
             <a:endParaRPr lang="en-US" altLang="zh-CN"/>
           </a:p>
@@ -6686,7 +6856,6 @@
               <a:rPr lang="zh-CN" altLang="en-US" smtClean="0"/>
               <a:t>单击此处编辑母版文本样式</a:t>
             </a:r>
-            <a:endParaRPr lang="zh-CN" altLang="en-US" smtClean="0"/>
           </a:p>
           <a:p>
             <a:pPr lvl="1"/>
@@ -6694,7 +6863,6 @@
               <a:rPr lang="zh-CN" altLang="en-US" smtClean="0"/>
               <a:t>第二级</a:t>
             </a:r>
-            <a:endParaRPr lang="zh-CN" altLang="en-US" smtClean="0"/>
           </a:p>
           <a:p>
             <a:pPr lvl="2"/>
@@ -6702,7 +6870,6 @@
               <a:rPr lang="zh-CN" altLang="en-US" smtClean="0"/>
               <a:t>第三级</a:t>
             </a:r>
-            <a:endParaRPr lang="zh-CN" altLang="en-US" smtClean="0"/>
           </a:p>
           <a:p>
             <a:pPr lvl="3"/>
@@ -6710,7 +6877,6 @@
               <a:rPr lang="zh-CN" altLang="en-US" smtClean="0"/>
               <a:t>第四级</a:t>
             </a:r>
-            <a:endParaRPr lang="zh-CN" altLang="en-US" smtClean="0"/>
           </a:p>
           <a:p>
             <a:pPr lvl="4"/>
@@ -6798,6 +6964,7 @@
             </a:pPr>
             <a:fld id="{DB58EAE8-4630-4045-9D68-1D8067A82632}" type="slidenum">
               <a:rPr lang="en-US" altLang="zh-CN"/>
+              <a:t>‹#›</a:t>
             </a:fld>
             <a:endParaRPr lang="en-US" altLang="zh-CN"/>
           </a:p>
@@ -6881,7 +7048,6 @@
               <a:rPr lang="zh-CN" altLang="en-US" smtClean="0"/>
               <a:t>单击此处编辑母版文本样式</a:t>
             </a:r>
-            <a:endParaRPr lang="zh-CN" altLang="en-US" smtClean="0"/>
           </a:p>
           <a:p>
             <a:pPr lvl="1"/>
@@ -6889,7 +7055,6 @@
               <a:rPr lang="zh-CN" altLang="en-US" smtClean="0"/>
               <a:t>第二级</a:t>
             </a:r>
-            <a:endParaRPr lang="zh-CN" altLang="en-US" smtClean="0"/>
           </a:p>
           <a:p>
             <a:pPr lvl="2"/>
@@ -6897,7 +7062,6 @@
               <a:rPr lang="zh-CN" altLang="en-US" smtClean="0"/>
               <a:t>第三级</a:t>
             </a:r>
-            <a:endParaRPr lang="zh-CN" altLang="en-US" smtClean="0"/>
           </a:p>
           <a:p>
             <a:pPr lvl="3"/>
@@ -6905,7 +7069,6 @@
               <a:rPr lang="zh-CN" altLang="en-US" smtClean="0"/>
               <a:t>第四级</a:t>
             </a:r>
-            <a:endParaRPr lang="zh-CN" altLang="en-US" smtClean="0"/>
           </a:p>
           <a:p>
             <a:pPr lvl="4"/>
@@ -6993,6 +7156,7 @@
             </a:pPr>
             <a:fld id="{7D5694E1-5845-4E7F-9266-9A03D10CD5DF}" type="slidenum">
               <a:rPr lang="en-US" altLang="zh-CN"/>
+              <a:t>‹#›</a:t>
             </a:fld>
             <a:endParaRPr lang="en-US" altLang="zh-CN"/>
           </a:p>
@@ -7152,6 +7316,7 @@
             </a:pPr>
             <a:fld id="{8EBF0D67-505E-4FBA-8655-BB82C3CE9AA5}" type="slidenum">
               <a:rPr lang="en-US" altLang="zh-CN"/>
+              <a:t>‹#›</a:t>
             </a:fld>
             <a:endParaRPr lang="en-US" altLang="zh-CN"/>
           </a:p>
@@ -7235,7 +7400,6 @@
               <a:rPr lang="zh-CN" altLang="en-US" smtClean="0"/>
               <a:t>单击此处编辑母版文本样式</a:t>
             </a:r>
-            <a:endParaRPr lang="zh-CN" altLang="en-US" smtClean="0"/>
           </a:p>
           <a:p>
             <a:pPr lvl="1"/>
@@ -7243,7 +7407,6 @@
               <a:rPr lang="zh-CN" altLang="en-US" smtClean="0"/>
               <a:t>第二级</a:t>
             </a:r>
-            <a:endParaRPr lang="zh-CN" altLang="en-US" smtClean="0"/>
           </a:p>
           <a:p>
             <a:pPr lvl="2"/>
@@ -7251,7 +7414,6 @@
               <a:rPr lang="zh-CN" altLang="en-US" smtClean="0"/>
               <a:t>第三级</a:t>
             </a:r>
-            <a:endParaRPr lang="zh-CN" altLang="en-US" smtClean="0"/>
           </a:p>
           <a:p>
             <a:pPr lvl="3"/>
@@ -7259,7 +7421,6 @@
               <a:rPr lang="zh-CN" altLang="en-US" smtClean="0"/>
               <a:t>第四级</a:t>
             </a:r>
-            <a:endParaRPr lang="zh-CN" altLang="en-US" smtClean="0"/>
           </a:p>
           <a:p>
             <a:pPr lvl="4"/>
@@ -7296,7 +7457,6 @@
               <a:rPr lang="zh-CN" altLang="en-US" smtClean="0"/>
               <a:t>单击此处编辑母版文本样式</a:t>
             </a:r>
-            <a:endParaRPr lang="zh-CN" altLang="en-US" smtClean="0"/>
           </a:p>
           <a:p>
             <a:pPr lvl="1"/>
@@ -7304,7 +7464,6 @@
               <a:rPr lang="zh-CN" altLang="en-US" smtClean="0"/>
               <a:t>第二级</a:t>
             </a:r>
-            <a:endParaRPr lang="zh-CN" altLang="en-US" smtClean="0"/>
           </a:p>
           <a:p>
             <a:pPr lvl="2"/>
@@ -7312,7 +7471,6 @@
               <a:rPr lang="zh-CN" altLang="en-US" smtClean="0"/>
               <a:t>第三级</a:t>
             </a:r>
-            <a:endParaRPr lang="zh-CN" altLang="en-US" smtClean="0"/>
           </a:p>
           <a:p>
             <a:pPr lvl="3"/>
@@ -7320,7 +7478,6 @@
               <a:rPr lang="zh-CN" altLang="en-US" smtClean="0"/>
               <a:t>第四级</a:t>
             </a:r>
-            <a:endParaRPr lang="zh-CN" altLang="en-US" smtClean="0"/>
           </a:p>
           <a:p>
             <a:pPr lvl="4"/>
@@ -7357,7 +7514,6 @@
               <a:rPr lang="zh-CN" altLang="en-US" smtClean="0"/>
               <a:t>单击此处编辑母版文本样式</a:t>
             </a:r>
-            <a:endParaRPr lang="zh-CN" altLang="en-US" smtClean="0"/>
           </a:p>
           <a:p>
             <a:pPr lvl="1"/>
@@ -7365,7 +7521,6 @@
               <a:rPr lang="zh-CN" altLang="en-US" smtClean="0"/>
               <a:t>第二级</a:t>
             </a:r>
-            <a:endParaRPr lang="zh-CN" altLang="en-US" smtClean="0"/>
           </a:p>
           <a:p>
             <a:pPr lvl="2"/>
@@ -7373,7 +7528,6 @@
               <a:rPr lang="zh-CN" altLang="en-US" smtClean="0"/>
               <a:t>第三级</a:t>
             </a:r>
-            <a:endParaRPr lang="zh-CN" altLang="en-US" smtClean="0"/>
           </a:p>
           <a:p>
             <a:pPr lvl="3"/>
@@ -7381,7 +7535,6 @@
               <a:rPr lang="zh-CN" altLang="en-US" smtClean="0"/>
               <a:t>第四级</a:t>
             </a:r>
-            <a:endParaRPr lang="zh-CN" altLang="en-US" smtClean="0"/>
           </a:p>
           <a:p>
             <a:pPr lvl="4"/>
@@ -7469,6 +7622,7 @@
             </a:pPr>
             <a:fld id="{FB949212-458C-45D8-9743-7C4CF2366A10}" type="slidenum">
               <a:rPr lang="en-US" altLang="zh-CN"/>
+              <a:t>‹#›</a:t>
             </a:fld>
             <a:endParaRPr lang="en-US" altLang="zh-CN"/>
           </a:p>
@@ -7552,7 +7706,6 @@
               <a:rPr lang="zh-CN" altLang="en-US" smtClean="0"/>
               <a:t>单击此处编辑母版文本样式</a:t>
             </a:r>
-            <a:endParaRPr lang="zh-CN" altLang="en-US" smtClean="0"/>
           </a:p>
           <a:p>
             <a:pPr lvl="1"/>
@@ -7560,7 +7713,6 @@
               <a:rPr lang="zh-CN" altLang="en-US" smtClean="0"/>
               <a:t>第二级</a:t>
             </a:r>
-            <a:endParaRPr lang="zh-CN" altLang="en-US" smtClean="0"/>
           </a:p>
           <a:p>
             <a:pPr lvl="2"/>
@@ -7568,7 +7720,6 @@
               <a:rPr lang="zh-CN" altLang="en-US" smtClean="0"/>
               <a:t>第三级</a:t>
             </a:r>
-            <a:endParaRPr lang="zh-CN" altLang="en-US" smtClean="0"/>
           </a:p>
           <a:p>
             <a:pPr lvl="3"/>
@@ -7576,7 +7727,6 @@
               <a:rPr lang="zh-CN" altLang="en-US" smtClean="0"/>
               <a:t>第四级</a:t>
             </a:r>
-            <a:endParaRPr lang="zh-CN" altLang="en-US" smtClean="0"/>
           </a:p>
           <a:p>
             <a:pPr lvl="4"/>
@@ -7613,7 +7763,6 @@
               <a:rPr lang="zh-CN" altLang="en-US" smtClean="0"/>
               <a:t>单击此处编辑母版文本样式</a:t>
             </a:r>
-            <a:endParaRPr lang="zh-CN" altLang="en-US" smtClean="0"/>
           </a:p>
           <a:p>
             <a:pPr lvl="1"/>
@@ -7621,7 +7770,6 @@
               <a:rPr lang="zh-CN" altLang="en-US" smtClean="0"/>
               <a:t>第二级</a:t>
             </a:r>
-            <a:endParaRPr lang="zh-CN" altLang="en-US" smtClean="0"/>
           </a:p>
           <a:p>
             <a:pPr lvl="2"/>
@@ -7629,7 +7777,6 @@
               <a:rPr lang="zh-CN" altLang="en-US" smtClean="0"/>
               <a:t>第三级</a:t>
             </a:r>
-            <a:endParaRPr lang="zh-CN" altLang="en-US" smtClean="0"/>
           </a:p>
           <a:p>
             <a:pPr lvl="3"/>
@@ -7637,7 +7784,6 @@
               <a:rPr lang="zh-CN" altLang="en-US" smtClean="0"/>
               <a:t>第四级</a:t>
             </a:r>
-            <a:endParaRPr lang="zh-CN" altLang="en-US" smtClean="0"/>
           </a:p>
           <a:p>
             <a:pPr lvl="4"/>
@@ -7674,7 +7820,6 @@
               <a:rPr lang="zh-CN" altLang="en-US" smtClean="0"/>
               <a:t>单击此处编辑母版文本样式</a:t>
             </a:r>
-            <a:endParaRPr lang="zh-CN" altLang="en-US" smtClean="0"/>
           </a:p>
           <a:p>
             <a:pPr lvl="1"/>
@@ -7682,7 +7827,6 @@
               <a:rPr lang="zh-CN" altLang="en-US" smtClean="0"/>
               <a:t>第二级</a:t>
             </a:r>
-            <a:endParaRPr lang="zh-CN" altLang="en-US" smtClean="0"/>
           </a:p>
           <a:p>
             <a:pPr lvl="2"/>
@@ -7690,7 +7834,6 @@
               <a:rPr lang="zh-CN" altLang="en-US" smtClean="0"/>
               <a:t>第三级</a:t>
             </a:r>
-            <a:endParaRPr lang="zh-CN" altLang="en-US" smtClean="0"/>
           </a:p>
           <a:p>
             <a:pPr lvl="3"/>
@@ -7698,7 +7841,6 @@
               <a:rPr lang="zh-CN" altLang="en-US" smtClean="0"/>
               <a:t>第四级</a:t>
             </a:r>
-            <a:endParaRPr lang="zh-CN" altLang="en-US" smtClean="0"/>
           </a:p>
           <a:p>
             <a:pPr lvl="4"/>
@@ -7786,6 +7928,7 @@
             </a:pPr>
             <a:fld id="{013F89CB-655E-4F0A-82F6-17CD14E148EF}" type="slidenum">
               <a:rPr lang="en-US" altLang="zh-CN"/>
+              <a:t>‹#›</a:t>
             </a:fld>
             <a:endParaRPr lang="en-US" altLang="zh-CN"/>
           </a:p>
@@ -7869,7 +8012,6 @@
               <a:rPr lang="zh-CN" altLang="en-US" smtClean="0"/>
               <a:t>单击此处编辑母版文本样式</a:t>
             </a:r>
-            <a:endParaRPr lang="zh-CN" altLang="en-US" smtClean="0"/>
           </a:p>
           <a:p>
             <a:pPr lvl="1"/>
@@ -7877,7 +8019,6 @@
               <a:rPr lang="zh-CN" altLang="en-US" smtClean="0"/>
               <a:t>第二级</a:t>
             </a:r>
-            <a:endParaRPr lang="zh-CN" altLang="en-US" smtClean="0"/>
           </a:p>
           <a:p>
             <a:pPr lvl="2"/>
@@ -7885,7 +8026,6 @@
               <a:rPr lang="zh-CN" altLang="en-US" smtClean="0"/>
               <a:t>第三级</a:t>
             </a:r>
-            <a:endParaRPr lang="zh-CN" altLang="en-US" smtClean="0"/>
           </a:p>
           <a:p>
             <a:pPr lvl="3"/>
@@ -7893,7 +8033,6 @@
               <a:rPr lang="zh-CN" altLang="en-US" smtClean="0"/>
               <a:t>第四级</a:t>
             </a:r>
-            <a:endParaRPr lang="zh-CN" altLang="en-US" smtClean="0"/>
           </a:p>
           <a:p>
             <a:pPr lvl="4"/>
@@ -7930,7 +8069,6 @@
               <a:rPr lang="zh-CN" altLang="en-US" smtClean="0"/>
               <a:t>单击此处编辑母版文本样式</a:t>
             </a:r>
-            <a:endParaRPr lang="zh-CN" altLang="en-US" smtClean="0"/>
           </a:p>
           <a:p>
             <a:pPr lvl="1"/>
@@ -7938,7 +8076,6 @@
               <a:rPr lang="zh-CN" altLang="en-US" smtClean="0"/>
               <a:t>第二级</a:t>
             </a:r>
-            <a:endParaRPr lang="zh-CN" altLang="en-US" smtClean="0"/>
           </a:p>
           <a:p>
             <a:pPr lvl="2"/>
@@ -7946,7 +8083,6 @@
               <a:rPr lang="zh-CN" altLang="en-US" smtClean="0"/>
               <a:t>第三级</a:t>
             </a:r>
-            <a:endParaRPr lang="zh-CN" altLang="en-US" smtClean="0"/>
           </a:p>
           <a:p>
             <a:pPr lvl="3"/>
@@ -7954,7 +8090,6 @@
               <a:rPr lang="zh-CN" altLang="en-US" smtClean="0"/>
               <a:t>第四级</a:t>
             </a:r>
-            <a:endParaRPr lang="zh-CN" altLang="en-US" smtClean="0"/>
           </a:p>
           <a:p>
             <a:pPr lvl="4"/>
@@ -8042,6 +8177,7 @@
             </a:pPr>
             <a:fld id="{60B520DB-02EC-4F00-BC00-C3D192600496}" type="slidenum">
               <a:rPr lang="en-US" altLang="zh-CN"/>
+              <a:t>‹#›</a:t>
             </a:fld>
             <a:endParaRPr lang="en-US" altLang="zh-CN"/>
           </a:p>
@@ -8158,7 +8294,6 @@
               <a:rPr lang="zh-CN" altLang="en-US" dirty="0" smtClean="0"/>
               <a:t>单击此处编辑母版文本样式</a:t>
             </a:r>
-            <a:endParaRPr lang="zh-CN" altLang="en-US" dirty="0" smtClean="0"/>
           </a:p>
           <a:p>
             <a:pPr lvl="1"/>
@@ -8166,7 +8301,6 @@
               <a:rPr lang="zh-CN" altLang="en-US" dirty="0" smtClean="0"/>
               <a:t>第二级</a:t>
             </a:r>
-            <a:endParaRPr lang="zh-CN" altLang="en-US" dirty="0" smtClean="0"/>
           </a:p>
           <a:p>
             <a:pPr lvl="2"/>
@@ -8174,7 +8308,6 @@
               <a:rPr lang="zh-CN" altLang="en-US" dirty="0" smtClean="0"/>
               <a:t>第三级</a:t>
             </a:r>
-            <a:endParaRPr lang="zh-CN" altLang="en-US" dirty="0" smtClean="0"/>
           </a:p>
           <a:p>
             <a:pPr lvl="3"/>
@@ -8182,7 +8315,6 @@
               <a:rPr lang="zh-CN" altLang="en-US" dirty="0" smtClean="0"/>
               <a:t>第四级</a:t>
             </a:r>
-            <a:endParaRPr lang="zh-CN" altLang="en-US" dirty="0" smtClean="0"/>
           </a:p>
           <a:p>
             <a:pPr lvl="4"/>
@@ -8270,6 +8402,7 @@
             </a:pPr>
             <a:fld id="{A2EA7766-9A74-464A-9A62-AF2E5CE9E77E}" type="slidenum">
               <a:rPr lang="en-US" altLang="zh-CN"/>
+              <a:t>‹#›</a:t>
             </a:fld>
             <a:endParaRPr lang="en-US" altLang="zh-CN"/>
           </a:p>
@@ -8394,7 +8527,6 @@
               <a:rPr lang="zh-CN" altLang="en-US" smtClean="0"/>
               <a:t>单击此处编辑母版文本样式</a:t>
             </a:r>
-            <a:endParaRPr lang="zh-CN" altLang="en-US" smtClean="0"/>
           </a:p>
         </p:txBody>
       </p:sp>
@@ -8474,6 +8606,7 @@
             </a:pPr>
             <a:fld id="{12696AF1-F244-4257-9693-1D7638C31C3F}" type="slidenum">
               <a:rPr lang="en-US" altLang="zh-CN"/>
+              <a:t>‹#›</a:t>
             </a:fld>
             <a:endParaRPr lang="en-US" altLang="zh-CN"/>
           </a:p>
@@ -8580,7 +8713,6 @@
               <a:rPr lang="zh-CN" altLang="en-US" smtClean="0"/>
               <a:t>单击此处编辑母版文本样式</a:t>
             </a:r>
-            <a:endParaRPr lang="zh-CN" altLang="en-US" smtClean="0"/>
           </a:p>
           <a:p>
             <a:pPr lvl="1"/>
@@ -8588,7 +8720,6 @@
               <a:rPr lang="zh-CN" altLang="en-US" smtClean="0"/>
               <a:t>第二级</a:t>
             </a:r>
-            <a:endParaRPr lang="zh-CN" altLang="en-US" smtClean="0"/>
           </a:p>
           <a:p>
             <a:pPr lvl="2"/>
@@ -8596,7 +8727,6 @@
               <a:rPr lang="zh-CN" altLang="en-US" smtClean="0"/>
               <a:t>第三级</a:t>
             </a:r>
-            <a:endParaRPr lang="zh-CN" altLang="en-US" smtClean="0"/>
           </a:p>
           <a:p>
             <a:pPr lvl="3"/>
@@ -8604,7 +8734,6 @@
               <a:rPr lang="zh-CN" altLang="en-US" smtClean="0"/>
               <a:t>第四级</a:t>
             </a:r>
-            <a:endParaRPr lang="zh-CN" altLang="en-US" smtClean="0"/>
           </a:p>
           <a:p>
             <a:pPr lvl="4"/>
@@ -8669,7 +8798,6 @@
               <a:rPr lang="zh-CN" altLang="en-US" smtClean="0"/>
               <a:t>单击此处编辑母版文本样式</a:t>
             </a:r>
-            <a:endParaRPr lang="zh-CN" altLang="en-US" smtClean="0"/>
           </a:p>
           <a:p>
             <a:pPr lvl="1"/>
@@ -8677,7 +8805,6 @@
               <a:rPr lang="zh-CN" altLang="en-US" smtClean="0"/>
               <a:t>第二级</a:t>
             </a:r>
-            <a:endParaRPr lang="zh-CN" altLang="en-US" smtClean="0"/>
           </a:p>
           <a:p>
             <a:pPr lvl="2"/>
@@ -8685,7 +8812,6 @@
               <a:rPr lang="zh-CN" altLang="en-US" smtClean="0"/>
               <a:t>第三级</a:t>
             </a:r>
-            <a:endParaRPr lang="zh-CN" altLang="en-US" smtClean="0"/>
           </a:p>
           <a:p>
             <a:pPr lvl="3"/>
@@ -8693,7 +8819,6 @@
               <a:rPr lang="zh-CN" altLang="en-US" smtClean="0"/>
               <a:t>第四级</a:t>
             </a:r>
-            <a:endParaRPr lang="zh-CN" altLang="en-US" smtClean="0"/>
           </a:p>
           <a:p>
             <a:pPr lvl="4"/>
@@ -8781,6 +8906,7 @@
             </a:pPr>
             <a:fld id="{5F811309-1709-4BBC-B2A8-C20D81A3BAC7}" type="slidenum">
               <a:rPr lang="en-US" altLang="zh-CN"/>
+              <a:t>‹#›</a:t>
             </a:fld>
             <a:endParaRPr lang="en-US" altLang="zh-CN"/>
           </a:p>
@@ -8905,7 +9031,6 @@
               <a:rPr lang="zh-CN" altLang="en-US" smtClean="0"/>
               <a:t>单击此处编辑母版文本样式</a:t>
             </a:r>
-            <a:endParaRPr lang="zh-CN" altLang="en-US" smtClean="0"/>
           </a:p>
         </p:txBody>
       </p:sp>
@@ -8962,7 +9087,6 @@
               <a:rPr lang="zh-CN" altLang="en-US" smtClean="0"/>
               <a:t>单击此处编辑母版文本样式</a:t>
             </a:r>
-            <a:endParaRPr lang="zh-CN" altLang="en-US" smtClean="0"/>
           </a:p>
           <a:p>
             <a:pPr lvl="1"/>
@@ -8970,7 +9094,6 @@
               <a:rPr lang="zh-CN" altLang="en-US" smtClean="0"/>
               <a:t>第二级</a:t>
             </a:r>
-            <a:endParaRPr lang="zh-CN" altLang="en-US" smtClean="0"/>
           </a:p>
           <a:p>
             <a:pPr lvl="2"/>
@@ -8978,7 +9101,6 @@
               <a:rPr lang="zh-CN" altLang="en-US" smtClean="0"/>
               <a:t>第三级</a:t>
             </a:r>
-            <a:endParaRPr lang="zh-CN" altLang="en-US" smtClean="0"/>
           </a:p>
           <a:p>
             <a:pPr lvl="3"/>
@@ -8986,7 +9108,6 @@
               <a:rPr lang="zh-CN" altLang="en-US" smtClean="0"/>
               <a:t>第四级</a:t>
             </a:r>
-            <a:endParaRPr lang="zh-CN" altLang="en-US" smtClean="0"/>
           </a:p>
           <a:p>
             <a:pPr lvl="4"/>
@@ -9060,7 +9181,6 @@
               <a:rPr lang="zh-CN" altLang="en-US" smtClean="0"/>
               <a:t>单击此处编辑母版文本样式</a:t>
             </a:r>
-            <a:endParaRPr lang="zh-CN" altLang="en-US" smtClean="0"/>
           </a:p>
         </p:txBody>
       </p:sp>
@@ -9117,7 +9237,6 @@
               <a:rPr lang="zh-CN" altLang="en-US" smtClean="0"/>
               <a:t>单击此处编辑母版文本样式</a:t>
             </a:r>
-            <a:endParaRPr lang="zh-CN" altLang="en-US" smtClean="0"/>
           </a:p>
           <a:p>
             <a:pPr lvl="1"/>
@@ -9125,7 +9244,6 @@
               <a:rPr lang="zh-CN" altLang="en-US" smtClean="0"/>
               <a:t>第二级</a:t>
             </a:r>
-            <a:endParaRPr lang="zh-CN" altLang="en-US" smtClean="0"/>
           </a:p>
           <a:p>
             <a:pPr lvl="2"/>
@@ -9133,7 +9251,6 @@
               <a:rPr lang="zh-CN" altLang="en-US" smtClean="0"/>
               <a:t>第三级</a:t>
             </a:r>
-            <a:endParaRPr lang="zh-CN" altLang="en-US" smtClean="0"/>
           </a:p>
           <a:p>
             <a:pPr lvl="3"/>
@@ -9141,7 +9258,6 @@
               <a:rPr lang="zh-CN" altLang="en-US" smtClean="0"/>
               <a:t>第四级</a:t>
             </a:r>
-            <a:endParaRPr lang="zh-CN" altLang="en-US" smtClean="0"/>
           </a:p>
           <a:p>
             <a:pPr lvl="4"/>
@@ -9229,6 +9345,7 @@
             </a:pPr>
             <a:fld id="{789AB63D-AC01-45A6-88E1-17A1FCD07E98}" type="slidenum">
               <a:rPr lang="en-US" altLang="zh-CN"/>
+              <a:t>‹#›</a:t>
             </a:fld>
             <a:endParaRPr lang="en-US" altLang="zh-CN"/>
           </a:p>
@@ -9358,6 +9475,7 @@
             </a:pPr>
             <a:fld id="{8D22F2C3-A723-403E-BE9E-20DD8F7C9E0E}" type="slidenum">
               <a:rPr lang="en-US" altLang="zh-CN"/>
+              <a:t>‹#›</a:t>
             </a:fld>
             <a:endParaRPr lang="en-US" altLang="zh-CN"/>
           </a:p>
@@ -9464,6 +9582,7 @@
             </a:pPr>
             <a:fld id="{00EF470B-E935-47C2-8719-C42F58B71F51}" type="slidenum">
               <a:rPr lang="en-US" altLang="zh-CN"/>
+              <a:t>‹#›</a:t>
             </a:fld>
             <a:endParaRPr lang="en-US" altLang="zh-CN"/>
           </a:p>
@@ -9579,7 +9698,6 @@
               <a:rPr lang="zh-CN" altLang="en-US" smtClean="0"/>
               <a:t>单击此处编辑母版文本样式</a:t>
             </a:r>
-            <a:endParaRPr lang="zh-CN" altLang="en-US" smtClean="0"/>
           </a:p>
           <a:p>
             <a:pPr lvl="1"/>
@@ -9587,7 +9705,6 @@
               <a:rPr lang="zh-CN" altLang="en-US" smtClean="0"/>
               <a:t>第二级</a:t>
             </a:r>
-            <a:endParaRPr lang="zh-CN" altLang="en-US" smtClean="0"/>
           </a:p>
           <a:p>
             <a:pPr lvl="2"/>
@@ -9595,7 +9712,6 @@
               <a:rPr lang="zh-CN" altLang="en-US" smtClean="0"/>
               <a:t>第三级</a:t>
             </a:r>
-            <a:endParaRPr lang="zh-CN" altLang="en-US" smtClean="0"/>
           </a:p>
           <a:p>
             <a:pPr lvl="3"/>
@@ -9603,7 +9719,6 @@
               <a:rPr lang="zh-CN" altLang="en-US" smtClean="0"/>
               <a:t>第四级</a:t>
             </a:r>
-            <a:endParaRPr lang="zh-CN" altLang="en-US" smtClean="0"/>
           </a:p>
           <a:p>
             <a:pPr lvl="4"/>
@@ -9677,7 +9792,6 @@
               <a:rPr lang="zh-CN" altLang="en-US" smtClean="0"/>
               <a:t>单击此处编辑母版文本样式</a:t>
             </a:r>
-            <a:endParaRPr lang="zh-CN" altLang="en-US" smtClean="0"/>
           </a:p>
         </p:txBody>
       </p:sp>
@@ -9757,6 +9871,7 @@
             </a:pPr>
             <a:fld id="{F9D19243-491D-4D4A-A5E9-02C3592A7CED}" type="slidenum">
               <a:rPr lang="en-US" altLang="zh-CN"/>
+              <a:t>‹#›</a:t>
             </a:fld>
             <a:endParaRPr lang="en-US" altLang="zh-CN"/>
           </a:p>
@@ -9943,7 +10058,6 @@
               <a:rPr lang="zh-CN" altLang="en-US" smtClean="0"/>
               <a:t>单击此处编辑母版文本样式</a:t>
             </a:r>
-            <a:endParaRPr lang="zh-CN" altLang="en-US" smtClean="0"/>
           </a:p>
         </p:txBody>
       </p:sp>
@@ -10023,6 +10137,7 @@
             </a:pPr>
             <a:fld id="{B6B79C9E-A771-4FC1-9E4F-CB52A1C666E6}" type="slidenum">
               <a:rPr lang="en-US" altLang="zh-CN"/>
+              <a:t>‹#›</a:t>
             </a:fld>
             <a:endParaRPr lang="en-US" altLang="zh-CN"/>
           </a:p>
@@ -10094,7 +10209,6 @@
               <a:rPr lang="zh-CN" altLang="en-US" smtClean="0"/>
               <a:t>单击此处编辑母版标题样式</a:t>
             </a:r>
-            <a:endParaRPr lang="zh-CN" altLang="en-US" smtClean="0"/>
           </a:p>
         </p:txBody>
       </p:sp>
@@ -10131,7 +10245,6 @@
               <a:rPr lang="zh-CN" altLang="en-US" smtClean="0"/>
               <a:t>单击此处编辑母版文本样式</a:t>
             </a:r>
-            <a:endParaRPr lang="zh-CN" altLang="en-US" smtClean="0"/>
           </a:p>
           <a:p>
             <a:pPr lvl="1"/>
@@ -10139,7 +10252,6 @@
               <a:rPr lang="zh-CN" altLang="en-US" smtClean="0"/>
               <a:t>第二级</a:t>
             </a:r>
-            <a:endParaRPr lang="zh-CN" altLang="en-US" smtClean="0"/>
           </a:p>
           <a:p>
             <a:pPr lvl="2"/>
@@ -10147,7 +10259,6 @@
               <a:rPr lang="zh-CN" altLang="en-US" smtClean="0"/>
               <a:t>第三级</a:t>
             </a:r>
-            <a:endParaRPr lang="zh-CN" altLang="en-US" smtClean="0"/>
           </a:p>
           <a:p>
             <a:pPr lvl="3"/>
@@ -10155,7 +10266,6 @@
               <a:rPr lang="zh-CN" altLang="en-US" smtClean="0"/>
               <a:t>第四级</a:t>
             </a:r>
-            <a:endParaRPr lang="zh-CN" altLang="en-US" smtClean="0"/>
           </a:p>
           <a:p>
             <a:pPr lvl="4"/>
@@ -10163,7 +10273,6 @@
               <a:rPr lang="zh-CN" altLang="en-US" smtClean="0"/>
               <a:t>第五级</a:t>
             </a:r>
-            <a:endParaRPr lang="zh-CN" altLang="en-US" smtClean="0"/>
           </a:p>
         </p:txBody>
       </p:sp>
@@ -10294,6 +10403,7 @@
             </a:pPr>
             <a:fld id="{790B43D7-818A-476B-9EBB-59A8A07A6EC8}" type="slidenum">
               <a:rPr lang="en-US" altLang="zh-CN"/>
+              <a:t>‹#›</a:t>
             </a:fld>
             <a:endParaRPr lang="en-US" altLang="zh-CN"/>
           </a:p>
@@ -10340,7 +10450,7 @@
           <p:nvPr userDrawn="1"/>
         </p:nvPicPr>
         <p:blipFill>
-          <a:blip r:embed="rId16" cstate="print"/>
+          <a:blip r:embed="rId17" cstate="print"/>
           <a:srcRect/>
           <a:stretch>
             <a:fillRect/>
@@ -10850,13 +10960,13 @@
         </p:xfrm>
         <a:graphic>
           <a:graphicData uri="http://schemas.openxmlformats.org/drawingml/2006/diagram">
-            <dgm:relIds xmlns:dgm="http://schemas.openxmlformats.org/drawingml/2006/diagram" xmlns:r="http://schemas.openxmlformats.org/officeDocument/2006/relationships" r:dm="rId1" r:lo="rId2" r:qs="rId3" r:cs="rId4"/>
+            <dgm:relIds xmlns:dgm="http://schemas.openxmlformats.org/drawingml/2006/diagram" xmlns:r="http://schemas.openxmlformats.org/officeDocument/2006/relationships" r:dm="rId4" r:lo="rId5" r:qs="rId6" r:cs="rId7"/>
           </a:graphicData>
         </a:graphic>
       </p:graphicFrame>
     </p:spTree>
     <p:custDataLst>
-      <p:tags r:id="rId6"/>
+      <p:tags r:id="rId1"/>
     </p:custDataLst>
   </p:cSld>
   <p:clrMapOvr>
@@ -11005,17 +11115,6 @@
               </a:rPr>
               <a:t>calculate strain and undamaged stiffness matrix</a:t>
             </a:r>
-            <a:endParaRPr kumimoji="0" lang="en-US" altLang="zh-CN" sz="1800" b="0" i="0" u="none" strike="noStrike" cap="none" normalizeH="0" baseline="0" smtClean="0">
-              <a:ln>
-                <a:noFill/>
-              </a:ln>
-              <a:solidFill>
-                <a:schemeClr val="tx1"/>
-              </a:solidFill>
-              <a:effectLst/>
-              <a:latin typeface="Arial" panose="020B0604020202020204" pitchFamily="34" charset="0"/>
-              <a:ea typeface="宋体" panose="02010600030101010101" pitchFamily="2" charset="-122"/>
-            </a:endParaRPr>
           </a:p>
         </p:txBody>
       </p:sp>
@@ -11096,17 +11195,6 @@
               </a:rPr>
               <a:t>          </a:t>
             </a:r>
-            <a:endParaRPr kumimoji="0" lang="zh-CN" altLang="en-US" sz="1800" b="0" i="0" u="none" strike="noStrike" cap="none" normalizeH="0" baseline="0" smtClean="0">
-              <a:ln>
-                <a:noFill/>
-              </a:ln>
-              <a:solidFill>
-                <a:schemeClr val="tx1"/>
-              </a:solidFill>
-              <a:effectLst/>
-              <a:latin typeface="Arial" panose="020B0604020202020204" pitchFamily="34" charset="0"/>
-              <a:ea typeface="宋体" panose="02010600030101010101" pitchFamily="2" charset="-122"/>
-            </a:endParaRPr>
           </a:p>
         </p:txBody>
       </p:sp>
@@ -11128,12 +11216,12 @@
           <a:graphicData uri="http://schemas.openxmlformats.org/presentationml/2006/ole">
             <mc:AlternateContent xmlns:mc="http://schemas.openxmlformats.org/markup-compatibility/2006">
               <mc:Choice xmlns:v="urn:schemas-microsoft-com:vml" Requires="v">
-                <p:oleObj spid="_x0000_s3136" name="" r:id="rId1" imgW="457200" imgH="177165" progId="Equation.KSEE3">
+                <p:oleObj spid="_x0000_s5123" r:id="rId4" imgW="457200" imgH="177165" progId="Equation.KSEE3">
                   <p:embed/>
                 </p:oleObj>
               </mc:Choice>
               <mc:Fallback>
-                <p:oleObj name="" r:id="rId1" imgW="457200" imgH="177165" progId="Equation.KSEE3">
+                <p:oleObj r:id="rId4" imgW="457200" imgH="177165" progId="Equation.KSEE3">
                   <p:embed/>
                   <p:pic>
                     <p:nvPicPr>
@@ -11142,7 +11230,7 @@
                       <p:nvPr/>
                     </p:nvPicPr>
                     <p:blipFill>
-                      <a:blip r:embed="rId2"/>
+                      <a:blip r:embed="rId5"/>
                       <a:stretch>
                         <a:fillRect/>
                       </a:stretch>
@@ -11587,12 +11675,12 @@
           <a:graphicData uri="http://schemas.openxmlformats.org/presentationml/2006/ole">
             <mc:AlternateContent xmlns:mc="http://schemas.openxmlformats.org/markup-compatibility/2006">
               <mc:Choice xmlns:v="urn:schemas-microsoft-com:vml" Requires="v">
-                <p:oleObj spid="_x0000_s3137" name="" r:id="rId3" imgW="203200" imgH="228600" progId="Equation.KSEE3">
+                <p:oleObj spid="_x0000_s5124" r:id="rId6" imgW="203200" imgH="228600" progId="Equation.KSEE3">
                   <p:embed/>
                 </p:oleObj>
               </mc:Choice>
               <mc:Fallback>
-                <p:oleObj name="" r:id="rId3" imgW="203200" imgH="228600" progId="Equation.KSEE3">
+                <p:oleObj r:id="rId6" imgW="203200" imgH="228600" progId="Equation.KSEE3">
                   <p:embed/>
                   <p:pic>
                     <p:nvPicPr>
@@ -11601,7 +11689,7 @@
                       <p:nvPr/>
                     </p:nvPicPr>
                     <p:blipFill>
-                      <a:blip r:embed="rId4"/>
+                      <a:blip r:embed="rId7"/>
                       <a:stretch>
                         <a:fillRect/>
                       </a:stretch>
@@ -11741,7 +11829,6 @@
               <a:rPr lang="en-US" altLang="zh-CN"/>
               <a:t>after each      increment </a:t>
             </a:r>
-            <a:endParaRPr lang="en-US" altLang="zh-CN"/>
           </a:p>
         </p:txBody>
       </p:sp>
@@ -11771,7 +11858,6 @@
               <a:rPr lang="en-US" altLang="zh-CN"/>
               <a:t>quit UMAT,back to  main program</a:t>
             </a:r>
-            <a:endParaRPr lang="en-US" altLang="zh-CN"/>
           </a:p>
         </p:txBody>
       </p:sp>
@@ -11928,17 +12014,6 @@
               </a:rPr>
               <a:t>calculate  stress</a:t>
             </a:r>
-            <a:endParaRPr kumimoji="0" lang="en-US" altLang="zh-CN" sz="1800" b="0" i="0" u="none" strike="noStrike" cap="none" normalizeH="0" baseline="0" smtClean="0">
-              <a:ln>
-                <a:noFill/>
-              </a:ln>
-              <a:solidFill>
-                <a:schemeClr val="tx1"/>
-              </a:solidFill>
-              <a:effectLst/>
-              <a:latin typeface="Arial" panose="020B0604020202020204" pitchFamily="34" charset="0"/>
-              <a:ea typeface="宋体" panose="02010600030101010101" pitchFamily="2" charset="-122"/>
-            </a:endParaRPr>
           </a:p>
         </p:txBody>
       </p:sp>
@@ -12001,9 +12076,6 @@
               </a:rPr>
               <a:t>UMAT subroutine</a:t>
             </a:r>
-            <a:endParaRPr lang="en-US" altLang="zh-CN" sz="1400">
-              <a:sym typeface="+mn-ea"/>
-            </a:endParaRPr>
           </a:p>
         </p:txBody>
       </p:sp>
@@ -12054,13 +12126,6 @@
               </a:rPr>
               <a:t>checkout failure ( Hashin </a:t>
             </a:r>
-            <a:endParaRPr lang="en-US" altLang="zh-CN" smtClean="0">
-              <a:ln>
-                <a:noFill/>
-              </a:ln>
-              <a:effectLst/>
-              <a:sym typeface="+mn-ea"/>
-            </a:endParaRPr>
           </a:p>
           <a:p>
             <a:pPr marL="0" marR="0" indent="0" algn="l" defTabSz="914400" rtl="0" eaLnBrk="0" fontAlgn="base" latinLnBrk="0" hangingPunct="0">
@@ -12105,12 +12170,14 @@
         <p:spPr/>
         <p:txBody>
           <a:bodyPr/>
+          <a:lstStyle/>
           <a:p>
             <a:pPr>
               <a:defRPr/>
             </a:pPr>
             <a:fld id="{A2EA7766-9A74-464A-9A62-AF2E5CE9E77E}" type="slidenum">
               <a:rPr lang="en-US" altLang="zh-CN"/>
+              <a:t>10</a:t>
             </a:fld>
             <a:endParaRPr lang="en-US" altLang="zh-CN"/>
           </a:p>
@@ -12125,7 +12192,7 @@
           <p:nvPr/>
         </p:nvPicPr>
         <p:blipFill>
-          <a:blip r:embed="rId5"/>
+          <a:blip r:embed="rId8"/>
           <a:stretch>
             <a:fillRect/>
           </a:stretch>
@@ -12187,6 +12254,7 @@
           <a:bodyPr wrap="square">
             <a:spAutoFit/>
           </a:bodyPr>
+          <a:lstStyle/>
           <a:p>
             <a:pPr marL="0" lvl="1">
               <a:lnSpc>
@@ -12207,10 +12275,6 @@
               </a:rPr>
               <a:t>—UMAT subroutine</a:t>
             </a:r>
-            <a:endParaRPr lang="en-US" altLang="zh-CN" sz="2400" dirty="0" smtClean="0">
-              <a:latin typeface="Times New Roman" panose="02020603050405020304" pitchFamily="18" charset="0"/>
-              <a:cs typeface="Times New Roman" panose="02020603050405020304" pitchFamily="18" charset="0"/>
-            </a:endParaRPr>
           </a:p>
         </p:txBody>
       </p:sp>
@@ -12266,6 +12330,7 @@
           <a:bodyPr wrap="square">
             <a:spAutoFit/>
           </a:bodyPr>
+          <a:lstStyle/>
           <a:p>
             <a:pPr marL="0" lvl="1">
               <a:lnSpc>
@@ -12326,6 +12391,7 @@
           <a:bodyPr anchor="t">
             <a:spAutoFit/>
           </a:bodyPr>
+          <a:lstStyle/>
           <a:p>
             <a:r>
               <a:rPr lang="en-US" altLang="zh-CN" sz="2000" b="0" dirty="0">
@@ -12371,6 +12437,7 @@
           <a:bodyPr wrap="square" anchor="t">
             <a:spAutoFit/>
           </a:bodyPr>
+          <a:lstStyle/>
           <a:p>
             <a:pPr eaLnBrk="0" hangingPunct="0"/>
             <a:r>
@@ -12387,72 +12454,12 @@
               </a:rPr>
               <a:t>、损伤演化：</a:t>
             </a:r>
-            <a:endParaRPr lang="zh-CN" altLang="en-US" sz="1800" b="0">
-              <a:latin typeface="Times New Roman" panose="02020603050405020304" pitchFamily="18" charset="0"/>
-              <a:ea typeface="宋体" panose="02010600030101010101" pitchFamily="2" charset="-122"/>
-            </a:endParaRPr>
           </a:p>
         </p:txBody>
       </p:sp>
       <p:pic>
         <p:nvPicPr>
           <p:cNvPr id="10243" name="图片 9"/>
-          <p:cNvPicPr>
-            <a:picLocks noChangeAspect="1"/>
-          </p:cNvPicPr>
-          <p:nvPr/>
-        </p:nvPicPr>
-        <p:blipFill>
-          <a:blip r:embed="rId1"/>
-          <a:stretch>
-            <a:fillRect/>
-          </a:stretch>
-        </p:blipFill>
-        <p:spPr>
-          <a:xfrm>
-            <a:off x="300355" y="4009708"/>
-            <a:ext cx="2562225" cy="2995612"/>
-          </a:xfrm>
-          <a:prstGeom prst="rect">
-            <a:avLst/>
-          </a:prstGeom>
-          <a:noFill/>
-          <a:ln w="9525">
-            <a:noFill/>
-          </a:ln>
-        </p:spPr>
-      </p:pic>
-      <p:pic>
-        <p:nvPicPr>
-          <p:cNvPr id="10244" name="图片 10"/>
-          <p:cNvPicPr>
-            <a:picLocks noChangeAspect="1"/>
-          </p:cNvPicPr>
-          <p:nvPr/>
-        </p:nvPicPr>
-        <p:blipFill>
-          <a:blip r:embed="rId2"/>
-          <a:stretch>
-            <a:fillRect/>
-          </a:stretch>
-        </p:blipFill>
-        <p:spPr>
-          <a:xfrm>
-            <a:off x="2862580" y="4009708"/>
-            <a:ext cx="2566988" cy="2995612"/>
-          </a:xfrm>
-          <a:prstGeom prst="rect">
-            <a:avLst/>
-          </a:prstGeom>
-          <a:noFill/>
-          <a:ln w="9525">
-            <a:noFill/>
-          </a:ln>
-        </p:spPr>
-      </p:pic>
-      <p:pic>
-        <p:nvPicPr>
-          <p:cNvPr id="10245" name="图片 11"/>
           <p:cNvPicPr>
             <a:picLocks noChangeAspect="1"/>
           </p:cNvPicPr>
@@ -12466,8 +12473,8 @@
         </p:blipFill>
         <p:spPr>
           <a:xfrm>
-            <a:off x="4975543" y="1216343"/>
-            <a:ext cx="4427537" cy="2589212"/>
+            <a:off x="300355" y="4009708"/>
+            <a:ext cx="2562225" cy="2995612"/>
           </a:xfrm>
           <a:prstGeom prst="rect">
             <a:avLst/>
@@ -12478,16 +12485,24 @@
           </a:ln>
         </p:spPr>
       </p:pic>
-      <p:sp>
-        <p:nvSpPr>
-          <p:cNvPr id="10246" name="文本框 12"/>
-          <p:cNvSpPr txBox="1"/>
+      <p:pic>
+        <p:nvPicPr>
+          <p:cNvPr id="10244" name="图片 10"/>
+          <p:cNvPicPr>
+            <a:picLocks noChangeAspect="1"/>
+          </p:cNvPicPr>
           <p:nvPr/>
-        </p:nvSpPr>
+        </p:nvPicPr>
+        <p:blipFill>
+          <a:blip r:embed="rId4"/>
+          <a:stretch>
+            <a:fillRect/>
+          </a:stretch>
+        </p:blipFill>
         <p:spPr>
           <a:xfrm>
-            <a:off x="586105" y="2185670"/>
-            <a:ext cx="4389438" cy="1006475"/>
+            <a:off x="2862580" y="4009708"/>
+            <a:ext cx="2566988" cy="2995612"/>
           </a:xfrm>
           <a:prstGeom prst="rect">
             <a:avLst/>
@@ -12497,50 +12512,25 @@
             <a:noFill/>
           </a:ln>
         </p:spPr>
-        <p:txBody>
-          <a:bodyPr wrap="square" anchor="t">
-            <a:spAutoFit/>
-          </a:bodyPr>
-          <a:p>
-            <a:pPr eaLnBrk="0" hangingPunct="0"/>
-            <a:r>
-              <a:rPr lang="zh-CN" altLang="en-US" sz="2000" b="0">
-                <a:latin typeface="Times New Roman" panose="02020603050405020304" pitchFamily="18" charset="0"/>
-                <a:ea typeface="宋体" panose="02010600030101010101" pitchFamily="2" charset="-122"/>
-              </a:rPr>
-              <a:t>为了避免网格依赖性，使用特征长度法，损伤变量的演化会使应力</a:t>
-            </a:r>
-            <a:r>
-              <a:rPr lang="en-US" altLang="zh-CN" sz="2000" b="0">
-                <a:latin typeface="Times New Roman" panose="02020603050405020304" pitchFamily="18" charset="0"/>
-                <a:ea typeface="宋体" panose="02010600030101010101" pitchFamily="2" charset="-122"/>
-              </a:rPr>
-              <a:t>-</a:t>
-            </a:r>
-            <a:r>
-              <a:rPr lang="zh-CN" altLang="en-US" sz="2000" b="0">
-                <a:latin typeface="Times New Roman" panose="02020603050405020304" pitchFamily="18" charset="0"/>
-                <a:ea typeface="宋体" panose="02010600030101010101" pitchFamily="2" charset="-122"/>
-              </a:rPr>
-              <a:t>位移的关系如右图所示</a:t>
-            </a:r>
-            <a:endParaRPr lang="zh-CN" altLang="en-US" sz="2000" b="0">
-              <a:latin typeface="Times New Roman" panose="02020603050405020304" pitchFamily="18" charset="0"/>
-              <a:ea typeface="宋体" panose="02010600030101010101" pitchFamily="2" charset="-122"/>
-            </a:endParaRPr>
-          </a:p>
-        </p:txBody>
-      </p:sp>
-      <p:sp>
-        <p:nvSpPr>
-          <p:cNvPr id="10247" name="文本框 13"/>
-          <p:cNvSpPr txBox="1"/>
+      </p:pic>
+      <p:pic>
+        <p:nvPicPr>
+          <p:cNvPr id="10245" name="图片 11"/>
+          <p:cNvPicPr>
+            <a:picLocks noChangeAspect="1"/>
+          </p:cNvPicPr>
           <p:nvPr/>
-        </p:nvSpPr>
+        </p:nvPicPr>
+        <p:blipFill>
+          <a:blip r:embed="rId5"/>
+          <a:stretch>
+            <a:fillRect/>
+          </a:stretch>
+        </p:blipFill>
         <p:spPr>
           <a:xfrm>
-            <a:off x="6066155" y="4248468"/>
-            <a:ext cx="2368550" cy="1920875"/>
+            <a:off x="4975543" y="1216343"/>
+            <a:ext cx="4427537" cy="2589212"/>
           </a:xfrm>
           <a:prstGeom prst="rect">
             <a:avLst/>
@@ -12550,57 +12540,17 @@
             <a:noFill/>
           </a:ln>
         </p:spPr>
-        <p:txBody>
-          <a:bodyPr wrap="square" anchor="t">
-            <a:spAutoFit/>
-          </a:bodyPr>
-          <a:p>
-            <a:pPr eaLnBrk="0" hangingPunct="0"/>
-            <a:r>
-              <a:rPr lang="zh-CN" altLang="en-US" b="0">
-                <a:latin typeface="Times New Roman" panose="02020603050405020304" pitchFamily="18" charset="0"/>
-                <a:ea typeface="宋体" panose="02010600030101010101" pitchFamily="2" charset="-122"/>
-              </a:rPr>
-              <a:t>特征长度</a:t>
-            </a:r>
-            <a:r>
-              <a:rPr lang="en-US" altLang="zh-CN" b="0">
-                <a:latin typeface="Times New Roman" panose="02020603050405020304" pitchFamily="18" charset="0"/>
-                <a:ea typeface="宋体" panose="02010600030101010101" pitchFamily="2" charset="-122"/>
-              </a:rPr>
-              <a:t>L</a:t>
-            </a:r>
-            <a:r>
-              <a:rPr lang="en-US" altLang="zh-CN" b="0" baseline="30000">
-                <a:latin typeface="Times New Roman" panose="02020603050405020304" pitchFamily="18" charset="0"/>
-                <a:ea typeface="宋体" panose="02010600030101010101" pitchFamily="2" charset="-122"/>
-              </a:rPr>
-              <a:t>c</a:t>
-            </a:r>
-            <a:r>
-              <a:rPr lang="zh-CN" altLang="en-US" b="0">
-                <a:latin typeface="Times New Roman" panose="02020603050405020304" pitchFamily="18" charset="0"/>
-                <a:ea typeface="宋体" panose="02010600030101010101" pitchFamily="2" charset="-122"/>
-              </a:rPr>
-              <a:t>由单元尺寸，对于壳单元，特征长度为参考平面面积的平方根</a:t>
-            </a:r>
-            <a:endParaRPr lang="zh-CN" altLang="en-US" b="0">
-              <a:latin typeface="Times New Roman" panose="02020603050405020304" pitchFamily="18" charset="0"/>
-              <a:ea typeface="宋体" panose="02010600030101010101" pitchFamily="2" charset="-122"/>
-            </a:endParaRPr>
-          </a:p>
-        </p:txBody>
-      </p:sp>
-      <p:sp>
-        <p:nvSpPr>
-          <p:cNvPr id="10248" name="文本框 14"/>
+      </p:pic>
+      <p:sp>
+        <p:nvSpPr>
+          <p:cNvPr id="10246" name="文本框 12"/>
           <p:cNvSpPr txBox="1"/>
           <p:nvPr/>
         </p:nvSpPr>
         <p:spPr>
           <a:xfrm>
-            <a:off x="338455" y="3373120"/>
-            <a:ext cx="4884738" cy="457200"/>
+            <a:off x="586105" y="2185670"/>
+            <a:ext cx="4389438" cy="1006475"/>
           </a:xfrm>
           <a:prstGeom prst="rect">
             <a:avLst/>
@@ -12614,6 +12564,114 @@
           <a:bodyPr wrap="square" anchor="t">
             <a:spAutoFit/>
           </a:bodyPr>
+          <a:lstStyle/>
+          <a:p>
+            <a:pPr eaLnBrk="0" hangingPunct="0"/>
+            <a:r>
+              <a:rPr lang="zh-CN" altLang="en-US" sz="2000" b="0">
+                <a:latin typeface="Times New Roman" panose="02020603050405020304" pitchFamily="18" charset="0"/>
+                <a:ea typeface="宋体" panose="02010600030101010101" pitchFamily="2" charset="-122"/>
+              </a:rPr>
+              <a:t>为了避免网格依赖性，使用特征长度法，损伤变量的演化会使应力</a:t>
+            </a:r>
+            <a:r>
+              <a:rPr lang="en-US" altLang="zh-CN" sz="2000" b="0">
+                <a:latin typeface="Times New Roman" panose="02020603050405020304" pitchFamily="18" charset="0"/>
+                <a:ea typeface="宋体" panose="02010600030101010101" pitchFamily="2" charset="-122"/>
+              </a:rPr>
+              <a:t>-</a:t>
+            </a:r>
+            <a:r>
+              <a:rPr lang="zh-CN" altLang="en-US" sz="2000" b="0">
+                <a:latin typeface="Times New Roman" panose="02020603050405020304" pitchFamily="18" charset="0"/>
+                <a:ea typeface="宋体" panose="02010600030101010101" pitchFamily="2" charset="-122"/>
+              </a:rPr>
+              <a:t>位移的关系如右图所示</a:t>
+            </a:r>
+          </a:p>
+        </p:txBody>
+      </p:sp>
+      <p:sp>
+        <p:nvSpPr>
+          <p:cNvPr id="10247" name="文本框 13"/>
+          <p:cNvSpPr txBox="1"/>
+          <p:nvPr/>
+        </p:nvSpPr>
+        <p:spPr>
+          <a:xfrm>
+            <a:off x="6066155" y="4248468"/>
+            <a:ext cx="2368550" cy="1920875"/>
+          </a:xfrm>
+          <a:prstGeom prst="rect">
+            <a:avLst/>
+          </a:prstGeom>
+          <a:noFill/>
+          <a:ln w="9525">
+            <a:noFill/>
+          </a:ln>
+        </p:spPr>
+        <p:txBody>
+          <a:bodyPr wrap="square" anchor="t">
+            <a:spAutoFit/>
+          </a:bodyPr>
+          <a:lstStyle/>
+          <a:p>
+            <a:pPr eaLnBrk="0" hangingPunct="0"/>
+            <a:r>
+              <a:rPr lang="zh-CN" altLang="en-US" b="0">
+                <a:latin typeface="Times New Roman" panose="02020603050405020304" pitchFamily="18" charset="0"/>
+                <a:ea typeface="宋体" panose="02010600030101010101" pitchFamily="2" charset="-122"/>
+              </a:rPr>
+              <a:t>特征长度</a:t>
+            </a:r>
+            <a:r>
+              <a:rPr lang="en-US" altLang="zh-CN" b="0">
+                <a:latin typeface="Times New Roman" panose="02020603050405020304" pitchFamily="18" charset="0"/>
+                <a:ea typeface="宋体" panose="02010600030101010101" pitchFamily="2" charset="-122"/>
+              </a:rPr>
+              <a:t>L</a:t>
+            </a:r>
+            <a:r>
+              <a:rPr lang="en-US" altLang="zh-CN" b="0" baseline="30000">
+                <a:latin typeface="Times New Roman" panose="02020603050405020304" pitchFamily="18" charset="0"/>
+                <a:ea typeface="宋体" panose="02010600030101010101" pitchFamily="2" charset="-122"/>
+              </a:rPr>
+              <a:t>c</a:t>
+            </a:r>
+            <a:r>
+              <a:rPr lang="zh-CN" altLang="en-US" b="0">
+                <a:latin typeface="Times New Roman" panose="02020603050405020304" pitchFamily="18" charset="0"/>
+                <a:ea typeface="宋体" panose="02010600030101010101" pitchFamily="2" charset="-122"/>
+              </a:rPr>
+              <a:t>由单元尺寸，对于壳单元，特征长度为参考平面面积的平方根</a:t>
+            </a:r>
+          </a:p>
+        </p:txBody>
+      </p:sp>
+      <p:sp>
+        <p:nvSpPr>
+          <p:cNvPr id="10248" name="文本框 14"/>
+          <p:cNvSpPr txBox="1"/>
+          <p:nvPr/>
+        </p:nvSpPr>
+        <p:spPr>
+          <a:xfrm>
+            <a:off x="338455" y="3373120"/>
+            <a:ext cx="4884738" cy="457200"/>
+          </a:xfrm>
+          <a:prstGeom prst="rect">
+            <a:avLst/>
+          </a:prstGeom>
+          <a:noFill/>
+          <a:ln w="9525">
+            <a:noFill/>
+          </a:ln>
+        </p:spPr>
+        <p:txBody>
+          <a:bodyPr wrap="square" anchor="t">
+            <a:spAutoFit/>
+          </a:bodyPr>
+          <a:lstStyle/>
           <a:p>
             <a:pPr eaLnBrk="0" hangingPunct="0"/>
             <a:r>
@@ -12623,10 +12681,6 @@
               </a:rPr>
               <a:t>四种失效模式的等效位移与应力：</a:t>
             </a:r>
-            <a:endParaRPr lang="zh-CN" altLang="en-US">
-              <a:latin typeface="Times New Roman" panose="02020603050405020304" pitchFamily="18" charset="0"/>
-              <a:ea typeface="宋体" panose="02010600030101010101" pitchFamily="2" charset="-122"/>
-            </a:endParaRPr>
           </a:p>
         </p:txBody>
       </p:sp>
@@ -12682,6 +12736,7 @@
           <a:bodyPr wrap="square">
             <a:spAutoFit/>
           </a:bodyPr>
+          <a:lstStyle/>
           <a:p>
             <a:pPr marL="0" lvl="1">
               <a:lnSpc>
@@ -12739,6 +12794,7 @@
           <a:bodyPr wrap="square" rtlCol="0">
             <a:spAutoFit/>
           </a:bodyPr>
+          <a:lstStyle/>
           <a:p>
             <a:r>
               <a:rPr lang="zh-CN" altLang="en-US" b="1"/>
@@ -12794,7 +12850,6 @@
               <a:rPr lang="zh-CN" altLang="en-US" b="1"/>
               <a:t>）应力与应变的软化关系（线性、指数）。</a:t>
             </a:r>
-            <a:endParaRPr lang="zh-CN" altLang="en-US" b="1"/>
           </a:p>
           <a:p>
             <a:endParaRPr lang="zh-CN" altLang="en-US"/>
@@ -12821,19 +12876,18 @@
           <a:bodyPr wrap="square" rtlCol="0">
             <a:spAutoFit/>
           </a:bodyPr>
+          <a:lstStyle/>
           <a:p>
             <a:r>
               <a:rPr lang="zh-CN" altLang="en-US" b="1"/>
               <a:t>网格依赖性：</a:t>
             </a:r>
-            <a:endParaRPr lang="zh-CN" altLang="en-US" b="1"/>
           </a:p>
           <a:p>
             <a:r>
               <a:rPr lang="zh-CN" altLang="en-US"/>
               <a:t>   在应变软化行为中会导致应变局部化，有限元计算结果会产生网格依赖性，如右图所示，越精细的网格其能量耗散越小。即能量耗散值与失效单元体积成正比。</a:t>
             </a:r>
-            <a:endParaRPr lang="zh-CN" altLang="en-US"/>
           </a:p>
           <a:p>
             <a:endParaRPr lang="zh-CN" altLang="en-US"/>
@@ -12843,7 +12897,6 @@
               <a:rPr lang="zh-CN" altLang="en-US"/>
               <a:t>   裂纹带模型：将断裂模拟为一条平行紧密分布的微裂纹带，此时，极限失效应变不再为常数：</a:t>
             </a:r>
-            <a:endParaRPr lang="zh-CN" altLang="en-US"/>
           </a:p>
           <a:p>
             <a:endParaRPr lang="en-US" altLang="zh-CN"/>
@@ -12911,7 +12964,7 @@
           <p:nvPr/>
         </p:nvPicPr>
         <p:blipFill>
-          <a:blip r:embed="rId1"/>
+          <a:blip r:embed="rId4"/>
           <a:stretch>
             <a:fillRect/>
           </a:stretch>
@@ -12929,7 +12982,7 @@
       <p:graphicFrame>
         <p:nvGraphicFramePr>
           <p:cNvPr id="6" name="对象 5">
-            <a:hlinkClick r:id="" action="ppaction://ole?verb="/>
+            <a:hlinkClick r:id="" action="ppaction://ole?verb=0"/>
           </p:cNvPr>
           <p:cNvGraphicFramePr>
             <a:graphicFrameLocks noChangeAspect="1"/>
@@ -12944,12 +12997,12 @@
           <a:graphicData uri="http://schemas.openxmlformats.org/presentationml/2006/ole">
             <mc:AlternateContent xmlns:mc="http://schemas.openxmlformats.org/markup-compatibility/2006">
               <mc:Choice xmlns:v="urn:schemas-microsoft-com:vml" Requires="v">
-                <p:oleObj spid="_x0000_s3073" name="" r:id="rId2" imgW="673100" imgH="431800" progId="Equation.KSEE3">
+                <p:oleObj spid="_x0000_s6146" r:id="rId5" imgW="673100" imgH="431800" progId="Equation.KSEE3">
                   <p:embed/>
                 </p:oleObj>
               </mc:Choice>
               <mc:Fallback>
-                <p:oleObj name="" r:id="rId2" imgW="673100" imgH="431800" progId="Equation.KSEE3">
+                <p:oleObj r:id="rId5" imgW="673100" imgH="431800" progId="Equation.KSEE3">
                   <p:embed/>
                   <p:pic>
                     <p:nvPicPr>
@@ -12958,7 +13011,7 @@
                       <p:nvPr/>
                     </p:nvPicPr>
                     <p:blipFill>
-                      <a:blip r:embed="rId3"/>
+                      <a:blip r:embed="rId6"/>
                       <a:stretch>
                         <a:fillRect/>
                       </a:stretch>
@@ -12988,7 +13041,7 @@
           <p:nvPr/>
         </p:nvPicPr>
         <p:blipFill>
-          <a:blip r:embed="rId4"/>
+          <a:blip r:embed="rId7"/>
           <a:stretch>
             <a:fillRect/>
           </a:stretch>
@@ -13023,12 +13076,12 @@
           <a:bodyPr wrap="square" rtlCol="0" anchor="t">
             <a:spAutoFit/>
           </a:bodyPr>
+          <a:lstStyle/>
           <a:p>
             <a:r>
               <a:rPr lang="zh-CN" altLang="en-US" sz="1200"/>
               <a:t>Lapczyk I, Hurtado J A. Progressive damage modeling in fiber-reinforced materials[J]. Composites Part A Applied Science &amp; Manufacturing, 2007, 38(11):2333-2341.</a:t>
             </a:r>
-            <a:endParaRPr lang="zh-CN" altLang="en-US" sz="1200"/>
           </a:p>
         </p:txBody>
       </p:sp>
@@ -13198,6 +13251,7 @@
           <a:bodyPr wrap="square">
             <a:spAutoFit/>
           </a:bodyPr>
+          <a:lstStyle/>
           <a:p>
             <a:pPr marL="0" lvl="1">
               <a:lnSpc>
@@ -13255,6 +13309,7 @@
           <a:bodyPr wrap="square" rtlCol="0">
             <a:spAutoFit/>
           </a:bodyPr>
+          <a:lstStyle/>
           <a:p>
             <a:r>
               <a:rPr lang="en-US" altLang="zh-CN" sz="2400"/>
@@ -13268,7 +13323,6 @@
               <a:rPr lang="zh-CN" altLang="en-US" sz="1400"/>
               <a:t>为了提高计算的收敛性，在子程序中对损伤变量进行粘性正则化，我们不直接使用从损伤演化表达式中计算出的损伤变量，而是对损伤变量通过下式进行处理：</a:t>
             </a:r>
-            <a:endParaRPr lang="zh-CN" altLang="en-US" sz="1400"/>
           </a:p>
           <a:p>
             <a:endParaRPr lang="zh-CN" altLang="en-US" sz="1400"/>
@@ -13290,7 +13344,7 @@
       <p:graphicFrame>
         <p:nvGraphicFramePr>
           <p:cNvPr id="5" name="对象 4">
-            <a:hlinkClick r:id="" action="ppaction://ole?verb="/>
+            <a:hlinkClick r:id="" action="ppaction://ole?verb=0"/>
           </p:cNvPr>
           <p:cNvGraphicFramePr>
             <a:graphicFrameLocks noChangeAspect="1"/>
@@ -13305,12 +13359,12 @@
           <a:graphicData uri="http://schemas.openxmlformats.org/presentationml/2006/ole">
             <mc:AlternateContent xmlns:mc="http://schemas.openxmlformats.org/markup-compatibility/2006">
               <mc:Choice xmlns:v="urn:schemas-microsoft-com:vml" Requires="v">
-                <p:oleObj spid="_x0000_s1025" name="" r:id="rId1" imgW="1066800" imgH="862965" progId="Equation.KSEE3">
+                <p:oleObj spid="_x0000_s7178" r:id="rId4" imgW="1066800" imgH="862965" progId="Equation.KSEE3">
                   <p:embed/>
                 </p:oleObj>
               </mc:Choice>
               <mc:Fallback>
-                <p:oleObj name="" r:id="rId1" imgW="1066800" imgH="862965" progId="Equation.KSEE3">
+                <p:oleObj r:id="rId4" imgW="1066800" imgH="862965" progId="Equation.KSEE3">
                   <p:embed/>
                   <p:pic>
                     <p:nvPicPr>
@@ -13319,7 +13373,7 @@
                       <p:nvPr/>
                     </p:nvPicPr>
                     <p:blipFill>
-                      <a:blip r:embed="rId2"/>
+                      <a:blip r:embed="rId5"/>
                       <a:stretch>
                         <a:fillRect/>
                       </a:stretch>
@@ -13360,6 +13414,7 @@
           <a:bodyPr wrap="square" rtlCol="0">
             <a:spAutoFit/>
           </a:bodyPr>
+          <a:lstStyle/>
           <a:p>
             <a:r>
               <a:rPr lang="en-US" altLang="zh-CN" sz="1400">
@@ -13397,9 +13452,6 @@
               </a:rPr>
               <a:t>矩阵时我们使用后者，</a:t>
             </a:r>
-            <a:endParaRPr lang="zh-CN" altLang="en-US" sz="1400">
-              <a:latin typeface="宋体" panose="02010600030101010101" pitchFamily="2" charset="-122"/>
-            </a:endParaRPr>
           </a:p>
           <a:p>
             <a:r>
@@ -13408,16 +13460,13 @@
               </a:rPr>
               <a:t>    是粘性参数，它控制着    和    接近真实的    和     的速率。    </a:t>
             </a:r>
-            <a:endParaRPr lang="zh-CN" altLang="en-US" sz="1400">
-              <a:latin typeface="宋体" panose="02010600030101010101" pitchFamily="2" charset="-122"/>
-            </a:endParaRPr>
           </a:p>
         </p:txBody>
       </p:sp>
       <p:graphicFrame>
         <p:nvGraphicFramePr>
           <p:cNvPr id="7" name="对象 6">
-            <a:hlinkClick r:id="" action="ppaction://ole?verb="/>
+            <a:hlinkClick r:id="" action="ppaction://ole?verb=0"/>
           </p:cNvPr>
           <p:cNvGraphicFramePr>
             <a:graphicFrameLocks noChangeAspect="1"/>
@@ -13432,12 +13481,12 @@
           <a:graphicData uri="http://schemas.openxmlformats.org/presentationml/2006/ole">
             <mc:AlternateContent xmlns:mc="http://schemas.openxmlformats.org/markup-compatibility/2006">
               <mc:Choice xmlns:v="urn:schemas-microsoft-com:vml" Requires="v">
-                <p:oleObj spid="_x0000_s1026" name="" r:id="rId3" imgW="203200" imgH="241300" progId="Equation.KSEE3">
+                <p:oleObj spid="_x0000_s7179" r:id="rId6" imgW="203200" imgH="241300" progId="Equation.KSEE3">
                   <p:embed/>
                 </p:oleObj>
               </mc:Choice>
               <mc:Fallback>
-                <p:oleObj name="" r:id="rId3" imgW="203200" imgH="241300" progId="Equation.KSEE3">
+                <p:oleObj r:id="rId6" imgW="203200" imgH="241300" progId="Equation.KSEE3">
                   <p:embed/>
                   <p:pic>
                     <p:nvPicPr>
@@ -13446,7 +13495,7 @@
                       <p:nvPr/>
                     </p:nvPicPr>
                     <p:blipFill>
-                      <a:blip r:embed="rId4"/>
+                      <a:blip r:embed="rId7"/>
                       <a:stretch>
                         <a:fillRect/>
                       </a:stretch>
@@ -13470,7 +13519,7 @@
       <p:graphicFrame>
         <p:nvGraphicFramePr>
           <p:cNvPr id="8" name="对象 7">
-            <a:hlinkClick r:id="" action="ppaction://ole?verb="/>
+            <a:hlinkClick r:id="" action="ppaction://ole?verb=0"/>
           </p:cNvPr>
           <p:cNvGraphicFramePr>
             <a:graphicFrameLocks noChangeAspect="1"/>
@@ -13485,12 +13534,12 @@
           <a:graphicData uri="http://schemas.openxmlformats.org/presentationml/2006/ole">
             <mc:AlternateContent xmlns:mc="http://schemas.openxmlformats.org/markup-compatibility/2006">
               <mc:Choice xmlns:v="urn:schemas-microsoft-com:vml" Requires="v">
-                <p:oleObj spid="_x0000_s4" name="" r:id="rId5" imgW="203200" imgH="254000" progId="Equation.KSEE3">
+                <p:oleObj spid="_x0000_s7180" r:id="rId8" imgW="203200" imgH="254000" progId="Equation.KSEE3">
                   <p:embed/>
                 </p:oleObj>
               </mc:Choice>
               <mc:Fallback>
-                <p:oleObj name="" r:id="rId5" imgW="203200" imgH="254000" progId="Equation.KSEE3">
+                <p:oleObj r:id="rId8" imgW="203200" imgH="254000" progId="Equation.KSEE3">
                   <p:embed/>
                   <p:pic>
                     <p:nvPicPr>
@@ -13499,7 +13548,7 @@
                       <p:nvPr/>
                     </p:nvPicPr>
                     <p:blipFill>
-                      <a:blip r:embed="rId6"/>
+                      <a:blip r:embed="rId9"/>
                       <a:stretch>
                         <a:fillRect/>
                       </a:stretch>
@@ -13523,7 +13572,7 @@
       <p:graphicFrame>
         <p:nvGraphicFramePr>
           <p:cNvPr id="9" name="对象 8">
-            <a:hlinkClick r:id="" action="ppaction://ole?verb="/>
+            <a:hlinkClick r:id="" action="ppaction://ole?verb=0"/>
           </p:cNvPr>
           <p:cNvGraphicFramePr>
             <a:graphicFrameLocks noChangeAspect="1"/>
@@ -13538,12 +13587,12 @@
           <a:graphicData uri="http://schemas.openxmlformats.org/presentationml/2006/ole">
             <mc:AlternateContent xmlns:mc="http://schemas.openxmlformats.org/markup-compatibility/2006">
               <mc:Choice xmlns:v="urn:schemas-microsoft-com:vml" Requires="v">
-                <p:oleObj spid="_x0000_s1027" name="" r:id="rId7" imgW="127000" imgH="165100" progId="Equation.KSEE3">
+                <p:oleObj spid="_x0000_s7181" r:id="rId10" imgW="127000" imgH="165100" progId="Equation.KSEE3">
                   <p:embed/>
                 </p:oleObj>
               </mc:Choice>
               <mc:Fallback>
-                <p:oleObj name="" r:id="rId7" imgW="127000" imgH="165100" progId="Equation.KSEE3">
+                <p:oleObj r:id="rId10" imgW="127000" imgH="165100" progId="Equation.KSEE3">
                   <p:embed/>
                   <p:pic>
                     <p:nvPicPr>
@@ -13552,7 +13601,7 @@
                       <p:nvPr/>
                     </p:nvPicPr>
                     <p:blipFill>
-                      <a:blip r:embed="rId8"/>
+                      <a:blip r:embed="rId11"/>
                       <a:stretch>
                         <a:fillRect/>
                       </a:stretch>
@@ -13576,7 +13625,7 @@
       <p:graphicFrame>
         <p:nvGraphicFramePr>
           <p:cNvPr id="11" name="对象 10">
-            <a:hlinkClick r:id="" action="ppaction://ole?verb="/>
+            <a:hlinkClick r:id="" action="ppaction://ole?verb=0"/>
           </p:cNvPr>
           <p:cNvGraphicFramePr>
             <a:graphicFrameLocks noChangeAspect="1"/>
@@ -13591,12 +13640,12 @@
           <a:graphicData uri="http://schemas.openxmlformats.org/presentationml/2006/ole">
             <mc:AlternateContent xmlns:mc="http://schemas.openxmlformats.org/markup-compatibility/2006">
               <mc:Choice xmlns:v="urn:schemas-microsoft-com:vml" Requires="v">
-                <p:oleObj spid="_x0000_s12" name="" r:id="rId9" imgW="203200" imgH="241300" progId="Equation.KSEE3">
+                <p:oleObj spid="_x0000_s7182" r:id="rId12" imgW="203200" imgH="241300" progId="Equation.KSEE3">
                   <p:embed/>
                 </p:oleObj>
               </mc:Choice>
               <mc:Fallback>
-                <p:oleObj name="" r:id="rId9" imgW="203200" imgH="241300" progId="Equation.KSEE3">
+                <p:oleObj r:id="rId12" imgW="203200" imgH="241300" progId="Equation.KSEE3">
                   <p:embed/>
                   <p:pic>
                     <p:nvPicPr>
@@ -13605,7 +13654,7 @@
                       <p:nvPr/>
                     </p:nvPicPr>
                     <p:blipFill>
-                      <a:blip r:embed="rId4"/>
+                      <a:blip r:embed="rId7"/>
                       <a:stretch>
                         <a:fillRect/>
                       </a:stretch>
@@ -13629,7 +13678,7 @@
       <p:graphicFrame>
         <p:nvGraphicFramePr>
           <p:cNvPr id="13" name="对象 12">
-            <a:hlinkClick r:id="" action="ppaction://ole?verb="/>
+            <a:hlinkClick r:id="" action="ppaction://ole?verb=0"/>
           </p:cNvPr>
           <p:cNvGraphicFramePr>
             <a:graphicFrameLocks noChangeAspect="1"/>
@@ -13644,12 +13693,12 @@
           <a:graphicData uri="http://schemas.openxmlformats.org/presentationml/2006/ole">
             <mc:AlternateContent xmlns:mc="http://schemas.openxmlformats.org/markup-compatibility/2006">
               <mc:Choice xmlns:v="urn:schemas-microsoft-com:vml" Requires="v">
-                <p:oleObj spid="_x0000_s14" name="" r:id="rId10" imgW="203200" imgH="254000" progId="Equation.KSEE3">
+                <p:oleObj spid="_x0000_s7183" r:id="rId13" imgW="203200" imgH="254000" progId="Equation.KSEE3">
                   <p:embed/>
                 </p:oleObj>
               </mc:Choice>
               <mc:Fallback>
-                <p:oleObj name="" r:id="rId10" imgW="203200" imgH="254000" progId="Equation.KSEE3">
+                <p:oleObj r:id="rId13" imgW="203200" imgH="254000" progId="Equation.KSEE3">
                   <p:embed/>
                   <p:pic>
                     <p:nvPicPr>
@@ -13658,7 +13707,7 @@
                       <p:nvPr/>
                     </p:nvPicPr>
                     <p:blipFill>
-                      <a:blip r:embed="rId6"/>
+                      <a:blip r:embed="rId9"/>
                       <a:stretch>
                         <a:fillRect/>
                       </a:stretch>
@@ -13682,7 +13731,7 @@
       <p:graphicFrame>
         <p:nvGraphicFramePr>
           <p:cNvPr id="15" name="对象 14">
-            <a:hlinkClick r:id="" action="ppaction://ole?verb="/>
+            <a:hlinkClick r:id="" action="ppaction://ole?verb=0"/>
           </p:cNvPr>
           <p:cNvGraphicFramePr>
             <a:graphicFrameLocks noChangeAspect="1"/>
@@ -13697,12 +13746,12 @@
           <a:graphicData uri="http://schemas.openxmlformats.org/presentationml/2006/ole">
             <mc:AlternateContent xmlns:mc="http://schemas.openxmlformats.org/markup-compatibility/2006">
               <mc:Choice xmlns:v="urn:schemas-microsoft-com:vml" Requires="v">
-                <p:oleObj spid="_x0000_s16" name="" r:id="rId11" imgW="203200" imgH="241300" progId="Equation.KSEE3">
+                <p:oleObj spid="_x0000_s7184" r:id="rId14" imgW="203200" imgH="241300" progId="Equation.KSEE3">
                   <p:embed/>
                 </p:oleObj>
               </mc:Choice>
               <mc:Fallback>
-                <p:oleObj name="" r:id="rId11" imgW="203200" imgH="241300" progId="Equation.KSEE3">
+                <p:oleObj r:id="rId14" imgW="203200" imgH="241300" progId="Equation.KSEE3">
                   <p:embed/>
                   <p:pic>
                     <p:nvPicPr>
@@ -13711,7 +13760,7 @@
                       <p:nvPr/>
                     </p:nvPicPr>
                     <p:blipFill>
-                      <a:blip r:embed="rId12"/>
+                      <a:blip r:embed="rId15"/>
                       <a:stretch>
                         <a:fillRect/>
                       </a:stretch>
@@ -13735,7 +13784,7 @@
       <p:graphicFrame>
         <p:nvGraphicFramePr>
           <p:cNvPr id="17" name="对象 16">
-            <a:hlinkClick r:id="" action="ppaction://ole?verb="/>
+            <a:hlinkClick r:id="" action="ppaction://ole?verb=0"/>
           </p:cNvPr>
           <p:cNvGraphicFramePr>
             <a:graphicFrameLocks noChangeAspect="1"/>
@@ -13750,12 +13799,12 @@
           <a:graphicData uri="http://schemas.openxmlformats.org/presentationml/2006/ole">
             <mc:AlternateContent xmlns:mc="http://schemas.openxmlformats.org/markup-compatibility/2006">
               <mc:Choice xmlns:v="urn:schemas-microsoft-com:vml" Requires="v">
-                <p:oleObj spid="_x0000_s18" name="" r:id="rId13" imgW="203200" imgH="241300" progId="Equation.KSEE3">
+                <p:oleObj spid="_x0000_s7185" r:id="rId16" imgW="203200" imgH="241300" progId="Equation.KSEE3">
                   <p:embed/>
                 </p:oleObj>
               </mc:Choice>
               <mc:Fallback>
-                <p:oleObj name="" r:id="rId13" imgW="203200" imgH="241300" progId="Equation.KSEE3">
+                <p:oleObj r:id="rId16" imgW="203200" imgH="241300" progId="Equation.KSEE3">
                   <p:embed/>
                   <p:pic>
                     <p:nvPicPr>
@@ -13764,7 +13813,7 @@
                       <p:nvPr/>
                     </p:nvPicPr>
                     <p:blipFill>
-                      <a:blip r:embed="rId14"/>
+                      <a:blip r:embed="rId17"/>
                       <a:stretch>
                         <a:fillRect/>
                       </a:stretch>
@@ -13805,6 +13854,7 @@
           <a:bodyPr wrap="square" rtlCol="0">
             <a:spAutoFit/>
           </a:bodyPr>
+          <a:lstStyle/>
           <a:p>
             <a:r>
               <a:rPr lang="en-US" altLang="zh-CN" sz="2400"/>
@@ -13814,7 +13864,6 @@
               <a:rPr lang="zh-CN" altLang="en-US" sz="1400"/>
               <a:t>上述表达式可写为：</a:t>
             </a:r>
-            <a:endParaRPr lang="zh-CN" altLang="en-US" sz="1400"/>
           </a:p>
           <a:p>
             <a:endParaRPr lang="zh-CN" altLang="en-US" sz="2400"/>
@@ -13853,6 +13902,7 @@
           <a:bodyPr wrap="square" rtlCol="0">
             <a:spAutoFit/>
           </a:bodyPr>
+          <a:lstStyle/>
           <a:p>
             <a:r>
               <a:rPr lang="en-US" altLang="zh-CN" sz="1400">
@@ -13866,138 +13916,12 @@
               </a:rPr>
               <a:t>由上式可得    </a:t>
             </a:r>
-            <a:endParaRPr lang="zh-CN" altLang="en-US" sz="1400">
-              <a:latin typeface="宋体" panose="02010600030101010101" pitchFamily="2" charset="-122"/>
-            </a:endParaRPr>
           </a:p>
         </p:txBody>
       </p:sp>
       <p:pic>
         <p:nvPicPr>
           <p:cNvPr id="20" name="图片 19"/>
-          <p:cNvPicPr>
-            <a:picLocks noChangeAspect="1"/>
-          </p:cNvPicPr>
-          <p:nvPr/>
-        </p:nvPicPr>
-        <p:blipFill>
-          <a:blip r:embed="rId15"/>
-          <a:stretch>
-            <a:fillRect/>
-          </a:stretch>
-        </p:blipFill>
-        <p:spPr>
-          <a:xfrm>
-            <a:off x="2449195" y="3187700"/>
-            <a:ext cx="3641725" cy="482600"/>
-          </a:xfrm>
-          <a:prstGeom prst="rect">
-            <a:avLst/>
-          </a:prstGeom>
-        </p:spPr>
-      </p:pic>
-      <p:pic>
-        <p:nvPicPr>
-          <p:cNvPr id="21" name="图片 20"/>
-          <p:cNvPicPr>
-            <a:picLocks noChangeAspect="1"/>
-          </p:cNvPicPr>
-          <p:nvPr/>
-        </p:nvPicPr>
-        <p:blipFill>
-          <a:blip r:embed="rId16"/>
-          <a:stretch>
-            <a:fillRect/>
-          </a:stretch>
-        </p:blipFill>
-        <p:spPr>
-          <a:xfrm>
-            <a:off x="2536190" y="3585210"/>
-            <a:ext cx="3660140" cy="518160"/>
-          </a:xfrm>
-          <a:prstGeom prst="rect">
-            <a:avLst/>
-          </a:prstGeom>
-        </p:spPr>
-      </p:pic>
-      <p:pic>
-        <p:nvPicPr>
-          <p:cNvPr id="22" name="图片 21"/>
-          <p:cNvPicPr>
-            <a:picLocks noChangeAspect="1"/>
-          </p:cNvPicPr>
-          <p:nvPr/>
-        </p:nvPicPr>
-        <p:blipFill>
-          <a:blip r:embed="rId17"/>
-          <a:stretch>
-            <a:fillRect/>
-          </a:stretch>
-        </p:blipFill>
-        <p:spPr>
-          <a:xfrm>
-            <a:off x="3433445" y="4043680"/>
-            <a:ext cx="1705610" cy="502285"/>
-          </a:xfrm>
-          <a:prstGeom prst="rect">
-            <a:avLst/>
-          </a:prstGeom>
-        </p:spPr>
-      </p:pic>
-      <p:sp>
-        <p:nvSpPr>
-          <p:cNvPr id="23" name="文本框 22"/>
-          <p:cNvSpPr txBox="1"/>
-          <p:nvPr/>
-        </p:nvSpPr>
-        <p:spPr>
-          <a:xfrm>
-            <a:off x="-255905" y="4545965"/>
-            <a:ext cx="10883265" cy="306705"/>
-          </a:xfrm>
-          <a:prstGeom prst="rect">
-            <a:avLst/>
-          </a:prstGeom>
-          <a:noFill/>
-        </p:spPr>
-        <p:txBody>
-          <a:bodyPr wrap="square" rtlCol="0">
-            <a:spAutoFit/>
-          </a:bodyPr>
-          <a:p>
-            <a:r>
-              <a:rPr lang="en-US" altLang="zh-CN" sz="1400">
-                <a:latin typeface="宋体" panose="02010600030101010101" pitchFamily="2" charset="-122"/>
-              </a:rPr>
-              <a:t>     </a:t>
-            </a:r>
-            <a:r>
-              <a:rPr lang="zh-CN" altLang="en-US" sz="1400">
-                <a:latin typeface="宋体" panose="02010600030101010101" pitchFamily="2" charset="-122"/>
-              </a:rPr>
-              <a:t>此时的</a:t>
-            </a:r>
-            <a:r>
-              <a:rPr lang="en-US" altLang="zh-CN" sz="1400">
-                <a:latin typeface="宋体" panose="02010600030101010101" pitchFamily="2" charset="-122"/>
-              </a:rPr>
-              <a:t>Jacobian</a:t>
-            </a:r>
-            <a:r>
-              <a:rPr lang="zh-CN" altLang="en-US" sz="1400">
-                <a:latin typeface="宋体" panose="02010600030101010101" pitchFamily="2" charset="-122"/>
-              </a:rPr>
-              <a:t>矩阵可以写为如下形式：   </a:t>
-            </a:r>
-            <a:endParaRPr lang="zh-CN" altLang="en-US" sz="1400">
-              <a:latin typeface="宋体" panose="02010600030101010101" pitchFamily="2" charset="-122"/>
-            </a:endParaRPr>
-          </a:p>
-        </p:txBody>
-      </p:sp>
-      <p:pic>
-        <p:nvPicPr>
-          <p:cNvPr id="24" name="图片 23"/>
           <p:cNvPicPr>
             <a:picLocks noChangeAspect="1"/>
           </p:cNvPicPr>
@@ -14011,6 +13935,127 @@
         </p:blipFill>
         <p:spPr>
           <a:xfrm>
+            <a:off x="2449195" y="3187700"/>
+            <a:ext cx="3641725" cy="482600"/>
+          </a:xfrm>
+          <a:prstGeom prst="rect">
+            <a:avLst/>
+          </a:prstGeom>
+        </p:spPr>
+      </p:pic>
+      <p:pic>
+        <p:nvPicPr>
+          <p:cNvPr id="21" name="图片 20"/>
+          <p:cNvPicPr>
+            <a:picLocks noChangeAspect="1"/>
+          </p:cNvPicPr>
+          <p:nvPr/>
+        </p:nvPicPr>
+        <p:blipFill>
+          <a:blip r:embed="rId19"/>
+          <a:stretch>
+            <a:fillRect/>
+          </a:stretch>
+        </p:blipFill>
+        <p:spPr>
+          <a:xfrm>
+            <a:off x="2536190" y="3585210"/>
+            <a:ext cx="3660140" cy="518160"/>
+          </a:xfrm>
+          <a:prstGeom prst="rect">
+            <a:avLst/>
+          </a:prstGeom>
+        </p:spPr>
+      </p:pic>
+      <p:pic>
+        <p:nvPicPr>
+          <p:cNvPr id="22" name="图片 21"/>
+          <p:cNvPicPr>
+            <a:picLocks noChangeAspect="1"/>
+          </p:cNvPicPr>
+          <p:nvPr/>
+        </p:nvPicPr>
+        <p:blipFill>
+          <a:blip r:embed="rId20"/>
+          <a:stretch>
+            <a:fillRect/>
+          </a:stretch>
+        </p:blipFill>
+        <p:spPr>
+          <a:xfrm>
+            <a:off x="3433445" y="4043680"/>
+            <a:ext cx="1705610" cy="502285"/>
+          </a:xfrm>
+          <a:prstGeom prst="rect">
+            <a:avLst/>
+          </a:prstGeom>
+        </p:spPr>
+      </p:pic>
+      <p:sp>
+        <p:nvSpPr>
+          <p:cNvPr id="23" name="文本框 22"/>
+          <p:cNvSpPr txBox="1"/>
+          <p:nvPr/>
+        </p:nvSpPr>
+        <p:spPr>
+          <a:xfrm>
+            <a:off x="-255905" y="4545965"/>
+            <a:ext cx="10883265" cy="306705"/>
+          </a:xfrm>
+          <a:prstGeom prst="rect">
+            <a:avLst/>
+          </a:prstGeom>
+          <a:noFill/>
+        </p:spPr>
+        <p:txBody>
+          <a:bodyPr wrap="square" rtlCol="0">
+            <a:spAutoFit/>
+          </a:bodyPr>
+          <a:lstStyle/>
+          <a:p>
+            <a:r>
+              <a:rPr lang="en-US" altLang="zh-CN" sz="1400">
+                <a:latin typeface="宋体" panose="02010600030101010101" pitchFamily="2" charset="-122"/>
+              </a:rPr>
+              <a:t>     </a:t>
+            </a:r>
+            <a:r>
+              <a:rPr lang="zh-CN" altLang="en-US" sz="1400">
+                <a:latin typeface="宋体" panose="02010600030101010101" pitchFamily="2" charset="-122"/>
+              </a:rPr>
+              <a:t>此时的</a:t>
+            </a:r>
+            <a:r>
+              <a:rPr lang="en-US" altLang="zh-CN" sz="1400">
+                <a:latin typeface="宋体" panose="02010600030101010101" pitchFamily="2" charset="-122"/>
+              </a:rPr>
+              <a:t>Jacobian</a:t>
+            </a:r>
+            <a:r>
+              <a:rPr lang="zh-CN" altLang="en-US" sz="1400">
+                <a:latin typeface="宋体" panose="02010600030101010101" pitchFamily="2" charset="-122"/>
+              </a:rPr>
+              <a:t>矩阵可以写为如下形式：   </a:t>
+            </a:r>
+          </a:p>
+        </p:txBody>
+      </p:sp>
+      <p:pic>
+        <p:nvPicPr>
+          <p:cNvPr id="24" name="图片 23"/>
+          <p:cNvPicPr>
+            <a:picLocks noChangeAspect="1"/>
+          </p:cNvPicPr>
+          <p:nvPr/>
+        </p:nvPicPr>
+        <p:blipFill>
+          <a:blip r:embed="rId21"/>
+          <a:stretch>
+            <a:fillRect/>
+          </a:stretch>
+        </p:blipFill>
+        <p:spPr>
+          <a:xfrm>
             <a:off x="2711450" y="4805045"/>
             <a:ext cx="4643120" cy="491490"/>
           </a:xfrm>
@@ -14039,19 +14084,19 @@
           <a:bodyPr wrap="square" rtlCol="0">
             <a:spAutoFit/>
           </a:bodyPr>
+          <a:lstStyle/>
           <a:p>
             <a:r>
               <a:rPr lang="zh-CN" altLang="en-US" sz="1400"/>
               <a:t>当     过大时，会造成刚度对话的显著的延迟，而当   过小时，则会造成收敛性问题，为了评估粘性正则化的影响，通过计算能量：</a:t>
             </a:r>
-            <a:endParaRPr lang="zh-CN" altLang="en-US" sz="1400"/>
           </a:p>
         </p:txBody>
       </p:sp>
       <p:graphicFrame>
         <p:nvGraphicFramePr>
           <p:cNvPr id="26" name="对象 25">
-            <a:hlinkClick r:id="" action="ppaction://ole?verb="/>
+            <a:hlinkClick r:id="" action="ppaction://ole?verb=0"/>
           </p:cNvPr>
           <p:cNvGraphicFramePr>
             <a:graphicFrameLocks noChangeAspect="1"/>
@@ -14066,12 +14111,12 @@
           <a:graphicData uri="http://schemas.openxmlformats.org/presentationml/2006/ole">
             <mc:AlternateContent xmlns:mc="http://schemas.openxmlformats.org/markup-compatibility/2006">
               <mc:Choice xmlns:v="urn:schemas-microsoft-com:vml" Requires="v">
-                <p:oleObj spid="_x0000_s27" name="" r:id="rId19" imgW="127000" imgH="165100" progId="Equation.KSEE3">
+                <p:oleObj spid="_x0000_s7186" r:id="rId22" imgW="127000" imgH="165100" progId="Equation.KSEE3">
                   <p:embed/>
                 </p:oleObj>
               </mc:Choice>
               <mc:Fallback>
-                <p:oleObj name="" r:id="rId19" imgW="127000" imgH="165100" progId="Equation.KSEE3">
+                <p:oleObj r:id="rId22" imgW="127000" imgH="165100" progId="Equation.KSEE3">
                   <p:embed/>
                   <p:pic>
                     <p:nvPicPr>
@@ -14080,7 +14125,7 @@
                       <p:nvPr/>
                     </p:nvPicPr>
                     <p:blipFill>
-                      <a:blip r:embed="rId8"/>
+                      <a:blip r:embed="rId11"/>
                       <a:stretch>
                         <a:fillRect/>
                       </a:stretch>
@@ -14110,7 +14155,7 @@
           <p:nvPr/>
         </p:nvPicPr>
         <p:blipFill>
-          <a:blip r:embed="rId20"/>
+          <a:blip r:embed="rId23"/>
           <a:stretch>
             <a:fillRect/>
           </a:stretch>
@@ -14145,6 +14190,7 @@
           <a:bodyPr wrap="square" rtlCol="0">
             <a:spAutoFit/>
           </a:bodyPr>
+          <a:lstStyle/>
           <a:p>
             <a:r>
               <a:rPr lang="en-US" altLang="zh-CN" sz="1400">
@@ -14218,9 +14264,6 @@
               </a:rPr>
               <a:t>来计算的损伤刚度矩阵，为了避免由于粘性正则化出现的不符合实际的结果，上述的能量应该要比系统中其他能量要小，比如应变能</a:t>
             </a:r>
-            <a:endParaRPr lang="zh-CN" altLang="en-US" sz="1400">
-              <a:latin typeface="宋体" panose="02010600030101010101" pitchFamily="2" charset="-122"/>
-            </a:endParaRPr>
           </a:p>
         </p:txBody>
       </p:sp>
@@ -14280,6 +14323,7 @@
           <a:bodyPr anchor="t">
             <a:spAutoFit/>
           </a:bodyPr>
+          <a:lstStyle/>
           <a:p>
             <a:r>
               <a:rPr lang="zh-CN" altLang="en-US" sz="1400" b="0" dirty="0">
@@ -14295,10 +14339,6 @@
               </a:rPr>
               <a:t>,Composites Science and Technology 67 (2007) 2715–2727</a:t>
             </a:r>
-            <a:endParaRPr lang="en-US" altLang="zh-CN" sz="1400" b="0" dirty="0">
-              <a:latin typeface="Times New Roman" panose="02020603050405020304" pitchFamily="18" charset="0"/>
-              <a:ea typeface="宋体" panose="02010600030101010101" pitchFamily="2" charset="-122"/>
-            </a:endParaRPr>
           </a:p>
         </p:txBody>
       </p:sp>
@@ -14311,7 +14351,7 @@
           <p:nvPr/>
         </p:nvPicPr>
         <p:blipFill>
-          <a:blip r:embed="rId1"/>
+          <a:blip r:embed="rId3"/>
           <a:stretch>
             <a:fillRect/>
           </a:stretch>
@@ -14353,6 +14393,7 @@
           <a:bodyPr anchor="t">
             <a:spAutoFit/>
           </a:bodyPr>
+          <a:lstStyle/>
           <a:p>
             <a:r>
               <a:rPr lang="zh-CN" altLang="en-US" b="0" dirty="0">
@@ -14382,10 +14423,6 @@
               </a:rPr>
               <a:t> element model enables the prediction of the load drop that occurs when the specimens fail catastrophically.</a:t>
             </a:r>
-            <a:endParaRPr lang="zh-CN" altLang="en-US" b="0" dirty="0">
-              <a:latin typeface="Times New Roman" panose="02020603050405020304" pitchFamily="18" charset="0"/>
-              <a:ea typeface="宋体" panose="02010600030101010101" pitchFamily="2" charset="-122"/>
-            </a:endParaRPr>
           </a:p>
         </p:txBody>
       </p:sp>
@@ -14412,6 +14449,7 @@
           <a:bodyPr wrap="square" anchor="t">
             <a:spAutoFit/>
           </a:bodyPr>
+          <a:lstStyle/>
           <a:p>
             <a:r>
               <a:rPr lang="en-US" altLang="zh-CN" sz="1800">
@@ -14423,13 +14461,6 @@
               </a:rPr>
               <a:t>implicit dynamic analysis VS static analysis</a:t>
             </a:r>
-            <a:endParaRPr lang="en-US" altLang="zh-CN" sz="1800">
-              <a:solidFill>
-                <a:schemeClr val="dk1"/>
-              </a:solidFill>
-              <a:latin typeface="Times New Roman" panose="02020603050405020304" pitchFamily="18" charset="0"/>
-              <a:sym typeface="+mn-ea"/>
-            </a:endParaRPr>
           </a:p>
         </p:txBody>
       </p:sp>
@@ -14456,6 +14487,7 @@
           <a:bodyPr wrap="square" anchor="t">
             <a:spAutoFit/>
           </a:bodyPr>
+          <a:lstStyle/>
           <a:p>
             <a:r>
               <a:rPr lang="en-US" altLang="zh-CN" sz="2000" b="0" dirty="0">
@@ -14499,10 +14531,6 @@
               </a:rPr>
               <a:t>，时间长度越大，越接近脆性。</a:t>
             </a:r>
-            <a:endParaRPr lang="zh-CN" altLang="en-US" sz="2000" b="0" dirty="0">
-              <a:latin typeface="Times New Roman" panose="02020603050405020304" pitchFamily="18" charset="0"/>
-              <a:ea typeface="宋体" panose="02010600030101010101" pitchFamily="2" charset="-122"/>
-            </a:endParaRPr>
           </a:p>
           <a:p>
             <a:r>
@@ -14512,10 +14540,6 @@
               </a:rPr>
               <a:t>   将密度设为小值，保持不受惯性力的影响</a:t>
             </a:r>
-            <a:endParaRPr lang="zh-CN" altLang="en-US" sz="2000" b="0" dirty="0">
-              <a:latin typeface="Times New Roman" panose="02020603050405020304" pitchFamily="18" charset="0"/>
-              <a:ea typeface="宋体" panose="02010600030101010101" pitchFamily="2" charset="-122"/>
-            </a:endParaRPr>
           </a:p>
         </p:txBody>
       </p:sp>
@@ -14538,6 +14562,7 @@
           <a:bodyPr wrap="square">
             <a:spAutoFit/>
           </a:bodyPr>
+          <a:lstStyle/>
           <a:p>
             <a:pPr marL="0" lvl="1">
               <a:lnSpc>
@@ -14596,10 +14621,6 @@
               </a:rPr>
               <a:t> </a:t>
             </a:r>
-            <a:endParaRPr lang="en-US" altLang="zh-CN" sz="2400" dirty="0" smtClean="0">
-              <a:latin typeface="Times New Roman" panose="02020603050405020304" pitchFamily="18" charset="0"/>
-              <a:cs typeface="Times New Roman" panose="02020603050405020304" pitchFamily="18" charset="0"/>
-            </a:endParaRPr>
           </a:p>
         </p:txBody>
       </p:sp>
@@ -14645,7 +14666,7 @@
           <p:nvPr/>
         </p:nvPicPr>
         <p:blipFill>
-          <a:blip r:embed="rId1" cstate="print">
+          <a:blip r:embed="rId3" cstate="print">
             <a:extLst>
               <a:ext uri="{28A0092B-C50C-407E-A947-70E740481C1C}">
                 <a14:useLocalDpi xmlns:a14="http://schemas.microsoft.com/office/drawing/2010/main" val="0"/>
@@ -14675,7 +14696,7 @@
           <p:nvPr/>
         </p:nvPicPr>
         <p:blipFill>
-          <a:blip r:embed="rId2" cstate="print">
+          <a:blip r:embed="rId4" cstate="print">
             <a:extLst>
               <a:ext uri="{28A0092B-C50C-407E-A947-70E740481C1C}">
                 <a14:useLocalDpi xmlns:a14="http://schemas.microsoft.com/office/drawing/2010/main" val="0"/>
@@ -14721,6 +14742,7 @@
             </a:pPr>
             <a:fld id="{846B4C44-8256-4B19-ACAC-87BF490EACA2}" type="slidenum">
               <a:rPr lang="en-US" altLang="zh-CN" smtClean="0"/>
+              <a:t>15</a:t>
             </a:fld>
             <a:endParaRPr lang="en-US" altLang="zh-CN" dirty="0"/>
           </a:p>
@@ -14736,7 +14758,7 @@
         </p:nvGraphicFramePr>
         <p:xfrm>
           <a:off x="414020" y="1598930"/>
-          <a:ext cx="5248275" cy="2136140"/>
+          <a:ext cx="5248275" cy="2135892"/>
         </p:xfrm>
         <a:graphic>
           <a:graphicData uri="http://schemas.openxmlformats.org/drawingml/2006/table">
@@ -14777,11 +14799,6 @@
                         </a:rPr>
                         <a:t>load</a:t>
                       </a:r>
-                      <a:endParaRPr lang="en-US" sz="1600" kern="100" dirty="0" smtClean="0">
-                        <a:effectLst/>
-                        <a:latin typeface="Times New Roman" panose="02020603050405020304" pitchFamily="18" charset="0"/>
-                        <a:cs typeface="Times New Roman" panose="02020603050405020304" pitchFamily="18" charset="0"/>
-                      </a:endParaRPr>
                     </a:p>
                     <a:p>
                       <a:pPr algn="r">
@@ -14813,11 +14830,6 @@
                         </a:rPr>
                         <a:t>）</a:t>
                       </a:r>
-                      <a:endParaRPr lang="zh-CN" sz="1600" kern="100" dirty="0">
-                        <a:effectLst/>
-                        <a:latin typeface="Times New Roman" panose="02020603050405020304" pitchFamily="18" charset="0"/>
-                        <a:cs typeface="Times New Roman" panose="02020603050405020304" pitchFamily="18" charset="0"/>
-                      </a:endParaRPr>
                     </a:p>
                     <a:p>
                       <a:pPr indent="127000" algn="just">
@@ -14942,6 +14954,13 @@
                   </a:tcPr>
                 </a:tc>
                 <a:tc hMerge="1">
+                  <a:txBody>
+                    <a:bodyPr/>
+                    <a:lstStyle/>
+                    <a:p>
+                      <a:endParaRPr lang="zh-CN"/>
+                    </a:p>
+                  </a:txBody>
                   <a:tcPr marL="68580" marR="68580" marT="0" marB="0" anchor="ctr">
                     <a:solidFill>
                       <a:schemeClr val="bg2">
@@ -14954,6 +14973,13 @@
               </a:tr>
               <a:tr h="487680">
                 <a:tc vMerge="1">
+                  <a:txBody>
+                    <a:bodyPr/>
+                    <a:lstStyle/>
+                    <a:p>
+                      <a:endParaRPr lang="zh-CN"/>
+                    </a:p>
+                  </a:txBody>
                   <a:tcPr marL="68580" marR="68580" marT="0" marB="0" anchor="ctr">
                     <a:lnTlToBr w="12700" cap="flat" cmpd="sng" algn="ctr">
                       <a:solidFill>
@@ -14973,6 +14999,13 @@
                   </a:tcPr>
                 </a:tc>
                 <a:tc vMerge="1">
+                  <a:txBody>
+                    <a:bodyPr/>
+                    <a:lstStyle/>
+                    <a:p>
+                      <a:endParaRPr lang="zh-CN"/>
+                    </a:p>
+                  </a:txBody>
                   <a:tcPr marL="68580" marR="68580" marT="0" marB="0" anchor="ctr">
                     <a:solidFill>
                       <a:schemeClr val="bg2">
@@ -14985,6 +15018,7 @@
                 <a:tc>
                   <a:txBody>
                     <a:bodyPr/>
+                    <a:lstStyle/>
                     <a:p>
                       <a:pPr algn="ctr">
                         <a:spcAft>
@@ -15019,6 +15053,7 @@
                 <a:tc>
                   <a:txBody>
                     <a:bodyPr/>
+                    <a:lstStyle/>
                     <a:p>
                       <a:pPr algn="ctr">
                         <a:spcAft>
@@ -15588,6 +15623,7 @@
                 <a:tc gridSpan="2">
                   <a:txBody>
                     <a:bodyPr/>
+                    <a:lstStyle/>
                     <a:p>
                       <a:pPr algn="ctr">
                         <a:spcAft>
@@ -15632,6 +15668,13 @@
                   </a:tcPr>
                 </a:tc>
                 <a:tc hMerge="1">
+                  <a:txBody>
+                    <a:bodyPr/>
+                    <a:lstStyle/>
+                    <a:p>
+                      <a:endParaRPr lang="zh-CN"/>
+                    </a:p>
+                  </a:txBody>
                   <a:tcPr marL="68580" marR="68580" marT="0" marB="0" anchor="ctr">
                     <a:solidFill>
                       <a:schemeClr val="bg2">
@@ -15646,6 +15689,7 @@
                 <a:tc>
                   <a:txBody>
                     <a:bodyPr/>
+                    <a:lstStyle/>
                     <a:p>
                       <a:pPr algn="ctr">
                         <a:spcAft>
@@ -15680,6 +15724,7 @@
                 <a:tc>
                   <a:txBody>
                     <a:bodyPr/>
+                    <a:lstStyle/>
                     <a:p>
                       <a:pPr algn="ctr">
                         <a:spcAft>
@@ -15716,6 +15761,7 @@
                 <a:tc>
                   <a:txBody>
                     <a:bodyPr/>
+                    <a:lstStyle/>
                     <a:p>
                       <a:pPr algn="ctr">
                         <a:spcAft>
@@ -15731,12 +15777,6 @@
                         </a:rPr>
                         <a:t>87.32</a:t>
                       </a:r>
-                      <a:endParaRPr lang="en-US" sz="1600" b="0" kern="100">
-                        <a:effectLst/>
-                        <a:latin typeface="Times New Roman" panose="02020603050405020304" pitchFamily="18" charset="0"/>
-                        <a:ea typeface="宋体" panose="02010600030101010101" pitchFamily="2" charset="-122"/>
-                        <a:cs typeface="Times New Roman" panose="02020603050405020304" pitchFamily="18" charset="0"/>
-                      </a:endParaRPr>
                     </a:p>
                   </a:txBody>
                   <a:tcPr marL="68554" marR="68554" marT="0" marB="0" anchor="ctr"/>
@@ -15744,6 +15784,7 @@
                 <a:tc>
                   <a:txBody>
                     <a:bodyPr/>
+                    <a:lstStyle/>
                     <a:p>
                       <a:pPr algn="ctr">
                         <a:spcAft>
@@ -15774,6 +15815,7 @@
                 <a:tc>
                   <a:txBody>
                     <a:bodyPr/>
+                    <a:lstStyle/>
                     <a:p>
                       <a:pPr algn="ctr">
                         <a:spcAft>
@@ -15789,12 +15831,6 @@
                         </a:rPr>
                         <a:t>50.67</a:t>
                       </a:r>
-                      <a:endParaRPr lang="en-US" sz="1600" b="0" kern="100" dirty="0">
-                        <a:effectLst/>
-                        <a:latin typeface="Times New Roman" panose="02020603050405020304" pitchFamily="18" charset="0"/>
-                        <a:ea typeface="宋体" panose="02010600030101010101" pitchFamily="2" charset="-122"/>
-                        <a:cs typeface="Times New Roman" panose="02020603050405020304" pitchFamily="18" charset="0"/>
-                      </a:endParaRPr>
                     </a:p>
                   </a:txBody>
                   <a:tcPr marL="68554" marR="68554" marT="0" marB="0" anchor="ctr"/>
@@ -15802,6 +15838,7 @@
                 <a:tc>
                   <a:txBody>
                     <a:bodyPr/>
+                    <a:lstStyle/>
                     <a:p>
                       <a:pPr algn="ctr">
                         <a:spcAft>
@@ -15817,12 +15854,6 @@
                         </a:rPr>
                         <a:t>7.35%</a:t>
                       </a:r>
-                      <a:endParaRPr lang="en-US" sz="1600" b="0" kern="100">
-                        <a:effectLst/>
-                        <a:latin typeface="Times New Roman" panose="02020603050405020304" pitchFamily="18" charset="0"/>
-                        <a:ea typeface="宋体" panose="02010600030101010101" pitchFamily="2" charset="-122"/>
-                        <a:cs typeface="Times New Roman" panose="02020603050405020304" pitchFamily="18" charset="0"/>
-                      </a:endParaRPr>
                     </a:p>
                   </a:txBody>
                   <a:tcPr marL="68554" marR="68554" marT="0" marB="0" anchor="ctr"/>
@@ -15832,6 +15863,7 @@
                 <a:tc>
                   <a:txBody>
                     <a:bodyPr/>
+                    <a:lstStyle/>
                     <a:p>
                       <a:pPr algn="ctr">
                         <a:spcAft>
@@ -15859,6 +15891,7 @@
                 <a:tc>
                   <a:txBody>
                     <a:bodyPr/>
+                    <a:lstStyle/>
                     <a:p>
                       <a:pPr algn="ctr">
                         <a:spcAft>
@@ -15914,6 +15947,7 @@
           <a:bodyPr wrap="square">
             <a:spAutoFit/>
           </a:bodyPr>
+          <a:lstStyle/>
           <a:p>
             <a:pPr algn="ctr"/>
             <a:r>
@@ -15937,7 +15971,7 @@
           <p:nvPr/>
         </p:nvPicPr>
         <p:blipFill>
-          <a:blip r:embed="rId3"/>
+          <a:blip r:embed="rId5"/>
           <a:stretch>
             <a:fillRect/>
           </a:stretch>
@@ -15972,6 +16006,7 @@
           <a:bodyPr wrap="square" rtlCol="0" anchor="t">
             <a:spAutoFit/>
           </a:bodyPr>
+          <a:lstStyle/>
           <a:p>
             <a:pPr marL="0" indent="0">
               <a:buFont typeface="+mj-lt"/>
@@ -16081,6 +16116,7 @@
           <a:bodyPr wrap="square" rtlCol="0">
             <a:spAutoFit/>
           </a:bodyPr>
+          <a:lstStyle/>
           <a:p>
             <a:endParaRPr lang="zh-CN" altLang="en-US"/>
           </a:p>
@@ -16106,6 +16142,7 @@
           <a:bodyPr wrap="square" rtlCol="0">
             <a:spAutoFit/>
           </a:bodyPr>
+          <a:lstStyle/>
           <a:p>
             <a:pPr marL="0" indent="0">
               <a:buFont typeface="+mj-lt"/>
@@ -16119,7 +16156,6 @@
               <a:rPr lang="zh-CN" altLang="en-US" sz="2400"/>
               <a:t>：</a:t>
             </a:r>
-            <a:endParaRPr lang="zh-CN" altLang="en-US" sz="2400"/>
           </a:p>
           <a:p>
             <a:pPr marL="0" indent="0">
@@ -16161,54 +16197,6 @@
       <p:pic>
         <p:nvPicPr>
           <p:cNvPr id="2" name="图片 1"/>
-          <p:cNvPicPr>
-            <a:picLocks noChangeAspect="1"/>
-          </p:cNvPicPr>
-          <p:nvPr/>
-        </p:nvPicPr>
-        <p:blipFill>
-          <a:blip r:embed="rId1"/>
-          <a:stretch>
-            <a:fillRect/>
-          </a:stretch>
-        </p:blipFill>
-        <p:spPr>
-          <a:xfrm>
-            <a:off x="1506220" y="5284470"/>
-            <a:ext cx="2284730" cy="624840"/>
-          </a:xfrm>
-          <a:prstGeom prst="rect">
-            <a:avLst/>
-          </a:prstGeom>
-        </p:spPr>
-      </p:pic>
-      <p:pic>
-        <p:nvPicPr>
-          <p:cNvPr id="3" name="图片 2"/>
-          <p:cNvPicPr>
-            <a:picLocks noChangeAspect="1"/>
-          </p:cNvPicPr>
-          <p:nvPr/>
-        </p:nvPicPr>
-        <p:blipFill>
-          <a:blip r:embed="rId2"/>
-          <a:stretch>
-            <a:fillRect/>
-          </a:stretch>
-        </p:blipFill>
-        <p:spPr>
-          <a:xfrm>
-            <a:off x="4885055" y="2491740"/>
-            <a:ext cx="2429510" cy="1979295"/>
-          </a:xfrm>
-          <a:prstGeom prst="rect">
-            <a:avLst/>
-          </a:prstGeom>
-        </p:spPr>
-      </p:pic>
-      <p:pic>
-        <p:nvPicPr>
-          <p:cNvPr id="6" name="图片 5"/>
           <p:cNvPicPr>
             <a:picLocks noChangeAspect="1"/>
           </p:cNvPicPr>
@@ -16222,75 +16210,17 @@
         </p:blipFill>
         <p:spPr>
           <a:xfrm>
-            <a:off x="2035175" y="1483360"/>
-            <a:ext cx="5074285" cy="741045"/>
+            <a:off x="1506220" y="5284470"/>
+            <a:ext cx="2284730" cy="624840"/>
           </a:xfrm>
           <a:prstGeom prst="rect">
             <a:avLst/>
           </a:prstGeom>
         </p:spPr>
       </p:pic>
-      <p:sp>
-        <p:nvSpPr>
-          <p:cNvPr id="9" name="文本框 8"/>
-          <p:cNvSpPr txBox="1"/>
-          <p:nvPr/>
-        </p:nvSpPr>
-        <p:spPr>
-          <a:xfrm>
-            <a:off x="784860" y="4669155"/>
-            <a:ext cx="7736205" cy="583565"/>
-          </a:xfrm>
-          <a:prstGeom prst="rect">
-            <a:avLst/>
-          </a:prstGeom>
-          <a:noFill/>
-        </p:spPr>
-        <p:txBody>
-          <a:bodyPr wrap="square" rtlCol="0">
-            <a:spAutoFit/>
-          </a:bodyPr>
-          <a:p>
-            <a:r>
-              <a:rPr lang="en-US" altLang="zh-CN" sz="1600"/>
-              <a:t>shear nonlinearity constitutive relations for the laminates were defined with the Ramberg-Osgood equation:</a:t>
-            </a:r>
-            <a:endParaRPr lang="en-US" altLang="zh-CN" sz="1600"/>
-          </a:p>
-        </p:txBody>
-      </p:sp>
-      <p:sp>
-        <p:nvSpPr>
-          <p:cNvPr id="10" name="文本框 9"/>
-          <p:cNvSpPr txBox="1"/>
-          <p:nvPr/>
-        </p:nvSpPr>
-        <p:spPr>
-          <a:xfrm>
-            <a:off x="1082675" y="6205220"/>
-            <a:ext cx="7736205" cy="275590"/>
-          </a:xfrm>
-          <a:prstGeom prst="rect">
-            <a:avLst/>
-          </a:prstGeom>
-          <a:noFill/>
-        </p:spPr>
-        <p:txBody>
-          <a:bodyPr wrap="square" rtlCol="0">
-            <a:spAutoFit/>
-          </a:bodyPr>
-          <a:p>
-            <a:r>
-              <a:rPr lang="en-US" altLang="zh-CN" sz="1200"/>
-              <a:t>刘魏光, 余音, 汪海. 考虑剪切非线性的复合材料渐进损伤模型[J]. 上海交通大学学报, 2016, 50(2):194-199.</a:t>
-            </a:r>
-            <a:endParaRPr lang="en-US" altLang="zh-CN" sz="1200"/>
-          </a:p>
-        </p:txBody>
-      </p:sp>
       <p:pic>
         <p:nvPicPr>
-          <p:cNvPr id="11" name="图片 10"/>
+          <p:cNvPr id="3" name="图片 2"/>
           <p:cNvPicPr>
             <a:picLocks noChangeAspect="1"/>
           </p:cNvPicPr>
@@ -16304,6 +16234,112 @@
         </p:blipFill>
         <p:spPr>
           <a:xfrm>
+            <a:off x="4885055" y="2491740"/>
+            <a:ext cx="2429510" cy="1979295"/>
+          </a:xfrm>
+          <a:prstGeom prst="rect">
+            <a:avLst/>
+          </a:prstGeom>
+        </p:spPr>
+      </p:pic>
+      <p:pic>
+        <p:nvPicPr>
+          <p:cNvPr id="6" name="图片 5"/>
+          <p:cNvPicPr>
+            <a:picLocks noChangeAspect="1"/>
+          </p:cNvPicPr>
+          <p:nvPr/>
+        </p:nvPicPr>
+        <p:blipFill>
+          <a:blip r:embed="rId5"/>
+          <a:stretch>
+            <a:fillRect/>
+          </a:stretch>
+        </p:blipFill>
+        <p:spPr>
+          <a:xfrm>
+            <a:off x="2035175" y="1483360"/>
+            <a:ext cx="5074285" cy="741045"/>
+          </a:xfrm>
+          <a:prstGeom prst="rect">
+            <a:avLst/>
+          </a:prstGeom>
+        </p:spPr>
+      </p:pic>
+      <p:sp>
+        <p:nvSpPr>
+          <p:cNvPr id="9" name="文本框 8"/>
+          <p:cNvSpPr txBox="1"/>
+          <p:nvPr/>
+        </p:nvSpPr>
+        <p:spPr>
+          <a:xfrm>
+            <a:off x="784860" y="4669155"/>
+            <a:ext cx="7736205" cy="583565"/>
+          </a:xfrm>
+          <a:prstGeom prst="rect">
+            <a:avLst/>
+          </a:prstGeom>
+          <a:noFill/>
+        </p:spPr>
+        <p:txBody>
+          <a:bodyPr wrap="square" rtlCol="0">
+            <a:spAutoFit/>
+          </a:bodyPr>
+          <a:lstStyle/>
+          <a:p>
+            <a:r>
+              <a:rPr lang="en-US" altLang="zh-CN" sz="1600"/>
+              <a:t>shear nonlinearity constitutive relations for the laminates were defined with the Ramberg-Osgood equation:</a:t>
+            </a:r>
+          </a:p>
+        </p:txBody>
+      </p:sp>
+      <p:sp>
+        <p:nvSpPr>
+          <p:cNvPr id="10" name="文本框 9"/>
+          <p:cNvSpPr txBox="1"/>
+          <p:nvPr/>
+        </p:nvSpPr>
+        <p:spPr>
+          <a:xfrm>
+            <a:off x="1082675" y="6205220"/>
+            <a:ext cx="7736205" cy="275590"/>
+          </a:xfrm>
+          <a:prstGeom prst="rect">
+            <a:avLst/>
+          </a:prstGeom>
+          <a:noFill/>
+        </p:spPr>
+        <p:txBody>
+          <a:bodyPr wrap="square" rtlCol="0">
+            <a:spAutoFit/>
+          </a:bodyPr>
+          <a:lstStyle/>
+          <a:p>
+            <a:r>
+              <a:rPr lang="en-US" altLang="zh-CN" sz="1200"/>
+              <a:t>刘魏光, 余音, 汪海. 考虑剪切非线性的复合材料渐进损伤模型[J]. 上海交通大学学报, 2016, 50(2):194-199.</a:t>
+            </a:r>
+          </a:p>
+        </p:txBody>
+      </p:sp>
+      <p:pic>
+        <p:nvPicPr>
+          <p:cNvPr id="11" name="图片 10"/>
+          <p:cNvPicPr>
+            <a:picLocks noChangeAspect="1"/>
+          </p:cNvPicPr>
+          <p:nvPr/>
+        </p:nvPicPr>
+        <p:blipFill>
+          <a:blip r:embed="rId6"/>
+          <a:stretch>
+            <a:fillRect/>
+          </a:stretch>
+        </p:blipFill>
+        <p:spPr>
+          <a:xfrm>
             <a:off x="670560" y="2325370"/>
             <a:ext cx="2861310" cy="2145665"/>
           </a:xfrm>
@@ -16321,7 +16357,7 @@
           <p:nvPr/>
         </p:nvPicPr>
         <p:blipFill>
-          <a:blip r:embed="rId5"/>
+          <a:blip r:embed="rId7"/>
           <a:stretch>
             <a:fillRect/>
           </a:stretch>
@@ -16378,7 +16414,7 @@
           <p:nvPr/>
         </p:nvPicPr>
         <p:blipFill>
-          <a:blip r:embed="rId1" cstate="print">
+          <a:blip r:embed="rId3" cstate="print">
             <a:extLst>
               <a:ext uri="{28A0092B-C50C-407E-A947-70E740481C1C}">
                 <a14:useLocalDpi xmlns:a14="http://schemas.microsoft.com/office/drawing/2010/main" val="0"/>
@@ -16424,6 +16460,7 @@
             </a:pPr>
             <a:fld id="{846B4C44-8256-4B19-ACAC-87BF490EACA2}" type="slidenum">
               <a:rPr lang="en-US" altLang="zh-CN" smtClean="0"/>
+              <a:t>17</a:t>
             </a:fld>
             <a:endParaRPr lang="en-US" altLang="zh-CN" dirty="0"/>
           </a:p>
@@ -16494,6 +16531,7 @@
           <a:bodyPr wrap="square">
             <a:spAutoFit/>
           </a:bodyPr>
+          <a:lstStyle/>
           <a:p>
             <a:pPr algn="ctr"/>
             <a:r>
@@ -16541,10 +16579,6 @@
               </a:rPr>
               <a:t>Results and Comparing </a:t>
             </a:r>
-            <a:endParaRPr lang="en-US" altLang="zh-CN" sz="2400" dirty="0" smtClean="0">
-              <a:latin typeface="Times New Roman" panose="02020603050405020304" pitchFamily="18" charset="0"/>
-              <a:cs typeface="Times New Roman" panose="02020603050405020304" pitchFamily="18" charset="0"/>
-            </a:endParaRPr>
           </a:p>
         </p:txBody>
       </p:sp>
@@ -16557,7 +16591,7 @@
           <p:nvPr/>
         </p:nvPicPr>
         <p:blipFill>
-          <a:blip r:embed="rId2"/>
+          <a:blip r:embed="rId4"/>
           <a:stretch>
             <a:fillRect/>
           </a:stretch>
@@ -16581,7 +16615,7 @@
           <p:nvPr/>
         </p:nvPicPr>
         <p:blipFill>
-          <a:blip r:embed="rId3" cstate="print">
+          <a:blip r:embed="rId5" cstate="print">
             <a:extLst>
               <a:ext uri="{28A0092B-C50C-407E-A947-70E740481C1C}">
                 <a14:useLocalDpi xmlns:a14="http://schemas.microsoft.com/office/drawing/2010/main" val="0"/>
@@ -16622,6 +16656,7 @@
           <a:bodyPr wrap="square" rtlCol="0">
             <a:spAutoFit/>
           </a:bodyPr>
+          <a:lstStyle/>
           <a:p>
             <a:r>
               <a:rPr lang="en-US" altLang="zh-CN" sz="1600"/>
@@ -16635,7 +16670,6 @@
               <a:rPr lang="en-US" altLang="zh-CN" sz="1600"/>
               <a:t>with different shape parameters.</a:t>
             </a:r>
-            <a:endParaRPr lang="en-US" altLang="zh-CN" sz="1600"/>
           </a:p>
         </p:txBody>
       </p:sp>
@@ -16664,13 +16698,13 @@
           <a:bodyPr wrap="square">
             <a:spAutoFit/>
           </a:bodyPr>
+          <a:lstStyle/>
           <a:p>
             <a:pPr algn="ctr"/>
             <a:r>
               <a:rPr lang="en-US" altLang="zh-CN" sz="1600" dirty="0"/>
               <a:t>linear </a:t>
             </a:r>
-            <a:endParaRPr lang="en-US" altLang="zh-CN" sz="1600" dirty="0"/>
           </a:p>
         </p:txBody>
       </p:sp>
@@ -16732,6 +16766,7 @@
             </a:pPr>
             <a:fld id="{846B4C44-8256-4B19-ACAC-87BF490EACA2}" type="slidenum">
               <a:rPr lang="en-US" altLang="zh-CN" smtClean="0"/>
+              <a:t>18</a:t>
             </a:fld>
             <a:endParaRPr lang="en-US" altLang="zh-CN" dirty="0"/>
           </a:p>
@@ -16770,10 +16805,6 @@
               </a:rPr>
               <a:t>Results and Comparing </a:t>
             </a:r>
-            <a:endParaRPr lang="en-US" altLang="zh-CN" sz="2400" dirty="0" smtClean="0">
-              <a:latin typeface="Times New Roman" panose="02020603050405020304" pitchFamily="18" charset="0"/>
-              <a:cs typeface="Times New Roman" panose="02020603050405020304" pitchFamily="18" charset="0"/>
-            </a:endParaRPr>
           </a:p>
         </p:txBody>
       </p:sp>
@@ -16797,67 +16828,19 @@
           <a:bodyPr wrap="square" rtlCol="0">
             <a:spAutoFit/>
           </a:bodyPr>
+          <a:lstStyle/>
           <a:p>
             <a:pPr algn="ctr"/>
             <a:r>
               <a:rPr lang="en-US" altLang="zh-CN" sz="1600"/>
               <a:t>n = 2                                   n = 3</a:t>
             </a:r>
-            <a:endParaRPr lang="en-US" altLang="zh-CN" sz="1600"/>
           </a:p>
         </p:txBody>
       </p:sp>
       <p:pic>
         <p:nvPicPr>
           <p:cNvPr id="2" name="图片 1" descr="n=3"/>
-          <p:cNvPicPr>
-            <a:picLocks noChangeAspect="1"/>
-          </p:cNvPicPr>
-          <p:nvPr/>
-        </p:nvPicPr>
-        <p:blipFill>
-          <a:blip r:embed="rId1"/>
-          <a:stretch>
-            <a:fillRect/>
-          </a:stretch>
-        </p:blipFill>
-        <p:spPr>
-          <a:xfrm>
-            <a:off x="5717540" y="1659890"/>
-            <a:ext cx="1867535" cy="1661795"/>
-          </a:xfrm>
-          <a:prstGeom prst="rect">
-            <a:avLst/>
-          </a:prstGeom>
-        </p:spPr>
-      </p:pic>
-      <p:pic>
-        <p:nvPicPr>
-          <p:cNvPr id="5" name="图片 4" descr="n=2"/>
-          <p:cNvPicPr>
-            <a:picLocks noChangeAspect="1"/>
-          </p:cNvPicPr>
-          <p:nvPr/>
-        </p:nvPicPr>
-        <p:blipFill>
-          <a:blip r:embed="rId2"/>
-          <a:stretch>
-            <a:fillRect/>
-          </a:stretch>
-        </p:blipFill>
-        <p:spPr>
-          <a:xfrm>
-            <a:off x="3315335" y="1659890"/>
-            <a:ext cx="1875155" cy="1661795"/>
-          </a:xfrm>
-          <a:prstGeom prst="rect">
-            <a:avLst/>
-          </a:prstGeom>
-        </p:spPr>
-      </p:pic>
-      <p:pic>
-        <p:nvPicPr>
-          <p:cNvPr id="7" name="图片 6" descr="131-45-m"/>
           <p:cNvPicPr>
             <a:picLocks noChangeAspect="1"/>
           </p:cNvPicPr>
@@ -16871,8 +16854,8 @@
         </p:blipFill>
         <p:spPr>
           <a:xfrm>
-            <a:off x="3315335" y="4043045"/>
-            <a:ext cx="1875155" cy="1670685"/>
+            <a:off x="5717540" y="1659890"/>
+            <a:ext cx="1867535" cy="1661795"/>
           </a:xfrm>
           <a:prstGeom prst="rect">
             <a:avLst/>
@@ -16881,8 +16864,10 @@
       </p:pic>
       <p:pic>
         <p:nvPicPr>
-          <p:cNvPr id="17" name="图片 16"/>
-          <p:cNvPicPr/>
+          <p:cNvPr id="5" name="图片 4" descr="n=2"/>
+          <p:cNvPicPr>
+            <a:picLocks noChangeAspect="1"/>
+          </p:cNvPicPr>
           <p:nvPr/>
         </p:nvPicPr>
         <p:blipFill>
@@ -16892,6 +16877,52 @@
           </a:stretch>
         </p:blipFill>
         <p:spPr>
+          <a:xfrm>
+            <a:off x="3315335" y="1659890"/>
+            <a:ext cx="1875155" cy="1661795"/>
+          </a:xfrm>
+          <a:prstGeom prst="rect">
+            <a:avLst/>
+          </a:prstGeom>
+        </p:spPr>
+      </p:pic>
+      <p:pic>
+        <p:nvPicPr>
+          <p:cNvPr id="7" name="图片 6" descr="131-45-m"/>
+          <p:cNvPicPr>
+            <a:picLocks noChangeAspect="1"/>
+          </p:cNvPicPr>
+          <p:nvPr/>
+        </p:nvPicPr>
+        <p:blipFill>
+          <a:blip r:embed="rId5"/>
+          <a:stretch>
+            <a:fillRect/>
+          </a:stretch>
+        </p:blipFill>
+        <p:spPr>
+          <a:xfrm>
+            <a:off x="3315335" y="4043045"/>
+            <a:ext cx="1875155" cy="1670685"/>
+          </a:xfrm>
+          <a:prstGeom prst="rect">
+            <a:avLst/>
+          </a:prstGeom>
+        </p:spPr>
+      </p:pic>
+      <p:pic>
+        <p:nvPicPr>
+          <p:cNvPr id="17" name="图片 16"/>
+          <p:cNvPicPr/>
+          <p:nvPr/>
+        </p:nvPicPr>
+        <p:blipFill>
+          <a:blip r:embed="rId6"/>
+          <a:stretch>
+            <a:fillRect/>
+          </a:stretch>
+        </p:blipFill>
+        <p:spPr>
           <a:xfrm rot="10800000">
             <a:off x="5878830" y="4074795"/>
             <a:ext cx="1893570" cy="1606550"/>
@@ -16921,13 +16952,13 @@
           <a:bodyPr wrap="square" rtlCol="0">
             <a:spAutoFit/>
           </a:bodyPr>
+          <a:lstStyle/>
           <a:p>
             <a:pPr algn="ctr"/>
             <a:r>
               <a:rPr lang="en-US" altLang="zh-CN" sz="1600"/>
               <a:t>                                  experiment</a:t>
             </a:r>
-            <a:endParaRPr lang="en-US" altLang="zh-CN" sz="1600"/>
           </a:p>
         </p:txBody>
       </p:sp>
@@ -16967,6 +16998,7 @@
         </p:spPr>
         <p:txBody>
           <a:bodyPr vert="horz" wrap="square" lIns="91440" tIns="45720" rIns="91440" bIns="45720" numCol="1" anchor="t" anchorCtr="0" compatLnSpc="1"/>
+          <a:lstStyle/>
           <a:p>
             <a:pPr marL="0" marR="0" indent="0" algn="l" defTabSz="914400" rtl="0" eaLnBrk="0" fontAlgn="base" latinLnBrk="0" hangingPunct="0">
               <a:lnSpc>
@@ -17017,6 +17049,7 @@
           <a:bodyPr wrap="square" rtlCol="0">
             <a:spAutoFit/>
           </a:bodyPr>
+          <a:lstStyle/>
           <a:p>
             <a:r>
               <a:rPr lang="en-US" altLang="zh-CN"/>
@@ -17032,7 +17065,6 @@
               <a:rPr lang="en-US" altLang="zh-CN"/>
               <a:t> </a:t>
             </a:r>
-            <a:endParaRPr lang="en-US" altLang="zh-CN"/>
           </a:p>
         </p:txBody>
       </p:sp>
@@ -17056,12 +17088,12 @@
           <a:bodyPr wrap="square" rtlCol="0">
             <a:spAutoFit/>
           </a:bodyPr>
+          <a:lstStyle/>
           <a:p>
             <a:r>
               <a:rPr lang="en-US" altLang="zh-CN" sz="1400"/>
               <a:t>The position of the initial failure is the same and argrees well with the experiment.</a:t>
             </a:r>
-            <a:endParaRPr lang="en-US" altLang="zh-CN" sz="1400"/>
           </a:p>
         </p:txBody>
       </p:sp>
@@ -17117,6 +17149,7 @@
           <a:bodyPr wrap="square">
             <a:spAutoFit/>
           </a:bodyPr>
+          <a:lstStyle/>
           <a:p>
             <a:pPr>
               <a:lnSpc>
@@ -17130,10 +17163,6 @@
               </a:rPr>
               <a:t>Improvement</a:t>
             </a:r>
-            <a:endParaRPr lang="en-US" altLang="zh-CN" sz="2400" dirty="0" smtClean="0">
-              <a:latin typeface="Times New Roman" panose="02020603050405020304" pitchFamily="18" charset="0"/>
-              <a:cs typeface="Times New Roman" panose="02020603050405020304" pitchFamily="18" charset="0"/>
-            </a:endParaRPr>
           </a:p>
         </p:txBody>
       </p:sp>
@@ -17263,6 +17292,7 @@
             </a:pPr>
             <a:fld id="{846B4C44-8256-4B19-ACAC-87BF490EACA2}" type="slidenum">
               <a:rPr lang="en-US" altLang="zh-CN" smtClean="0"/>
+              <a:t>19</a:t>
             </a:fld>
             <a:endParaRPr lang="en-US" altLang="zh-CN" dirty="0"/>
           </a:p>
@@ -17288,6 +17318,7 @@
           <a:bodyPr wrap="square" rtlCol="0">
             <a:spAutoFit/>
           </a:bodyPr>
+          <a:lstStyle/>
           <a:p>
             <a:r>
               <a:rPr lang="en-US" altLang="zh-CN"/>
@@ -17307,7 +17338,6 @@
               <a:rPr lang="zh-CN" altLang="en-US"/>
               <a:t>：</a:t>
             </a:r>
-            <a:endParaRPr lang="zh-CN" altLang="en-US"/>
           </a:p>
         </p:txBody>
       </p:sp>
@@ -17334,6 +17364,15 @@
           <a:bodyPr>
             <a:spAutoFit/>
           </a:bodyPr>
+          <a:lstStyle/>
+          <a:p>
+            <a:pPr marL="0" indent="0" algn="ctr"/>
+            <a:endParaRPr lang="en-US" altLang="zh-CN" sz="1050" b="0">
+              <a:latin typeface="宋体" panose="02010600030101010101" pitchFamily="2" charset="-122"/>
+              <a:ea typeface="宋体" panose="02010600030101010101" pitchFamily="2" charset="-122"/>
+              <a:cs typeface="宋体" panose="02010600030101010101" pitchFamily="2" charset="-122"/>
+            </a:endParaRPr>
+          </a:p>
           <a:p>
             <a:pPr marL="0" indent="0" algn="ctr"/>
             <a:r>
@@ -17342,8 +17381,7 @@
                 <a:ea typeface="宋体" panose="02010600030101010101" pitchFamily="2" charset="-122"/>
                 <a:cs typeface="宋体" panose="02010600030101010101" pitchFamily="2" charset="-122"/>
               </a:rPr>
-              <a:t>- </a:t>
+              <a:t> </a:t>
             </a:r>
             <a:endParaRPr lang="zh-CN" altLang="en-US"/>
           </a:p>
@@ -17352,58 +17390,6 @@
       <p:pic>
         <p:nvPicPr>
           <p:cNvPr id="8" name="图片 7"/>
-          <p:cNvPicPr/>
-          <p:nvPr/>
-        </p:nvPicPr>
-        <p:blipFill>
-          <a:blip r:embed="rId1"/>
-          <a:stretch>
-            <a:fillRect/>
-          </a:stretch>
-        </p:blipFill>
-        <p:spPr>
-          <a:xfrm>
-            <a:off x="773748" y="1814195"/>
-            <a:ext cx="2028825" cy="1819275"/>
-          </a:xfrm>
-          <a:prstGeom prst="rect">
-            <a:avLst/>
-          </a:prstGeom>
-          <a:noFill/>
-          <a:ln w="9525">
-            <a:noFill/>
-          </a:ln>
-        </p:spPr>
-      </p:pic>
-      <p:pic>
-        <p:nvPicPr>
-          <p:cNvPr id="12" name="图片 11"/>
-          <p:cNvPicPr/>
-          <p:nvPr/>
-        </p:nvPicPr>
-        <p:blipFill>
-          <a:blip r:embed="rId2"/>
-          <a:stretch>
-            <a:fillRect/>
-          </a:stretch>
-        </p:blipFill>
-        <p:spPr>
-          <a:xfrm>
-            <a:off x="3558223" y="1814195"/>
-            <a:ext cx="2066925" cy="1819275"/>
-          </a:xfrm>
-          <a:prstGeom prst="rect">
-            <a:avLst/>
-          </a:prstGeom>
-          <a:noFill/>
-          <a:ln w="9525">
-            <a:noFill/>
-          </a:ln>
-        </p:spPr>
-      </p:pic>
-      <p:pic>
-        <p:nvPicPr>
-          <p:cNvPr id="15" name="图片 14"/>
           <p:cNvPicPr/>
           <p:nvPr/>
         </p:nvPicPr>
@@ -17415,17 +17401,21 @@
         </p:blipFill>
         <p:spPr>
           <a:xfrm>
-            <a:off x="6585585" y="1814195"/>
-            <a:ext cx="2378710" cy="2028825"/>
+            <a:off x="773748" y="1814195"/>
+            <a:ext cx="2028825" cy="1819275"/>
           </a:xfrm>
           <a:prstGeom prst="rect">
             <a:avLst/>
           </a:prstGeom>
+          <a:noFill/>
+          <a:ln w="9525">
+            <a:noFill/>
+          </a:ln>
         </p:spPr>
       </p:pic>
       <p:pic>
         <p:nvPicPr>
-          <p:cNvPr id="21" name="图片 20"/>
+          <p:cNvPr id="12" name="图片 11"/>
           <p:cNvPicPr/>
           <p:nvPr/>
         </p:nvPicPr>
@@ -17437,8 +17427,8 @@
         </p:blipFill>
         <p:spPr>
           <a:xfrm>
-            <a:off x="5160645" y="4797108"/>
-            <a:ext cx="4000500" cy="723900"/>
+            <a:off x="3558223" y="1814195"/>
+            <a:ext cx="2066925" cy="1819275"/>
           </a:xfrm>
           <a:prstGeom prst="rect">
             <a:avLst/>
@@ -17449,152 +17439,9 @@
           </a:ln>
         </p:spPr>
       </p:pic>
-      <p:sp>
-        <p:nvSpPr>
-          <p:cNvPr id="110" name="文本框 109"/>
-          <p:cNvSpPr txBox="1"/>
-          <p:nvPr/>
-        </p:nvSpPr>
-        <p:spPr>
-          <a:xfrm>
-            <a:off x="2051685" y="6824663"/>
-            <a:ext cx="5080000" cy="414020"/>
-          </a:xfrm>
-          <a:prstGeom prst="rect">
-            <a:avLst/>
-          </a:prstGeom>
-          <a:noFill/>
-          <a:ln w="9525">
-            <a:noFill/>
-          </a:ln>
-        </p:spPr>
-        <p:txBody>
-          <a:bodyPr>
-            <a:spAutoFit/>
-          </a:bodyPr>
-          <a:p>
-            <a:pPr marL="0" indent="0"/>
-            <a:r>
-              <a:rPr lang="en-US" altLang="zh-CN" sz="1050" b="0">
-                <a:latin typeface="Calibri" panose="020F0502020204030204" charset="0"/>
-                <a:cs typeface="Calibri" panose="020F0502020204030204" charset="0"/>
-              </a:rPr>
-              <a:t>- </a:t>
-            </a:r>
-            <a:endParaRPr lang="zh-CN" altLang="en-US"/>
-          </a:p>
-        </p:txBody>
-      </p:sp>
-      <p:sp>
-        <p:nvSpPr>
-          <p:cNvPr id="30" name="文本框 29"/>
-          <p:cNvSpPr txBox="1"/>
-          <p:nvPr/>
-        </p:nvSpPr>
-        <p:spPr>
-          <a:xfrm>
-            <a:off x="284480" y="4222115"/>
-            <a:ext cx="3684270" cy="368300"/>
-          </a:xfrm>
-          <a:prstGeom prst="rect">
-            <a:avLst/>
-          </a:prstGeom>
-          <a:noFill/>
-        </p:spPr>
-        <p:txBody>
-          <a:bodyPr wrap="square" rtlCol="0">
-            <a:spAutoFit/>
-          </a:bodyPr>
-          <a:p>
-            <a:r>
-              <a:rPr lang="en-US" altLang="zh-CN"/>
-              <a:t>Refer to other papers:</a:t>
-            </a:r>
-            <a:endParaRPr lang="en-US" altLang="zh-CN"/>
-          </a:p>
-        </p:txBody>
-      </p:sp>
-      <p:sp>
-        <p:nvSpPr>
-          <p:cNvPr id="32" name="文本框 31"/>
-          <p:cNvSpPr txBox="1"/>
-          <p:nvPr/>
-        </p:nvSpPr>
-        <p:spPr>
-          <a:xfrm>
-            <a:off x="519430" y="3531870"/>
-            <a:ext cx="8408670" cy="368300"/>
-          </a:xfrm>
-          <a:prstGeom prst="rect">
-            <a:avLst/>
-          </a:prstGeom>
-          <a:noFill/>
-        </p:spPr>
-        <p:txBody>
-          <a:bodyPr wrap="square" rtlCol="0">
-            <a:spAutoFit/>
-          </a:bodyPr>
-          <a:p>
-            <a:r>
-              <a:rPr lang="en-US" altLang="zh-CN"/>
-              <a:t>             </a:t>
-            </a:r>
-            <a:r>
-              <a:rPr lang="en-US" altLang="zh-CN" sz="1200"/>
-              <a:t> Gm = 5                                                     Gm = 0.5</a:t>
-            </a:r>
-            <a:endParaRPr lang="en-US" altLang="zh-CN" sz="1200"/>
-          </a:p>
-        </p:txBody>
-      </p:sp>
-      <p:sp>
-        <p:nvSpPr>
-          <p:cNvPr id="33" name="文本框 32"/>
-          <p:cNvSpPr txBox="1"/>
-          <p:nvPr/>
-        </p:nvSpPr>
-        <p:spPr>
-          <a:xfrm>
-            <a:off x="519430" y="5529898"/>
-            <a:ext cx="5080000" cy="414020"/>
-          </a:xfrm>
-          <a:prstGeom prst="rect">
-            <a:avLst/>
-          </a:prstGeom>
-          <a:noFill/>
-          <a:ln w="9525">
-            <a:noFill/>
-          </a:ln>
-        </p:spPr>
-        <p:txBody>
-          <a:bodyPr>
-            <a:spAutoFit/>
-          </a:bodyPr>
-          <a:p>
-            <a:pPr marL="0" indent="0"/>
-            <a:r>
-              <a:rPr lang="en-US" altLang="zh-CN" sz="1050" b="1">
-                <a:latin typeface="宋体" panose="02010600030101010101" pitchFamily="2" charset="-122"/>
-                <a:ea typeface="宋体" panose="02010600030101010101" pitchFamily="2" charset="-122"/>
-                <a:cs typeface="宋体" panose="02010600030101010101" pitchFamily="2" charset="-122"/>
-              </a:rPr>
-              <a:t>A continuum damage model for composite laminates: Part II – </a:t>
-            </a:r>
-            <a:r>
-              <a:rPr lang="en-US" altLang="zh-CN" sz="1050" b="1">
-                <a:latin typeface="Calibri" panose="020F0502020204030204" charset="0"/>
-                <a:cs typeface="Calibri" panose="020F0502020204030204" charset="0"/>
-              </a:rPr>
-              <a:t>Computational implementation and validation</a:t>
-            </a:r>
-            <a:endParaRPr lang="zh-CN" altLang="en-US"/>
-          </a:p>
-        </p:txBody>
-      </p:sp>
       <p:pic>
         <p:nvPicPr>
-          <p:cNvPr id="34" name="图片 33"/>
+          <p:cNvPr id="15" name="图片 14"/>
           <p:cNvPicPr/>
           <p:nvPr/>
         </p:nvPicPr>
@@ -17606,8 +17453,30 @@
         </p:blipFill>
         <p:spPr>
           <a:xfrm>
-            <a:off x="285115" y="4590098"/>
-            <a:ext cx="4533900" cy="857250"/>
+            <a:off x="6585585" y="1814195"/>
+            <a:ext cx="2378710" cy="2028825"/>
+          </a:xfrm>
+          <a:prstGeom prst="rect">
+            <a:avLst/>
+          </a:prstGeom>
+        </p:spPr>
+      </p:pic>
+      <p:pic>
+        <p:nvPicPr>
+          <p:cNvPr id="21" name="图片 20"/>
+          <p:cNvPicPr/>
+          <p:nvPr/>
+        </p:nvPicPr>
+        <p:blipFill>
+          <a:blip r:embed="rId6"/>
+          <a:stretch>
+            <a:fillRect/>
+          </a:stretch>
+        </p:blipFill>
+        <p:spPr>
+          <a:xfrm>
+            <a:off x="5160645" y="4797108"/>
+            <a:ext cx="4000500" cy="723900"/>
           </a:xfrm>
           <a:prstGeom prst="rect">
             <a:avLst/>
@@ -17620,14 +17489,14 @@
       </p:pic>
       <p:sp>
         <p:nvSpPr>
-          <p:cNvPr id="35" name="文本框 34"/>
+          <p:cNvPr id="110" name="文本框 109"/>
           <p:cNvSpPr txBox="1"/>
           <p:nvPr/>
         </p:nvSpPr>
         <p:spPr>
           <a:xfrm>
-            <a:off x="5455920" y="5262563"/>
-            <a:ext cx="5080000" cy="575945"/>
+            <a:off x="2051685" y="6824663"/>
+            <a:ext cx="5080000" cy="414020"/>
           </a:xfrm>
           <a:prstGeom prst="rect">
             <a:avLst/>
@@ -17641,6 +17510,14 @@
           <a:bodyPr>
             <a:spAutoFit/>
           </a:bodyPr>
+          <a:lstStyle/>
+          <a:p>
+            <a:pPr marL="0" indent="0"/>
+            <a:endParaRPr lang="en-US" altLang="zh-CN" sz="1050" b="0">
+              <a:latin typeface="Calibri" panose="020F0502020204030204" charset="0"/>
+              <a:cs typeface="Calibri" panose="020F0502020204030204" charset="0"/>
+            </a:endParaRPr>
+          </a:p>
           <a:p>
             <a:pPr marL="0" indent="0"/>
             <a:r>
@@ -17648,16 +17525,198 @@
                 <a:latin typeface="Calibri" panose="020F0502020204030204" charset="0"/>
                 <a:cs typeface="Calibri" panose="020F0502020204030204" charset="0"/>
               </a:rPr>
-              <a:t>- </a:t>
+              <a:t> </a:t>
+            </a:r>
+            <a:endParaRPr lang="zh-CN" altLang="en-US"/>
+          </a:p>
+        </p:txBody>
+      </p:sp>
+      <p:sp>
+        <p:nvSpPr>
+          <p:cNvPr id="30" name="文本框 29"/>
+          <p:cNvSpPr txBox="1"/>
+          <p:nvPr/>
+        </p:nvSpPr>
+        <p:spPr>
+          <a:xfrm>
+            <a:off x="284480" y="4222115"/>
+            <a:ext cx="3684270" cy="368300"/>
+          </a:xfrm>
+          <a:prstGeom prst="rect">
+            <a:avLst/>
+          </a:prstGeom>
+          <a:noFill/>
+        </p:spPr>
+        <p:txBody>
+          <a:bodyPr wrap="square" rtlCol="0">
+            <a:spAutoFit/>
+          </a:bodyPr>
+          <a:lstStyle/>
+          <a:p>
+            <a:r>
+              <a:rPr lang="en-US" altLang="zh-CN"/>
+              <a:t>Refer to other papers:</a:t>
+            </a:r>
+          </a:p>
+        </p:txBody>
+      </p:sp>
+      <p:sp>
+        <p:nvSpPr>
+          <p:cNvPr id="32" name="文本框 31"/>
+          <p:cNvSpPr txBox="1"/>
+          <p:nvPr/>
+        </p:nvSpPr>
+        <p:spPr>
+          <a:xfrm>
+            <a:off x="519430" y="3531870"/>
+            <a:ext cx="8408670" cy="368300"/>
+          </a:xfrm>
+          <a:prstGeom prst="rect">
+            <a:avLst/>
+          </a:prstGeom>
+          <a:noFill/>
+        </p:spPr>
+        <p:txBody>
+          <a:bodyPr wrap="square" rtlCol="0">
+            <a:spAutoFit/>
+          </a:bodyPr>
+          <a:lstStyle/>
+          <a:p>
+            <a:r>
+              <a:rPr lang="en-US" altLang="zh-CN"/>
+              <a:t>             </a:t>
+            </a:r>
+            <a:r>
+              <a:rPr lang="en-US" altLang="zh-CN" sz="1200"/>
+              <a:t> Gm = 5                                                     Gm = 0.5</a:t>
+            </a:r>
+          </a:p>
+        </p:txBody>
+      </p:sp>
+      <p:sp>
+        <p:nvSpPr>
+          <p:cNvPr id="33" name="文本框 32"/>
+          <p:cNvSpPr txBox="1"/>
+          <p:nvPr/>
+        </p:nvSpPr>
+        <p:spPr>
+          <a:xfrm>
+            <a:off x="519430" y="5529898"/>
+            <a:ext cx="5080000" cy="414020"/>
+          </a:xfrm>
+          <a:prstGeom prst="rect">
+            <a:avLst/>
+          </a:prstGeom>
+          <a:noFill/>
+          <a:ln w="9525">
+            <a:noFill/>
+          </a:ln>
+        </p:spPr>
+        <p:txBody>
+          <a:bodyPr>
+            <a:spAutoFit/>
+          </a:bodyPr>
+          <a:lstStyle/>
+          <a:p>
+            <a:pPr marL="0" indent="0"/>
+            <a:r>
+              <a:rPr lang="en-US" altLang="zh-CN" sz="1050" b="1">
+                <a:latin typeface="宋体" panose="02010600030101010101" pitchFamily="2" charset="-122"/>
+                <a:ea typeface="宋体" panose="02010600030101010101" pitchFamily="2" charset="-122"/>
+                <a:cs typeface="宋体" panose="02010600030101010101" pitchFamily="2" charset="-122"/>
+              </a:rPr>
+              <a:t>A continuum damage model for composite laminates: Part II – </a:t>
             </a:r>
             <a:r>
               <a:rPr lang="en-US" altLang="zh-CN" sz="1050" b="1">
                 <a:latin typeface="Calibri" panose="020F0502020204030204" charset="0"/>
                 <a:cs typeface="Calibri" panose="020F0502020204030204" charset="0"/>
               </a:rPr>
-              <a:t>-Laminate damage model for composite structures</a:t>
+              <a:t>Computational implementation and validation</a:t>
+            </a:r>
+            <a:endParaRPr lang="zh-CN" altLang="en-US"/>
+          </a:p>
+        </p:txBody>
+      </p:sp>
+      <p:pic>
+        <p:nvPicPr>
+          <p:cNvPr id="34" name="图片 33"/>
+          <p:cNvPicPr/>
+          <p:nvPr/>
+        </p:nvPicPr>
+        <p:blipFill>
+          <a:blip r:embed="rId7"/>
+          <a:stretch>
+            <a:fillRect/>
+          </a:stretch>
+        </p:blipFill>
+        <p:spPr>
+          <a:xfrm>
+            <a:off x="285115" y="4590098"/>
+            <a:ext cx="4533900" cy="857250"/>
+          </a:xfrm>
+          <a:prstGeom prst="rect">
+            <a:avLst/>
+          </a:prstGeom>
+          <a:noFill/>
+          <a:ln w="9525">
+            <a:noFill/>
+          </a:ln>
+        </p:spPr>
+      </p:pic>
+      <p:sp>
+        <p:nvSpPr>
+          <p:cNvPr id="35" name="文本框 34"/>
+          <p:cNvSpPr txBox="1"/>
+          <p:nvPr/>
+        </p:nvSpPr>
+        <p:spPr>
+          <a:xfrm>
+            <a:off x="5455920" y="5262563"/>
+            <a:ext cx="5080000" cy="575945"/>
+          </a:xfrm>
+          <a:prstGeom prst="rect">
+            <a:avLst/>
+          </a:prstGeom>
+          <a:noFill/>
+          <a:ln w="9525">
+            <a:noFill/>
+          </a:ln>
+        </p:spPr>
+        <p:txBody>
+          <a:bodyPr>
+            <a:spAutoFit/>
+          </a:bodyPr>
+          <a:lstStyle/>
+          <a:p>
+            <a:pPr marL="0" indent="0"/>
+            <a:endParaRPr lang="en-US" altLang="zh-CN" sz="1050" b="0">
+              <a:latin typeface="Calibri" panose="020F0502020204030204" charset="0"/>
+              <a:cs typeface="Calibri" panose="020F0502020204030204" charset="0"/>
+            </a:endParaRPr>
+          </a:p>
+          <a:p>
+            <a:pPr marL="0" indent="0"/>
+            <a:r>
+              <a:rPr lang="en-US" altLang="zh-CN" sz="1050" b="0">
+                <a:latin typeface="Calibri" panose="020F0502020204030204" charset="0"/>
+                <a:cs typeface="Calibri" panose="020F0502020204030204" charset="0"/>
+              </a:rPr>
+              <a:t> </a:t>
+            </a:r>
+            <a:endParaRPr lang="en-US" altLang="zh-CN" sz="1050" b="1">
+              <a:latin typeface="Calibri" panose="020F0502020204030204" charset="0"/>
+              <a:cs typeface="Calibri" panose="020F0502020204030204" charset="0"/>
+            </a:endParaRPr>
+          </a:p>
+          <a:p>
+            <a:pPr marL="0" indent="0"/>
+            <a:r>
+              <a:rPr lang="en-US" altLang="zh-CN" sz="1050" b="1">
+                <a:latin typeface="Calibri" panose="020F0502020204030204" charset="0"/>
+                <a:cs typeface="Calibri" panose="020F0502020204030204" charset="0"/>
+              </a:rPr>
+              <a:t>Laminate damage model for composite structures</a:t>
             </a:r>
             <a:endParaRPr lang="zh-CN" altLang="en-US"/>
           </a:p>
@@ -17721,6 +17780,7 @@
             </a:pPr>
             <a:fld id="{846B4C44-8256-4B19-ACAC-87BF490EACA2}" type="slidenum">
               <a:rPr lang="en-US" altLang="zh-CN" smtClean="0"/>
+              <a:t>2</a:t>
             </a:fld>
             <a:endParaRPr lang="en-US" altLang="zh-CN" dirty="0"/>
           </a:p>
@@ -18496,11 +18556,6 @@
                         </a:rPr>
                         <a:t>60</a:t>
                       </a:r>
-                      <a:endParaRPr lang="en-US" altLang="zh-CN" sz="1600" kern="100" dirty="0">
-                        <a:effectLst/>
-                        <a:latin typeface="Times New Roman" panose="02020603050405020304" pitchFamily="18" charset="0"/>
-                        <a:ea typeface="宋体" panose="02010600030101010101" pitchFamily="2" charset="-122"/>
-                      </a:endParaRPr>
                     </a:p>
                   </a:txBody>
                   <a:tcPr marL="68580" marR="68580" marT="0" marB="0" anchor="ctr">
@@ -18649,11 +18704,6 @@
                         </a:rPr>
                         <a:t>）</a:t>
                       </a:r>
-                      <a:endParaRPr lang="zh-CN" sz="1600" kern="100" dirty="0">
-                        <a:effectLst/>
-                        <a:latin typeface="Times New Roman" panose="02020603050405020304" pitchFamily="18" charset="0"/>
-                        <a:ea typeface="宋体" panose="02010600030101010101" pitchFamily="2" charset="-122"/>
-                      </a:endParaRPr>
                     </a:p>
                   </a:txBody>
                   <a:tcPr marL="68580" marR="68580" marT="0" marB="0" anchor="ctr">
@@ -19505,10 +19555,6 @@
               </a:rPr>
               <a:t>3D Shell(SC8R)</a:t>
             </a:r>
-            <a:endParaRPr lang="en-US" altLang="zh-CN" sz="1600" dirty="0" smtClean="0">
-              <a:latin typeface="Times New Roman" panose="02020603050405020304" pitchFamily="18" charset="0"/>
-              <a:cs typeface="Times New Roman" panose="02020603050405020304" pitchFamily="18" charset="0"/>
-            </a:endParaRPr>
           </a:p>
           <a:p>
             <a:pPr>
@@ -19566,7 +19612,7 @@
           <p:nvPr/>
         </p:nvPicPr>
         <p:blipFill>
-          <a:blip r:embed="rId1"/>
+          <a:blip r:embed="rId3"/>
           <a:stretch>
             <a:fillRect/>
           </a:stretch>
@@ -19628,10 +19674,6 @@
               </a:rPr>
               <a:t> </a:t>
             </a:r>
-            <a:endParaRPr lang="en-US" altLang="zh-CN" sz="2800" dirty="0" smtClean="0">
-              <a:latin typeface="Times New Roman" panose="02020603050405020304" pitchFamily="18" charset="0"/>
-              <a:cs typeface="Times New Roman" panose="02020603050405020304" pitchFamily="18" charset="0"/>
-            </a:endParaRPr>
           </a:p>
         </p:txBody>
       </p:sp>
@@ -19684,10 +19726,6 @@
               </a:rPr>
               <a:t>60mm, 80mm, 100mm</a:t>
             </a:r>
-            <a:endParaRPr lang="en-US" altLang="zh-CN" sz="1600" dirty="0">
-              <a:latin typeface="Times New Roman" panose="02020603050405020304" pitchFamily="18" charset="0"/>
-              <a:cs typeface="Times New Roman" panose="02020603050405020304" pitchFamily="18" charset="0"/>
-            </a:endParaRPr>
           </a:p>
           <a:p>
             <a:pPr>
@@ -19754,10 +19792,6 @@
               </a:rPr>
               <a:t> </a:t>
             </a:r>
-            <a:endParaRPr lang="en-US" altLang="zh-CN" sz="1600" dirty="0">
-              <a:latin typeface="Times New Roman" panose="02020603050405020304" pitchFamily="18" charset="0"/>
-              <a:cs typeface="Times New Roman" panose="02020603050405020304" pitchFamily="18" charset="0"/>
-            </a:endParaRPr>
           </a:p>
         </p:txBody>
       </p:sp>
@@ -19786,7 +19820,14 @@
         <p:cNvGrpSpPr/>
         <p:nvPr/>
       </p:nvGrpSpPr>
-      <p:grpSpPr/>
+      <p:grpSpPr>
+        <a:xfrm>
+          <a:off x="0" y="0"/>
+          <a:ext cx="0" cy="0"/>
+          <a:chOff x="0" y="0"/>
+          <a:chExt cx="0" cy="0"/>
+        </a:xfrm>
+      </p:grpSpPr>
       <p:sp>
         <p:nvSpPr>
           <p:cNvPr id="2" name="文本框 1"/>
@@ -19807,6 +19848,7 @@
           <a:bodyPr wrap="square" rtlCol="0">
             <a:spAutoFit/>
           </a:bodyPr>
+          <a:lstStyle/>
           <a:p>
             <a:r>
               <a:rPr lang="en-US" altLang="zh-CN"/>
@@ -19816,7 +19858,6 @@
               <a:rPr lang="zh-CN" altLang="en-US"/>
               <a:t>法与刚度折减法对比：</a:t>
             </a:r>
-            <a:endParaRPr lang="zh-CN" altLang="en-US"/>
           </a:p>
           <a:p>
             <a:endParaRPr lang="zh-CN" altLang="en-US"/>
@@ -19831,7 +19872,7 @@
         </p:nvGraphicFramePr>
         <p:xfrm>
           <a:off x="2200275" y="1772285"/>
-          <a:ext cx="5035550" cy="5185410"/>
+          <a:ext cx="5035550" cy="4165600"/>
         </p:xfrm>
         <a:graphic>
           <a:graphicData uri="http://schemas.openxmlformats.org/drawingml/2006/table">
@@ -19847,6 +19888,7 @@
                 <a:tc>
                   <a:txBody>
                     <a:bodyPr/>
+                    <a:lstStyle/>
                     <a:p>
                       <a:pPr algn="ctr">
                         <a:buNone/>
@@ -19860,12 +19902,6 @@
                         </a:rPr>
                         <a:t>折减法</a:t>
                       </a:r>
-                      <a:endParaRPr lang="zh-CN" altLang="en-US" sz="1800">
-                        <a:solidFill>
-                          <a:schemeClr val="tx1"/>
-                        </a:solidFill>
-                        <a:sym typeface="+mn-ea"/>
-                      </a:endParaRPr>
                     </a:p>
                   </a:txBody>
                   <a:tcPr>
@@ -19880,6 +19916,7 @@
                 <a:tc>
                   <a:txBody>
                     <a:bodyPr/>
+                    <a:lstStyle/>
                     <a:p>
                       <a:pPr algn="ctr">
                         <a:buNone/>
@@ -19902,12 +19939,6 @@
                         </a:rPr>
                         <a:t>法</a:t>
                       </a:r>
-                      <a:endParaRPr lang="zh-CN" altLang="en-US" sz="1800">
-                        <a:solidFill>
-                          <a:schemeClr val="tx1"/>
-                        </a:solidFill>
-                        <a:sym typeface="+mn-ea"/>
-                      </a:endParaRPr>
                     </a:p>
                   </a:txBody>
                   <a:tcPr>
@@ -19924,6 +19955,7 @@
                 <a:tc>
                   <a:txBody>
                     <a:bodyPr/>
+                    <a:lstStyle/>
                     <a:p>
                       <a:pPr algn="l">
                         <a:buNone/>
@@ -19934,9 +19966,6 @@
                         </a:rPr>
                         <a:t>通过乘以折减系数使刚度矩阵退化，是一种半经验法的探索模型</a:t>
                       </a:r>
-                      <a:endParaRPr lang="zh-CN" altLang="en-US" sz="1800">
-                        <a:sym typeface="+mn-ea"/>
-                      </a:endParaRPr>
                     </a:p>
                   </a:txBody>
                   <a:tcPr>
@@ -19951,6 +19980,7 @@
                 <a:tc>
                   <a:txBody>
                     <a:bodyPr/>
+                    <a:lstStyle/>
                     <a:p>
                       <a:pPr algn="l">
                         <a:buNone/>
@@ -19959,7 +19989,6 @@
                         <a:rPr lang="zh-CN" altLang="en-US"/>
                         <a:t>基于不可逆过程的热力学，将势能定义为损伤变量的函数，损伤变量定义了应力应变的关系，同时取决于能量耗散值</a:t>
                       </a:r>
-                      <a:endParaRPr lang="zh-CN" altLang="en-US"/>
                     </a:p>
                   </a:txBody>
                   <a:tcPr>
@@ -19976,6 +20005,7 @@
                 <a:tc>
                   <a:txBody>
                     <a:bodyPr/>
+                    <a:lstStyle/>
                     <a:p>
                       <a:pPr algn="l">
                         <a:buNone/>
@@ -19984,7 +20014,6 @@
                         <a:rPr lang="zh-CN" altLang="en-US"/>
                         <a:t>折减系数的不确定</a:t>
                       </a:r>
-                      <a:endParaRPr lang="zh-CN" altLang="en-US"/>
                     </a:p>
                   </a:txBody>
                   <a:tcPr>
@@ -19999,6 +20028,7 @@
                 <a:tc>
                   <a:txBody>
                     <a:bodyPr/>
+                    <a:lstStyle/>
                     <a:p>
                       <a:pPr algn="l">
                         <a:buNone/>
@@ -20007,7 +20037,6 @@
                         <a:rPr lang="zh-CN" altLang="en-US"/>
                         <a:t>所有使用参数均可测量得到</a:t>
                       </a:r>
-                      <a:endParaRPr lang="zh-CN" altLang="en-US"/>
                     </a:p>
                   </a:txBody>
                   <a:tcPr>
@@ -20024,6 +20053,7 @@
                 <a:tc>
                   <a:txBody>
                     <a:bodyPr/>
+                    <a:lstStyle/>
                     <a:p>
                       <a:pPr algn="l">
                         <a:buNone/>
@@ -20034,9 +20064,6 @@
                         </a:rPr>
                         <a:t>不能模拟层合板的准脆性失效</a:t>
                       </a:r>
-                      <a:endParaRPr lang="zh-CN" altLang="en-US" sz="1800">
-                        <a:sym typeface="+mn-ea"/>
-                      </a:endParaRPr>
                     </a:p>
                     <a:p>
                       <a:pPr algn="l">
@@ -20057,6 +20084,7 @@
                 <a:tc>
                   <a:txBody>
                     <a:bodyPr/>
+                    <a:lstStyle/>
                     <a:p>
                       <a:pPr algn="l">
                         <a:buNone/>
@@ -20067,9 +20095,6 @@
                         </a:rPr>
                         <a:t>可以模拟材料的弹脆性行为（无显著的塑形变形）</a:t>
                       </a:r>
-                      <a:endParaRPr lang="zh-CN" altLang="en-US" sz="1800">
-                        <a:sym typeface="+mn-ea"/>
-                      </a:endParaRPr>
                     </a:p>
                     <a:p>
                       <a:pPr algn="l">
@@ -20112,6 +20137,7 @@
           <a:bodyPr wrap="square" rtlCol="0" anchor="t">
             <a:spAutoFit/>
           </a:bodyPr>
+          <a:lstStyle/>
           <a:p>
             <a:pPr algn="l"/>
             <a:r>
@@ -20144,15 +20170,111 @@
               </a:rPr>
               <a:t>）</a:t>
             </a:r>
-            <a:endParaRPr lang="zh-CN" altLang="zh-CN" sz="2800" dirty="0" smtClean="0">
-              <a:sym typeface="+mn-ea"/>
-            </a:endParaRPr>
           </a:p>
           <a:p>
             <a:pPr algn="l"/>
             <a:endParaRPr lang="zh-CN" altLang="en-US" sz="2800" dirty="0" smtClean="0">
               <a:sym typeface="+mn-ea"/>
             </a:endParaRPr>
+          </a:p>
+        </p:txBody>
+      </p:sp>
+      <p:pic>
+        <p:nvPicPr>
+          <p:cNvPr id="5" name="图片 4"/>
+          <p:cNvPicPr>
+            <a:picLocks noChangeAspect="1"/>
+          </p:cNvPicPr>
+          <p:nvPr/>
+        </p:nvPicPr>
+        <p:blipFill>
+          <a:blip r:embed="rId2" cstate="print">
+            <a:extLst>
+              <a:ext uri="{28A0092B-C50C-407E-A947-70E740481C1C}">
+                <a14:useLocalDpi xmlns:a14="http://schemas.microsoft.com/office/drawing/2010/main" val="0"/>
+              </a:ext>
+            </a:extLst>
+          </a:blip>
+          <a:stretch>
+            <a:fillRect/>
+          </a:stretch>
+        </p:blipFill>
+        <p:spPr>
+          <a:xfrm>
+            <a:off x="2961311" y="2874133"/>
+            <a:ext cx="1635577" cy="1451804"/>
+          </a:xfrm>
+          <a:prstGeom prst="rect">
+            <a:avLst/>
+          </a:prstGeom>
+        </p:spPr>
+      </p:pic>
+      <p:pic>
+        <p:nvPicPr>
+          <p:cNvPr id="6" name="图片 5"/>
+          <p:cNvPicPr>
+            <a:picLocks noChangeAspect="1"/>
+          </p:cNvPicPr>
+          <p:nvPr/>
+        </p:nvPicPr>
+        <p:blipFill>
+          <a:blip r:embed="rId3"/>
+          <a:stretch>
+            <a:fillRect/>
+          </a:stretch>
+        </p:blipFill>
+        <p:spPr>
+          <a:xfrm>
+            <a:off x="762000" y="2297430"/>
+            <a:ext cx="7609205" cy="1014730"/>
+          </a:xfrm>
+          <a:prstGeom prst="rect">
+            <a:avLst/>
+          </a:prstGeom>
+        </p:spPr>
+      </p:pic>
+      <p:sp>
+        <p:nvSpPr>
+          <p:cNvPr id="8" name="文本框 7"/>
+          <p:cNvSpPr txBox="1"/>
+          <p:nvPr/>
+        </p:nvSpPr>
+        <p:spPr>
+          <a:xfrm>
+            <a:off x="2428240" y="3935730"/>
+            <a:ext cx="4798695" cy="368300"/>
+          </a:xfrm>
+          <a:prstGeom prst="rect">
+            <a:avLst/>
+          </a:prstGeom>
+          <a:solidFill>
+            <a:srgbClr val="FFFF00"/>
+          </a:solidFill>
+        </p:spPr>
+        <p:style>
+          <a:lnRef idx="2">
+            <a:schemeClr val="dk1"/>
+          </a:lnRef>
+          <a:fillRef idx="1">
+            <a:schemeClr val="lt1"/>
+          </a:fillRef>
+          <a:effectRef idx="0">
+            <a:schemeClr val="dk1"/>
+          </a:effectRef>
+          <a:fontRef idx="minor">
+            <a:schemeClr val="dk1"/>
+          </a:fontRef>
+        </p:style>
+        <p:txBody>
+          <a:bodyPr wrap="square" rtlCol="0">
+            <a:spAutoFit/>
+          </a:bodyPr>
+          <a:lstStyle/>
+          <a:p>
+            <a:r>
+              <a:rPr lang="zh-CN" altLang="en-US" sz="1800" dirty="0" smtClean="0"/>
+              <a:t>第一组试验纤维方向不对，测试结果可能不对</a:t>
+            </a:r>
           </a:p>
         </p:txBody>
       </p:sp>
@@ -20161,6 +20283,221 @@
   <p:clrMapOvr>
     <a:masterClrMapping/>
   </p:clrMapOvr>
+  <p:timing>
+    <p:tnLst>
+      <p:par>
+        <p:cTn id="1" dur="indefinite" restart="never" nodeType="tmRoot">
+          <p:childTnLst>
+            <p:seq concurrent="1" nextAc="seek">
+              <p:cTn id="2" dur="indefinite" nodeType="mainSeq">
+                <p:childTnLst>
+                  <p:par>
+                    <p:cTn id="3" fill="hold">
+                      <p:stCondLst>
+                        <p:cond delay="indefinite"/>
+                      </p:stCondLst>
+                      <p:childTnLst>
+                        <p:par>
+                          <p:cTn id="4" fill="hold">
+                            <p:stCondLst>
+                              <p:cond delay="0"/>
+                            </p:stCondLst>
+                            <p:childTnLst>
+                              <p:par>
+                                <p:cTn id="5" presetID="2" presetClass="entr" presetSubtype="4" fill="hold" nodeType="clickEffect">
+                                  <p:stCondLst>
+                                    <p:cond delay="0"/>
+                                  </p:stCondLst>
+                                  <p:childTnLst>
+                                    <p:set>
+                                      <p:cBhvr>
+                                        <p:cTn id="6" dur="1" fill="hold">
+                                          <p:stCondLst>
+                                            <p:cond delay="0"/>
+                                          </p:stCondLst>
+                                        </p:cTn>
+                                        <p:tgtEl>
+                                          <p:spTgt spid="6"/>
+                                        </p:tgtEl>
+                                        <p:attrNameLst>
+                                          <p:attrName>style.visibility</p:attrName>
+                                        </p:attrNameLst>
+                                      </p:cBhvr>
+                                      <p:to>
+                                        <p:strVal val="visible"/>
+                                      </p:to>
+                                    </p:set>
+                                    <p:anim calcmode="lin" valueType="num">
+                                      <p:cBhvr additive="base">
+                                        <p:cTn id="7" dur="500" fill="hold"/>
+                                        <p:tgtEl>
+                                          <p:spTgt spid="6"/>
+                                        </p:tgtEl>
+                                        <p:attrNameLst>
+                                          <p:attrName>ppt_x</p:attrName>
+                                        </p:attrNameLst>
+                                      </p:cBhvr>
+                                      <p:tavLst>
+                                        <p:tav tm="0">
+                                          <p:val>
+                                            <p:strVal val="#ppt_x"/>
+                                          </p:val>
+                                        </p:tav>
+                                        <p:tav tm="100000">
+                                          <p:val>
+                                            <p:strVal val="#ppt_x"/>
+                                          </p:val>
+                                        </p:tav>
+                                      </p:tavLst>
+                                    </p:anim>
+                                    <p:anim calcmode="lin" valueType="num">
+                                      <p:cBhvr additive="base">
+                                        <p:cTn id="8" dur="500" fill="hold"/>
+                                        <p:tgtEl>
+                                          <p:spTgt spid="6"/>
+                                        </p:tgtEl>
+                                        <p:attrNameLst>
+                                          <p:attrName>ppt_y</p:attrName>
+                                        </p:attrNameLst>
+                                      </p:cBhvr>
+                                      <p:tavLst>
+                                        <p:tav tm="0">
+                                          <p:val>
+                                            <p:strVal val="1+#ppt_h/2"/>
+                                          </p:val>
+                                        </p:tav>
+                                        <p:tav tm="100000">
+                                          <p:val>
+                                            <p:strVal val="#ppt_y"/>
+                                          </p:val>
+                                        </p:tav>
+                                      </p:tavLst>
+                                    </p:anim>
+                                  </p:childTnLst>
+                                </p:cTn>
+                              </p:par>
+                            </p:childTnLst>
+                          </p:cTn>
+                        </p:par>
+                      </p:childTnLst>
+                    </p:cTn>
+                  </p:par>
+                  <p:par>
+                    <p:cTn id="9" fill="hold">
+                      <p:stCondLst>
+                        <p:cond delay="indefinite"/>
+                      </p:stCondLst>
+                      <p:childTnLst>
+                        <p:par>
+                          <p:cTn id="10" fill="hold">
+                            <p:stCondLst>
+                              <p:cond delay="0"/>
+                            </p:stCondLst>
+                            <p:childTnLst>
+                              <p:par>
+                                <p:cTn id="11" presetID="2" presetClass="entr" presetSubtype="4" fill="hold" grpId="0" nodeType="clickEffect">
+                                  <p:stCondLst>
+                                    <p:cond delay="0"/>
+                                  </p:stCondLst>
+                                  <p:childTnLst>
+                                    <p:set>
+                                      <p:cBhvr>
+                                        <p:cTn id="12" dur="1" fill="hold">
+                                          <p:stCondLst>
+                                            <p:cond delay="0"/>
+                                          </p:stCondLst>
+                                        </p:cTn>
+                                        <p:tgtEl>
+                                          <p:spTgt spid="8"/>
+                                        </p:tgtEl>
+                                        <p:attrNameLst>
+                                          <p:attrName>style.visibility</p:attrName>
+                                        </p:attrNameLst>
+                                      </p:cBhvr>
+                                      <p:to>
+                                        <p:strVal val="visible"/>
+                                      </p:to>
+                                    </p:set>
+                                    <p:anim calcmode="lin" valueType="num">
+                                      <p:cBhvr additive="base">
+                                        <p:cTn id="13" dur="500" fill="hold"/>
+                                        <p:tgtEl>
+                                          <p:spTgt spid="8"/>
+                                        </p:tgtEl>
+                                        <p:attrNameLst>
+                                          <p:attrName>ppt_x</p:attrName>
+                                        </p:attrNameLst>
+                                      </p:cBhvr>
+                                      <p:tavLst>
+                                        <p:tav tm="0">
+                                          <p:val>
+                                            <p:strVal val="#ppt_x"/>
+                                          </p:val>
+                                        </p:tav>
+                                        <p:tav tm="100000">
+                                          <p:val>
+                                            <p:strVal val="#ppt_x"/>
+                                          </p:val>
+                                        </p:tav>
+                                      </p:tavLst>
+                                    </p:anim>
+                                    <p:anim calcmode="lin" valueType="num">
+                                      <p:cBhvr additive="base">
+                                        <p:cTn id="14" dur="500" fill="hold"/>
+                                        <p:tgtEl>
+                                          <p:spTgt spid="8"/>
+                                        </p:tgtEl>
+                                        <p:attrNameLst>
+                                          <p:attrName>ppt_y</p:attrName>
+                                        </p:attrNameLst>
+                                      </p:cBhvr>
+                                      <p:tavLst>
+                                        <p:tav tm="0">
+                                          <p:val>
+                                            <p:strVal val="1+#ppt_h/2"/>
+                                          </p:val>
+                                        </p:tav>
+                                        <p:tav tm="100000">
+                                          <p:val>
+                                            <p:strVal val="#ppt_y"/>
+                                          </p:val>
+                                        </p:tav>
+                                      </p:tavLst>
+                                    </p:anim>
+                                  </p:childTnLst>
+                                </p:cTn>
+                              </p:par>
+                            </p:childTnLst>
+                          </p:cTn>
+                        </p:par>
+                      </p:childTnLst>
+                    </p:cTn>
+                  </p:par>
+                </p:childTnLst>
+              </p:cTn>
+              <p:prevCondLst>
+                <p:cond evt="onPrev" delay="0">
+                  <p:tgtEl>
+                    <p:sldTgt/>
+                  </p:tgtEl>
+                </p:cond>
+              </p:prevCondLst>
+              <p:nextCondLst>
+                <p:cond evt="onNext" delay="0">
+                  <p:tgtEl>
+                    <p:sldTgt/>
+                  </p:tgtEl>
+                </p:cond>
+              </p:nextCondLst>
+            </p:seq>
+          </p:childTnLst>
+        </p:cTn>
+      </p:par>
+    </p:tnLst>
+    <p:bldLst>
+      <p:bldP spid="8" grpId="0" bldLvl="0" animBg="1"/>
+    </p:bldLst>
+  </p:timing>
 </p:sld>
 </file>
 
@@ -20200,6 +20537,7 @@
           <a:bodyPr wrap="square">
             <a:spAutoFit/>
           </a:bodyPr>
+          <a:lstStyle/>
           <a:p>
             <a:pPr marL="0" lvl="1">
               <a:lnSpc>
@@ -20229,19 +20567,8 @@
                 <a:latin typeface="Times New Roman" panose="02020603050405020304" pitchFamily="18" charset="0"/>
                 <a:cs typeface="Times New Roman" panose="02020603050405020304" pitchFamily="18" charset="0"/>
               </a:rPr>
-              <a:t>       Hashin criteria &amp; </a:t>
-            </a:r>
-            <a:r>
-              <a:rPr lang="en-US" altLang="zh-CN" sz="2400" dirty="0" smtClean="0">
-                <a:latin typeface="Times New Roman" panose="02020603050405020304" pitchFamily="18" charset="0"/>
-                <a:cs typeface="Times New Roman" panose="02020603050405020304" pitchFamily="18" charset="0"/>
-              </a:rPr>
-              <a:t>Continuum Damage Model</a:t>
-            </a:r>
-            <a:endParaRPr lang="en-US" altLang="zh-CN" sz="2400" dirty="0" smtClean="0">
-              <a:latin typeface="Times New Roman" panose="02020603050405020304" pitchFamily="18" charset="0"/>
-              <a:cs typeface="Times New Roman" panose="02020603050405020304" pitchFamily="18" charset="0"/>
-            </a:endParaRPr>
+              <a:t>       Hashin criteria &amp; Continuum Damage Model</a:t>
+            </a:r>
           </a:p>
         </p:txBody>
       </p:sp>
@@ -20279,6 +20606,7 @@
         </p:spPr>
         <p:txBody>
           <a:bodyPr vert="horz" wrap="square" lIns="91440" tIns="45720" rIns="91440" bIns="45720" numCol="1" rtlCol="0" anchor="t" anchorCtr="0" compatLnSpc="1"/>
+          <a:lstStyle/>
           <a:p>
             <a:pPr marL="0" marR="0" indent="0" algn="l" defTabSz="914400" rtl="0" eaLnBrk="0" fontAlgn="base" latinLnBrk="0" hangingPunct="0">
               <a:lnSpc>
@@ -20343,6 +20671,7 @@
         </p:spPr>
         <p:txBody>
           <a:bodyPr vert="horz" wrap="square" lIns="91440" tIns="45720" rIns="91440" bIns="45720" numCol="1" rtlCol="0" anchor="t" anchorCtr="0" compatLnSpc="1"/>
+          <a:lstStyle/>
           <a:p>
             <a:pPr marL="0" marR="0" indent="0" algn="l" defTabSz="914400" rtl="0" eaLnBrk="0" fontAlgn="base" latinLnBrk="0" hangingPunct="0">
               <a:lnSpc>
@@ -20391,12 +20720,14 @@
         </p:spPr>
         <p:txBody>
           <a:bodyPr/>
+          <a:lstStyle/>
           <a:p>
             <a:pPr>
               <a:defRPr/>
             </a:pPr>
             <a:fld id="{846B4C44-8256-4B19-ACAC-87BF490EACA2}" type="slidenum">
               <a:rPr lang="en-US" altLang="zh-CN" smtClean="0"/>
+              <a:t>3</a:t>
             </a:fld>
             <a:endParaRPr lang="en-US" altLang="zh-CN" dirty="0"/>
           </a:p>
@@ -20421,6 +20752,7 @@
           <a:bodyPr wrap="none">
             <a:spAutoFit/>
           </a:bodyPr>
+          <a:lstStyle/>
           <a:p>
             <a:r>
               <a:rPr lang="en-US" altLang="zh-CN" dirty="0" err="1" smtClean="0">
@@ -20447,103 +20779,6 @@
       <p:pic>
         <p:nvPicPr>
           <p:cNvPr id="44" name="图片 43"/>
-          <p:cNvPicPr>
-            <a:picLocks noChangeAspect="1"/>
-          </p:cNvPicPr>
-          <p:nvPr/>
-        </p:nvPicPr>
-        <p:blipFill>
-          <a:blip r:embed="rId1"/>
-          <a:stretch>
-            <a:fillRect/>
-          </a:stretch>
-        </p:blipFill>
-        <p:spPr>
-          <a:xfrm>
-            <a:off x="357159" y="2021821"/>
-            <a:ext cx="3474506" cy="3206367"/>
-          </a:xfrm>
-          <a:prstGeom prst="rect">
-            <a:avLst/>
-          </a:prstGeom>
-        </p:spPr>
-      </p:pic>
-      <p:pic>
-        <p:nvPicPr>
-          <p:cNvPr id="45" name="图片 11"/>
-          <p:cNvPicPr>
-            <a:picLocks noChangeAspect="1"/>
-          </p:cNvPicPr>
-          <p:nvPr/>
-        </p:nvPicPr>
-        <p:blipFill>
-          <a:blip r:embed="rId2"/>
-          <a:stretch>
-            <a:fillRect/>
-          </a:stretch>
-        </p:blipFill>
-        <p:spPr>
-          <a:xfrm>
-            <a:off x="5177155" y="4704715"/>
-            <a:ext cx="2700655" cy="1579880"/>
-          </a:xfrm>
-          <a:prstGeom prst="rect">
-            <a:avLst/>
-          </a:prstGeom>
-          <a:noFill/>
-          <a:ln w="9525">
-            <a:noFill/>
-          </a:ln>
-        </p:spPr>
-      </p:pic>
-      <p:sp>
-        <p:nvSpPr>
-          <p:cNvPr id="46" name="文本框 45"/>
-          <p:cNvSpPr txBox="1"/>
-          <p:nvPr/>
-        </p:nvSpPr>
-        <p:spPr>
-          <a:xfrm>
-            <a:off x="3992121" y="3191659"/>
-            <a:ext cx="1440815" cy="306705"/>
-          </a:xfrm>
-          <a:prstGeom prst="rect">
-            <a:avLst/>
-          </a:prstGeom>
-          <a:noFill/>
-        </p:spPr>
-        <p:txBody>
-          <a:bodyPr wrap="none" rtlCol="0" anchor="t">
-            <a:spAutoFit/>
-          </a:bodyPr>
-          <a:p>
-            <a:r>
-              <a:rPr lang="en-US" altLang="zh-CN" sz="1400" dirty="0">
-                <a:latin typeface="Times New Roman" panose="02020603050405020304" pitchFamily="18" charset="0"/>
-                <a:cs typeface="Times New Roman" panose="02020603050405020304" pitchFamily="18" charset="0"/>
-                <a:sym typeface="+mn-ea"/>
-              </a:rPr>
-              <a:t>D</a:t>
-            </a:r>
-            <a:r>
-              <a:rPr lang="en-US" altLang="zh-CN" sz="1400" dirty="0" smtClean="0">
-                <a:latin typeface="Times New Roman" panose="02020603050405020304" pitchFamily="18" charset="0"/>
-                <a:cs typeface="Times New Roman" panose="02020603050405020304" pitchFamily="18" charset="0"/>
-                <a:sym typeface="+mn-ea"/>
-              </a:rPr>
-              <a:t>amage variable:</a:t>
-            </a:r>
-            <a:endParaRPr lang="zh-CN" altLang="en-US" sz="1400" dirty="0">
-              <a:latin typeface="Times New Roman" panose="02020603050405020304" pitchFamily="18" charset="0"/>
-              <a:cs typeface="Times New Roman" panose="02020603050405020304" pitchFamily="18" charset="0"/>
-              <a:sym typeface="+mn-ea"/>
-            </a:endParaRPr>
-          </a:p>
-        </p:txBody>
-      </p:sp>
-      <p:pic>
-        <p:nvPicPr>
-          <p:cNvPr id="47" name="图片 46"/>
           <p:cNvPicPr>
             <a:picLocks noChangeAspect="1"/>
           </p:cNvPicPr>
@@ -20557,8 +20792,8 @@
         </p:blipFill>
         <p:spPr>
           <a:xfrm>
-            <a:off x="4649534" y="3606443"/>
-            <a:ext cx="1696720" cy="878205"/>
+            <a:off x="357159" y="2021821"/>
+            <a:ext cx="3474506" cy="3206367"/>
           </a:xfrm>
           <a:prstGeom prst="rect">
             <a:avLst/>
@@ -20567,7 +20802,7 @@
       </p:pic>
       <p:pic>
         <p:nvPicPr>
-          <p:cNvPr id="48" name="图片 47"/>
+          <p:cNvPr id="45" name="图片 11"/>
           <p:cNvPicPr>
             <a:picLocks noChangeAspect="1"/>
           </p:cNvPicPr>
@@ -20581,17 +20816,67 @@
         </p:blipFill>
         <p:spPr>
           <a:xfrm>
-            <a:off x="6655276" y="3570372"/>
-            <a:ext cx="930275" cy="494665"/>
+            <a:off x="5177155" y="4704715"/>
+            <a:ext cx="2700655" cy="1579880"/>
           </a:xfrm>
           <a:prstGeom prst="rect">
             <a:avLst/>
           </a:prstGeom>
+          <a:noFill/>
+          <a:ln w="9525">
+            <a:noFill/>
+          </a:ln>
         </p:spPr>
       </p:pic>
+      <p:sp>
+        <p:nvSpPr>
+          <p:cNvPr id="46" name="文本框 45"/>
+          <p:cNvSpPr txBox="1"/>
+          <p:nvPr/>
+        </p:nvSpPr>
+        <p:spPr>
+          <a:xfrm>
+            <a:off x="3992121" y="3191659"/>
+            <a:ext cx="1440815" cy="306705"/>
+          </a:xfrm>
+          <a:prstGeom prst="rect">
+            <a:avLst/>
+          </a:prstGeom>
+          <a:noFill/>
+        </p:spPr>
+        <p:txBody>
+          <a:bodyPr wrap="none" rtlCol="0" anchor="t">
+            <a:spAutoFit/>
+          </a:bodyPr>
+          <a:lstStyle/>
+          <a:p>
+            <a:r>
+              <a:rPr lang="en-US" altLang="zh-CN" sz="1400" dirty="0">
+                <a:latin typeface="Times New Roman" panose="02020603050405020304" pitchFamily="18" charset="0"/>
+                <a:cs typeface="Times New Roman" panose="02020603050405020304" pitchFamily="18" charset="0"/>
+                <a:sym typeface="+mn-ea"/>
+              </a:rPr>
+              <a:t>D</a:t>
+            </a:r>
+            <a:r>
+              <a:rPr lang="en-US" altLang="zh-CN" sz="1400" dirty="0" smtClean="0">
+                <a:latin typeface="Times New Roman" panose="02020603050405020304" pitchFamily="18" charset="0"/>
+                <a:cs typeface="Times New Roman" panose="02020603050405020304" pitchFamily="18" charset="0"/>
+                <a:sym typeface="+mn-ea"/>
+              </a:rPr>
+              <a:t>amage variable:</a:t>
+            </a:r>
+            <a:endParaRPr lang="zh-CN" altLang="en-US" sz="1400" dirty="0">
+              <a:latin typeface="Times New Roman" panose="02020603050405020304" pitchFamily="18" charset="0"/>
+              <a:cs typeface="Times New Roman" panose="02020603050405020304" pitchFamily="18" charset="0"/>
+              <a:sym typeface="+mn-ea"/>
+            </a:endParaRPr>
+          </a:p>
+        </p:txBody>
+      </p:sp>
       <p:pic>
         <p:nvPicPr>
-          <p:cNvPr id="49" name="图片 48"/>
+          <p:cNvPr id="47" name="图片 46"/>
           <p:cNvPicPr>
             <a:picLocks noChangeAspect="1"/>
           </p:cNvPicPr>
@@ -20605,6 +20890,54 @@
         </p:blipFill>
         <p:spPr>
           <a:xfrm>
+            <a:off x="4649534" y="3606443"/>
+            <a:ext cx="1696720" cy="878205"/>
+          </a:xfrm>
+          <a:prstGeom prst="rect">
+            <a:avLst/>
+          </a:prstGeom>
+        </p:spPr>
+      </p:pic>
+      <p:pic>
+        <p:nvPicPr>
+          <p:cNvPr id="48" name="图片 47"/>
+          <p:cNvPicPr>
+            <a:picLocks noChangeAspect="1"/>
+          </p:cNvPicPr>
+          <p:nvPr/>
+        </p:nvPicPr>
+        <p:blipFill>
+          <a:blip r:embed="rId6"/>
+          <a:stretch>
+            <a:fillRect/>
+          </a:stretch>
+        </p:blipFill>
+        <p:spPr>
+          <a:xfrm>
+            <a:off x="6655276" y="3570372"/>
+            <a:ext cx="930275" cy="494665"/>
+          </a:xfrm>
+          <a:prstGeom prst="rect">
+            <a:avLst/>
+          </a:prstGeom>
+        </p:spPr>
+      </p:pic>
+      <p:pic>
+        <p:nvPicPr>
+          <p:cNvPr id="49" name="图片 48"/>
+          <p:cNvPicPr>
+            <a:picLocks noChangeAspect="1"/>
+          </p:cNvPicPr>
+          <p:nvPr/>
+        </p:nvPicPr>
+        <p:blipFill>
+          <a:blip r:embed="rId7"/>
+          <a:stretch>
+            <a:fillRect/>
+          </a:stretch>
+        </p:blipFill>
+        <p:spPr>
+          <a:xfrm>
             <a:off x="6583522" y="4136903"/>
             <a:ext cx="1062152" cy="567817"/>
           </a:xfrm>
@@ -20633,6 +20966,7 @@
           <a:bodyPr wrap="none" rtlCol="0" anchor="t">
             <a:spAutoFit/>
           </a:bodyPr>
+          <a:lstStyle/>
           <a:p>
             <a:r>
               <a:rPr lang="en-US" altLang="zh-CN" dirty="0" smtClean="0">
@@ -20670,12 +21004,12 @@
           <a:bodyPr wrap="square" rtlCol="0" anchor="t">
             <a:spAutoFit/>
           </a:bodyPr>
+          <a:lstStyle/>
           <a:p>
             <a:r>
               <a:rPr lang="zh-CN" altLang="en-US" sz="1000" dirty="0"/>
               <a:t>Lapczyk I, Hurtado J A. Progressive damage modeling in fiber-reinforced materials[J]. Composites Part A Applied Science &amp; Manufacturing, 2007, 38(11):2333-2341.</a:t>
             </a:r>
-            <a:endParaRPr lang="zh-CN" altLang="en-US" sz="1000" dirty="0"/>
           </a:p>
         </p:txBody>
       </p:sp>
@@ -20688,7 +21022,7 @@
           <p:nvPr/>
         </p:nvPicPr>
         <p:blipFill>
-          <a:blip r:embed="rId6"/>
+          <a:blip r:embed="rId8"/>
           <a:stretch>
             <a:fillRect/>
           </a:stretch>
@@ -20755,6 +21089,7 @@
           <a:bodyPr wrap="square">
             <a:spAutoFit/>
           </a:bodyPr>
+          <a:lstStyle/>
           <a:p>
             <a:pPr marL="0" lvl="1">
               <a:lnSpc>
@@ -20786,10 +21121,6 @@
               </a:rPr>
               <a:t>       Hashin criteria &amp; Continuum Damage Model</a:t>
             </a:r>
-            <a:endParaRPr lang="en-US" altLang="zh-CN" sz="2400" dirty="0" smtClean="0">
-              <a:latin typeface="Times New Roman" panose="02020603050405020304" pitchFamily="18" charset="0"/>
-              <a:cs typeface="Times New Roman" panose="02020603050405020304" pitchFamily="18" charset="0"/>
-            </a:endParaRPr>
           </a:p>
         </p:txBody>
       </p:sp>
@@ -20813,6 +21144,7 @@
           <a:bodyPr wrap="square" rtlCol="0" anchor="t">
             <a:spAutoFit/>
           </a:bodyPr>
+          <a:lstStyle/>
           <a:p>
             <a:pPr algn="l"/>
             <a:r>
@@ -20833,9 +21165,6 @@
               </a:rPr>
               <a:t> </a:t>
             </a:r>
-            <a:endParaRPr lang="en-US" altLang="zh-CN" sz="1800" b="1" dirty="0" smtClean="0">
-              <a:sym typeface="+mn-ea"/>
-            </a:endParaRPr>
           </a:p>
         </p:txBody>
       </p:sp>
@@ -20874,6 +21203,7 @@
         </p:style>
         <p:txBody>
           <a:bodyPr vert="horz" wrap="square" lIns="91440" tIns="45720" rIns="91440" bIns="45720" numCol="1" anchor="t" anchorCtr="0" compatLnSpc="1"/>
+          <a:lstStyle/>
           <a:p>
             <a:pPr marL="0" marR="0" indent="0" algn="l" defTabSz="914400" rtl="0" eaLnBrk="0" fontAlgn="base" latinLnBrk="0" hangingPunct="0">
               <a:lnSpc>
@@ -20922,12 +21252,12 @@
           <a:graphicData uri="http://schemas.openxmlformats.org/presentationml/2006/ole">
             <mc:AlternateContent xmlns:mc="http://schemas.openxmlformats.org/markup-compatibility/2006">
               <mc:Choice xmlns:v="urn:schemas-microsoft-com:vml" Requires="v">
-                <p:oleObj spid="_x0000_s2139" name="" r:id="rId1" imgW="1905000" imgH="457200" progId="Equation.KSEE3">
+                <p:oleObj spid="_x0000_s2144" r:id="rId4" imgW="1905000" imgH="457200" progId="Equation.KSEE3">
                   <p:embed/>
                 </p:oleObj>
               </mc:Choice>
               <mc:Fallback>
-                <p:oleObj name="" r:id="rId1" imgW="1905000" imgH="457200" progId="Equation.KSEE3">
+                <p:oleObj r:id="rId4" imgW="1905000" imgH="457200" progId="Equation.KSEE3">
                   <p:embed/>
                   <p:pic>
                     <p:nvPicPr>
@@ -20936,7 +21266,7 @@
                       <p:nvPr/>
                     </p:nvPicPr>
                     <p:blipFill>
-                      <a:blip r:embed="rId2"/>
+                      <a:blip r:embed="rId5"/>
                       <a:stretch>
                         <a:fillRect/>
                       </a:stretch>
@@ -20975,12 +21305,12 @@
           <a:graphicData uri="http://schemas.openxmlformats.org/presentationml/2006/ole">
             <mc:AlternateContent xmlns:mc="http://schemas.openxmlformats.org/markup-compatibility/2006">
               <mc:Choice xmlns:v="urn:schemas-microsoft-com:vml" Requires="v">
-                <p:oleObj spid="_x0000_s2140" name="" r:id="rId3" imgW="2908300" imgH="939800" progId="Equation.KSEE3">
+                <p:oleObj spid="_x0000_s2145" r:id="rId6" imgW="2908300" imgH="939800" progId="Equation.KSEE3">
                   <p:embed/>
                 </p:oleObj>
               </mc:Choice>
               <mc:Fallback>
-                <p:oleObj name="" r:id="rId3" imgW="2908300" imgH="939800" progId="Equation.KSEE3">
+                <p:oleObj r:id="rId6" imgW="2908300" imgH="939800" progId="Equation.KSEE3">
                   <p:embed/>
                   <p:pic>
                     <p:nvPicPr>
@@ -20989,7 +21319,7 @@
                       <p:nvPr/>
                     </p:nvPicPr>
                     <p:blipFill>
-                      <a:blip r:embed="rId4"/>
+                      <a:blip r:embed="rId7"/>
                       <a:stretch>
                         <a:fillRect/>
                       </a:stretch>
@@ -21030,12 +21360,12 @@
           <a:bodyPr wrap="square" rtlCol="0">
             <a:spAutoFit/>
           </a:bodyPr>
+          <a:lstStyle/>
           <a:p>
             <a:r>
               <a:rPr lang="en-US" altLang="zh-CN"/>
               <a:t>damage variables:</a:t>
             </a:r>
-            <a:endParaRPr lang="en-US" altLang="zh-CN"/>
           </a:p>
         </p:txBody>
       </p:sp>
@@ -21057,12 +21387,12 @@
           <a:graphicData uri="http://schemas.openxmlformats.org/presentationml/2006/ole">
             <mc:AlternateContent xmlns:mc="http://schemas.openxmlformats.org/markup-compatibility/2006">
               <mc:Choice xmlns:v="urn:schemas-microsoft-com:vml" Requires="v">
-                <p:oleObj spid="_x0000_s2141" name="" r:id="rId5" imgW="2311400" imgH="889000" progId="Equation.KSEE3">
+                <p:oleObj spid="_x0000_s2146" r:id="rId8" imgW="2311400" imgH="889000" progId="Equation.KSEE3">
                   <p:embed/>
                 </p:oleObj>
               </mc:Choice>
               <mc:Fallback>
-                <p:oleObj name="" r:id="rId5" imgW="2311400" imgH="889000" progId="Equation.KSEE3">
+                <p:oleObj r:id="rId8" imgW="2311400" imgH="889000" progId="Equation.KSEE3">
                   <p:embed/>
                   <p:pic>
                     <p:nvPicPr>
@@ -21071,7 +21401,7 @@
                       <p:nvPr/>
                     </p:nvPicPr>
                     <p:blipFill>
-                      <a:blip r:embed="rId6"/>
+                      <a:blip r:embed="rId9"/>
                       <a:stretch>
                         <a:fillRect/>
                       </a:stretch>
@@ -21128,6 +21458,7 @@
         </p:style>
         <p:txBody>
           <a:bodyPr vert="horz" wrap="square" lIns="91440" tIns="45720" rIns="91440" bIns="45720" numCol="1" anchor="t" anchorCtr="0" compatLnSpc="1"/>
+          <a:lstStyle/>
           <a:p>
             <a:pPr marL="0" marR="0" indent="0" algn="l" defTabSz="914400" rtl="0" eaLnBrk="0" fontAlgn="base" latinLnBrk="0" hangingPunct="0">
               <a:lnSpc>
@@ -21178,6 +21509,7 @@
           <a:bodyPr wrap="square" rtlCol="0">
             <a:spAutoFit/>
           </a:bodyPr>
+          <a:lstStyle/>
           <a:p>
             <a:r>
               <a:rPr lang="en-US" altLang="zh-CN"/>
@@ -21190,78 +21522,6 @@
       <p:pic>
         <p:nvPicPr>
           <p:cNvPr id="41" name="图片 40"/>
-          <p:cNvPicPr>
-            <a:picLocks noChangeAspect="1"/>
-          </p:cNvPicPr>
-          <p:nvPr/>
-        </p:nvPicPr>
-        <p:blipFill>
-          <a:blip r:embed="rId7"/>
-          <a:stretch>
-            <a:fillRect/>
-          </a:stretch>
-        </p:blipFill>
-        <p:spPr>
-          <a:xfrm>
-            <a:off x="110490" y="5033010"/>
-            <a:ext cx="4537075" cy="1567815"/>
-          </a:xfrm>
-          <a:prstGeom prst="rect">
-            <a:avLst/>
-          </a:prstGeom>
-        </p:spPr>
-      </p:pic>
-      <p:pic>
-        <p:nvPicPr>
-          <p:cNvPr id="43" name="图片 42"/>
-          <p:cNvPicPr>
-            <a:picLocks noChangeAspect="1"/>
-          </p:cNvPicPr>
-          <p:nvPr/>
-        </p:nvPicPr>
-        <p:blipFill>
-          <a:blip r:embed="rId8"/>
-          <a:stretch>
-            <a:fillRect/>
-          </a:stretch>
-        </p:blipFill>
-        <p:spPr>
-          <a:xfrm>
-            <a:off x="495935" y="1704975"/>
-            <a:ext cx="1894840" cy="1082040"/>
-          </a:xfrm>
-          <a:prstGeom prst="rect">
-            <a:avLst/>
-          </a:prstGeom>
-        </p:spPr>
-      </p:pic>
-      <p:pic>
-        <p:nvPicPr>
-          <p:cNvPr id="44" name="图片 43"/>
-          <p:cNvPicPr>
-            <a:picLocks noChangeAspect="1"/>
-          </p:cNvPicPr>
-          <p:nvPr/>
-        </p:nvPicPr>
-        <p:blipFill>
-          <a:blip r:embed="rId9"/>
-          <a:stretch>
-            <a:fillRect/>
-          </a:stretch>
-        </p:blipFill>
-        <p:spPr>
-          <a:xfrm>
-            <a:off x="2842895" y="1636395"/>
-            <a:ext cx="1159510" cy="694055"/>
-          </a:xfrm>
-          <a:prstGeom prst="rect">
-            <a:avLst/>
-          </a:prstGeom>
-        </p:spPr>
-      </p:pic>
-      <p:pic>
-        <p:nvPicPr>
-          <p:cNvPr id="45" name="图片 44"/>
           <p:cNvPicPr>
             <a:picLocks noChangeAspect="1"/>
           </p:cNvPicPr>
@@ -21275,6 +21535,78 @@
         </p:blipFill>
         <p:spPr>
           <a:xfrm>
+            <a:off x="110490" y="5033010"/>
+            <a:ext cx="4537075" cy="1567815"/>
+          </a:xfrm>
+          <a:prstGeom prst="rect">
+            <a:avLst/>
+          </a:prstGeom>
+        </p:spPr>
+      </p:pic>
+      <p:pic>
+        <p:nvPicPr>
+          <p:cNvPr id="43" name="图片 42"/>
+          <p:cNvPicPr>
+            <a:picLocks noChangeAspect="1"/>
+          </p:cNvPicPr>
+          <p:nvPr/>
+        </p:nvPicPr>
+        <p:blipFill>
+          <a:blip r:embed="rId11"/>
+          <a:stretch>
+            <a:fillRect/>
+          </a:stretch>
+        </p:blipFill>
+        <p:spPr>
+          <a:xfrm>
+            <a:off x="495935" y="1704975"/>
+            <a:ext cx="1894840" cy="1082040"/>
+          </a:xfrm>
+          <a:prstGeom prst="rect">
+            <a:avLst/>
+          </a:prstGeom>
+        </p:spPr>
+      </p:pic>
+      <p:pic>
+        <p:nvPicPr>
+          <p:cNvPr id="44" name="图片 43"/>
+          <p:cNvPicPr>
+            <a:picLocks noChangeAspect="1"/>
+          </p:cNvPicPr>
+          <p:nvPr/>
+        </p:nvPicPr>
+        <p:blipFill>
+          <a:blip r:embed="rId12"/>
+          <a:stretch>
+            <a:fillRect/>
+          </a:stretch>
+        </p:blipFill>
+        <p:spPr>
+          <a:xfrm>
+            <a:off x="2842895" y="1636395"/>
+            <a:ext cx="1159510" cy="694055"/>
+          </a:xfrm>
+          <a:prstGeom prst="rect">
+            <a:avLst/>
+          </a:prstGeom>
+        </p:spPr>
+      </p:pic>
+      <p:pic>
+        <p:nvPicPr>
+          <p:cNvPr id="45" name="图片 44"/>
+          <p:cNvPicPr>
+            <a:picLocks noChangeAspect="1"/>
+          </p:cNvPicPr>
+          <p:nvPr/>
+        </p:nvPicPr>
+        <p:blipFill>
+          <a:blip r:embed="rId13"/>
+          <a:stretch>
+            <a:fillRect/>
+          </a:stretch>
+        </p:blipFill>
+        <p:spPr>
+          <a:xfrm>
             <a:off x="2782570" y="2330450"/>
             <a:ext cx="1280160" cy="688340"/>
           </a:xfrm>
@@ -21292,7 +21624,7 @@
           <p:nvPr/>
         </p:nvPicPr>
         <p:blipFill>
-          <a:blip r:embed="rId11"/>
+          <a:blip r:embed="rId14"/>
           <a:stretch>
             <a:fillRect/>
           </a:stretch>
@@ -21359,6 +21691,7 @@
           <a:bodyPr wrap="square">
             <a:spAutoFit/>
           </a:bodyPr>
+          <a:lstStyle/>
           <a:p>
             <a:pPr marL="0" lvl="1">
               <a:lnSpc>
@@ -21411,103 +21744,6 @@
       <p:pic>
         <p:nvPicPr>
           <p:cNvPr id="34" name="图片 11"/>
-          <p:cNvPicPr>
-            <a:picLocks noChangeAspect="1"/>
-          </p:cNvPicPr>
-          <p:nvPr/>
-        </p:nvPicPr>
-        <p:blipFill>
-          <a:blip r:embed="rId1"/>
-          <a:stretch>
-            <a:fillRect/>
-          </a:stretch>
-        </p:blipFill>
-        <p:spPr>
-          <a:xfrm>
-            <a:off x="356870" y="4466590"/>
-            <a:ext cx="3150235" cy="1842770"/>
-          </a:xfrm>
-          <a:prstGeom prst="rect">
-            <a:avLst/>
-          </a:prstGeom>
-          <a:noFill/>
-          <a:ln w="9525">
-            <a:noFill/>
-          </a:ln>
-        </p:spPr>
-      </p:pic>
-      <p:sp>
-        <p:nvSpPr>
-          <p:cNvPr id="35" name="文本框 34"/>
-          <p:cNvSpPr txBox="1"/>
-          <p:nvPr/>
-        </p:nvSpPr>
-        <p:spPr>
-          <a:xfrm>
-            <a:off x="189741" y="1581934"/>
-            <a:ext cx="1440815" cy="306705"/>
-          </a:xfrm>
-          <a:prstGeom prst="rect">
-            <a:avLst/>
-          </a:prstGeom>
-          <a:noFill/>
-        </p:spPr>
-        <p:txBody>
-          <a:bodyPr wrap="none" rtlCol="0" anchor="t">
-            <a:spAutoFit/>
-          </a:bodyPr>
-          <a:p>
-            <a:r>
-              <a:rPr lang="en-US" altLang="zh-CN" sz="1400" dirty="0">
-                <a:latin typeface="Times New Roman" panose="02020603050405020304" pitchFamily="18" charset="0"/>
-                <a:cs typeface="Times New Roman" panose="02020603050405020304" pitchFamily="18" charset="0"/>
-                <a:sym typeface="+mn-ea"/>
-              </a:rPr>
-              <a:t>D</a:t>
-            </a:r>
-            <a:r>
-              <a:rPr lang="en-US" altLang="zh-CN" sz="1400" dirty="0" smtClean="0">
-                <a:latin typeface="Times New Roman" panose="02020603050405020304" pitchFamily="18" charset="0"/>
-                <a:cs typeface="Times New Roman" panose="02020603050405020304" pitchFamily="18" charset="0"/>
-                <a:sym typeface="+mn-ea"/>
-              </a:rPr>
-              <a:t>amage variable:</a:t>
-            </a:r>
-            <a:endParaRPr lang="zh-CN" altLang="en-US" sz="1400" dirty="0">
-              <a:latin typeface="Times New Roman" panose="02020603050405020304" pitchFamily="18" charset="0"/>
-              <a:cs typeface="Times New Roman" panose="02020603050405020304" pitchFamily="18" charset="0"/>
-              <a:sym typeface="+mn-ea"/>
-            </a:endParaRPr>
-          </a:p>
-        </p:txBody>
-      </p:sp>
-      <p:pic>
-        <p:nvPicPr>
-          <p:cNvPr id="36" name="图片 35"/>
-          <p:cNvPicPr>
-            <a:picLocks noChangeAspect="1"/>
-          </p:cNvPicPr>
-          <p:nvPr/>
-        </p:nvPicPr>
-        <p:blipFill>
-          <a:blip r:embed="rId2"/>
-          <a:stretch>
-            <a:fillRect/>
-          </a:stretch>
-        </p:blipFill>
-        <p:spPr>
-          <a:xfrm>
-            <a:off x="356934" y="1904643"/>
-            <a:ext cx="1696720" cy="878205"/>
-          </a:xfrm>
-          <a:prstGeom prst="rect">
-            <a:avLst/>
-          </a:prstGeom>
-        </p:spPr>
-      </p:pic>
-      <p:pic>
-        <p:nvPicPr>
-          <p:cNvPr id="38" name="图片 37"/>
           <p:cNvPicPr>
             <a:picLocks noChangeAspect="1"/>
           </p:cNvPicPr>
@@ -21521,17 +21757,67 @@
         </p:blipFill>
         <p:spPr>
           <a:xfrm>
-            <a:off x="2649061" y="1904132"/>
-            <a:ext cx="930275" cy="494665"/>
+            <a:off x="356870" y="4466590"/>
+            <a:ext cx="3150235" cy="1842770"/>
           </a:xfrm>
           <a:prstGeom prst="rect">
             <a:avLst/>
           </a:prstGeom>
+          <a:noFill/>
+          <a:ln w="9525">
+            <a:noFill/>
+          </a:ln>
         </p:spPr>
       </p:pic>
+      <p:sp>
+        <p:nvSpPr>
+          <p:cNvPr id="35" name="文本框 34"/>
+          <p:cNvSpPr txBox="1"/>
+          <p:nvPr/>
+        </p:nvSpPr>
+        <p:spPr>
+          <a:xfrm>
+            <a:off x="189741" y="1581934"/>
+            <a:ext cx="1440815" cy="306705"/>
+          </a:xfrm>
+          <a:prstGeom prst="rect">
+            <a:avLst/>
+          </a:prstGeom>
+          <a:noFill/>
+        </p:spPr>
+        <p:txBody>
+          <a:bodyPr wrap="none" rtlCol="0" anchor="t">
+            <a:spAutoFit/>
+          </a:bodyPr>
+          <a:lstStyle/>
+          <a:p>
+            <a:r>
+              <a:rPr lang="en-US" altLang="zh-CN" sz="1400" dirty="0">
+                <a:latin typeface="Times New Roman" panose="02020603050405020304" pitchFamily="18" charset="0"/>
+                <a:cs typeface="Times New Roman" panose="02020603050405020304" pitchFamily="18" charset="0"/>
+                <a:sym typeface="+mn-ea"/>
+              </a:rPr>
+              <a:t>D</a:t>
+            </a:r>
+            <a:r>
+              <a:rPr lang="en-US" altLang="zh-CN" sz="1400" dirty="0" smtClean="0">
+                <a:latin typeface="Times New Roman" panose="02020603050405020304" pitchFamily="18" charset="0"/>
+                <a:cs typeface="Times New Roman" panose="02020603050405020304" pitchFamily="18" charset="0"/>
+                <a:sym typeface="+mn-ea"/>
+              </a:rPr>
+              <a:t>amage variable:</a:t>
+            </a:r>
+            <a:endParaRPr lang="zh-CN" altLang="en-US" sz="1400" dirty="0">
+              <a:latin typeface="Times New Roman" panose="02020603050405020304" pitchFamily="18" charset="0"/>
+              <a:cs typeface="Times New Roman" panose="02020603050405020304" pitchFamily="18" charset="0"/>
+              <a:sym typeface="+mn-ea"/>
+            </a:endParaRPr>
+          </a:p>
+        </p:txBody>
+      </p:sp>
       <p:pic>
         <p:nvPicPr>
-          <p:cNvPr id="39" name="图片 38"/>
+          <p:cNvPr id="36" name="图片 35"/>
           <p:cNvPicPr>
             <a:picLocks noChangeAspect="1"/>
           </p:cNvPicPr>
@@ -21545,46 +21831,17 @@
         </p:blipFill>
         <p:spPr>
           <a:xfrm>
-            <a:off x="2583022" y="2398908"/>
-            <a:ext cx="1062152" cy="567817"/>
+            <a:off x="356934" y="1904643"/>
+            <a:ext cx="1696720" cy="878205"/>
           </a:xfrm>
           <a:prstGeom prst="rect">
             <a:avLst/>
           </a:prstGeom>
         </p:spPr>
       </p:pic>
-      <p:sp>
-        <p:nvSpPr>
-          <p:cNvPr id="4" name="文本框 3"/>
-          <p:cNvSpPr txBox="1"/>
-          <p:nvPr/>
-        </p:nvSpPr>
-        <p:spPr>
-          <a:xfrm>
-            <a:off x="26671" y="6309320"/>
-            <a:ext cx="3893783" cy="549910"/>
-          </a:xfrm>
-          <a:prstGeom prst="rect">
-            <a:avLst/>
-          </a:prstGeom>
-          <a:noFill/>
-        </p:spPr>
-        <p:txBody>
-          <a:bodyPr wrap="square" rtlCol="0" anchor="t">
-            <a:spAutoFit/>
-          </a:bodyPr>
-          <a:p>
-            <a:r>
-              <a:rPr lang="zh-CN" altLang="en-US" sz="1000" dirty="0"/>
-              <a:t>Lapczyk I, Hurtado J A. Progressive damage modeling in fiber-reinforced materials[J]. Composites Part A Applied Science &amp; Manufacturing, 2007, 38(11):2333-2341.</a:t>
-            </a:r>
-            <a:endParaRPr lang="zh-CN" altLang="en-US" sz="1000" dirty="0"/>
-          </a:p>
-        </p:txBody>
-      </p:sp>
       <p:pic>
         <p:nvPicPr>
-          <p:cNvPr id="6" name="图片 5"/>
+          <p:cNvPr id="38" name="图片 37"/>
           <p:cNvPicPr>
             <a:picLocks noChangeAspect="1"/>
           </p:cNvPicPr>
@@ -21598,174 +21855,17 @@
         </p:blipFill>
         <p:spPr>
           <a:xfrm>
-            <a:off x="46355" y="3148330"/>
-            <a:ext cx="3963035" cy="1318260"/>
+            <a:off x="2649061" y="1904132"/>
+            <a:ext cx="930275" cy="494665"/>
           </a:xfrm>
           <a:prstGeom prst="rect">
             <a:avLst/>
           </a:prstGeom>
         </p:spPr>
       </p:pic>
-      <p:sp>
-        <p:nvSpPr>
-          <p:cNvPr id="7" name="灯片编号占位符 6"/>
-          <p:cNvSpPr>
-            <a:spLocks noGrp="1"/>
-          </p:cNvSpPr>
-          <p:nvPr>
-            <p:ph type="sldNum" sz="quarter" idx="12"/>
-          </p:nvPr>
-        </p:nvSpPr>
-        <p:spPr>
-          <a:xfrm>
-            <a:off x="12334443" y="6243638"/>
-            <a:ext cx="442392" cy="457200"/>
-          </a:xfrm>
-        </p:spPr>
-        <p:txBody>
-          <a:bodyPr/>
-          <a:p>
-            <a:pPr>
-              <a:defRPr/>
-            </a:pPr>
-            <a:fld id="{846B4C44-8256-4B19-ACAC-87BF490EACA2}" type="slidenum">
-              <a:rPr lang="en-US" altLang="zh-CN" smtClean="0"/>
-            </a:fld>
-            <a:endParaRPr lang="en-US" altLang="zh-CN" dirty="0"/>
-          </a:p>
-        </p:txBody>
-      </p:sp>
-      <p:sp>
-        <p:nvSpPr>
-          <p:cNvPr id="8" name="文本框 7"/>
-          <p:cNvSpPr txBox="1"/>
-          <p:nvPr/>
-        </p:nvSpPr>
-        <p:spPr>
-          <a:xfrm>
-            <a:off x="4362326" y="1605429"/>
-            <a:ext cx="1440815" cy="306705"/>
-          </a:xfrm>
-          <a:prstGeom prst="rect">
-            <a:avLst/>
-          </a:prstGeom>
-          <a:noFill/>
-        </p:spPr>
-        <p:txBody>
-          <a:bodyPr wrap="none" rtlCol="0" anchor="t">
-            <a:spAutoFit/>
-          </a:bodyPr>
-          <a:p>
-            <a:r>
-              <a:rPr lang="en-US" altLang="zh-CN" sz="1400" dirty="0">
-                <a:latin typeface="Times New Roman" panose="02020603050405020304" pitchFamily="18" charset="0"/>
-                <a:cs typeface="Times New Roman" panose="02020603050405020304" pitchFamily="18" charset="0"/>
-                <a:sym typeface="+mn-ea"/>
-              </a:rPr>
-              <a:t>D</a:t>
-            </a:r>
-            <a:r>
-              <a:rPr lang="en-US" altLang="zh-CN" sz="1400" dirty="0" smtClean="0">
-                <a:latin typeface="Times New Roman" panose="02020603050405020304" pitchFamily="18" charset="0"/>
-                <a:cs typeface="Times New Roman" panose="02020603050405020304" pitchFamily="18" charset="0"/>
-                <a:sym typeface="+mn-ea"/>
-              </a:rPr>
-              <a:t>amage variable:</a:t>
-            </a:r>
-            <a:endParaRPr lang="zh-CN" altLang="en-US" sz="1400" dirty="0">
-              <a:latin typeface="Times New Roman" panose="02020603050405020304" pitchFamily="18" charset="0"/>
-              <a:cs typeface="Times New Roman" panose="02020603050405020304" pitchFamily="18" charset="0"/>
-              <a:sym typeface="+mn-ea"/>
-            </a:endParaRPr>
-          </a:p>
-        </p:txBody>
-      </p:sp>
-      <p:sp>
-        <p:nvSpPr>
-          <p:cNvPr id="9" name="文本框 8"/>
-          <p:cNvSpPr txBox="1"/>
-          <p:nvPr/>
-        </p:nvSpPr>
-        <p:spPr>
-          <a:xfrm>
-            <a:off x="4446906" y="6291540"/>
-            <a:ext cx="3893783" cy="553085"/>
-          </a:xfrm>
-          <a:prstGeom prst="rect">
-            <a:avLst/>
-          </a:prstGeom>
-          <a:noFill/>
-        </p:spPr>
-        <p:txBody>
-          <a:bodyPr wrap="square" rtlCol="0" anchor="t">
-            <a:spAutoFit/>
-          </a:bodyPr>
-          <a:p>
-            <a:r>
-              <a:rPr lang="zh-CN" altLang="en-US" sz="1000" dirty="0"/>
-              <a:t>Damage and Failure Study of Composite Laminates with</a:t>
-            </a:r>
-            <a:endParaRPr lang="zh-CN" altLang="en-US" sz="1000" dirty="0"/>
-          </a:p>
-          <a:p>
-            <a:r>
-              <a:rPr lang="zh-CN" altLang="en-US" sz="1000" dirty="0"/>
-              <a:t>Reinforced Cutout Based on CDM</a:t>
-            </a:r>
-            <a:endParaRPr lang="zh-CN" altLang="en-US" sz="1000" dirty="0"/>
-          </a:p>
-          <a:p>
-            <a:r>
-              <a:rPr lang="zh-CN" altLang="en-US" sz="1000" dirty="0"/>
-              <a:t>Wang Wenzhi，Wan Xiaopeng，Yao Liaojun</a:t>
-            </a:r>
-            <a:endParaRPr lang="zh-CN" altLang="en-US" sz="1000" dirty="0"/>
-          </a:p>
-        </p:txBody>
-      </p:sp>
-      <p:sp>
-        <p:nvSpPr>
-          <p:cNvPr id="10" name="矩形 9"/>
-          <p:cNvSpPr/>
-          <p:nvPr/>
-        </p:nvSpPr>
-        <p:spPr>
-          <a:xfrm>
-            <a:off x="4288790" y="1098550"/>
-            <a:ext cx="8487410" cy="506730"/>
-          </a:xfrm>
-          <a:prstGeom prst="rect">
-            <a:avLst/>
-          </a:prstGeom>
-        </p:spPr>
-        <p:txBody>
-          <a:bodyPr wrap="square">
-            <a:spAutoFit/>
-          </a:bodyPr>
-          <a:p>
-            <a:pPr>
-              <a:lnSpc>
-                <a:spcPct val="150000"/>
-              </a:lnSpc>
-            </a:pPr>
-            <a:r>
-              <a:rPr lang="en-US" altLang="zh-CN" b="1" dirty="0" smtClean="0">
-                <a:latin typeface="Times New Roman" panose="02020603050405020304" pitchFamily="18" charset="0"/>
-                <a:cs typeface="Times New Roman" panose="02020603050405020304" pitchFamily="18" charset="0"/>
-                <a:sym typeface="+mn-ea"/>
-              </a:rPr>
-              <a:t>Exponential degenaration:</a:t>
-            </a:r>
-            <a:endParaRPr lang="en-US" altLang="zh-CN" dirty="0">
-              <a:latin typeface="Times New Roman" panose="02020603050405020304" pitchFamily="18" charset="0"/>
-              <a:cs typeface="Times New Roman" panose="02020603050405020304" pitchFamily="18" charset="0"/>
-            </a:endParaRPr>
-          </a:p>
-        </p:txBody>
-      </p:sp>
       <p:pic>
         <p:nvPicPr>
-          <p:cNvPr id="12" name="图片 11"/>
+          <p:cNvPr id="39" name="图片 38"/>
           <p:cNvPicPr>
             <a:picLocks noChangeAspect="1"/>
           </p:cNvPicPr>
@@ -21779,17 +21879,46 @@
         </p:blipFill>
         <p:spPr>
           <a:xfrm>
-            <a:off x="5298440" y="4620260"/>
-            <a:ext cx="1929765" cy="1710690"/>
+            <a:off x="2583022" y="2398908"/>
+            <a:ext cx="1062152" cy="567817"/>
           </a:xfrm>
           <a:prstGeom prst="rect">
             <a:avLst/>
           </a:prstGeom>
         </p:spPr>
       </p:pic>
+      <p:sp>
+        <p:nvSpPr>
+          <p:cNvPr id="4" name="文本框 3"/>
+          <p:cNvSpPr txBox="1"/>
+          <p:nvPr/>
+        </p:nvSpPr>
+        <p:spPr>
+          <a:xfrm>
+            <a:off x="26671" y="6309320"/>
+            <a:ext cx="3893783" cy="549910"/>
+          </a:xfrm>
+          <a:prstGeom prst="rect">
+            <a:avLst/>
+          </a:prstGeom>
+          <a:noFill/>
+        </p:spPr>
+        <p:txBody>
+          <a:bodyPr wrap="square" rtlCol="0" anchor="t">
+            <a:spAutoFit/>
+          </a:bodyPr>
+          <a:lstStyle/>
+          <a:p>
+            <a:r>
+              <a:rPr lang="zh-CN" altLang="en-US" sz="1000" dirty="0"/>
+              <a:t>Lapczyk I, Hurtado J A. Progressive damage modeling in fiber-reinforced materials[J]. Composites Part A Applied Science &amp; Manufacturing, 2007, 38(11):2333-2341.</a:t>
+            </a:r>
+          </a:p>
+        </p:txBody>
+      </p:sp>
       <p:pic>
         <p:nvPicPr>
-          <p:cNvPr id="13" name="图片 12"/>
+          <p:cNvPr id="6" name="图片 5"/>
           <p:cNvPicPr>
             <a:picLocks noChangeAspect="1"/>
           </p:cNvPicPr>
@@ -21803,17 +21932,176 @@
         </p:blipFill>
         <p:spPr>
           <a:xfrm>
-            <a:off x="4446905" y="1884680"/>
-            <a:ext cx="3345815" cy="534670"/>
+            <a:off x="46355" y="3148330"/>
+            <a:ext cx="3963035" cy="1318260"/>
           </a:xfrm>
           <a:prstGeom prst="rect">
             <a:avLst/>
           </a:prstGeom>
         </p:spPr>
       </p:pic>
+      <p:sp>
+        <p:nvSpPr>
+          <p:cNvPr id="7" name="灯片编号占位符 6"/>
+          <p:cNvSpPr>
+            <a:spLocks noGrp="1"/>
+          </p:cNvSpPr>
+          <p:nvPr>
+            <p:ph type="sldNum" sz="quarter" idx="12"/>
+          </p:nvPr>
+        </p:nvSpPr>
+        <p:spPr>
+          <a:xfrm>
+            <a:off x="12334443" y="6243638"/>
+            <a:ext cx="442392" cy="457200"/>
+          </a:xfrm>
+        </p:spPr>
+        <p:txBody>
+          <a:bodyPr/>
+          <a:lstStyle/>
+          <a:p>
+            <a:pPr>
+              <a:defRPr/>
+            </a:pPr>
+            <a:fld id="{846B4C44-8256-4B19-ACAC-87BF490EACA2}" type="slidenum">
+              <a:rPr lang="en-US" altLang="zh-CN" smtClean="0"/>
+              <a:t>5</a:t>
+            </a:fld>
+            <a:endParaRPr lang="en-US" altLang="zh-CN" dirty="0"/>
+          </a:p>
+        </p:txBody>
+      </p:sp>
+      <p:sp>
+        <p:nvSpPr>
+          <p:cNvPr id="8" name="文本框 7"/>
+          <p:cNvSpPr txBox="1"/>
+          <p:nvPr/>
+        </p:nvSpPr>
+        <p:spPr>
+          <a:xfrm>
+            <a:off x="4362326" y="1605429"/>
+            <a:ext cx="1440815" cy="306705"/>
+          </a:xfrm>
+          <a:prstGeom prst="rect">
+            <a:avLst/>
+          </a:prstGeom>
+          <a:noFill/>
+        </p:spPr>
+        <p:txBody>
+          <a:bodyPr wrap="none" rtlCol="0" anchor="t">
+            <a:spAutoFit/>
+          </a:bodyPr>
+          <a:lstStyle/>
+          <a:p>
+            <a:r>
+              <a:rPr lang="en-US" altLang="zh-CN" sz="1400" dirty="0">
+                <a:latin typeface="Times New Roman" panose="02020603050405020304" pitchFamily="18" charset="0"/>
+                <a:cs typeface="Times New Roman" panose="02020603050405020304" pitchFamily="18" charset="0"/>
+                <a:sym typeface="+mn-ea"/>
+              </a:rPr>
+              <a:t>D</a:t>
+            </a:r>
+            <a:r>
+              <a:rPr lang="en-US" altLang="zh-CN" sz="1400" dirty="0" smtClean="0">
+                <a:latin typeface="Times New Roman" panose="02020603050405020304" pitchFamily="18" charset="0"/>
+                <a:cs typeface="Times New Roman" panose="02020603050405020304" pitchFamily="18" charset="0"/>
+                <a:sym typeface="+mn-ea"/>
+              </a:rPr>
+              <a:t>amage variable:</a:t>
+            </a:r>
+            <a:endParaRPr lang="zh-CN" altLang="en-US" sz="1400" dirty="0">
+              <a:latin typeface="Times New Roman" panose="02020603050405020304" pitchFamily="18" charset="0"/>
+              <a:cs typeface="Times New Roman" panose="02020603050405020304" pitchFamily="18" charset="0"/>
+              <a:sym typeface="+mn-ea"/>
+            </a:endParaRPr>
+          </a:p>
+        </p:txBody>
+      </p:sp>
+      <p:sp>
+        <p:nvSpPr>
+          <p:cNvPr id="9" name="文本框 8"/>
+          <p:cNvSpPr txBox="1"/>
+          <p:nvPr/>
+        </p:nvSpPr>
+        <p:spPr>
+          <a:xfrm>
+            <a:off x="4446906" y="6291540"/>
+            <a:ext cx="3893783" cy="553085"/>
+          </a:xfrm>
+          <a:prstGeom prst="rect">
+            <a:avLst/>
+          </a:prstGeom>
+          <a:noFill/>
+        </p:spPr>
+        <p:txBody>
+          <a:bodyPr wrap="square" rtlCol="0" anchor="t">
+            <a:spAutoFit/>
+          </a:bodyPr>
+          <a:lstStyle/>
+          <a:p>
+            <a:r>
+              <a:rPr lang="zh-CN" altLang="en-US" sz="1000" dirty="0"/>
+              <a:t>Damage and Failure Study of Composite Laminates with</a:t>
+            </a:r>
+          </a:p>
+          <a:p>
+            <a:r>
+              <a:rPr lang="zh-CN" altLang="en-US" sz="1000" dirty="0"/>
+              <a:t>Reinforced Cutout Based on CDM</a:t>
+            </a:r>
+          </a:p>
+          <a:p>
+            <a:r>
+              <a:rPr lang="zh-CN" altLang="en-US" sz="1000" dirty="0"/>
+              <a:t>Wang Wenzhi，Wan Xiaopeng，Yao Liaojun</a:t>
+            </a:r>
+          </a:p>
+        </p:txBody>
+      </p:sp>
+      <p:sp>
+        <p:nvSpPr>
+          <p:cNvPr id="10" name="矩形 9"/>
+          <p:cNvSpPr/>
+          <p:nvPr/>
+        </p:nvSpPr>
+        <p:spPr>
+          <a:xfrm>
+            <a:off x="4288790" y="1098550"/>
+            <a:ext cx="8487410" cy="506730"/>
+          </a:xfrm>
+          <a:prstGeom prst="rect">
+            <a:avLst/>
+          </a:prstGeom>
+        </p:spPr>
+        <p:txBody>
+          <a:bodyPr wrap="square">
+            <a:spAutoFit/>
+          </a:bodyPr>
+          <a:lstStyle/>
+          <a:p>
+            <a:pPr>
+              <a:lnSpc>
+                <a:spcPct val="150000"/>
+              </a:lnSpc>
+            </a:pPr>
+            <a:r>
+              <a:rPr lang="en-US" altLang="zh-CN" b="1" dirty="0" smtClean="0">
+                <a:latin typeface="Times New Roman" panose="02020603050405020304" pitchFamily="18" charset="0"/>
+                <a:cs typeface="Times New Roman" panose="02020603050405020304" pitchFamily="18" charset="0"/>
+                <a:sym typeface="+mn-ea"/>
+              </a:rPr>
+              <a:t>Exponential degenaration:</a:t>
+            </a:r>
+            <a:endParaRPr lang="en-US" altLang="zh-CN" dirty="0">
+              <a:latin typeface="Times New Roman" panose="02020603050405020304" pitchFamily="18" charset="0"/>
+              <a:cs typeface="Times New Roman" panose="02020603050405020304" pitchFamily="18" charset="0"/>
+            </a:endParaRPr>
+          </a:p>
+        </p:txBody>
+      </p:sp>
       <p:pic>
         <p:nvPicPr>
-          <p:cNvPr id="21" name="图片 20"/>
+          <p:cNvPr id="12" name="图片 11"/>
           <p:cNvPicPr>
             <a:picLocks noChangeAspect="1"/>
           </p:cNvPicPr>
@@ -21827,6 +22115,54 @@
         </p:blipFill>
         <p:spPr>
           <a:xfrm>
+            <a:off x="5298440" y="4620260"/>
+            <a:ext cx="1929765" cy="1710690"/>
+          </a:xfrm>
+          <a:prstGeom prst="rect">
+            <a:avLst/>
+          </a:prstGeom>
+        </p:spPr>
+      </p:pic>
+      <p:pic>
+        <p:nvPicPr>
+          <p:cNvPr id="13" name="图片 12"/>
+          <p:cNvPicPr>
+            <a:picLocks noChangeAspect="1"/>
+          </p:cNvPicPr>
+          <p:nvPr/>
+        </p:nvPicPr>
+        <p:blipFill>
+          <a:blip r:embed="rId9"/>
+          <a:stretch>
+            <a:fillRect/>
+          </a:stretch>
+        </p:blipFill>
+        <p:spPr>
+          <a:xfrm>
+            <a:off x="4446905" y="1884680"/>
+            <a:ext cx="3345815" cy="534670"/>
+          </a:xfrm>
+          <a:prstGeom prst="rect">
+            <a:avLst/>
+          </a:prstGeom>
+        </p:spPr>
+      </p:pic>
+      <p:pic>
+        <p:nvPicPr>
+          <p:cNvPr id="21" name="图片 20"/>
+          <p:cNvPicPr>
+            <a:picLocks noChangeAspect="1"/>
+          </p:cNvPicPr>
+          <p:nvPr/>
+        </p:nvPicPr>
+        <p:blipFill>
+          <a:blip r:embed="rId10"/>
+          <a:stretch>
+            <a:fillRect/>
+          </a:stretch>
+        </p:blipFill>
+        <p:spPr>
+          <a:xfrm>
             <a:off x="4868545" y="2419350"/>
             <a:ext cx="1786255" cy="499110"/>
           </a:xfrm>
@@ -21855,6 +22191,7 @@
           <a:bodyPr wrap="none" rtlCol="0" anchor="t">
             <a:spAutoFit/>
           </a:bodyPr>
+          <a:lstStyle/>
           <a:p>
             <a:r>
               <a:rPr lang="en-US" altLang="zh-CN" b="1" dirty="0" smtClean="0">
@@ -21905,7 +22242,7 @@
           <p:nvPr/>
         </p:nvPicPr>
         <p:blipFill>
-          <a:blip r:embed="rId9"/>
+          <a:blip r:embed="rId11"/>
           <a:stretch>
             <a:fillRect/>
           </a:stretch>
@@ -21929,7 +22266,7 @@
           <p:nvPr/>
         </p:nvPicPr>
         <p:blipFill>
-          <a:blip r:embed="rId10"/>
+          <a:blip r:embed="rId12"/>
           <a:stretch>
             <a:fillRect/>
           </a:stretch>
@@ -21996,6 +22333,7 @@
           <a:bodyPr wrap="square">
             <a:spAutoFit/>
           </a:bodyPr>
+          <a:lstStyle/>
           <a:p>
             <a:pPr marL="0" lvl="1">
               <a:lnSpc>
@@ -22038,13 +22376,6 @@
               </a:rPr>
               <a:t>Degeneration Model(linear vs exponential)</a:t>
             </a:r>
-            <a:endParaRPr lang="en-US" altLang="zh-CN" sz="2400">
-              <a:solidFill>
-                <a:schemeClr val="dk1"/>
-              </a:solidFill>
-              <a:latin typeface="Times New Roman" panose="02020603050405020304" pitchFamily="18" charset="0"/>
-              <a:sym typeface="+mn-ea"/>
-            </a:endParaRPr>
           </a:p>
           <a:p>
             <a:pPr marL="0" lvl="1">
@@ -22068,7 +22399,7 @@
           <p:nvPr/>
         </p:nvPicPr>
         <p:blipFill>
-          <a:blip r:embed="rId1"/>
+          <a:blip r:embed="rId4"/>
           <a:stretch>
             <a:fillRect/>
           </a:stretch>
@@ -22103,12 +22434,12 @@
           <a:bodyPr wrap="square" rtlCol="0" anchor="t">
             <a:spAutoFit/>
           </a:bodyPr>
+          <a:lstStyle/>
           <a:p>
             <a:r>
               <a:rPr lang="zh-CN" altLang="en-US" sz="1200"/>
               <a:t>Maimí P, Camanho P P, Mayugo J A, et al. A continuum damage model for composite laminates: Part II – Computational implementation and validation[J]. Mechanics of Materials, 2007, 39(10):909–919.</a:t>
             </a:r>
-            <a:endParaRPr lang="zh-CN" altLang="en-US" sz="1200"/>
           </a:p>
         </p:txBody>
       </p:sp>
@@ -22132,6 +22463,7 @@
           <a:bodyPr wrap="square" rtlCol="0">
             <a:spAutoFit/>
           </a:bodyPr>
+          <a:lstStyle/>
           <a:p>
             <a:r>
               <a:rPr lang="zh-CN" altLang="en-US" b="1"/>
@@ -22141,7 +22473,6 @@
               <a:rPr lang="zh-CN" altLang="en-US"/>
               <a:t>损伤演化，损伤变量可写为：</a:t>
             </a:r>
-            <a:endParaRPr lang="zh-CN" altLang="en-US"/>
           </a:p>
         </p:txBody>
       </p:sp>
@@ -22154,7 +22485,7 @@
           <p:nvPr/>
         </p:nvPicPr>
         <p:blipFill>
-          <a:blip r:embed="rId2"/>
+          <a:blip r:embed="rId5"/>
           <a:stretch>
             <a:fillRect/>
           </a:stretch>
@@ -22189,6 +22520,7 @@
           <a:bodyPr wrap="square" rtlCol="0">
             <a:spAutoFit/>
           </a:bodyPr>
+          <a:lstStyle/>
           <a:p>
             <a:r>
               <a:rPr lang="en-US" altLang="zh-CN"/>
@@ -22206,7 +22538,6 @@
               <a:rPr lang="zh-CN" altLang="en-US"/>
               <a:t>，损伤后为失效准则的表达式 </a:t>
             </a:r>
-            <a:endParaRPr lang="zh-CN" altLang="en-US"/>
           </a:p>
           <a:p>
             <a:endParaRPr lang="zh-CN" altLang="en-US"/>
@@ -22216,7 +22547,6 @@
               <a:rPr lang="zh-CN" altLang="en-US"/>
               <a:t>对能量耗散率进行积分，等于总的能量耗散值（与单元尺寸无关）：   </a:t>
             </a:r>
-            <a:endParaRPr lang="zh-CN" altLang="en-US"/>
           </a:p>
         </p:txBody>
       </p:sp>
@@ -22229,7 +22559,7 @@
           <p:nvPr/>
         </p:nvPicPr>
         <p:blipFill>
-          <a:blip r:embed="rId3"/>
+          <a:blip r:embed="rId6"/>
           <a:stretch>
             <a:fillRect/>
           </a:stretch>
@@ -22247,7 +22577,7 @@
       <p:graphicFrame>
         <p:nvGraphicFramePr>
           <p:cNvPr id="2" name="对象 1">
-            <a:hlinkClick r:id="" action="ppaction://ole?verb="/>
+            <a:hlinkClick r:id="" action="ppaction://ole?verb=0"/>
           </p:cNvPr>
           <p:cNvGraphicFramePr>
             <a:graphicFrameLocks noChangeAspect="1"/>
@@ -22262,12 +22592,12 @@
           <a:graphicData uri="http://schemas.openxmlformats.org/presentationml/2006/ole">
             <mc:AlternateContent xmlns:mc="http://schemas.openxmlformats.org/markup-compatibility/2006">
               <mc:Choice xmlns:v="urn:schemas-microsoft-com:vml" Requires="v">
-                <p:oleObj spid="_x0000_s1028" name="" r:id="rId4" imgW="165100" imgH="228600" progId="Equation.KSEE3">
+                <p:oleObj spid="_x0000_s1032" r:id="rId7" imgW="165100" imgH="228600" progId="Equation.KSEE3">
                   <p:embed/>
                 </p:oleObj>
               </mc:Choice>
               <mc:Fallback>
-                <p:oleObj name="" r:id="rId4" imgW="165100" imgH="228600" progId="Equation.KSEE3">
+                <p:oleObj r:id="rId7" imgW="165100" imgH="228600" progId="Equation.KSEE3">
                   <p:embed/>
                   <p:pic>
                     <p:nvPicPr>
@@ -22276,7 +22606,7 @@
                       <p:nvPr/>
                     </p:nvPicPr>
                     <p:blipFill>
-                      <a:blip r:embed="rId5"/>
+                      <a:blip r:embed="rId8"/>
                       <a:stretch>
                         <a:fillRect/>
                       </a:stretch>
@@ -22317,6 +22647,7 @@
           <a:bodyPr wrap="square" rtlCol="0">
             <a:spAutoFit/>
           </a:bodyPr>
+          <a:lstStyle/>
           <a:p>
             <a:r>
               <a:rPr lang="zh-CN" altLang="en-US"/>
@@ -22330,14 +22661,13 @@
               <a:rPr lang="zh-CN" altLang="en-US"/>
               <a:t>。</a:t>
             </a:r>
-            <a:endParaRPr lang="zh-CN" altLang="en-US"/>
           </a:p>
         </p:txBody>
       </p:sp>
       <p:graphicFrame>
         <p:nvGraphicFramePr>
           <p:cNvPr id="28" name="对象 27">
-            <a:hlinkClick r:id="" action="ppaction://ole?verb="/>
+            <a:hlinkClick r:id="" action="ppaction://ole?verb=0"/>
           </p:cNvPr>
           <p:cNvGraphicFramePr>
             <a:graphicFrameLocks noChangeAspect="1"/>
@@ -22352,12 +22682,12 @@
           <a:graphicData uri="http://schemas.openxmlformats.org/presentationml/2006/ole">
             <mc:AlternateContent xmlns:mc="http://schemas.openxmlformats.org/markup-compatibility/2006">
               <mc:Choice xmlns:v="urn:schemas-microsoft-com:vml" Requires="v">
-                <p:oleObj spid="_x0000_s1029" name="" r:id="rId6" imgW="241300" imgH="215900" progId="Equation.KSEE3">
+                <p:oleObj spid="_x0000_s1033" r:id="rId9" imgW="241300" imgH="215900" progId="Equation.KSEE3">
                   <p:embed/>
                 </p:oleObj>
               </mc:Choice>
               <mc:Fallback>
-                <p:oleObj name="" r:id="rId6" imgW="241300" imgH="215900" progId="Equation.KSEE3">
+                <p:oleObj r:id="rId9" imgW="241300" imgH="215900" progId="Equation.KSEE3">
                   <p:embed/>
                   <p:pic>
                     <p:nvPicPr>
@@ -22366,7 +22696,7 @@
                       <p:nvPr/>
                     </p:nvPicPr>
                     <p:blipFill>
-                      <a:blip r:embed="rId7"/>
+                      <a:blip r:embed="rId10"/>
                       <a:stretch>
                         <a:fillRect/>
                       </a:stretch>
@@ -22439,6 +22769,7 @@
           <a:bodyPr wrap="square">
             <a:spAutoFit/>
           </a:bodyPr>
+          <a:lstStyle/>
           <a:p>
             <a:pPr marL="0" lvl="1">
               <a:lnSpc>
@@ -22495,6 +22826,7 @@
           <a:bodyPr wrap="square" rtlCol="0">
             <a:spAutoFit/>
           </a:bodyPr>
+          <a:lstStyle/>
           <a:p>
             <a:endParaRPr lang="zh-CN" altLang="en-US"/>
           </a:p>
@@ -22503,54 +22835,6 @@
       <p:pic>
         <p:nvPicPr>
           <p:cNvPr id="2" name="图片 1"/>
-          <p:cNvPicPr>
-            <a:picLocks noChangeAspect="1"/>
-          </p:cNvPicPr>
-          <p:nvPr/>
-        </p:nvPicPr>
-        <p:blipFill>
-          <a:blip r:embed="rId1"/>
-          <a:stretch>
-            <a:fillRect/>
-          </a:stretch>
-        </p:blipFill>
-        <p:spPr>
-          <a:xfrm>
-            <a:off x="1506220" y="5284470"/>
-            <a:ext cx="2284730" cy="624840"/>
-          </a:xfrm>
-          <a:prstGeom prst="rect">
-            <a:avLst/>
-          </a:prstGeom>
-        </p:spPr>
-      </p:pic>
-      <p:pic>
-        <p:nvPicPr>
-          <p:cNvPr id="3" name="图片 2"/>
-          <p:cNvPicPr>
-            <a:picLocks noChangeAspect="1"/>
-          </p:cNvPicPr>
-          <p:nvPr/>
-        </p:nvPicPr>
-        <p:blipFill>
-          <a:blip r:embed="rId2"/>
-          <a:stretch>
-            <a:fillRect/>
-          </a:stretch>
-        </p:blipFill>
-        <p:spPr>
-          <a:xfrm>
-            <a:off x="4885055" y="2491740"/>
-            <a:ext cx="2429510" cy="1979295"/>
-          </a:xfrm>
-          <a:prstGeom prst="rect">
-            <a:avLst/>
-          </a:prstGeom>
-        </p:spPr>
-      </p:pic>
-      <p:pic>
-        <p:nvPicPr>
-          <p:cNvPr id="6" name="图片 5"/>
           <p:cNvPicPr>
             <a:picLocks noChangeAspect="1"/>
           </p:cNvPicPr>
@@ -22564,75 +22848,17 @@
         </p:blipFill>
         <p:spPr>
           <a:xfrm>
-            <a:off x="2035175" y="1483360"/>
-            <a:ext cx="5074285" cy="741045"/>
+            <a:off x="1506220" y="5284470"/>
+            <a:ext cx="2284730" cy="624840"/>
           </a:xfrm>
           <a:prstGeom prst="rect">
             <a:avLst/>
           </a:prstGeom>
         </p:spPr>
       </p:pic>
-      <p:sp>
-        <p:nvSpPr>
-          <p:cNvPr id="9" name="文本框 8"/>
-          <p:cNvSpPr txBox="1"/>
-          <p:nvPr/>
-        </p:nvSpPr>
-        <p:spPr>
-          <a:xfrm>
-            <a:off x="784860" y="4669155"/>
-            <a:ext cx="7736205" cy="583565"/>
-          </a:xfrm>
-          <a:prstGeom prst="rect">
-            <a:avLst/>
-          </a:prstGeom>
-          <a:noFill/>
-        </p:spPr>
-        <p:txBody>
-          <a:bodyPr wrap="square" rtlCol="0">
-            <a:spAutoFit/>
-          </a:bodyPr>
-          <a:p>
-            <a:r>
-              <a:rPr lang="en-US" altLang="zh-CN" sz="1600"/>
-              <a:t>shear nonlinearity constitutive relations for the laminates were defined with the Ramberg-Osgood equation:</a:t>
-            </a:r>
-            <a:endParaRPr lang="en-US" altLang="zh-CN" sz="1600"/>
-          </a:p>
-        </p:txBody>
-      </p:sp>
-      <p:sp>
-        <p:nvSpPr>
-          <p:cNvPr id="10" name="文本框 9"/>
-          <p:cNvSpPr txBox="1"/>
-          <p:nvPr/>
-        </p:nvSpPr>
-        <p:spPr>
-          <a:xfrm>
-            <a:off x="1082675" y="6205220"/>
-            <a:ext cx="7736205" cy="275590"/>
-          </a:xfrm>
-          <a:prstGeom prst="rect">
-            <a:avLst/>
-          </a:prstGeom>
-          <a:noFill/>
-        </p:spPr>
-        <p:txBody>
-          <a:bodyPr wrap="square" rtlCol="0">
-            <a:spAutoFit/>
-          </a:bodyPr>
-          <a:p>
-            <a:r>
-              <a:rPr lang="en-US" altLang="zh-CN" sz="1200"/>
-              <a:t>刘魏光, 余音, 汪海. 考虑剪切非线性的复合材料渐进损伤模型[J]. 上海交通大学学报, 2016, 50(2):194-199.</a:t>
-            </a:r>
-            <a:endParaRPr lang="en-US" altLang="zh-CN" sz="1200"/>
-          </a:p>
-        </p:txBody>
-      </p:sp>
       <p:pic>
         <p:nvPicPr>
-          <p:cNvPr id="11" name="图片 10"/>
+          <p:cNvPr id="3" name="图片 2"/>
           <p:cNvPicPr>
             <a:picLocks noChangeAspect="1"/>
           </p:cNvPicPr>
@@ -22646,6 +22872,112 @@
         </p:blipFill>
         <p:spPr>
           <a:xfrm>
+            <a:off x="4885055" y="2491740"/>
+            <a:ext cx="2429510" cy="1979295"/>
+          </a:xfrm>
+          <a:prstGeom prst="rect">
+            <a:avLst/>
+          </a:prstGeom>
+        </p:spPr>
+      </p:pic>
+      <p:pic>
+        <p:nvPicPr>
+          <p:cNvPr id="6" name="图片 5"/>
+          <p:cNvPicPr>
+            <a:picLocks noChangeAspect="1"/>
+          </p:cNvPicPr>
+          <p:nvPr/>
+        </p:nvPicPr>
+        <p:blipFill>
+          <a:blip r:embed="rId5"/>
+          <a:stretch>
+            <a:fillRect/>
+          </a:stretch>
+        </p:blipFill>
+        <p:spPr>
+          <a:xfrm>
+            <a:off x="2035175" y="1483360"/>
+            <a:ext cx="5074285" cy="741045"/>
+          </a:xfrm>
+          <a:prstGeom prst="rect">
+            <a:avLst/>
+          </a:prstGeom>
+        </p:spPr>
+      </p:pic>
+      <p:sp>
+        <p:nvSpPr>
+          <p:cNvPr id="9" name="文本框 8"/>
+          <p:cNvSpPr txBox="1"/>
+          <p:nvPr/>
+        </p:nvSpPr>
+        <p:spPr>
+          <a:xfrm>
+            <a:off x="784860" y="4669155"/>
+            <a:ext cx="7736205" cy="583565"/>
+          </a:xfrm>
+          <a:prstGeom prst="rect">
+            <a:avLst/>
+          </a:prstGeom>
+          <a:noFill/>
+        </p:spPr>
+        <p:txBody>
+          <a:bodyPr wrap="square" rtlCol="0">
+            <a:spAutoFit/>
+          </a:bodyPr>
+          <a:lstStyle/>
+          <a:p>
+            <a:r>
+              <a:rPr lang="en-US" altLang="zh-CN" sz="1600"/>
+              <a:t>shear nonlinearity constitutive relations for the laminates were defined with the Ramberg-Osgood equation:</a:t>
+            </a:r>
+          </a:p>
+        </p:txBody>
+      </p:sp>
+      <p:sp>
+        <p:nvSpPr>
+          <p:cNvPr id="10" name="文本框 9"/>
+          <p:cNvSpPr txBox="1"/>
+          <p:nvPr/>
+        </p:nvSpPr>
+        <p:spPr>
+          <a:xfrm>
+            <a:off x="1082675" y="6205220"/>
+            <a:ext cx="7736205" cy="275590"/>
+          </a:xfrm>
+          <a:prstGeom prst="rect">
+            <a:avLst/>
+          </a:prstGeom>
+          <a:noFill/>
+        </p:spPr>
+        <p:txBody>
+          <a:bodyPr wrap="square" rtlCol="0">
+            <a:spAutoFit/>
+          </a:bodyPr>
+          <a:lstStyle/>
+          <a:p>
+            <a:r>
+              <a:rPr lang="en-US" altLang="zh-CN" sz="1200"/>
+              <a:t>刘魏光, 余音, 汪海. 考虑剪切非线性的复合材料渐进损伤模型[J]. 上海交通大学学报, 2016, 50(2):194-199.</a:t>
+            </a:r>
+          </a:p>
+        </p:txBody>
+      </p:sp>
+      <p:pic>
+        <p:nvPicPr>
+          <p:cNvPr id="11" name="图片 10"/>
+          <p:cNvPicPr>
+            <a:picLocks noChangeAspect="1"/>
+          </p:cNvPicPr>
+          <p:nvPr/>
+        </p:nvPicPr>
+        <p:blipFill>
+          <a:blip r:embed="rId6"/>
+          <a:stretch>
+            <a:fillRect/>
+          </a:stretch>
+        </p:blipFill>
+        <p:spPr>
+          <a:xfrm>
             <a:off x="670560" y="2325370"/>
             <a:ext cx="2861310" cy="2145665"/>
           </a:xfrm>
@@ -22663,7 +22995,7 @@
           <p:nvPr/>
         </p:nvPicPr>
         <p:blipFill>
-          <a:blip r:embed="rId5"/>
+          <a:blip r:embed="rId7"/>
           <a:stretch>
             <a:fillRect/>
           </a:stretch>
@@ -22730,6 +23062,7 @@
           <a:bodyPr wrap="square">
             <a:spAutoFit/>
           </a:bodyPr>
+          <a:lstStyle/>
           <a:p>
             <a:pPr marL="0" lvl="1">
               <a:lnSpc>
@@ -22750,10 +23083,6 @@
               </a:rPr>
               <a:t>—UMAT subroutine</a:t>
             </a:r>
-            <a:endParaRPr lang="en-US" altLang="zh-CN" sz="2400" dirty="0" smtClean="0">
-              <a:latin typeface="Times New Roman" panose="02020603050405020304" pitchFamily="18" charset="0"/>
-              <a:cs typeface="Times New Roman" panose="02020603050405020304" pitchFamily="18" charset="0"/>
-            </a:endParaRPr>
           </a:p>
         </p:txBody>
       </p:sp>
@@ -22777,6 +23106,7 @@
           <a:bodyPr wrap="square" rtlCol="0">
             <a:spAutoFit/>
           </a:bodyPr>
+          <a:lstStyle/>
           <a:p>
             <a:endParaRPr lang="en-US" altLang="zh-CN"/>
           </a:p>
@@ -22789,7 +23119,6 @@
               <a:rPr lang="zh-CN" altLang="zh-CN"/>
               <a:t>可以用来定义新的材料的本构模型。</a:t>
             </a:r>
-            <a:endParaRPr lang="zh-CN" altLang="zh-CN"/>
           </a:p>
           <a:p>
             <a:endParaRPr lang="zh-CN" altLang="zh-CN"/>
@@ -22803,7 +23132,6 @@
               <a:rPr lang="zh-CN" altLang="en-US"/>
               <a:t>对于每个增量步，在单元的所有物质点处被调用。</a:t>
             </a:r>
-            <a:endParaRPr lang="zh-CN" altLang="en-US"/>
           </a:p>
           <a:p>
             <a:endParaRPr lang="zh-CN" altLang="zh-CN"/>
@@ -22831,7 +23159,6 @@
               <a:rPr lang="en-US" altLang="zh-CN"/>
               <a:t>)</a:t>
             </a:r>
-            <a:endParaRPr lang="en-US" altLang="zh-CN"/>
           </a:p>
           <a:p>
             <a:endParaRPr lang="en-US" altLang="zh-CN"/>
@@ -22853,7 +23180,6 @@
               <a:rPr lang="zh-CN" altLang="en-US"/>
               <a:t>矩阵：</a:t>
             </a:r>
-            <a:endParaRPr lang="zh-CN" altLang="en-US"/>
           </a:p>
           <a:p>
             <a:endParaRPr lang="zh-CN" altLang="zh-CN"/>
@@ -22896,7 +23222,7 @@
       <p:graphicFrame>
         <p:nvGraphicFramePr>
           <p:cNvPr id="17" name="对象 16">
-            <a:hlinkClick r:id="" action="ppaction://ole?verb="/>
+            <a:hlinkClick r:id="" action="ppaction://ole?verb=0"/>
           </p:cNvPr>
           <p:cNvGraphicFramePr>
             <a:graphicFrameLocks noChangeAspect="1"/>
@@ -22911,12 +23237,12 @@
           <a:graphicData uri="http://schemas.openxmlformats.org/presentationml/2006/ole">
             <mc:AlternateContent xmlns:mc="http://schemas.openxmlformats.org/markup-compatibility/2006">
               <mc:Choice xmlns:v="urn:schemas-microsoft-com:vml" Requires="v">
-                <p:oleObj spid="_x0000_s1025" name="" r:id="rId1" imgW="355600" imgH="393700" progId="Equation.KSEE3">
+                <p:oleObj spid="_x0000_s3074" r:id="rId4" imgW="355600" imgH="393700" progId="Equation.KSEE3">
                   <p:embed/>
                 </p:oleObj>
               </mc:Choice>
               <mc:Fallback>
-                <p:oleObj name="" r:id="rId1" imgW="355600" imgH="393700" progId="Equation.KSEE3">
+                <p:oleObj r:id="rId4" imgW="355600" imgH="393700" progId="Equation.KSEE3">
                   <p:embed/>
                   <p:pic>
                     <p:nvPicPr>
@@ -22925,7 +23251,7 @@
                       <p:nvPr/>
                     </p:nvPicPr>
                     <p:blipFill>
-                      <a:blip r:embed="rId2"/>
+                      <a:blip r:embed="rId5"/>
                       <a:stretch>
                         <a:fillRect/>
                       </a:stretch>
@@ -22966,6 +23292,7 @@
           <a:bodyPr wrap="square" rtlCol="0">
             <a:spAutoFit/>
           </a:bodyPr>
+          <a:lstStyle/>
           <a:p>
             <a:r>
               <a:rPr lang="en-US" altLang="zh-CN"/>
@@ -22975,7 +23302,6 @@
               <a:rPr lang="zh-CN" altLang="en-US"/>
               <a:t>简介：</a:t>
             </a:r>
-            <a:endParaRPr lang="zh-CN" altLang="en-US"/>
           </a:p>
         </p:txBody>
       </p:sp>
@@ -23031,6 +23357,7 @@
           <a:bodyPr wrap="square">
             <a:spAutoFit/>
           </a:bodyPr>
+          <a:lstStyle/>
           <a:p>
             <a:pPr marL="0" lvl="1">
               <a:lnSpc>
@@ -23051,10 +23378,6 @@
               </a:rPr>
               <a:t>—UMAT subroutine</a:t>
             </a:r>
-            <a:endParaRPr lang="en-US" altLang="zh-CN" sz="2400" dirty="0" smtClean="0">
-              <a:latin typeface="Times New Roman" panose="02020603050405020304" pitchFamily="18" charset="0"/>
-              <a:cs typeface="Times New Roman" panose="02020603050405020304" pitchFamily="18" charset="0"/>
-            </a:endParaRPr>
           </a:p>
         </p:txBody>
       </p:sp>
@@ -23093,6 +23416,7 @@
         </p:style>
         <p:txBody>
           <a:bodyPr vert="horz" wrap="square" lIns="91440" tIns="45720" rIns="91440" bIns="45720" numCol="1" anchor="t" anchorCtr="0" compatLnSpc="1"/>
+          <a:lstStyle/>
           <a:p>
             <a:pPr marL="0" marR="0" indent="0" algn="l" defTabSz="914400" rtl="0" eaLnBrk="0" fontAlgn="base" latinLnBrk="0" hangingPunct="0">
               <a:lnSpc>
@@ -23155,6 +23479,7 @@
         </p:spPr>
         <p:txBody>
           <a:bodyPr vert="horz" wrap="square" lIns="91440" tIns="45720" rIns="91440" bIns="45720" numCol="1" anchor="t" anchorCtr="0" compatLnSpc="1"/>
+          <a:lstStyle/>
           <a:p>
             <a:pPr marL="0" marR="0" indent="0" algn="l" defTabSz="914400" rtl="0" eaLnBrk="0" fontAlgn="base" latinLnBrk="0" hangingPunct="0">
               <a:lnSpc>
@@ -23185,17 +23510,6 @@
               </a:rPr>
               <a:t>计算应变，计算未损伤时的刚度矩阵</a:t>
             </a:r>
-            <a:endParaRPr kumimoji="0" lang="zh-CN" altLang="en-US" sz="1800" b="0" i="0" u="none" strike="noStrike" cap="none" normalizeH="0" baseline="0" smtClean="0">
-              <a:ln>
-                <a:noFill/>
-              </a:ln>
-              <a:solidFill>
-                <a:schemeClr val="tx1"/>
-              </a:solidFill>
-              <a:effectLst/>
-              <a:latin typeface="Arial" panose="020B0604020202020204" pitchFamily="34" charset="0"/>
-              <a:ea typeface="宋体" panose="02010600030101010101" pitchFamily="2" charset="-122"/>
-            </a:endParaRPr>
           </a:p>
         </p:txBody>
       </p:sp>
@@ -23231,6 +23545,7 @@
         </p:spPr>
         <p:txBody>
           <a:bodyPr vert="horz" wrap="square" lIns="91440" tIns="45720" rIns="91440" bIns="45720" numCol="1" anchor="t" anchorCtr="0" compatLnSpc="1"/>
+          <a:lstStyle/>
           <a:p>
             <a:pPr marL="0" marR="0" indent="0" algn="l" defTabSz="914400" rtl="0" eaLnBrk="0" fontAlgn="base" latinLnBrk="0" hangingPunct="0">
               <a:lnSpc>
@@ -23261,17 +23576,6 @@
               </a:rPr>
               <a:t>检查有无损伤</a:t>
             </a:r>
-            <a:endParaRPr kumimoji="0" lang="zh-CN" altLang="en-US" sz="1800" b="0" i="0" u="none" strike="noStrike" cap="none" normalizeH="0" baseline="0" smtClean="0">
-              <a:ln>
-                <a:noFill/>
-              </a:ln>
-              <a:solidFill>
-                <a:schemeClr val="tx1"/>
-              </a:solidFill>
-              <a:effectLst/>
-              <a:latin typeface="Arial" panose="020B0604020202020204" pitchFamily="34" charset="0"/>
-              <a:ea typeface="宋体" panose="02010600030101010101" pitchFamily="2" charset="-122"/>
-            </a:endParaRPr>
           </a:p>
           <a:p>
             <a:pPr marL="0" marR="0" indent="0" algn="l" defTabSz="914400" rtl="0" eaLnBrk="0" fontAlgn="base" latinLnBrk="0" hangingPunct="0">
@@ -23303,17 +23607,6 @@
               </a:rPr>
               <a:t>  （失效准则）</a:t>
             </a:r>
-            <a:endParaRPr kumimoji="0" lang="zh-CN" altLang="en-US" sz="1800" b="0" i="0" u="none" strike="noStrike" cap="none" normalizeH="0" baseline="0" smtClean="0">
-              <a:ln>
-                <a:noFill/>
-              </a:ln>
-              <a:solidFill>
-                <a:schemeClr val="tx1"/>
-              </a:solidFill>
-              <a:effectLst/>
-              <a:latin typeface="Arial" panose="020B0604020202020204" pitchFamily="34" charset="0"/>
-              <a:ea typeface="宋体" panose="02010600030101010101" pitchFamily="2" charset="-122"/>
-            </a:endParaRPr>
           </a:p>
         </p:txBody>
       </p:sp>
@@ -23349,6 +23642,7 @@
         </p:spPr>
         <p:txBody>
           <a:bodyPr vert="horz" wrap="square" lIns="91440" tIns="45720" rIns="91440" bIns="45720" numCol="1" anchor="t" anchorCtr="0" compatLnSpc="1"/>
+          <a:lstStyle/>
           <a:p>
             <a:pPr marL="0" marR="0" indent="0" algn="l" defTabSz="914400" rtl="0" eaLnBrk="0" fontAlgn="base" latinLnBrk="0" hangingPunct="0">
               <a:lnSpc>
@@ -23407,24 +23701,13 @@
               </a:rPr>
               <a:t>以及             </a:t>
             </a:r>
-            <a:endParaRPr kumimoji="0" lang="zh-CN" altLang="en-US" sz="1800" b="0" i="0" u="none" strike="noStrike" cap="none" normalizeH="0" baseline="0" smtClean="0">
-              <a:ln>
-                <a:noFill/>
-              </a:ln>
-              <a:solidFill>
-                <a:schemeClr val="tx1"/>
-              </a:solidFill>
-              <a:effectLst/>
-              <a:latin typeface="Arial" panose="020B0604020202020204" pitchFamily="34" charset="0"/>
-              <a:ea typeface="宋体" panose="02010600030101010101" pitchFamily="2" charset="-122"/>
-            </a:endParaRPr>
           </a:p>
         </p:txBody>
       </p:sp>
       <p:graphicFrame>
         <p:nvGraphicFramePr>
           <p:cNvPr id="15" name="对象 14">
-            <a:hlinkClick r:id="" action="ppaction://ole?verb="/>
+            <a:hlinkClick r:id="" action="ppaction://ole?verb=0"/>
           </p:cNvPr>
           <p:cNvGraphicFramePr>
             <a:graphicFrameLocks noChangeAspect="1"/>
@@ -23439,12 +23722,12 @@
           <a:graphicData uri="http://schemas.openxmlformats.org/presentationml/2006/ole">
             <mc:AlternateContent xmlns:mc="http://schemas.openxmlformats.org/markup-compatibility/2006">
               <mc:Choice xmlns:v="urn:schemas-microsoft-com:vml" Requires="v">
-                <p:oleObj spid="_x0000_s3074" name="" r:id="rId1" imgW="457200" imgH="177165" progId="Equation.KSEE3">
+                <p:oleObj spid="_x0000_s4102" r:id="rId4" imgW="457200" imgH="177165" progId="Equation.KSEE3">
                   <p:embed/>
                 </p:oleObj>
               </mc:Choice>
               <mc:Fallback>
-                <p:oleObj name="" r:id="rId1" imgW="457200" imgH="177165" progId="Equation.KSEE3">
+                <p:oleObj r:id="rId4" imgW="457200" imgH="177165" progId="Equation.KSEE3">
                   <p:embed/>
                   <p:pic>
                     <p:nvPicPr>
@@ -23453,7 +23736,7 @@
                       <p:nvPr/>
                     </p:nvPicPr>
                     <p:blipFill>
-                      <a:blip r:embed="rId2"/>
+                      <a:blip r:embed="rId5"/>
                       <a:stretch>
                         <a:fillRect/>
                       </a:stretch>
@@ -23506,6 +23789,7 @@
         </p:spPr>
         <p:txBody>
           <a:bodyPr vert="horz" wrap="square" lIns="91440" tIns="45720" rIns="91440" bIns="45720" numCol="1" anchor="t" anchorCtr="0" compatLnSpc="1"/>
+          <a:lstStyle/>
           <a:p>
             <a:pPr marL="0" marR="0" indent="0" algn="ctr" defTabSz="914400" rtl="0" eaLnBrk="0" fontAlgn="base" latinLnBrk="0" hangingPunct="0">
               <a:lnSpc>
@@ -23659,12 +23943,12 @@
           <a:bodyPr wrap="square" rtlCol="0">
             <a:spAutoFit/>
           </a:bodyPr>
+          <a:lstStyle/>
           <a:p>
             <a:r>
               <a:rPr lang="zh-CN" altLang="en-US"/>
               <a:t>有损伤</a:t>
             </a:r>
-            <a:endParaRPr lang="zh-CN" altLang="en-US"/>
           </a:p>
         </p:txBody>
       </p:sp>
@@ -23718,12 +24002,12 @@
           <a:bodyPr wrap="square" rtlCol="0">
             <a:spAutoFit/>
           </a:bodyPr>
+          <a:lstStyle/>
           <a:p>
             <a:r>
               <a:rPr lang="zh-CN" altLang="en-US"/>
               <a:t>无损伤</a:t>
             </a:r>
-            <a:endParaRPr lang="zh-CN" altLang="en-US"/>
           </a:p>
         </p:txBody>
       </p:sp>
@@ -23793,6 +24077,7 @@
         </p:spPr>
         <p:txBody>
           <a:bodyPr vert="horz" wrap="square" lIns="91440" tIns="45720" rIns="91440" bIns="45720" numCol="1" anchor="t" anchorCtr="0" compatLnSpc="1"/>
+          <a:lstStyle/>
           <a:p>
             <a:pPr marL="0" marR="0" indent="0" algn="l" defTabSz="914400" rtl="0" eaLnBrk="0" fontAlgn="base" latinLnBrk="0" hangingPunct="0">
               <a:lnSpc>
@@ -23823,24 +24108,13 @@
               </a:rPr>
               <a:t>计算损伤刚度矩阵</a:t>
             </a:r>
-            <a:endParaRPr kumimoji="0" lang="zh-CN" altLang="en-US" sz="1800" b="0" i="0" u="none" strike="noStrike" cap="none" normalizeH="0" baseline="0" smtClean="0">
-              <a:ln>
-                <a:noFill/>
-              </a:ln>
-              <a:solidFill>
-                <a:schemeClr val="tx1"/>
-              </a:solidFill>
-              <a:effectLst/>
-              <a:latin typeface="Arial" panose="020B0604020202020204" pitchFamily="34" charset="0"/>
-              <a:ea typeface="宋体" panose="02010600030101010101" pitchFamily="2" charset="-122"/>
-            </a:endParaRPr>
           </a:p>
         </p:txBody>
       </p:sp>
       <p:graphicFrame>
         <p:nvGraphicFramePr>
           <p:cNvPr id="16" name="对象 15">
-            <a:hlinkClick r:id="" action="ppaction://ole?verb="/>
+            <a:hlinkClick r:id="" action="ppaction://ole?verb=0"/>
           </p:cNvPr>
           <p:cNvGraphicFramePr>
             <a:graphicFrameLocks noChangeAspect="1"/>
@@ -23855,12 +24129,12 @@
           <a:graphicData uri="http://schemas.openxmlformats.org/presentationml/2006/ole">
             <mc:AlternateContent xmlns:mc="http://schemas.openxmlformats.org/markup-compatibility/2006">
               <mc:Choice xmlns:v="urn:schemas-microsoft-com:vml" Requires="v">
-                <p:oleObj spid="_x0000_s3075" name="" r:id="rId3" imgW="203200" imgH="228600" progId="Equation.KSEE3">
+                <p:oleObj spid="_x0000_s4103" r:id="rId6" imgW="203200" imgH="228600" progId="Equation.KSEE3">
                   <p:embed/>
                 </p:oleObj>
               </mc:Choice>
               <mc:Fallback>
-                <p:oleObj name="" r:id="rId3" imgW="203200" imgH="228600" progId="Equation.KSEE3">
+                <p:oleObj r:id="rId6" imgW="203200" imgH="228600" progId="Equation.KSEE3">
                   <p:embed/>
                   <p:pic>
                     <p:nvPicPr>
@@ -23869,7 +24143,7 @@
                       <p:nvPr/>
                     </p:nvPicPr>
                     <p:blipFill>
-                      <a:blip r:embed="rId4"/>
+                      <a:blip r:embed="rId7"/>
                       <a:stretch>
                         <a:fillRect/>
                       </a:stretch>
@@ -23997,6 +24271,7 @@
           <a:bodyPr wrap="square" rtlCol="0">
             <a:spAutoFit/>
           </a:bodyPr>
+          <a:lstStyle/>
           <a:p>
             <a:r>
               <a:rPr lang="zh-CN" altLang="en-US"/>
@@ -24010,7 +24285,6 @@
               <a:rPr lang="zh-CN" altLang="en-US"/>
               <a:t>子程序</a:t>
             </a:r>
-            <a:endParaRPr lang="zh-CN" altLang="en-US"/>
           </a:p>
         </p:txBody>
       </p:sp>
@@ -24034,6 +24308,7 @@
           <a:bodyPr wrap="square" rtlCol="0">
             <a:spAutoFit/>
           </a:bodyPr>
+          <a:lstStyle/>
           <a:p>
             <a:r>
               <a:rPr lang="zh-CN" altLang="en-US"/>
@@ -24047,7 +24322,6 @@
               <a:rPr lang="zh-CN" altLang="en-US"/>
               <a:t>，返回到有限元主程序</a:t>
             </a:r>
-            <a:endParaRPr lang="zh-CN" altLang="en-US"/>
           </a:p>
         </p:txBody>
       </p:sp>
@@ -24082,7 +24356,7 @@
       <p:graphicFrame>
         <p:nvGraphicFramePr>
           <p:cNvPr id="9" name="对象 8">
-            <a:hlinkClick r:id="" action="ppaction://ole?verb="/>
+            <a:hlinkClick r:id="" action="ppaction://ole?verb=0"/>
           </p:cNvPr>
           <p:cNvGraphicFramePr>
             <a:graphicFrameLocks noChangeAspect="1"/>
@@ -24097,12 +24371,12 @@
           <a:graphicData uri="http://schemas.openxmlformats.org/presentationml/2006/ole">
             <mc:AlternateContent xmlns:mc="http://schemas.openxmlformats.org/markup-compatibility/2006">
               <mc:Choice xmlns:v="urn:schemas-microsoft-com:vml" Requires="v">
-                <p:oleObj spid="_x0000_s13" name="" r:id="rId5" imgW="1905000" imgH="457200" progId="Equation.KSEE3">
+                <p:oleObj spid="_x0000_s4104" r:id="rId8" imgW="1905000" imgH="457200" progId="Equation.KSEE3">
                   <p:embed/>
                 </p:oleObj>
               </mc:Choice>
               <mc:Fallback>
-                <p:oleObj name="" r:id="rId5" imgW="1905000" imgH="457200" progId="Equation.KSEE3">
+                <p:oleObj r:id="rId8" imgW="1905000" imgH="457200" progId="Equation.KSEE3">
                   <p:embed/>
                   <p:pic>
                     <p:nvPicPr>
@@ -24111,7 +24385,7 @@
                       <p:nvPr/>
                     </p:nvPicPr>
                     <p:blipFill>
-                      <a:blip r:embed="rId6"/>
+                      <a:blip r:embed="rId9"/>
                       <a:stretch>
                         <a:fillRect/>
                       </a:stretch>
@@ -24135,7 +24409,7 @@
       <p:graphicFrame>
         <p:nvGraphicFramePr>
           <p:cNvPr id="14" name="对象 13">
-            <a:hlinkClick r:id="" action="ppaction://ole?verb="/>
+            <a:hlinkClick r:id="" action="ppaction://ole?verb=0"/>
           </p:cNvPr>
           <p:cNvGraphicFramePr>
             <a:graphicFrameLocks noChangeAspect="1"/>
@@ -24150,12 +24424,12 @@
           <a:graphicData uri="http://schemas.openxmlformats.org/presentationml/2006/ole">
             <mc:AlternateContent xmlns:mc="http://schemas.openxmlformats.org/markup-compatibility/2006">
               <mc:Choice xmlns:v="urn:schemas-microsoft-com:vml" Requires="v">
-                <p:oleObj spid="_x0000_s18" name="" r:id="rId7" imgW="2908300" imgH="939800" progId="Equation.KSEE3">
+                <p:oleObj spid="_x0000_s4105" r:id="rId10" imgW="2908300" imgH="939800" progId="Equation.KSEE3">
                   <p:embed/>
                 </p:oleObj>
               </mc:Choice>
               <mc:Fallback>
-                <p:oleObj name="" r:id="rId7" imgW="2908300" imgH="939800" progId="Equation.KSEE3">
+                <p:oleObj r:id="rId10" imgW="2908300" imgH="939800" progId="Equation.KSEE3">
                   <p:embed/>
                   <p:pic>
                     <p:nvPicPr>
@@ -24164,7 +24438,7 @@
                       <p:nvPr/>
                     </p:nvPicPr>
                     <p:blipFill>
-                      <a:blip r:embed="rId8"/>
+                      <a:blip r:embed="rId11"/>
                       <a:stretch>
                         <a:fillRect/>
                       </a:stretch>
@@ -24205,19 +24479,19 @@
           <a:bodyPr wrap="square" rtlCol="0">
             <a:spAutoFit/>
           </a:bodyPr>
+          <a:lstStyle/>
           <a:p>
             <a:r>
               <a:rPr lang="zh-CN" altLang="zh-CN"/>
               <a:t>损伤变量的表达式：</a:t>
             </a:r>
-            <a:endParaRPr lang="zh-CN" altLang="zh-CN"/>
           </a:p>
         </p:txBody>
       </p:sp>
       <p:graphicFrame>
         <p:nvGraphicFramePr>
           <p:cNvPr id="25" name="对象 24">
-            <a:hlinkClick r:id="" action="ppaction://ole?verb="/>
+            <a:hlinkClick r:id="" action="ppaction://ole?verb=0"/>
           </p:cNvPr>
           <p:cNvGraphicFramePr>
             <a:graphicFrameLocks noChangeAspect="1"/>
@@ -24232,12 +24506,12 @@
           <a:graphicData uri="http://schemas.openxmlformats.org/presentationml/2006/ole">
             <mc:AlternateContent xmlns:mc="http://schemas.openxmlformats.org/markup-compatibility/2006">
               <mc:Choice xmlns:v="urn:schemas-microsoft-com:vml" Requires="v">
-                <p:oleObj spid="_x0000_s2049" name="" r:id="rId9" imgW="2311400" imgH="889000" progId="Equation.KSEE3">
+                <p:oleObj spid="_x0000_s4106" r:id="rId12" imgW="2311400" imgH="889000" progId="Equation.KSEE3">
                   <p:embed/>
                 </p:oleObj>
               </mc:Choice>
               <mc:Fallback>
-                <p:oleObj name="" r:id="rId9" imgW="2311400" imgH="889000" progId="Equation.KSEE3">
+                <p:oleObj r:id="rId12" imgW="2311400" imgH="889000" progId="Equation.KSEE3">
                   <p:embed/>
                   <p:pic>
                     <p:nvPicPr>
@@ -24246,7 +24520,7 @@
                       <p:nvPr/>
                     </p:nvPicPr>
                     <p:blipFill>
-                      <a:blip r:embed="rId10"/>
+                      <a:blip r:embed="rId13"/>
                       <a:stretch>
                         <a:fillRect/>
                       </a:stretch>
@@ -24296,6 +24570,7 @@
         </p:spPr>
         <p:txBody>
           <a:bodyPr vert="horz" wrap="square" lIns="91440" tIns="45720" rIns="91440" bIns="45720" numCol="1" anchor="t" anchorCtr="0" compatLnSpc="1"/>
+          <a:lstStyle/>
           <a:p>
             <a:pPr marL="0" marR="0" indent="0" algn="l" defTabSz="914400" rtl="0" eaLnBrk="0" fontAlgn="base" latinLnBrk="0" hangingPunct="0">
               <a:lnSpc>
@@ -24346,12 +24621,12 @@
           <a:bodyPr wrap="square" rtlCol="0">
             <a:spAutoFit/>
           </a:bodyPr>
+          <a:lstStyle/>
           <a:p>
             <a:r>
               <a:rPr lang="en-US" altLang="zh-CN"/>
               <a:t>UMAT</a:t>
             </a:r>
-            <a:endParaRPr lang="en-US" altLang="zh-CN"/>
           </a:p>
         </p:txBody>
       </p:sp>
@@ -24391,6 +24666,7 @@
         </p:style>
         <p:txBody>
           <a:bodyPr vert="horz" wrap="square" lIns="91440" tIns="45720" rIns="91440" bIns="45720" numCol="1" anchor="t" anchorCtr="0" compatLnSpc="1"/>
+          <a:lstStyle/>
           <a:p>
             <a:pPr marL="0" marR="0" indent="0" algn="l" defTabSz="914400" rtl="0" eaLnBrk="0" fontAlgn="base" latinLnBrk="0" hangingPunct="0">
               <a:lnSpc>
@@ -24441,6 +24717,7 @@
           <a:bodyPr wrap="square" rtlCol="0">
             <a:spAutoFit/>
           </a:bodyPr>
+          <a:lstStyle/>
           <a:p>
             <a:r>
               <a:rPr lang="en-US" altLang="zh-CN"/>
@@ -24450,7 +24727,6 @@
               <a:rPr lang="zh-CN" altLang="en-US"/>
               <a:t>矩阵：</a:t>
             </a:r>
-            <a:endParaRPr lang="zh-CN" altLang="en-US"/>
           </a:p>
         </p:txBody>
       </p:sp>
@@ -24471,7 +24747,7 @@
 </file>
 
 <file path=ppt/tags/tag1.xml><?xml version="1.0" encoding="utf-8"?>
-<p:tagLst xmlns:p="http://schemas.openxmlformats.org/presentationml/2006/main">
+<p:tagLst xmlns:a="http://schemas.openxmlformats.org/drawingml/2006/main" xmlns:r="http://schemas.openxmlformats.org/officeDocument/2006/relationships" xmlns:p="http://schemas.openxmlformats.org/presentationml/2006/main">
   <p:tag name="KSO_WM_SLIDE_ID" val="150995252"/>
   <p:tag name="KSO_WM_SLIDE_INDEX" val="8"/>
   <p:tag name="KSO_WM_SLIDE_ITEM_CNT" val="3"/>
@@ -25481,6 +25757,8 @@
       </a:bgFillStyleLst>
     </a:fmtScheme>
   </a:themeElements>
+  <a:objectDefaults/>
+  <a:extraClrSchemeLst/>
   <a:extLst>
     <a:ext uri="{05A4C25C-085E-4340-85A3-A5531E510DB2}">
       <thm15:themeFamily xmlns:thm15="http://schemas.microsoft.com/office/thememl/2012/main" name="Office Theme" id="{62F939B6-93AF-4DB8-9C6B-D6C7DFDC589F}" vid="{4A3C46E8-61CC-4603-A589-7422A47A8E4A}"/>
@@ -25767,6 +26045,8 @@
       </a:bgFillStyleLst>
     </a:fmtScheme>
   </a:themeElements>
+  <a:objectDefaults/>
+  <a:extraClrSchemeLst/>
   <a:extLst>
     <a:ext uri="{05A4C25C-085E-4340-85A3-A5531E510DB2}">
       <thm15:themeFamily xmlns:thm15="http://schemas.microsoft.com/office/thememl/2012/main" name="Office Theme" id="{62F939B6-93AF-4DB8-9C6B-D6C7DFDC589F}" vid="{4A3C46E8-61CC-4603-A589-7422A47A8E4A}"/>
